--- a/File Operations With Spring Boot.pptx
+++ b/File Operations With Spring Boot.pptx
@@ -133,6 +133,46 @@
           <inkml:channelProperty channel="T" name="resolution" value="1" units="1/dev"/>
         </inkml:channelProperties>
       </inkml:inkSource>
+      <inkml:timestamp xml:id="ts0" timeString="2020-06-20T18:10:09.787"/>
+    </inkml:context>
+    <inkml:brush xml:id="br0">
+      <inkml:brushProperty name="width" value="0.05292" units="cm"/>
+      <inkml:brushProperty name="height" value="0.05292" units="cm"/>
+      <inkml:brushProperty name="color" value="#FF0000"/>
+    </inkml:brush>
+    <inkml:brush xml:id="br1">
+      <inkml:brushProperty name="width" value="0.05292" units="cm"/>
+      <inkml:brushProperty name="height" value="0.05292" units="cm"/>
+      <inkml:brushProperty name="color" value="#7030A0"/>
+    </inkml:brush>
+  </inkml:definitions>
+  <inkml:trace contextRef="#ctx0" brushRef="#br0">26666 14090 113 0,'18'116'80'16,"-14"-111"-24"-16,-3 1-2 0,1 2-69 15,3 6 3-15,2 1 7 16,4 8 7-16,2-3 1 16,1 6 1-16,0 0 0 15,1 6-1-15,-4-1-2 16,1 8 0-16,-4-5 0 15,-2 8-1-15,-1-4 0 16,-1 3 0-16,-1-4-1 16,2 2 1-16,-3-10 0 0,0-3 2 15,1-4-1 1,-1-1 2-16,0-7 0 0,1 2-1 16,0 2-6-16,-2 3-32 15,0-4-25-15,1 2-6 16</inkml:trace>
+  <inkml:trace contextRef="#ctx0" brushRef="#br1" timeOffset="11809.49">26548 14428 181 0,'34'37'43'0,"-37"-37"16"15,3 1-54-15,-1 1-6 16,0-2-1-16,1 0-1 16,0 0 0-16,0 0 0 15,0 0 2-15,0 0 0 16,0 2 2-16,0-1 2 15,0 7 1-15,0 14 0 16,-6 33 0-16,1-30-2 16,0-4-2-16,-1 0-1 0,0-4 1 15,-2 4 1 1,1-3 0-16,-1 4 0 0,0-2 0 16,-1 2 0-16,2-4-2 15,0 4 1-15,1-1-1 16,2-3 1-16,3-3-1 15,1-2 0-15,1-5 0 16,1 0-1-16,0 0-5 16,2 2-52-16,-1-2 15 15</inkml:trace>
+  <inkml:trace contextRef="#ctx0" brushRef="#br1" timeOffset="37764.37">25710 2865 175 0,'49'-27'59'0,"-2"7"19"16,31-18-48-16,13-4-5 15,31-10 1-15,3 3-10 16,33-10 9-16,-17 8 6 16,20-8 19-16,-18 10 1 0,16-10 3 15,-25 6-13-15,18-6-6 16,-24 10-18-16,3-3-3 16,-28 17-5-16,-9 4-2 15,-32 14-7-15,-16 7-91 16,-22 9-57-16,-16 9-18 15</inkml:trace>
+  <inkml:trace contextRef="#ctx0" brushRef="#br1" timeOffset="38198.62">26071 3329 709 0,'6'4'126'16,"14"-6"75"-16,13-6-215 15,29-11-1-15,21-3 7 16,43-10 4-16,3-8 2 16,31-16 5-16,-7 1 1 15,24-11 10-15,-26 4-3 0,25-11 12 16,-28 15-1-16,4-9 0 15,-23 10-6-15,5-2-2 16,-39 16-5-16,0 2-2 16,-25 15-1-16,-15 5 0 15,-25 11 1-15,-5 3 0 16,-15 3 1-16,-4 4 4 16,-4 1-3-16,-3-1 3 15,0 0-2-15,0 0 1 16,0 0-4-16,0 0 1 15,-1 0-4-15,1 0-3 16,0 0-3-16,0 0-10 16,0 0-16-16,0 0-126 15,-2 1-96-15,-13 11-20 16</inkml:trace>
+  <inkml:trace contextRef="#ctx0" brushRef="#br1" timeOffset="40087.43">23814 11338 758 0,'-11'21'285'16,"4"-6"18"-16,3-16-212 15,0 0-30-15,5 2-45 16,-2-1-8-16,1 0-4 15,0-1-8-15,0 0 0 16,1-2-12-16,16-6-3 0,23-31-1 16,89-69 5-16,-22 33-3 15,7 3 9 1,28-23 1-16,-5 13 2 0,22-13 1 16,-17 9 3-16,20-2 0 15,-29 19 0-15,5-1-1 16,-29 19-1-16,-3 2 2 15,-31 12 0-15,-9 8 1 16,-26 13 0-16,-9 7-2 16,-16 7-16-16,-4 3-113 15,-7 3-30-15,-9 14-49 16,-15 12-63-16,-33 33-10 16</inkml:trace>
+  <inkml:trace contextRef="#ctx0" brushRef="#br1" timeOffset="40547.44">24047 11932 928 0,'-5'14'251'16,"6"-15"47"-16,1-1-271 15,20-9-40-15,14-8-14 16,36-24-1-16,23-9 15 0,46-26 8 15,2-3 2-15,22-9 0 16,-14 13 3-16,8-12-6 16,-25 18 5-16,13-8 1 15,-20 11 0-15,7 5-1 16,-24 18 2-16,-4 3-2 16,-30 18-2-16,-11 7 0 15,-25 8-2-15,-9 2 2 16,-14 8 1-16,-7-4 4 15,-8 2 5-15,1 1 0 16,-3-2 1-16,-2 2 3 16,2 0-2-16,-1 0-3 15,0 0 2-15,0 0 1 16,0 0-1-16,0 0 3 16,1 0 0-16,-1 0 0 15,-1 0-2-15,1 0-5 0,0 0-5 16,0 0-47-16,0 0-44 15,0 0-94-15,1 0-84 16,1 1-30-16,3 13-67 16</inkml:trace>
+</inkml:ink>
+</file>
+
+<file path=ppt/ink/ink2.xml><?xml version="1.0" encoding="utf-8"?>
+<inkml:ink xmlns:inkml="http://www.w3.org/2003/InkML">
+  <inkml:definitions>
+    <inkml:context xml:id="ctx0">
+      <inkml:inkSource xml:id="inkSrc0">
+        <inkml:traceFormat>
+          <inkml:channel name="X" type="integer" max="29376" units="cm"/>
+          <inkml:channel name="Y" type="integer" max="16524" units="cm"/>
+          <inkml:channel name="F" type="integer" max="4095" units="dev"/>
+          <inkml:channel name="T" type="integer" max="2.14748E9" units="dev"/>
+        </inkml:traceFormat>
+        <inkml:channelProperties>
+          <inkml:channelProperty channel="X" name="resolution" value="1000.20428" units="1/cm"/>
+          <inkml:channelProperty channel="Y" name="resolution" value="1000.24213" units="1/cm"/>
+          <inkml:channelProperty channel="F" name="resolution" value="0" units="1/dev"/>
+          <inkml:channelProperty channel="T" name="resolution" value="1" units="1/dev"/>
+        </inkml:channelProperties>
+      </inkml:inkSource>
       <inkml:timestamp xml:id="ts0" timeString="2020-06-17T17:16:57.182"/>
     </inkml:context>
     <inkml:brush xml:id="br0">
@@ -142,7 +182,7 @@
     </inkml:brush>
   </inkml:definitions>
   <inkml:trace contextRef="#ctx0" brushRef="#br0">2522 6938 523 0,'-4'-2'101'15,"3"-5"35"-15,5 1-160 0,-4 5 1 16,1-1 0-16,38-22 3 16,42-44 17-16,-22 32 0 15,-1 1-1-15,4-10 4 16,-7 1 1-16,10-13 0 16,-5-5 3-16,19-9 5 15,-6 4-2-15,11-8 3 16,-11 12 1-16,12-6 1 15,-13 7-6-15,5 0 1 16,-9 12-4-16,3-1 1 16,-12 8 1-16,3-3 2 15,-15 8-1-15,-7-1 3 16,-10 8 2-16,-7 5 16 16,-15 11 5-16,0 4 15 15,-8 7-1-15,0 1 0 16,-1-1-17-16,0 4-7 0,0-1-17 15,-1 0-11-15,1 1-10 16,0 0-19-16,0 0-17 16,0 0-60-16,0 0-38 15,0 1-40-15,-4 13-43 16</inkml:trace>
-  <inkml:trace contextRef="#ctx0" brushRef="#br0" timeOffset="2026.18">14080 6742 249 0,'-5'-20'142'15,"0"5"-19"-15,-2 3-34 16,4 6-100-16,6 4-9 16,1 0-2-16,-4 2-4 15,1 0 5-15,6 0 8 16,14 0 10-16,44 3 1 16,-34-3 4-16,8-3 3 15,1 5 0-15,12-6 3 16,0-2-1-16,15 1 0 15,-1-2-3-15,14 0-1 16,-10 2-5-16,11 3 7 16,-7 1 3-16,15 3 9 15,-7-3 2-15,17-1 5 16,-9-1-2-16,15-2 0 0,-12-7-9 16,16 0 3-16,-14 0-2 15,14-3-1-15,-18 3-4 16,7 2 0-16,-16 4-3 15,9 5-3-15,-16 1-4 16,8 3 2-16,-12 1 3 16,14-1 3-16,-7-3 0 15,14-1 3-15,-9-3-1 16,9-2-3-16,-11 0-3 16,8 0-1-16,-12 5 0 15,6 2-2-15,-16 5-1 0,5 3 0 16,-12 1-2-16,12 0 3 15,-4-2 2-15,17-2-1 16,-12-3 1-16,13 2 2 16,-11-1-4-16,5 2 1 15,-14 2-2-15,15 4 1 16,-14-1-1-16,6 0-1 16,-9-2 1-16,10-2 1 15,-11-3-1-15,12 1 1 16,-7 0 1-16,6-2 0 15,-9 2-1-15,7 0 1 16,-7 0-1-16,13 2 2 16,-5 0-2-16,8 2 1 15,-10-2-1-15,8 0 1 0,-17-2-1 16,10-1 2-16,-6-5 1 16,14-1 0-16,-11-1-1 15,10-1 1-15,-12-1-3 16,4 1 1-16,-17 0-1 15,3 0 5-15,-8 0 4 16,5 1 3-16,-7 3 1 16,6-2 0-16,-7 2-6 0,2 3-2 15,-14-4-3-15,-1-1 2 16,-7 2 2-16,-4-1 7 16,-6-1 1-16,-1 2 3 15,-5 0-1-15,-3-2 1 16,-2 2-6-16,0 0 3 15,-5-1-1-15,0 1 8 16,0 0 1-16,0 0 15 16,0 0 3-16,0 0 9 15,0 0-5-15,0 0 5 16,0 0-12-16,0 0 1 16,0 0-7-16,0 0 1 15,0 0-7-15,0 0-1 16,0 0-6-16,0 0 0 15,0 0-5-15,0 0 1 0,0-2-2 16,0 1 1-16,0 0-3 16,-2 0 0-16,1 0-4 15,0 1-4-15,0 0-6 16,0 0-51-16,0 0-84 16,0 0-172-16,-2 0-17 15</inkml:trace>
+  <inkml:trace contextRef="#ctx0" brushRef="#br0" timeOffset="2026.17">14080 6742 249 0,'-5'-20'142'15,"0"5"-19"-15,-2 3-34 16,4 6-100-16,6 4-9 16,1 0-2-16,-4 2-4 15,1 0 5-15,6 0 8 16,14 0 10-16,44 3 1 16,-34-3 4-16,8-3 3 15,1 5 0-15,12-6 3 16,0-2-1-16,15 1 0 15,-1-2-3-15,14 0-1 16,-10 2-5-16,11 3 7 16,-7 1 3-16,15 3 9 15,-7-3 2-15,17-1 5 16,-9-1-2-16,15-2 0 0,-12-7-9 16,16 0 3-16,-14 0-2 15,14-3-1-15,-18 3-4 16,7 2 0-16,-16 4-3 15,9 5-3-15,-16 1-4 16,8 3 2-16,-12 1 3 16,14-1 3-16,-7-3 0 15,14-1 3-15,-9-3-1 16,9-2-3-16,-11 0-3 16,8 0-1-16,-12 5 0 15,6 2-2-15,-16 5-1 0,5 3 0 16,-12 1-2-16,12 0 3 15,-4-2 2-15,17-2-1 16,-12-3 1-16,13 2 2 16,-11-1-4-16,5 2 1 15,-14 2-2-15,15 4 1 16,-14-1-1-16,6 0-1 16,-9-2 1-16,10-2 1 15,-11-3-1-15,12 1 1 16,-7 0 1-16,6-2 0 15,-9 2-1-15,7 0 1 16,-7 0-1-16,13 2 2 16,-5 0-2-16,8 2 1 15,-10-2-1-15,8 0 1 0,-17-2-1 16,10-1 2-16,-6-5 1 16,14-1 0-16,-11-1-1 15,10-1 1-15,-12-1-3 16,4 1 1-16,-17 0-1 15,3 0 5-15,-8 0 4 16,5 1 3-16,-7 3 1 16,6-2 0-16,-7 2-6 0,2 3-2 15,-14-4-3-15,-1-1 2 16,-7 2 2-16,-4-1 7 16,-6-1 1-16,-1 2 3 15,-5 0-1-15,-3-2 1 16,-2 2-6-16,0 0 3 15,-5-1-1-15,0 1 8 16,0 0 1-16,0 0 15 16,0 0 3-16,0 0 9 15,0 0-5-15,0 0 5 16,0 0-12-16,0 0 1 16,0 0-7-16,0 0 1 15,0 0-7-15,0 0-1 16,0 0-6-16,0 0 0 15,0 0-5-15,0 0 1 0,0-2-2 16,0 1 1-16,0 0-3 16,-2 0 0-16,1 0-4 15,0 1-4-15,0 0-6 16,0 0-51-16,0 0-84 16,0 0-172-16,-2 0-17 15</inkml:trace>
   <inkml:trace contextRef="#ctx0" brushRef="#br0" timeOffset="2781.62">8528 7308 351 0,'-31'-8'74'16,"2"-2"38"-16,1 0-103 15,11 5 5-15,3 1 2 16,6 3-4-16,3 0-6 15,3 1-4-15,2 0-7 16,0 0-4-16,0 0 1 16,0 0 3-16,1-1 6 15,29-6 5-15,53-24 7 16,-29 2 0-16,14-12 1 16,-1-1-3-16,7-9 1 15,-9 5-5-15,5-1 1 16,-12 9-1-16,0 0-1 15,-12 9-1-15,2-1 0 16,-11 7-1-16,0-1-1 16,-11 3-1-16,-3 4-1 15,-9 5 0-15,-6 3-2 0,-8 6-3 16,-8 6-59-16,-7 6-64 16,-14 8-10-16,-4 9-77 15</inkml:trace>
   <inkml:trace contextRef="#ctx0" brushRef="#br0" timeOffset="3007.4">8415 7321 347 0,'-5'2'148'0,"4"-5"4"16,6-3-90-16,-5 5-27 15,3-6-16-15,33-30 3 16,43-38-1-16,-13 9 17 15,3-2 1-15,18-13-2 16,-4 5-9-16,6-3-5 16,-20 26-19-16,-1 7-5 15,-16 20-10-15,-3 8-88 16,-8 6-96-16,1 12-4 16</inkml:trace>
   <inkml:trace contextRef="#ctx0" brushRef="#br0" timeOffset="5942.61">13791 10015 22 0,'49'-6'15'15,"4"-2"7"-15,-7-3-3 16,12-4 4-16,-4 1-1 16,7-1-1-16,-8 0-7 15,3 0-4-15,-14 4-4 0,2 1-1 16,-7 1-3-1,7 0 4-15,-2-1 0 0,13-3 3 16,-2-1 0-16,10-9 5 16,-6 0-2-16,5-10 9 15,-8 0 1-15,4-9 5 16,-12 7 0-16,-1-7 19 16,-11 9 0-16,2-11 10 15,-9 4-1-15,-1-10 0 16,-5-1-20-16,-2-8 3 15,-9 10-10-15,-7-5 1 16,-5 10 9-16,-7-2 12 16,-4 7-11-16,-8-6 2 15,-2 2 1-15,-8-7-16 16,1 5-12-16,-13-5 0 16,3 6-7-16,-7 0-1 15,1 12-2-15,-15-2-7 0,2 10-2 16,-14 3 1-16,2 6-6 15,-11-2 5-15,10 2 5 16,-10 2 2-16,9 1-1 16,-13 1 0-16,7 9 0 15,-9 1-1-15,10 2 0 16,-11 4 1-16,13-3 0 16,-12-3 0-16,12 3 1 0,-6-6 1 15,15-1 2-15,-9-5 5 16,12-1 2-16,-13-5 1 15,6 3-2-15,-7-2 2 16,12 4-7-16,-9 2-2 16,12 2 0-16,-10 3-2 15,5 3-3-15,-10 3 1 16,11 1 0-16,-6 7 0 16,9 2-1-16,-9 4 1 15,10-2-1-15,-8 6 0 16,9-5 0-16,0 4-1 15,11 2 0-15,-2 9-1 16,12-1 0-16,-7 12 1 16,4 1 1-16,0 6 0 15,7-7-1-15,0 4 1 0,11-4 0 16,1 2-1-16,7-6 1 16,-2 9 0-16,3-2 0 15,2 6 0-15,5-4 0 16,5 12 0-16,4-9-2 15,5 4 0-15,4-4-1 16,5 0 1-16,1-12-1 16,8 1 2-16,1-9 1 15,4 1 0-15,2-5 0 16,7 6 1-16,-5-2 1 0,6 3-1 16,-4-4 0-16,7 3 1 15,-2-5-1-15,8-2 0 16,1-2 1-16,8 2-1 15,-2-3 0-15,10 4 0 16,-8-3 0-16,7 2 0 16,-8-3-1-16,8-1 0 15,-11-5 0-15,11 4 1 16,-6-6-1-16,11 4-1 16,-6-1 0-16,7 0 1 15,-7-5 0-15,13 0 3 16,-10-5 0-16,16 0 0 15,-6-4-1-15,9-1-1 0,-11-2 0 16,9-1 1-16,-9-3 0 16,9-3 1-16,-7 0-3 15,9-1 2-15,-10 0 0 16,10-4-2-16,-14 3-1 16,9-2 0-16,-10 0-1 15,7 1-1-15,-12 1 3 16,8-10 2-16,-6-2 2 15,6-7 0-15,-6-4 1 16,11-9 2-16,-14 4-3 0,0-6 1 16,-10 3 0-16,4-6 0 15,-15 7-1-15,4-4 4 16,-10 8 2-16,-2-6 8 16,-11 8 0-16,-2-9 4 15,-9 7 3-15,-4-6 5 16,-5 2 0-16,-4-6 4 15,-6 6-5-15,-4-8-5 16,-3 1-7-16,-9-6-10 16,-2 3-8-16,-9-8 2 15,-2 4 2-15,-5-7-3 16,-1 8 1-16,-10-3-1 16,0 10-6-16,-12-1-1 15,2 10 2-15,-9 0 0 0,10 5 4 16,-9-3 2-16,3 4 0 15,-12 0 0-15,6 5 1 16,-11-2-1-16,10 6 0 16,-7 0 0-16,8 4-2 15,-13 2-1-15,8 5-1 16,-13 2-1-16,11 3 1 16,-7-1 2-16,10 1 2 0,-8 1-1 15,11 0 2-15,-8 2-2 16,16 2 1-16,-4 1 0 15,11 2-1-15,-1-1 3 16,11-2-1-16,-8 2 1 16,10 1-1-16,-3 1 1 15,6 1-3-15,-3 3 1 16,10 0-1-16,4-2 4 16,12-2-1-16,4-1 0 15,8-2-2-15,2 2-26 16,1 0-44-16,-4 5-154 15,0 4-29-15,-5 7-80 16</inkml:trace>
@@ -153,7 +193,55 @@
 </inkml:ink>
 </file>
 
-<file path=ppt/ink/ink2.xml><?xml version="1.0" encoding="utf-8"?>
+<file path=ppt/ink/ink3.xml><?xml version="1.0" encoding="utf-8"?>
+<inkml:ink xmlns:inkml="http://www.w3.org/2003/InkML">
+  <inkml:definitions>
+    <inkml:context xml:id="ctx0">
+      <inkml:inkSource xml:id="inkSrc0">
+        <inkml:traceFormat>
+          <inkml:channel name="X" type="integer" max="29376" units="cm"/>
+          <inkml:channel name="Y" type="integer" max="16524" units="cm"/>
+          <inkml:channel name="F" type="integer" max="4095" units="dev"/>
+          <inkml:channel name="T" type="integer" max="2.14748E9" units="dev"/>
+        </inkml:traceFormat>
+        <inkml:channelProperties>
+          <inkml:channelProperty channel="X" name="resolution" value="1000.20428" units="1/cm"/>
+          <inkml:channelProperty channel="Y" name="resolution" value="1000.24213" units="1/cm"/>
+          <inkml:channelProperty channel="F" name="resolution" value="0" units="1/dev"/>
+          <inkml:channelProperty channel="T" name="resolution" value="1" units="1/dev"/>
+        </inkml:channelProperties>
+      </inkml:inkSource>
+      <inkml:timestamp xml:id="ts0" timeString="2020-06-20T18:10:57.018"/>
+    </inkml:context>
+    <inkml:brush xml:id="br0">
+      <inkml:brushProperty name="width" value="0.05292" units="cm"/>
+      <inkml:brushProperty name="height" value="0.05292" units="cm"/>
+      <inkml:brushProperty name="color" value="#7030A0"/>
+    </inkml:brush>
+  </inkml:definitions>
+  <inkml:trace contextRef="#ctx0" brushRef="#br0">3607 7634 949 0,'-1'-1'190'15,"-1"0"87"-15,1-2-286 16,0 3-3-16,1 0 0 16,-2 0-4-16,2 0 5 15,0 0-12-15,0 0-6 16,0 0-12-16,0-2 3 15,4 1 1-15,27-3 12 0,52-70 7 16,-28 30 11-16,16-11-1 16,-7 2 2-16,15-7 3 15,-7 7-1-15,9-3 3 16,-15 7 0-16,3-2 2 16,-17 13 0-16,-10 3 2 15,-14 11 2-15,-8 8 24 16,-12 9 15-16,-5 3 30 15,-4 5 13-15,-1-2 21 16,1 1-14-16,-1 0-16 16,1 0-28-16,0 0-17 15,1 0-26-15,0 0-26 16,-1 0-29-16,0 1-191 16,-8 22-107-16,-26 60-51 15</inkml:trace>
+  <inkml:trace contextRef="#ctx0" brushRef="#br0" timeOffset="1734.05">16245 6841 143 0,'1'0'176'0,"3"1"-50"15,-5-1-19-15,-1 0-53 16,2 0-53-16,0 0-14 16,-1 0-8-16,1 1-2 15,-1 5 7-15,1 23 7 0,6 39 5 16,2-24 1 0,1-2 0-16,5 8-3 0,0-4-1 15,0 6 1-15,-1-9 1 16,2 5-1-16,-3-8 5 15,2 4 2-15,-2-9 1 16,0 2 3-16,-2-6 5 16,2 2 0-16,-6-8 1 15,-2-4-1-15,-1-4-4 16,-6 1-111-16,-5-6 33 0</inkml:trace>
+  <inkml:trace contextRef="#ctx0" brushRef="#br0" timeOffset="2274.65">16199 6577 1400 0,'2'-7'236'0,"-4"3"139"15,2 4-435-15,-1-2-35 16,0 2 8-16,-1 0 2 15,0 2 19-15,-10 13 14 16,-58 55 33-16,24-21 5 16,1 0 0-16,0 0-22 15,12-8-11-15,4-3-32 0,14-12-9 16,1-4-33-16,7-9 12 16,5-4 17-16,1-7 35 15,0-2 39-15,3-2 40 16,-2 1-52-16,7-8-21 15,32-32-3-15,63-47-23 16,-27 24 2-16,-2 8 66 0,10-8 24 16,-9 11 9-16,3-1 11 15,-9 12 2-15,4 5 7 16,-16 14-5-16,2 5-1 16,-11 9-12-16,-1 3-3 15,-12 5-8-15,-7 0 25 16,-8 1 9-16,-9 1 30 15,-5 0 12-15,-3-1 12 16,-2 0-23-16,0 0-13 16,0 0-27-16,0 0-11 15,0 0-12-15,-1 0-3 16,1 0-1-16,-1 0-6 16,0 0-3-16,1 0-43 15,0 0-93-15,0 1-175 16,0 1-12-16</inkml:trace>
+  <inkml:trace contextRef="#ctx0" brushRef="#br0" timeOffset="3630.58">1439 10285 1140 0,'-27'10'255'16,"11"-9"108"-16,6-5-327 16,5 1-42-16,3 2-2 15,2 1-27-15,0-1-39 0,0 0-17 16,1-1 7-16,29-16 3 16,52-61 25-16,-5 15 30 15,10-8 20-15,16-18-1 16,-4 1-3-16,24-11 4 15,-15 9 2-15,12-12 0 16,-9 8 6-16,5 1 1 16,-16 17-1-16,3-2 2 15,-21 25-2-15,-4 7-8 16,-20 16-15-16,-9 8-94 16,-20 8-75-16,-8 10-73 15,-14 11-88-15</inkml:trace>
+  <inkml:trace contextRef="#ctx0" brushRef="#br0" timeOffset="3906.67">1421 10710 1276 0,'-13'23'285'16,"7"-12"104"-16,7-11-383 0,1-4-59 15,5-4-6-15,20-23-3 16,11-16 6-16,30-28 10 16,15-15 32-16,23-27 1 15,-2 8 6-15,19-16 3 16,-12 16 2-16,13-12 3 16,-11 19 3-16,9 1-19 15,-9 22-47-15,20-8-233 16,-11 17-34-16,3-8-114 15</inkml:trace>
+  <inkml:trace contextRef="#ctx0" brushRef="#br0" timeOffset="6165.59">18607 10379 537 0,'-12'26'320'0,"7"-7"-59"0,7-15-106 15,2-2-121-15,-4-1-69 16,0-2-6-16,0 1-2 16,0 0-15-16,0-1 4 15,1 0 20-15,7 0 9 16,29-5 6-16,44-14 19 16,-17-2 2-16,4 0-2 15,12-5 0-15,-4-1-2 16,15-2 0-16,-10 5-2 0,9-5 0 15,-6 3-1-15,9 0 3 16,-13 2 1-16,7 2 2 16,-14 1 0-16,3 2 2 15,-12 6-2-15,6 0 2 16,-17 2-1-16,0 5 1 16,-9 2-1-16,-6 0-27 15,-13 3-53-15,-3 6-80 16,-12 6-23-16,-17 7-19 15,-10 7-52-15</inkml:trace>
+  <inkml:trace contextRef="#ctx0" brushRef="#br0" timeOffset="6890.85">18780 10960 728 0,'-2'10'215'16,"0"-7"9"-16,3-6-204 16,6-2-62-16,-7 4-16 15,11-3 12-15,28-11 23 0,55-24 10 16,-39 10 9-16,12-9-1 16,-5 4 3-16,12-9 0 15,-7 7 1-15,14-6 0 16,-8 7 0-16,6-1 0 15,-17 7 0-15,0 5 2 16,-19 6-1-16,-8 2 1 16,-14 5 1-16,-7 7 5 15,-8 1 4-15,-3 3 13 16,-3 0 4-16,-1 0 3 16,1 0-8-16,-1 0-63 15,1 0-182-15,0-1 31 16</inkml:trace>
+  <inkml:trace contextRef="#ctx0" brushRef="#br0" timeOffset="9726.78">17072 12580 470 0,'-15'2'328'0,"4"-2"-28"15,3-1-75-15,6 1-116 16,0-1-32-16,2 1-54 16,0 0-16-16,0 0-7 15,0 0-7-15,0 0-8 0,0 0-31 16,0-1-15-1,0 1-16-15,1-1 5 0,13 0 7 16,18-5 30-16,53-15 14 16,-28 3 15-16,14-7-4 15,-2 0 3-15,17-4-1 16,-8 5 0-16,12-5 0 16,-12 2 5-16,11-5-1 15,-15 4 2-15,7-7 4 16,-18 9 2-16,-4-1-1 15,-19 7 1-15,-6 5 0 16,-18 5 2-16,-5 2 4 16,-5 6-3-16,-5 2-11 15,-3 0-18-15,1 0-203 16,-15 0 48-16</inkml:trace>
+  <inkml:trace contextRef="#ctx0" brushRef="#br0" timeOffset="10055.96">16944 12921 500 0,'-4'29'276'0,"4"-30"-49"16,1 2-92-16,6-5-180 0,-6 2-6 16,24-8 11-16,67-34 4 15,-21 3 32-15,25-16-1 16,-1 0 2-16,18-15 1 15,-8 6 1-15,11 3 0 16,-15 10 6-16,8 1-4 16,-20 13-2-16,-4 4-1 15,-21 8 0-15,-8 4-4 16,-21 5 4-16,-7 6 0 16,-11 5 4-16,-3 2 0 15,-8 4 3-15,-1 0 3 16,-3 2 2-16,-2-1-3 15,0-1-12-15,1 0-188 16,24-10 52-16</inkml:trace>
+  <inkml:trace contextRef="#ctx0" brushRef="#br0" timeOffset="15167.96">2135 7722 802 0,'-44'-17'216'16,"-4"2"71"-16,5 4-244 15,-11 5-47-15,3 4-28 0,-11 9-9 16,1 3-18-16,-9 4 28 15,13 2 53 1,-6 2-10-16,10-4 8 0,-1 2-1 16,4 2-26-16,-17 12-27 15,13 1 8-15,1 4 2 16,4 1-1-16,1 10-1 16,18-8 20-16,-3 2-5 15,6-2 0-15,3 4-3 16,8-12-3-16,4 2-12 15,8-3-4-15,2 4-9 16,9-3 1-16,5 5-3 16,6-2 15-16,8 6 2 15,0-3 8-15,10 3 2 16,3-5 6-16,14-2 2 16,-1-4 4-16,10-4 1 15,-3-8-2-15,9 0 0 16,-8-4 0-16,12-2-2 0,-3-2 3 15,9 0-1 1,-5-2 3-16,11-3 0 0,-9-1 3 16,17-2 0-16,-7-4 2 15,11 0 1-15,-12 0-1 16,6 3-2-16,-13 1 0 16,5-1 0-16,-9 2-2 15,10-2 2-15,-8-3 2 16,7 1-1-16,-7-2 1 15,11-4 0-15,-9 1 0 0,9 0-2 16,-13 1 1-16,5 1-1 16,-13 5-1-16,7 1 0 15,-9 5 0-15,11 0 0 16,-8-2 0-16,6 1 1 16,-7-3 1-16,6-1-1 15,-7 0 1-15,8 2-2 16,-6 0 1-16,7 1 0 15,-9 0 0-15,8-4 0 16,-8 2 1-16,4-4-1 16,-5 3-1-16,7 3 0 15,-11 4 0-15,5 0-2 16,-7 4 1-16,6 1 2 16,-10-4-1-16,13 1-1 0,-7-2 2 15,8-1 0-15,-7-1 0 16,9 3 0-16,-10-1 1 15,7 4-1-15,-7 0 0 16,12 3 0-16,-11 2-1 16,6 5 0-16,-8-1 0 15,8 4 1-15,-11-2 0 0,10-2 1 16,-3-2 0-16,14-3 0 16,-7-6 1-16,11-1-1 15,-9-2 0-15,11-3 0 16,-7 1 1-16,14-4-1 15,-9-1 1-15,14-5 0 16,-11-1 0-16,10-5-1 16,-12 4-1-16,10-1 0 15,-11 2-1-15,7 2 0 16,-13 3 0-16,9 0 1 16,-12 0 0-16,14 0 0 15,-13-1 1-15,11 1-1 16,-9-2 1-16,10 0-1 15,-10-3 1-15,14 1-1 16,-12-1 1-16,10-1-1 16,-12-2 1-16,10-2-1 0,-12 0 1 15,13 0 0-15,-14 1 1 16,11 2 0-16,-13 1 2 16,6 0-1-16,-14 2-1 15,9-2 0-15,-10 2-1 16,2-2 0-16,-7 0 0 15,9-7 1-15,-10-1 3 16,8-9 0-16,-4-2 1 0,5-5 0 16,-8 3-1-1,4-4-3-15,-12 3 2 0,2-1 0 16,-13 0 1-16,-1-5 2 16,-6 7 2-16,-5-1 33 15,-7 7 27-15,-5 5 47 16,-6 5 18-16,-5 2 31 15,0 3-24-15,-2 1-11 16,-1 1-45-16,-3-6-21 16,-3 0-33-16,-5-9-14 15,-3-6-17-15,-7-2-1 16,1 0 6-16,-2-2 16 16,0 8 20-16,-3-4 4 15,-1-1-10-15,-7-2-4 16,-2 1-18-16,-7-4-19 15,2 6-9-15,-3-1 1 0,4 3-1 16,-4-1-2-16,7 4 12 16,0-3 10-16,3 4 6 15,-7-4 3-15,5 6 2 16,-8-2-8-16,0 5-7 16,-6-1 0-16,4 5-1 15,-7-1-2-15,9 4 11 16,-4-1 0-16,5 5-5 15,-8-4-4-15,7 3 0 16,-16 0-13-16,1 5-4 0,-9-2 0 16,8 6 6-16,-10 0-1 15,8-2 3-15,-9 0 5 16,8 1 3-16,-9-1-1 16,7 2 2-16,-5 0-2 15,10 1 1-15,-4-2 1 16,4-3-2-16,-11 1 0 15,8-1 1-15,-11 2 0 16,4 1 0-16,-9 5 0 16,9-2 1-16,-11-4-1 15,5 2 2-15,-13 2-1 16,12-3 3-16,-9 2-2 16,5 4 0-16,-9-5-1 15,10 3 1-15,-13 1-2 16,11 3 1-16,-10-2 0 0,15 1-1 15,-10-1 2-15,15-5 2 16,-5-2 4-16,13-1 1 16,-6-6 11-16,14-3 3 15,-10 0-1-15,5-2-5 16,-4 2 0-16,6 3-10 0,-7 1-3 16,12 0-1-16,-4-2 2 15,7 2-1-15,-8-1 2 16,9-3 6-16,-7 1 6 15,5-1-2-15,-4-1-1 16,9 2-1-16,-3 0-4 16,8 2-5-16,-5-1 1 15,5-1-1-15,-6 0-1 16,1 3-4-16,-15 2-22 16,4 6-1-16,-3 4 6 15,3 0-1-15,-7 2 0 16,13 2 22-16,-10-6 1 15,4 5-7-15,-4 2 3 16,7-2 1-16,-8-4-2 16,14 5 3-16,-2-5 0 15,5-4-1-15,-8 0-1 0,7 2 2 16,-10-1-3-16,3-1 3 16,-6 1 1-16,10-2-1 15,-5-2 3-15,9-2-1 16,-11 1-1-16,6-1-2 15,-11 0-1-15,2 5-4 16,-8 0 1-16,8-1 0 16,-9 2-1-16,7 0 3 0,-8-2 2 15,6-3 2-15,-5 2 2 16,6-4-1-16,-3 1 1 16,14-2-2-1,-8-3-3-15,8 0-1 0,-8 1-3 16,6 2-1-16,-9 2 1 15,9 2 2-15,-7 0 0 16,12 2 3-16,-3-4 2 16,9 1 1-16,-1 0 1 15,9 1-2-15,1 0-1 16,6 2-5-16,-4 4-8 16,4 7-14-16,-6 6-37 15,0 14-5-15,-7 16-21 16,4 13-17-16,-5 32-123 15,10 15-122-15,-1 12-10 0</inkml:trace>
+  <inkml:trace contextRef="#ctx0" brushRef="#br0" timeOffset="16492.88">425 8893 1245 0,'-16'16'315'15,"27"-16"93"-15,-10 0-382 16,-2-2-54-16,5-5-20 16,-4 6-15-16,6-11 5 15,15-28 25-15,59-53 16 16,-26 30 14-16,18-11 0 15,-4 2 0-15,9-11 3 0,-3 8-3 16,13-8 2-16,-15 12 0 16,8 4-27-16,-6 13-22 15,-1-1-40-15,-17 16-61 16,-4 12-167-16,-18 10-1 16,-11 17-84-16</inkml:trace>
+  <inkml:trace contextRef="#ctx0" brushRef="#br0" timeOffset="16786.73">1070 8468 175 0,'-51'69'94'0,"3"-8"43"16,11-21-36-16,7-3 12 15,15-17-4-15,9-10-9 16,5-6-51-16,2-3-27 16,1-1-33-16,-2-1-12 15,2 0-1-15,14-7 9 16,23-33 19-16,63-64 15 15,-29 23 1-15,17-24 1 16,-8 5-4-16,4-9 0 16,-12 22-5-16,0 3-2 15,-21 23-3-15,-8 10 0 16,-15 21 0-16,-9 12 4 16,-14 9 0-16,-4 10-4 15,-3 3-3-15,6 5-1 0,5 7-7 16,14 25-200-1,5 11 72-15</inkml:trace>
+  <inkml:trace contextRef="#ctx0" brushRef="#br0" timeOffset="18674.05">2001 12350 1176 0,'-26'6'298'0,"3"-18"88"0,-6 13-341 16,-1 2-77-16,-10 7-19 15,-3 9-29-15,-10 16-36 16,-1-1 25-16,-7 11 11 16,7 3 23-16,-4 5 22 15,9-3 37-15,-9 15-3 16,6-3 0 0,-8 11 0-16,6-4 0 0,-9 7 0 15,15-8 1-15,-3 13-2 16,11-14 2-16,-3 9-1 15,7-9 0-15,1 4-3 16,7-14 1-16,-1 12-1 16,6-8 0-16,-3 5 0 15,1-10 4-15,-2 7-1 16,3-11 0-16,-2 7 0 16,8-5 0-16,-4 20-2 15,7-1 0-15,0 9-1 0,2-5 3 16,2 12-4-16,3-13 0 15,2 8 0 1,2-6 0-16,4 2-2 0,2-10 2 16,2 10 1-16,-2-9 2 15,4 14 0-15,1 1 2 16,1 11 1-16,1-7 0 16,3 18-1-16,-2-12 0 15,3 6-3-15,1-8 2 16,1 10-1-16,0-14 1 0,3 10-1 15,-3-12 3-15,1 3-2 16,1-16 2-16,1 5-4 16,-5-17 4-16,2 4-2 15,-6-9 1-15,-2-2-1 16,-4-13 4-16,1-2-2 16,-3-13 1-16,0 1-1 15,0-11 2-15,0 1-1 16,0-4 1-16,1 0-2 15,1-3 0-15,-1 6-1 16,2-2 0-16,-2 1-2 16,4 4 0-16,-1 2-3 15,4-2 0-15,6 4-3 16,1-2 2-16,6 3-1 16,2-5 3-16,3 4-2 15,-2-5 2-15,7 8-2 16,-3-4 0-16,7 4-3 0,-1 0 2 15,14-1-2-15,-4-2 4 16,9 3-1-16,-4-2 2 16,6 1-1-16,-6 0 1 15,7 5 0-15,-1-3 1 0,15 4-1 16,-3-3 1-16,9 5 1 16,-4-5-1-16,10 1 1 15,-8-2 2-15,14 2-3 16,-10-8 2-16,10 1-2 15,-9-1 1-15,8-6-2 16,-10-4 2-16,15 6-1 16,-11-7 3-16,8 2-1 15,-11-2 2-15,10-2 1 16,-14-5 1-16,9 2-1 16,-13-6 1-16,0-2-1 15,-17 2-3-15,-1-2 0 16,-17-2-1-16,0 1-1 15,-12 4 1-15,-3-2 1 16,-10 2 2-16,-3-5 9 16,-5 3 8-16,-2-2 80 0,-1 1 28 15,0 1 43-15,0 0 6 16,-1-1 12-16,1 1-76 16,-2 0-24-16,1 0-43 15,0 0-21-15,0 0-35 16,1 0-124-16,0 0-171 0,0 0-136 15,0 0-124 1</inkml:trace>
+  <inkml:trace contextRef="#ctx0" brushRef="#br0" timeOffset="33046.85">22765 3998 418 0,'-5'-56'3'0,"-3"-2"100"16,4 13-162-16,1-2 177 16,-1 12-8-16,0 3 16 15,-1 8-9-15,1 5-31 16,2 12-57-16,0 3-35 0,1 5-29 15,0-1-11-15,0 1 1 16,-7 35 6-16,-10 48 20 16,3-10 6-16,2 8 6 15,-1 25 2-15,-1 1 3 16,-3 24 3-16,6-11 0 16,0 5 2-16,1-18 1 15,0 0 3-15,7-21 1 16,0-15-11-16,5-21-39 0,4-13-128 15,7-27 17-15</inkml:trace>
+  <inkml:trace contextRef="#ctx0" brushRef="#br0" timeOffset="33315.69">23278 3310 1022 0,'11'38'154'0,"-10"8"123"15,-13 16-307-15,-5 34 0 16,-1 17 22-16,-7 39 5 16,0-5 3-16,-3 19-1 15,3-25 4-15,0 15 0 0,3-34-1 16,-6-1-3-1,8-24-30-15,-5-1-84 0,1-32-65 16,-1-12-99-16,1-26-69 16</inkml:trace>
+  <inkml:trace contextRef="#ctx0" brushRef="#br0" timeOffset="33673.87">22125 4111 879 0,'-12'19'220'16,"8"1"41"-16,5 13-212 16,-1 14-110-16,7 23 11 15,5 9 41-15,11 17-6 16,8-8 0-16,17 4-2 15,6-16-5-15,14-1-9 16,1-24 4-16,16-13-1 16,2-21 2-16,16-19 2 15,-4-22 7-15,26-26 5 0,2-19 5 16,28-35 2-16,-8-5 6 16,26-18 4-16,-21 9 1 15,5-10 2-15,-29 24 0 16,2-4-28-16,-35 17-61 15,2-9-133-15,-26 22-4 16</inkml:trace>
+  <inkml:trace contextRef="#ctx0" brushRef="#br0" timeOffset="34075.66">22928 2813 896 0,'-11'73'155'16,"-18"30"98"-16,-1 3-277 15,-16 44 16-15,0 6 5 16,-11 23-3-16,10-20 5 16,1 25-1-16,10-28 0 15,3 8 1-15,19-31 2 16,12-2-4-16,7-42-14 0,15-10-44 15,6-35-23-15,10-21-43 16,2-34-3-16,22-41-105 16,7-27 40-16</inkml:trace>
+  <inkml:trace contextRef="#ctx0" brushRef="#br0" timeOffset="34317.85">23447 2686 849 0,'-6'11'125'0,"-3"20"101"15,-2 12-256-15,-2 31-5 16,-1 19 22-16,-3 29-1 16,4-6 7-16,-1 31 3 15,-2-7 8-15,-7 12 2 16,0-14 1-16,-7 13 1 0,2-29 0 15,-5 6-79-15,3-21-77 16,-4 3-78-16,9-26-77 16</inkml:trace>
+  <inkml:trace contextRef="#ctx0" brushRef="#br0" timeOffset="34727.93">22336 3753 578 0,'27'51'138'16,"-15"14"41"-16,2 34-158 0,1 20-35 15,3 31 3-15,9-6 3 16,8-1 3-16,2-38 2 15,12-15-20-15,8-35 2 16,23-26-4-16,9-29 7 16,54-39-3-16,24-44 24 15,77-75 5-15,13-42-158 0,50-63 55 16</inkml:trace>
+</inkml:ink>
+</file>
+
+<file path=ppt/ink/ink4.xml><?xml version="1.0" encoding="utf-8"?>
 <inkml:ink xmlns:inkml="http://www.w3.org/2003/InkML">
   <inkml:definitions>
     <inkml:context xml:id="ctx0">
@@ -272,7 +360,7 @@
   <inkml:trace contextRef="#ctx0" brushRef="#br0" timeOffset="61963.27">31341 3733 601 0,'-4'25'78'16,"-7"-2"78"-16,-4-17-186 16,-13 13 9-16,-4 3 14 15,-10 5 6-15,3-1 0 0,-5 8 2 16,9-4 0-16,1 6 1 16,9-5 0-16,3 1 2 15,7-11 0-15,6-4 5 16,4-7-5-16,4-6-6 15,4-4-3-15,10-2 3 16,9-3 2-16,23-5 16 16,14-3 5-16,20-3 4 15,5 1-1-15,3-2 12 16,-17 4 2-16,1 2 6 16,-17 0-2-16,1 2-2 15,-12 1-16-15,-2 2-10 16,-12 4-6-16,-6 1 2 15,-9 1 1-15,-5 1 0 16,-4 0-1-16,-2 0 3 16,1 0-54-16,-4-1-192 0,0 0 48 15</inkml:trace>
   <inkml:trace contextRef="#ctx0" brushRef="#br0" timeOffset="66317.82">7102 3574 670 0,'5'8'208'16,"-10"-6"0"-16,8 2-217 15,-2 4-97-15,7 15-3 16,2 9 22-16,1 17 21 31,2 7 61-31,5 16 0 0,1 0 1 0,6 19-3 16,-1-5-1-16,3 21 0 15,-3-5-1-15,4 21-9 16,-9-14-7-16,2 13 1 16,-3-16 4-16,3 14 6 15,-5-19 12-15,6 3 5 16,2-11 0-16,6 13 3 16,-1-12 7-16,4 11 14 0,-7-14 6 15,-2-2 4-15,-8-21 0 16,-1-7-7-16,-5-24-17 15,-2-5-25-15,-3-9-40 16,1-6-101-16,-5-12-5 16</inkml:trace>
   <inkml:trace contextRef="#ctx0" brushRef="#br0" timeOffset="66649.14">7324 5741 759 0,'-14'14'126'16,"2"-6"84"-16,4 9-239 15,11 8 15-15,7 19-3 16,11-3 10-16,11 13-1 16,6-2 4-16,18 8-3 15,-2-20 2-15,3-2-8 16,-7-16-2-16,1-12-3 15,-18-16 3-15,0-9 0 16,-9-4 9-16,-3-8 11 16,-5 0 14-16,9-6 11 0,-3-9 5 15,-1-6 2-15,-3-1-4 16,-2-14-9-16,-13 4-11 16,-8 8-37-16,-3 8-64 15,-9 5-137-15,-5 20-11 16</inkml:trace>
-  <inkml:trace contextRef="#ctx0" brushRef="#br0" timeOffset="67070.9">6420 7604 1228 0,'1'4'221'15,"-2"-8"115"-15,1 3-449 16,0 1 8-16,0 1 3 15,13 20 13-15,38 72 17 16,-19-19 76-16,10 18-7 16,-7-5-9-16,4 10-18 0,-9-15-3 15,4 8 1-15,-10-12 7 16,1 8 11-16,-4-13 16 16,-1-6 3-16,-9-20-1 15,1-5-5-15,-6-19-1 0,-3-8 17 16,-3-11 29-16,-5-8-28 15,-5-15-66-15,-11-28-182 16,-1-15-8-16</inkml:trace>
+  <inkml:trace contextRef="#ctx0" brushRef="#br0" timeOffset="67070.89">6420 7604 1228 0,'1'4'221'15,"-2"-8"115"-15,1 3-449 16,0 1 8-16,0 1 3 15,13 20 13-15,38 72 17 16,-19-19 76-16,10 18-7 16,-7-5-9-16,4 10-18 0,-9-15-3 15,4 8 1-15,-10-12 7 16,1 8 11-16,-4-13 16 16,-1-6 3-16,-9-20-1 15,1-5-5-15,-6-19-1 0,-3-8 17 16,-3-11 29-16,-5-8-28 15,-5-15-66-15,-11-28-182 16,-1-15-8-16</inkml:trace>
   <inkml:trace contextRef="#ctx0" brushRef="#br0" timeOffset="67259.22">6658 8153 359 0,'-32'-104'235'0,"2"16"-41"0,-4-7-9 16,8 7-126-16,0 2 1 15,11 20 0-15,4 1-2 16,5 15-23-16,0 3-16 15,4 9-4-15,1 6 5 16,0 18 2-16,1 3-3 16,1 7-12-16,0 1-44 15,2 3-27-15,-3 0-43 16,2 1-2-16,14 33-34 16,47 53-2-16,-32-7-62 15,-11 2 15-15</inkml:trace>
   <inkml:trace contextRef="#ctx0" brushRef="#br0" timeOffset="67633.52">6628 8342 249 0,'16'1'129'0,"-2"-6"-21"16,-4-12-28-1,14-14-88-15,8-8 3 16,12-13 7-16,5 3 4 0,4-1-5 15,-8 13 0-15,-1-1 1 16,-9 10-2-16,1-4 0 16,-5 6 1-16,-1-1-16 15,-4 5-21-15,-7 4-21 16,-7 7-12-16,-3 4 48 16,-4 4 40-16,-5 4 56 15,0-2 24-15,0 1-3 16,0 0-57-16,0 1-29 15,1 6-36-15,10 32-2 16,17 40 14-16,-8-26 10 16,-2-1 5-16,5 5 4 15,0-6 3-15,1 5 3 16,-2-5-1-16,4 3-33 0,-6-11-105 16,-2-20-7-16,-10-23-71 15</inkml:trace>
   <inkml:trace contextRef="#ctx0" brushRef="#br0" timeOffset="67804.25">7295 7419 821 0,'-7'-6'307'16,"4"6"-25"-16,4 1-354 15,-1-1-151-15,0 1 3 16,16 32-8-16,32 60-54 15,-18-26 209-15</inkml:trace>
@@ -346,7 +434,7 @@
   <inkml:trace contextRef="#ctx0" brushRef="#br0" timeOffset="136302.29">24337 10394 148 0,'1'-1'242'0,"2"-1"16"15,-2 1 12-15,-1-1-5 16,0 0-61-16,5-12-55 16,12-20-73-16,24-49-6 15,-19 33 4-15,-1-6 13 16,-6 4 0-16,-3-19-5 0,-2 0-38 16,1-15-24-16,1 6-16 15,-1-6-4 1,1 21-7-16,-3 5-13 0,-4 17-3 15,-2 5-4-15,-3 16-3 16,0 6-11-16,-2 7 1 16,-1 8-31-16,1 9-6 15,-5 9-3-15,-2 7 15 16,-6 23 8-16,-1 7 27 16,0 20 4-16,4-1 9 0,6 16 0 15,8-12 6-15,8 1 4 16,5-21 3-16,10-3 1 15,4-17 2-15,17 0-4 16,4-10 1-16,13-3 1 16,4-9 3-16,14-5 1 15,-12-9 4-15,2-4 1 16,-14-5 4-16,-11-4 29 16,-21-1 15-16,-2-8 16 15,-10-5-2-15,1-13-6 16,-1-2-30-16,-3-8 9 15,-5 3-26-15,-5 2 11 16,-6 13 1-16,-8 4-12 16,-1 9-35-16,-8 7-12 15,-2 7-18-15,-8 14-7 16,3 8 7-16,3 12-7 16,9 5 16-16,13 11 1 0,14-4 9 15,23 9 8-15,17-4 17 16,36 4 14-16,17-15 18 15,39-10-319-15,1-14 115 16</inkml:trace>
   <inkml:trace contextRef="#ctx0" brushRef="#br0" timeOffset="137814.75">21999 10918 767 0,'7'-5'145'15,"-6"7"46"-15,0 3-228 16,-1-5-18-16,0 1 5 0,13 29 9 15,17 45 29 1,-13-21 4-16,-3 2 4 0,2 10 1 16,-4-4 0-16,2 2 4 15,-5-17 1-15,-1-4 2 16,-4-18 2-16,2-10 4 16,-3-9 6-16,0-2 56 15,-1-10 21-15,-2 4-4 16,13-23-55-16,43-69-12 15,-22 28-42-15,3-10-1 16,-10 13 22-16,-6 14 93 16,-12 21 7-16,-1 5-16 15,-2 14-25-15,-1 3-28 16,-3 5-49-16,0 0-18 16,-2 1-7-16,0 0-9 0,2 1 5 15,2 6 2-15,4 23 14 16,45 46 11-16,-35-33 12 15,4 12 6-15,-2-5 8 16,5 2 1-16,-7-14 1 16,2-4-2-16,-5-14-4 15,-4-6-5-15,-4-13 2 16,0-2 10-16,1-3 3 16,7-15 0-16,8-12 2 15,12-12-3-15,7-6-12 0,8-12-2 16,-9 14 1-16,-4 9 2 15,-15 12 1-15,-7 7 2 16,-9 13 2-16,-3 3-5 16,0 2-3-16,-3 1-11 15,0 0-4-15,1 1-4 16,0 0 2-16,20 28-2 16,34 37 9-16,-28-25 2 15,-4-1 5-15,3 8 4 16,-2-9 6-16,7 0 2 15,1-8 1-15,3-9-1 16,-1-9 0-16,7-5-1 16,-4-6-2-16,1-8 1 15,-4 1 4-15,-4-8 15 16,-11-4 11-16,-1-10 13 16,-5 0 3-16,1-10 0 0,-2 1-14 15,-1-3-11-15,-3 10-7 16,-3 5 11-16,-3 10 3 15,-2 1 8-15,0 9-1 16,-1 1-18-16,0 1-28 16,0 2-40-16,1 0-23 15,0 0-6-15,0 1 12 0,2 21 12 16,13 45 35-16,-1-26 12 16,1-1 5-16,7-1 1 15,0-9-2-15,7-1-2 16,-2-12 0-16,3-7 0 15,-2-3 2-15,2-6 1 16,-6-5 4-16,3-6 2 16,-6 2 2-16,1-11 2 15,-4-1 0-15,-1-9 3 16,-2-2 0-16,2-14-3 16,0 1-3-16,2-14-1 15,-5 6 3-15,-4-4 29 16,-6 14 9-16,-7 1 20 15,-2 15 16-15,-4 1 3 16,3 5-31-16,-1 0-20 16,1 5-25-16,0 3-24 0,1 1-15 15,1 3-1-15,2 4 13 16,0 1 7-16,0 2 9 16,2 0 2-16,0 1 3 15,0-1-8-15,-1 1-9 16,1 0-19-16,0 0-12 15,0 0-22-15,0 0 4 16,0 1 3-16,0 12 17 0,1 14 8 16,5 37 21-16,-4-26-1 15,4-4 3-15,5 10 1 16,1-3 5-16,8 1 3 16,4-5 4-16,9 0 5 15,6-13 5-15,14-5 3 16,2-12-2-16,8-12-87 15,-3-12-130-15,5-9-108 16,-20-1-98-16</inkml:trace>
   <inkml:trace contextRef="#ctx0" brushRef="#br0" timeOffset="138499.84">24223 11244 573 0,'9'8'296'16,"-4"-6"-48"-16,-5-2-102 15,3 3-194-15,-3-3-2 16,0 0 14-16,1 1 6 15,14 2 28-15,10 6 3 16,31 31 2-16,-28-40 4 16,-4-7 5-16,8-9 3 15,2-3 1-15,8-6-1 16,-4-3 1-16,3-4 20 16,-10 1 22-16,-4-6 44 0,-9 2 18 15,-4-4 13-15,-6 2-13 16,0-19-29-16,-6 0-43 15,-1-9-19-15,-2 0-18 16,-4-5-12-16,0 21 5 16,-2 5 4-16,0 14-2 15,0 9 1-15,1 11-2 16,0 2-17-16,3 4-21 0,-3 5-48 16,-1 2-10-16,-7 12-11 15,-4 12 12-15,-7 25 7 16,-3 13 50-16,-1 26 9 15,6-1 16-15,6 12 2 16,10-16 6-16,15-3-3 16,10-20 1-16,20-2 0 15,11-19 3-15,20-7 8 16,1-17-17-16,21-16-268 16,-4-19 86-16</inkml:trace>
-  <inkml:trace contextRef="#ctx0" brushRef="#br0" timeOffset="138887.38">24480 11024 1136 0,'-18'-9'236'16,"12"5"103"-16,5 3-347 16,2 3-74-16,-1-2-15 15,0 0-2-15,1 0 6 16,37 6 10-16,47 7 65 15,-13-9 17-15,-1-1 4 16,16-3 1-16,-10-4-1 0,3-3-1 16,-17-1-2-16,-7-1-1 15,-19 1 4-15,-9 0 23 16,-15 3 30-16,-6 2 38 16,-5-1 13-16,-2 3 6 15,0 1-22-15,-1 0-29 16,0 0-40-16,1 0-28 15,0 0-22-15,0 0-35 16,0 0-6-16,0 1-1 16,0 2 18-16,8 29 17 15,12 38 37-15,-6-23 2 16,0 2-27-16,3 0-115 16,1-9-143-16,1-14-25 15,-3-21-148-15</inkml:trace>
+  <inkml:trace contextRef="#ctx0" brushRef="#br0" timeOffset="138887.37">24480 11024 1136 0,'-18'-9'236'16,"12"5"103"-16,5 3-347 16,2 3-74-16,-1-2-15 15,0 0-2-15,1 0 6 16,37 6 10-16,47 7 65 15,-13-9 17-15,-1-1 4 16,16-3 1-16,-10-4-1 0,3-3-1 16,-17-1-2-16,-7-1-1 15,-19 1 4-15,-9 0 23 16,-15 3 30-16,-6 2 38 16,-5-1 13-16,-2 3 6 15,0 1-22-15,-1 0-29 16,0 0-40-16,1 0-28 15,0 0-22-15,0 0-35 16,0 0-6-16,0 1-1 16,0 2 18-16,8 29 17 15,12 38 37-15,-6-23 2 16,0 2-27-16,3 0-115 16,1-9-143-16,1-14-25 15,-3-21-148-15</inkml:trace>
   <inkml:trace contextRef="#ctx0" brushRef="#br0" timeOffset="139052.43">25150 10613 1070 0,'7'-10'190'15,"-3"3"-17"-15,-2 12-323 16,2 12-65-16,2 7-61 15,-2 14-24-15,1 0 70 0</inkml:trace>
   <inkml:trace contextRef="#ctx0" brushRef="#br0" timeOffset="139303.6">25531 10701 1016 0,'3'0'421'0,"-1"0"-26"16,0-1-230-16,-2 1-214 15,0 0-33-15,0 1-2 16,3 22 16-16,13 63 12 16,-5-27 41-16,7 17 13 15,-3 2 5-15,-4 13 4 16,-3-7-80-16,-4 14-82 0,-5-12-48 15,-6 4-129-15,-3-21-54 16</inkml:trace>
   <inkml:trace contextRef="#ctx0" brushRef="#br0" timeOffset="139596.81">25722 10955 995 0,'27'2'164'16,"-32"-1"111"-16,16 4-305 15,5 3-1-15,4 8 6 16,-4 5 6-16,2 12-14 16,-6 4-7-16,-7 10-11 15,-8-2 5-15,-6 6 1 16,-9-10 14-16,-9 2 7 15,3-14 12-15,-3-5 2 16,5-11 5-16,3-9-12 16,8-7-31-16,-1-7-151 15,3-8-6-15,0-12-88 0</inkml:trace>
@@ -356,12 +444,12 @@
   <inkml:trace contextRef="#ctx0" brushRef="#br0" timeOffset="143387.51">23145 12194 845 0,'16'-12'243'0,"-9"5"50"16,-8 6-252-16,1 1-64 15,-2 0-43-15,0 0-34 16,1 0-4-16,-2 5 6 15,-12 26 41-15,-53 45 20 16,32-32 32-16,0 2 1 16,9-13 3-16,5 0 2 15,9-10-5-15,6 0-3 16,7-7-3-16,8 1-11 16,11-5 0-16,18-2 1 15,11-2 4-15,25-1 7 0,3 0 10 16,15 2 2-16,-9 3 1 15,1 4 0-15,-23 0-2 16,-7 3-1-16,-19-3 0 16,-11 3-7-16,-15-3-4 15,-11 6 0-15,-12 3 3 0,-22 3 0 16,-7-2 7-16,-12-2 7 16,-1-8 4-16,-7-7 4 15,12-10 14-15,7-5 92 16,11-2 24-16,9-2 35 15,15 3-10-15,6-2-21 16,5 0-105-16,18-12-50 16,11-3-41-16,15-9-2 15,9 2 6-15,20-4 10 16,-6 9 24-16,10 0 4 16,-4 5 5-16,5 2-1 15,-15 8 2-15,-4 2-1 16,-22 4 0-16,-9 4 0 15,-16 2 2-15,-4 0-3 16,-7 3-2-16,4 4-1 0,-3 3 0 16,2 7-1-16,0 3 2 15,6 7 5-15,-3 0 2 16,2 3-18-16,-2-3-36 16,0-3-177-16,-4-7-67 15,2-18-74-15</inkml:trace>
   <inkml:trace contextRef="#ctx0" brushRef="#br0" timeOffset="143564.69">24102 12260 1056 0,'6'-4'285'16,"-3"4"58"-16,-2 0-312 15,-1 0-85-15,0 0-35 16,0 1-8-16,4 6-44 15,5 21-38-15,45 47-115 16,-40-31 0-16</inkml:trace>
   <inkml:trace contextRef="#ctx0" brushRef="#br0" timeOffset="144484.59">24208 12449 999 0,'44'-28'232'0,"-38"25"70"16,-5 4-300-16,1 1-36 0,-2-2-10 15,0 0-3-15,1 0 12 16,9 7 6-16,9 1 17 16,34 52 0-16,-39-35 4 15,-5 3 0-15,1-4 3 16,-3 2 0-16,-1-7 4 15,0 1-14-15,-2-4-18 0,1-3-31 16,1-2-11-16,4-6-4 16,4-6 14-16,13-8 18 15,5-1 32-15,9-9 9 16,1-2 6-16,4-8 5 16,-8 4 10-16,4-7 10 15,-11 5 12-15,-1-1 20 16,-10 7-2-16,1 2 4 15,-11 4-3-15,0 3-2 16,-5 5-17-16,-1 3 1 16,-3 0-8-16,1 4-6 15,-2 0-12-15,0 0-23 16,0 0-18-16,-1 0-14 16,0 0-2-16,0 1 2 15,-1 7 22-15,-6 14 13 0,-15 35 10 16,17-32-7-16,2-4-10 15,8 0-20-15,6-7-5 16,15-6-2-16,10-8 6 16,17-12 10-16,7-6 18 15,8-7 4-15,-10 4 3 16,-5-4 11-16,-18 9 27 16,-11 2 56-16,-14 6 19 15,-5-1 22-15,-1 6 4 0,-3-1-6 16,0 2-54-16,0 1-22 15,0 1-32-15,0 0-37 16,-1 0-34-16,-1 0-24 16,1 0 4-16,-1 1 7 15,-14 8 25-15,-16 14 14 16,-34 37 21-16,38-36-3 16,9-4-6-16,5 1-11 15,10-4-4-15,7 0-9 16,7 1-1-16,8 3-2 15,5 2 8-15,12 7 1 16,4 3 9-16,6 8 7 16,-2-2 8-16,5 8 3 15,-8-6 2-15,-6 9 1 0,-10-7-3 16,-6 9-4-16,-15-6-2 16,-12 7-3-16,-8-9-3 15,-11 4-1-15,-1-13 5 16,-4-2 1-16,7-15 5 15,6-5 13-15,7-9 26 16,5-3 65-16,5-5 12 0,6-23-40 16,6-14-82-16,17-34-263 15,11-8-52-15,15-11-29 16,7 14-192-16</inkml:trace>
-  <inkml:trace contextRef="#ctx0" brushRef="#br0" timeOffset="145115.38">25541 12768 701 0,'-10'16'298'0,"6"-5"8"16,4-11-165-16,1-3-90 0,1 2-36 15,-2 0-9-15,0 0-15 16,4-2-1-16,28-18 3 16,49-57 7-16,-33 31 5 15,2-9 9-15,-12 5 14 16,-3-6 10-16,-11 5 1 16,0-11 7-16,-3 2-6 15,0-2 1-15,-4 8 4 16,-5 6 24-16,-4 15 0 15,-5 9 10-15,-5 9-18 0,0 7-28 16,0 5-36 0,0 2-46-16,-1 5-35 0,2-3-5 15,-1 1 11-15,-4 28 7 16,-52 49 34-16,33-19 18 16,8-2 6-16,6 3-5 15,10-9-1-15,14-3-6 16,9-16 4-16,15-1-3 15,8-13 3-15,15-6 3 16,-2-9 7-16,8-7 0 16,-8-6 6-16,-2-6 2 15,-13-2 5-15,-6 1 5 16,-15 2 7-16,-5 0 15 16,-9 6 13-16,-5 1 31 15,0 1 1-15,-4 1-2 0,1 4-14 16,-2 1-11-16,1 0-34 15,0 1-14-15,0-2-10 16,0 2-28-16,1 0-16 16,0 0-10-16,0 2 7 15,7 14 8-15,-3 15 11 16,108 48-290-16,-11-42 108 16</inkml:trace>
+  <inkml:trace contextRef="#ctx0" brushRef="#br0" timeOffset="145115.37">25541 12768 701 0,'-10'16'298'0,"6"-5"8"16,4-11-165-16,1-3-90 0,1 2-36 15,-2 0-9-15,0 0-15 16,4-2-1-16,28-18 3 16,49-57 7-16,-33 31 5 15,2-9 9-15,-12 5 14 16,-3-6 10-16,-11 5 1 16,0-11 7-16,-3 2-6 15,0-2 1-15,-4 8 4 16,-5 6 24-16,-4 15 0 15,-5 9 10-15,-5 9-18 0,0 7-28 16,0 5-36 0,0 2-46-16,-1 5-35 0,2-3-5 15,-1 1 11-15,-4 28 7 16,-52 49 34-16,33-19 18 16,8-2 6-16,6 3-5 15,10-9-1-15,14-3-6 16,9-16 4-16,15-1-3 15,8-13 3-15,15-6 3 16,-2-9 7-16,8-7 0 16,-8-6 6-16,-2-6 2 15,-13-2 5-15,-6 1 5 16,-15 2 7-16,-5 0 15 16,-9 6 13-16,-5 1 31 15,0 1 1-15,-4 1-2 0,1 4-14 16,-2 1-11-16,1 0-34 15,0 1-14-15,0-2-10 16,0 2-28-16,1 0-16 16,0 0-10-16,0 2 7 15,7 14 8-15,-3 15 11 16,108 48-290-16,-11-42 108 16</inkml:trace>
   <inkml:trace contextRef="#ctx0" brushRef="#br0" timeOffset="146502.84">23091 13651 979 0,'3'21'146'0,"10"8"102"0,-6-3-291 16,4 8-4-16,4 15 12 15,2 5 36-15,0 9 2 16,-3-13 1-16,-3 6-4 15,-2-12-8-15,1-4-11 16,-2-14-2-16,-3-6-3 16,-1-12-8-16,-2-6-1 15,-1-4 21-15,-1 1 11 16,0-1 3-16,17-32 3 16,29-48 6-16,-15 25-9 15,1 1-10-15,-1 7 0 16,-10 16 8-16,0 6-1 15,-5 10 1-15,2 0-3 0,-2 7 1 16,4 2-7-16,0 3 1 16,5 6-3-1,-3 6 1-15,2 11-2 0,-2-1 5 16,1 9 0-16,-6 1 3 16,1 6 2-16,-7-4 4 15,-2 4 1-15,-3-8 3 16,0 1 2-16,-1-9 2 15,1-4-41-15,4-6-13 0,9-7-11 16,5-7-6-16,11-10-6 16,3-7 38-16,6-8 15 15,-8-3 13-15,-2-3 20 16,-8 7 12-16,-2 2 6 16,-9 8 0-16,2 5-2 15,-7 5-15-15,1 4-11 16,-4 3-7-16,0 7-5 15,0 2-4-15,4 10-1 16,2 4 3-16,4 6 2 16,0 4 5-16,3 4 3 15,-4-3 1-15,6 5 4 16,-1-5 0-16,4-4-1 16,-1-6-3-16,10-6-5 15,0-12-10-15,19-16-30 16,2-9-40-16,9-15-104 15,-3-3-8-15,-3-12-68 0,-20 2 64 16,-7-6 177-16,-16 14 127 16,-7 2 229-16,-6 16-93 15,-2 6 28-15,-2 15-52 16,0 2-69-16,1-1-68 16,0 3-4-16,1 0-27 0,-2 0-19 15,2 0-27-15,0 0-26 16,0 0-21-16,-1 0-7 15,0 1 7-15,-1 16 6 16,-2 10 20-16,-6 45 8 16,12-37 6-16,7 9 1 15,9-6 2-15,9 1-2 16,5-6 2-16,10-7-25 16,-3-11-10-16,10-10-41 15,-8-11-26-15,7-11-51 16,-14-4 22-16,-2-3 40 15,-11-1 53-15,-6-8 53 16,-9 9 111-16,-3-4 51 16,-1 3-23-16,-4-3-14 15,1 10-15-15,0 2-29 16,0 5-45-16,0 6-11 16,0 5-8-16,-1 1-33 0,2-1-45 15,0 0-31-15,0 0 3 16,-1 1 5-16,0 14 23 15,0 10 12-15,-2 39 27 16,6-27 2-16,2-4 2 16,8 3-1-16,4-4 1 15,8-3-14-15,6-11-11 16,11-12-22-16,4-11-48 0,19-16-189 16,-2-12 36-16</inkml:trace>
   <inkml:trace contextRef="#ctx0" brushRef="#br0" timeOffset="146773.2">25636 13125 947 0,'-2'-12'246'16,"-7"7"63"-16,1 5-295 16,0 7-41-16,-7 17-18 15,-1 7-8-15,-3 12-13 16,2 7 22-16,-3 14 8 15,4 0 6-15,0 19 9 0,2 3 16 16,3 14 5-16,5-7 1 16,10 7 3-16,9-11 6 15,11 3 1-15,5-16 1 16,13 4 3-16,-2-19 1 16,6-3-112-16,-8-17-89 15,1-7-65-15,-14-14-118 16</inkml:trace>
   <inkml:trace contextRef="#ctx0" brushRef="#br0" timeOffset="147075.87">25613 13585 698 0,'20'0'104'0,"4"7"84"15,6 6-211-15,9 11-1 16,5 7 18-16,2 14 4 16,-14-1 1-16,-4 7-1 15,-12-6-1-15,-12 4-8 16,-12-9-8-16,-12 0-21 16,-10-8-3-16,-13-4-1 15,0-11 15-15,-7-8 12 16,7-7 30-16,5-8 36 15,13-3 28-15,4-4 7 16,10 2-5-16,3 0-91 0,8 3-179 16,9-5-2-16</inkml:trace>
   <inkml:trace contextRef="#ctx0" brushRef="#br0" timeOffset="148084.72">25257 14083 630 0,'5'9'269'15,"-12"-11"-9"-15,8 2-128 0,-1 0-130 16,0-1-5-16,0 0 3 16,0 0 7-16,0 0 8 15,0-2 1-15,8-23-1 16,15-42 40-16,-15 31-2 15,1-7 9-15,-3 2 2 0,-1-14 4 16,-2-1-43 0,-1-10 22-16,2 8-8 15,-4-5 15-15,-1 16 2 0,0 1 5 16,-3 9-28-16,1-3-3 16,-1 9-20-16,0 3-7 15,2 10-5-15,2 5-7 16,-1 7-7-16,1 1-19 15,1 6-8-15,-2-1-25 16,0 1-11-16,0 0-17 16,0 0 17-16,0 6 8 15,-10 26 24-15,-15 53 14 16,10-30 25-16,0 10 0 16,7 0 3-16,7 5 1 15,10-11 2-15,10 3 1 16,7-14 1-16,12 0 0 15,5-11-1-15,9-1-34 16,1-11-12-16,9-5-64 0,-7-11-44 16,10-9-123-16,-12-8-2 15</inkml:trace>
-  <inkml:trace contextRef="#ctx0" brushRef="#br0" timeOffset="148673.38">25447 13964 190 0,'23'-4'100'16,"6"-2"3"-16,9-6-28 16,5-3-10-16,4-11 32 0,-4-1 9 15,-3-14 40-15,-10-3-6 16,-2-19-1-16,-12-3-39 15,0-19-26-15,-9 7-33 16,-1-4 34-16,-5 15-11 16,-2-2-1-16,-3 18 0 15,1-8-34-15,-1 13-42 16,2 5 18-16,-3 13-2 16,3 8-6-16,-2 16 11 0,1 4-44 15,1 4-35-15,1-4-14 16,-4 8 7-16,-9 32 9 15,-53 71 38-15,24-29 14 16,2 4 15-16,4 7 1 16,18-17 1-16,7 5 3 15,16-14-1-15,15-5-1 16,10-17 0-16,14-5-1 16,2-11 1-16,11-6 3 15,-2-9 3-15,12-4-7 16,-6-10-32-16,12-5-224 15,-10-2-6-15,-10-10-107 16</inkml:trace>
+  <inkml:trace contextRef="#ctx0" brushRef="#br0" timeOffset="148673.37">25447 13964 190 0,'23'-4'100'16,"6"-2"3"-16,9-6-28 16,5-3-10-16,4-11 32 0,-4-1 9 15,-3-14 40-15,-10-3-6 16,-2-19-1-16,-12-3-39 15,0-19-26-15,-9 7-33 16,-1-4 34-16,-5 15-11 16,-2-2-1-16,-3 18 0 15,1-8-34-15,-1 13-42 16,2 5 18-16,-3 13-2 16,3 8-6-16,-2 16 11 0,1 4-44 15,1 4-35-15,1-4-14 16,-4 8 7-16,-9 32 9 15,-53 71 38-15,24-29 14 16,2 4 15-16,4 7 1 16,18-17 1-16,7 5 3 15,16-14-1-15,15-5-1 16,10-17 0-16,14-5-1 16,2-11 1-16,11-6 3 15,-2-9 3-15,12-4-7 16,-6-10-32-16,12-5-224 15,-10-2-6-15,-10-10-107 16</inkml:trace>
   <inkml:trace contextRef="#ctx0" brushRef="#br0" timeOffset="149062.22">25633 13678 845 0,'7'16'332'15,"0"-6"-16"-15,-4-10-213 16,14 1-107-16,7-2-32 16,17-2 7-16,12-1 18 0,19-6 13 15,0-1-2-15,10-4-23 16,-12-1-12-16,0-4-27 16,-17 1-6-16,-2 0-27 15,-13 4 12-15,-3 1 9 16,-12 5 25-16,-4 3 16 15,-14 5 57-15,-1-1 31 16,-7 2 9-16,2 0 0 16,0 0-13-16,1 0-40 15,-1 0-35-15,0 0-17 16,0 0-3-16,1 7 3 16,-1 24 14-16,3 49 23 15,1-32 11-15,5 3 2 16,2-8 1-16,2 1-1 15,3-11-90-15,5 2-140 0,-4-12 15 16</inkml:trace>
   <inkml:trace contextRef="#ctx0" brushRef="#br0" timeOffset="149227.37">26509 13079 545 0,'8'-11'341'0,"-2"5"-93"16,-6 7-106-16,3 8-247 16,2 12-72-16,4 23-100 15,2 6 10-15</inkml:trace>
   <inkml:trace contextRef="#ctx0" brushRef="#br0" timeOffset="149509.74">26736 13201 1194 0,'6'14'181'0,"-5"-2"115"0,0 5-360 16,0 20-3-16,3 11 20 15,3 22 18-15,1 10 24 16,5 22 5-16,3-9 3 16,3 13 4-16,1-11 0 15,3 9-2-15,-2-18-26 16,-1 12-106-16,1-16-85 16,-5 11-86-16,-11-20-102 15</inkml:trace>
@@ -418,7 +506,7 @@
 </inkml:ink>
 </file>
 
-<file path=ppt/ink/ink3.xml><?xml version="1.0" encoding="utf-8"?>
+<file path=ppt/ink/ink5.xml><?xml version="1.0" encoding="utf-8"?>
 <inkml:ink xmlns:inkml="http://www.w3.org/2003/InkML">
   <inkml:definitions>
     <inkml:context xml:id="ctx0">
@@ -446,7 +534,7 @@
   </inkml:definitions>
   <inkml:trace contextRef="#ctx0" brushRef="#br0">6364 6348 571 0,'6'73'108'0,"-3"-2"63"0,1 24-176 0,4 72 3 0,0 1-1 16,-3-9 3-16,8 27-8 0,2-27 2 0,4 16 3 0,1-8 1 0,9 5 1 16,1-43 1-16,8-11-16 15,1-42-8-15,13-22-14 16,-1-35-1-16,16-32 13 15,2-32 26-15,21-41 20 16,-4-22 18-16,11-34 8 16,-18 0 2-16,-2-27 43 0,-24 12 1 15,-10-11 48-15,-23 19 3 16,-6-12-8-16,-14 23-52 16,-7-24-16-16,-1 13-51 15,-6-18-9-15,-3 15-6 16,-10-8-13-16,-8 37 4 15,-19 9 14-15,-9 31-3 16,-19 14-11-16,-6 29 9 0,-21 22-52 16,-3 29-33-1,-20 38-28-15,11 24-14 0,1 41-79 16,24 9-26 0,16 28-12-16,36-14-68 0</inkml:trace>
   <inkml:trace contextRef="#ctx0" brushRef="#br0" timeOffset="427.97">6703 5717 709 0,'-39'-1'64'0,"-5"32"92"15,0 13-226-15,-4 45 19 16,6 19 21-16,-1 48 2 15,11 14-32-15,0 59-93 16,10-9 10-16</inkml:trace>
-  <inkml:trace contextRef="#ctx0" brushRef="#br0" timeOffset="1025.67">4910 11213 1253 0,'-20'-5'256'0,"-3"-16"120"16,4-11-382-16,0-20-10 15,3-9-4-15,5-35-3 16,7-7-31-16,3-26-34 15,0-1-2-15,2-17-2 16,-1 27 5-16,-10 4 35 16,-3 27 44-16,-7 12 14 15,-4 28 9-15,-7 11 5 0,2 16-5 16,-4 14-26-16,3 20-15 16,-9 35-19-1,4 17-10-15,2 51-5 0,4 16 18 16,10 33 8-16,18-6 11 15,16 19 0-15,9-35 6 16,21 13-5-16,7-32 4 16,15-8-3-16,-1-27 1 15,12-4 1-15,-5-29 7 0,11-1 8 16,-8-11 5-16,5 1-6 16,-15-3-6-16,-4 15-47 15,-25 0-51-15,-20 28-85 16,-24-1-26-16</inkml:trace>
+  <inkml:trace contextRef="#ctx0" brushRef="#br0" timeOffset="1025.66">4910 11213 1253 0,'-20'-5'256'0,"-3"-16"120"16,4-11-382-16,0-20-10 15,3-9-4-15,5-35-3 16,7-7-31-16,3-26-34 15,0-1-2-15,2-17-2 16,-1 27 5-16,-10 4 35 16,-3 27 44-16,-7 12 14 15,-4 28 9-15,-7 11 5 0,2 16-5 16,-4 14-26-16,3 20-15 16,-9 35-19-1,4 17-10-15,2 51-5 0,4 16 18 16,10 33 8-16,18-6 11 15,16 19 0-15,9-35 6 16,21 13-5-16,7-32 4 16,15-8-3-16,-1-27 1 15,12-4 1-15,-5-29 7 0,11-1 8 16,-8-11 5-16,5 1-6 16,-15-3-6-16,-4 15-47 15,-25 0-51-15,-20 28-85 16,-24-1-26-16</inkml:trace>
   <inkml:trace contextRef="#ctx0" brushRef="#br0" timeOffset="1226.9">4656 12041 973 0,'53'-101'186'15,"-34"8"100"-15,43-30-293 0,11 0 4 16,24-14 1 0,-10 24-25-16,16-2-52 0,-14 25-32 15,4 0-134 1,-23 24-41-16,-2 1-37 0</inkml:trace>
   <inkml:trace contextRef="#ctx0" brushRef="#br0" timeOffset="1413.22">5513 10783 574 0,'-8'6'510'0,"1"-5"-115"0,1-2-30 16,3-1-306-16,2 2-59 16,1 0-60-16,0 0-34 15,0 0 3-15,3 5 9 16,21 26 29-16,51 51 22 16,-33-30 30-16,7 15-14 15,-5-5-30-15,2 11-107 16,-7-9-110-16,0-3-38 15,-13-28-115-15</inkml:trace>
   <inkml:trace contextRef="#ctx0" brushRef="#br0" timeOffset="1583.79">5528 10227 1253 0,'6'-2'234'0,"-26"1"71"16,25 4-547-16,7 9-8 16,23 20-81-16,12 19-26 15,25 30 42-15</inkml:trace>
@@ -962,7 +1050,7 @@
           <a:p>
             <a:fld id="{72345051-2045-45DA-935E-2E3CA1A69ADC}" type="datetimeFigureOut">
               <a:rPr lang="en-US" smtClean="0"/>
-              <a:t>6/19/2020</a:t>
+              <a:t>6/20/2020</a:t>
             </a:fld>
             <a:endParaRPr lang="en-US"/>
           </a:p>
@@ -1172,7 +1260,7 @@
           <a:p>
             <a:fld id="{72345051-2045-45DA-935E-2E3CA1A69ADC}" type="datetimeFigureOut">
               <a:rPr lang="en-US" smtClean="0"/>
-              <a:t>6/19/2020</a:t>
+              <a:t>6/20/2020</a:t>
             </a:fld>
             <a:endParaRPr lang="en-US"/>
           </a:p>
@@ -1392,7 +1480,7 @@
           <a:p>
             <a:fld id="{72345051-2045-45DA-935E-2E3CA1A69ADC}" type="datetimeFigureOut">
               <a:rPr lang="en-US" smtClean="0"/>
-              <a:t>6/19/2020</a:t>
+              <a:t>6/20/2020</a:t>
             </a:fld>
             <a:endParaRPr lang="en-US"/>
           </a:p>
@@ -1627,7 +1715,7 @@
           <a:p>
             <a:fld id="{72345051-2045-45DA-935E-2E3CA1A69ADC}" type="datetimeFigureOut">
               <a:rPr lang="en-US" smtClean="0"/>
-              <a:t>6/19/2020</a:t>
+              <a:t>6/20/2020</a:t>
             </a:fld>
             <a:endParaRPr lang="en-US"/>
           </a:p>
@@ -2550,7 +2638,7 @@
           <a:p>
             <a:fld id="{72345051-2045-45DA-935E-2E3CA1A69ADC}" type="datetimeFigureOut">
               <a:rPr lang="en-US" smtClean="0"/>
-              <a:t>6/19/2020</a:t>
+              <a:t>6/20/2020</a:t>
             </a:fld>
             <a:endParaRPr lang="en-US"/>
           </a:p>
@@ -3166,7 +3254,7 @@
           <a:p>
             <a:fld id="{72345051-2045-45DA-935E-2E3CA1A69ADC}" type="datetimeFigureOut">
               <a:rPr lang="en-US" smtClean="0"/>
-              <a:t>6/19/2020</a:t>
+              <a:t>6/20/2020</a:t>
             </a:fld>
             <a:endParaRPr lang="en-US"/>
           </a:p>
@@ -4227,7 +4315,7 @@
           <a:p>
             <a:fld id="{72345051-2045-45DA-935E-2E3CA1A69ADC}" type="datetimeFigureOut">
               <a:rPr lang="en-US" smtClean="0"/>
-              <a:t>6/19/2020</a:t>
+              <a:t>6/20/2020</a:t>
             </a:fld>
             <a:endParaRPr lang="en-US"/>
           </a:p>
@@ -5023,7 +5111,7 @@
           <a:p>
             <a:fld id="{72345051-2045-45DA-935E-2E3CA1A69ADC}" type="datetimeFigureOut">
               <a:rPr lang="en-US" smtClean="0"/>
-              <a:t>6/19/2020</a:t>
+              <a:t>6/20/2020</a:t>
             </a:fld>
             <a:endParaRPr lang="en-US"/>
           </a:p>
@@ -5484,7 +5572,7 @@
           <a:p>
             <a:fld id="{72345051-2045-45DA-935E-2E3CA1A69ADC}" type="datetimeFigureOut">
               <a:rPr lang="en-US" smtClean="0"/>
-              <a:t>6/19/2020</a:t>
+              <a:t>6/20/2020</a:t>
             </a:fld>
             <a:endParaRPr lang="en-US"/>
           </a:p>
@@ -5813,7 +5901,7 @@
           <a:p>
             <a:fld id="{72345051-2045-45DA-935E-2E3CA1A69ADC}" type="datetimeFigureOut">
               <a:rPr lang="en-US" smtClean="0"/>
-              <a:t>6/19/2020</a:t>
+              <a:t>6/20/2020</a:t>
             </a:fld>
             <a:endParaRPr lang="en-US"/>
           </a:p>
@@ -6453,7 +6541,7 @@
           <a:p>
             <a:fld id="{72345051-2045-45DA-935E-2E3CA1A69ADC}" type="datetimeFigureOut">
               <a:rPr lang="en-US" smtClean="0"/>
-              <a:t>6/19/2020</a:t>
+              <a:t>6/20/2020</a:t>
             </a:fld>
             <a:endParaRPr lang="en-US"/>
           </a:p>
@@ -7040,7 +7128,7 @@
           <a:p>
             <a:fld id="{72345051-2045-45DA-935E-2E3CA1A69ADC}" type="datetimeFigureOut">
               <a:rPr lang="en-US" smtClean="0"/>
-              <a:t>6/19/2020</a:t>
+              <a:t>6/20/2020</a:t>
             </a:fld>
             <a:endParaRPr lang="en-US"/>
           </a:p>
@@ -8579,6 +8667,106 @@
           </a:p>
         </p:txBody>
       </p:sp>
+      <p:sp>
+        <p:nvSpPr>
+          <p:cNvPr id="6" name="TextBox 5">
+            <a:extLst>
+              <a:ext uri="{FF2B5EF4-FFF2-40B4-BE49-F238E27FC236}">
+                <a16:creationId xmlns:a16="http://schemas.microsoft.com/office/drawing/2014/main" id="{511E33AF-8FB5-4419-9BE2-31ECB34737D9}"/>
+              </a:ext>
+            </a:extLst>
+          </p:cNvPr>
+          <p:cNvSpPr txBox="1"/>
+          <p:nvPr/>
+        </p:nvSpPr>
+        <p:spPr>
+          <a:xfrm>
+            <a:off x="8217795" y="0"/>
+            <a:ext cx="3467100" cy="707886"/>
+          </a:xfrm>
+          <a:prstGeom prst="rect">
+            <a:avLst/>
+          </a:prstGeom>
+          <a:noFill/>
+        </p:spPr>
+        <p:txBody>
+          <a:bodyPr wrap="square" rtlCol="0">
+            <a:spAutoFit/>
+          </a:bodyPr>
+          <a:lstStyle/>
+          <a:p>
+            <a:r>
+              <a:rPr lang="en-IN" sz="4000">
+                <a:solidFill>
+                  <a:srgbClr val="FFFF00"/>
+                </a:solidFill>
+                <a:latin typeface="Algerian" panose="04020705040A02060702" pitchFamily="82" charset="0"/>
+              </a:rPr>
+              <a:t>Part #1 </a:t>
+            </a:r>
+            <a:r>
+              <a:rPr lang="en-IN" sz="4000" dirty="0">
+                <a:solidFill>
+                  <a:srgbClr val="FFFF00"/>
+                </a:solidFill>
+                <a:latin typeface="Algerian" panose="04020705040A02060702" pitchFamily="82" charset="0"/>
+              </a:rPr>
+              <a:t>of 3</a:t>
+            </a:r>
+          </a:p>
+        </p:txBody>
+      </p:sp>
+      <mc:AlternateContent xmlns:mc="http://schemas.openxmlformats.org/markup-compatibility/2006">
+        <mc:Choice xmlns:p14="http://schemas.microsoft.com/office/powerpoint/2010/main" Requires="p14">
+          <p:contentPart p14:bwMode="auto" r:id="rId3">
+            <p14:nvContentPartPr>
+              <p14:cNvPr id="7" name="Ink 6">
+                <a:extLst>
+                  <a:ext uri="{FF2B5EF4-FFF2-40B4-BE49-F238E27FC236}">
+                    <a16:creationId xmlns:a16="http://schemas.microsoft.com/office/drawing/2014/main" id="{59E9597F-7ED4-4FCE-B06C-C2DD2F8EB5E1}"/>
+                  </a:ext>
+                </a:extLst>
+              </p14:cNvPr>
+              <p14:cNvContentPartPr/>
+              <p14:nvPr/>
+            </p14:nvContentPartPr>
+            <p14:xfrm>
+              <a:off x="8563680" y="739080"/>
+              <a:ext cx="1623960" cy="4622400"/>
+            </p14:xfrm>
+          </p:contentPart>
+        </mc:Choice>
+        <mc:Fallback>
+          <p:pic>
+            <p:nvPicPr>
+              <p:cNvPr id="7" name="Ink 6">
+                <a:extLst>
+                  <a:ext uri="{FF2B5EF4-FFF2-40B4-BE49-F238E27FC236}">
+                    <a16:creationId xmlns:a16="http://schemas.microsoft.com/office/drawing/2014/main" id="{59E9597F-7ED4-4FCE-B06C-C2DD2F8EB5E1}"/>
+                  </a:ext>
+                </a:extLst>
+              </p:cNvPr>
+              <p:cNvPicPr/>
+              <p:nvPr/>
+            </p:nvPicPr>
+            <p:blipFill>
+              <a:blip r:embed="rId4"/>
+              <a:stretch>
+                <a:fillRect/>
+              </a:stretch>
+            </p:blipFill>
+            <p:spPr>
+              <a:xfrm>
+                <a:off x="8554320" y="729720"/>
+                <a:ext cx="1642680" cy="4641120"/>
+              </a:xfrm>
+              <a:prstGeom prst="rect">
+                <a:avLst/>
+              </a:prstGeom>
+            </p:spPr>
+          </p:pic>
+        </mc:Fallback>
+      </mc:AlternateContent>
     </p:spTree>
     <p:extLst>
       <p:ext uri="{BB962C8B-B14F-4D97-AF65-F5344CB8AC3E}">
@@ -8819,6 +9007,57 @@
               <a:xfrm>
                 <a:off x="595440" y="1639080"/>
                 <a:ext cx="8198280" cy="4605120"/>
+              </a:xfrm>
+              <a:prstGeom prst="rect">
+                <a:avLst/>
+              </a:prstGeom>
+            </p:spPr>
+          </p:pic>
+        </mc:Fallback>
+      </mc:AlternateContent>
+      <mc:AlternateContent xmlns:mc="http://schemas.openxmlformats.org/markup-compatibility/2006">
+        <mc:Choice xmlns:p14="http://schemas.microsoft.com/office/powerpoint/2010/main" Requires="p14">
+          <p:contentPart p14:bwMode="auto" r:id="rId4">
+            <p14:nvContentPartPr>
+              <p14:cNvPr id="5" name="Ink 4">
+                <a:extLst>
+                  <a:ext uri="{FF2B5EF4-FFF2-40B4-BE49-F238E27FC236}">
+                    <a16:creationId xmlns:a16="http://schemas.microsoft.com/office/drawing/2014/main" id="{60117BB6-DA3B-4C6B-9018-47EA695ECDF0}"/>
+                  </a:ext>
+                </a:extLst>
+              </p14:cNvPr>
+              <p14:cNvContentPartPr/>
+              <p14:nvPr/>
+            </p14:nvContentPartPr>
+            <p14:xfrm>
+              <a:off x="147240" y="966960"/>
+              <a:ext cx="8620200" cy="5413320"/>
+            </p14:xfrm>
+          </p:contentPart>
+        </mc:Choice>
+        <mc:Fallback>
+          <p:pic>
+            <p:nvPicPr>
+              <p:cNvPr id="5" name="Ink 4">
+                <a:extLst>
+                  <a:ext uri="{FF2B5EF4-FFF2-40B4-BE49-F238E27FC236}">
+                    <a16:creationId xmlns:a16="http://schemas.microsoft.com/office/drawing/2014/main" id="{60117BB6-DA3B-4C6B-9018-47EA695ECDF0}"/>
+                  </a:ext>
+                </a:extLst>
+              </p:cNvPr>
+              <p:cNvPicPr/>
+              <p:nvPr/>
+            </p:nvPicPr>
+            <p:blipFill>
+              <a:blip r:embed="rId5"/>
+              <a:stretch>
+                <a:fillRect/>
+              </a:stretch>
+            </p:blipFill>
+            <p:spPr>
+              <a:xfrm>
+                <a:off x="137880" y="957600"/>
+                <a:ext cx="8638920" cy="5432040"/>
               </a:xfrm>
               <a:prstGeom prst="rect">
                 <a:avLst/>

--- a/File Operations With Spring Boot.pptx
+++ b/File Operations With Spring Boot.pptx
@@ -9,6 +9,7 @@
     <p:sldId id="257" r:id="rId3"/>
     <p:sldId id="258" r:id="rId4"/>
     <p:sldId id="259" r:id="rId5"/>
+    <p:sldId id="260" r:id="rId6"/>
   </p:sldIdLst>
   <p:sldSz cx="12192000" cy="6858000"/>
   <p:notesSz cx="6858000" cy="9144000"/>
@@ -149,99 +150,13 @@
   <inkml:trace contextRef="#ctx0" brushRef="#br0">26666 14090 113 0,'18'116'80'16,"-14"-111"-24"-16,-3 1-2 0,1 2-69 15,3 6 3-15,2 1 7 16,4 8 7-16,2-3 1 16,1 6 1-16,0 0 0 15,1 6-1-15,-4-1-2 16,1 8 0-16,-4-5 0 15,-2 8-1-15,-1-4 0 16,-1 3 0-16,-1-4-1 16,2 2 1-16,-3-10 0 0,0-3 2 15,1-4-1 1,-1-1 2-16,0-7 0 0,1 2-1 16,0 2-6-16,-2 3-32 15,0-4-25-15,1 2-6 16</inkml:trace>
   <inkml:trace contextRef="#ctx0" brushRef="#br1" timeOffset="11809.49">26548 14428 181 0,'34'37'43'0,"-37"-37"16"15,3 1-54-15,-1 1-6 16,0-2-1-16,1 0-1 16,0 0 0-16,0 0 0 15,0 0 2-15,0 0 0 16,0 2 2-16,0-1 2 15,0 7 1-15,0 14 0 16,-6 33 0-16,1-30-2 16,0-4-2-16,-1 0-1 0,0-4 1 15,-2 4 1 1,1-3 0-16,-1 4 0 0,0-2 0 16,-1 2 0-16,2-4-2 15,0 4 1-15,1-1-1 16,2-3 1-16,3-3-1 15,1-2 0-15,1-5 0 16,1 0-1-16,0 0-5 16,2 2-52-16,-1-2 15 15</inkml:trace>
   <inkml:trace contextRef="#ctx0" brushRef="#br1" timeOffset="37764.37">25710 2865 175 0,'49'-27'59'0,"-2"7"19"16,31-18-48-16,13-4-5 15,31-10 1-15,3 3-10 16,33-10 9-16,-17 8 6 16,20-8 19-16,-18 10 1 0,16-10 3 15,-25 6-13-15,18-6-6 16,-24 10-18-16,3-3-3 16,-28 17-5-16,-9 4-2 15,-32 14-7-15,-16 7-91 16,-22 9-57-16,-16 9-18 15</inkml:trace>
-  <inkml:trace contextRef="#ctx0" brushRef="#br1" timeOffset="38198.62">26071 3329 709 0,'6'4'126'16,"14"-6"75"-16,13-6-215 15,29-11-1-15,21-3 7 16,43-10 4-16,3-8 2 16,31-16 5-16,-7 1 1 15,24-11 10-15,-26 4-3 0,25-11 12 16,-28 15-1-16,4-9 0 15,-23 10-6-15,5-2-2 16,-39 16-5-16,0 2-2 16,-25 15-1-16,-15 5 0 15,-25 11 1-15,-5 3 0 16,-15 3 1-16,-4 4 4 16,-4 1-3-16,-3-1 3 15,0 0-2-15,0 0 1 16,0 0-4-16,0 0 1 15,-1 0-4-15,1 0-3 16,0 0-3-16,0 0-10 16,0 0-16-16,0 0-126 15,-2 1-96-15,-13 11-20 16</inkml:trace>
+  <inkml:trace contextRef="#ctx0" brushRef="#br1" timeOffset="38198.61">26071 3329 709 0,'6'4'126'16,"14"-6"75"-16,13-6-215 15,29-11-1-15,21-3 7 16,43-10 4-16,3-8 2 16,31-16 5-16,-7 1 1 15,24-11 10-15,-26 4-3 0,25-11 12 16,-28 15-1-16,4-9 0 15,-23 10-6-15,5-2-2 16,-39 16-5-16,0 2-2 16,-25 15-1-16,-15 5 0 15,-25 11 1-15,-5 3 0 16,-15 3 1-16,-4 4 4 16,-4 1-3-16,-3-1 3 15,0 0-2-15,0 0 1 16,0 0-4-16,0 0 1 15,-1 0-4-15,1 0-3 16,0 0-3-16,0 0-10 16,0 0-16-16,0 0-126 15,-2 1-96-15,-13 11-20 16</inkml:trace>
   <inkml:trace contextRef="#ctx0" brushRef="#br1" timeOffset="40087.43">23814 11338 758 0,'-11'21'285'16,"4"-6"18"-16,3-16-212 15,0 0-30-15,5 2-45 16,-2-1-8-16,1 0-4 15,0-1-8-15,0 0 0 16,1-2-12-16,16-6-3 0,23-31-1 16,89-69 5-16,-22 33-3 15,7 3 9 1,28-23 1-16,-5 13 2 0,22-13 1 16,-17 9 3-16,20-2 0 15,-29 19 0-15,5-1-1 16,-29 19-1-16,-3 2 2 15,-31 12 0-15,-9 8 1 16,-26 13 0-16,-9 7-2 16,-16 7-16-16,-4 3-113 15,-7 3-30-15,-9 14-49 16,-15 12-63-16,-33 33-10 16</inkml:trace>
   <inkml:trace contextRef="#ctx0" brushRef="#br1" timeOffset="40547.44">24047 11932 928 0,'-5'14'251'16,"6"-15"47"-16,1-1-271 15,20-9-40-15,14-8-14 16,36-24-1-16,23-9 15 0,46-26 8 15,2-3 2-15,22-9 0 16,-14 13 3-16,8-12-6 16,-25 18 5-16,13-8 1 15,-20 11 0-15,7 5-1 16,-24 18 2-16,-4 3-2 16,-30 18-2-16,-11 7 0 15,-25 8-2-15,-9 2 2 16,-14 8 1-16,-7-4 4 15,-8 2 5-15,1 1 0 16,-3-2 1-16,-2 2 3 16,2 0-2-16,-1 0-3 15,0 0 2-15,0 0 1 16,0 0-1-16,0 0 3 16,1 0 0-16,-1 0 0 15,-1 0-2-15,1 0-5 0,0 0-5 16,0 0-47-16,0 0-44 15,0 0-94-15,1 0-84 16,1 1-30-16,3 13-67 16</inkml:trace>
 </inkml:ink>
 </file>
 
 <file path=ppt/ink/ink2.xml><?xml version="1.0" encoding="utf-8"?>
-<inkml:ink xmlns:inkml="http://www.w3.org/2003/InkML">
-  <inkml:definitions>
-    <inkml:context xml:id="ctx0">
-      <inkml:inkSource xml:id="inkSrc0">
-        <inkml:traceFormat>
-          <inkml:channel name="X" type="integer" max="29376" units="cm"/>
-          <inkml:channel name="Y" type="integer" max="16524" units="cm"/>
-          <inkml:channel name="F" type="integer" max="4095" units="dev"/>
-          <inkml:channel name="T" type="integer" max="2.14748E9" units="dev"/>
-        </inkml:traceFormat>
-        <inkml:channelProperties>
-          <inkml:channelProperty channel="X" name="resolution" value="1000.20428" units="1/cm"/>
-          <inkml:channelProperty channel="Y" name="resolution" value="1000.24213" units="1/cm"/>
-          <inkml:channelProperty channel="F" name="resolution" value="0" units="1/dev"/>
-          <inkml:channelProperty channel="T" name="resolution" value="1" units="1/dev"/>
-        </inkml:channelProperties>
-      </inkml:inkSource>
-      <inkml:timestamp xml:id="ts0" timeString="2020-06-17T17:16:57.182"/>
-    </inkml:context>
-    <inkml:brush xml:id="br0">
-      <inkml:brushProperty name="width" value="0.05292" units="cm"/>
-      <inkml:brushProperty name="height" value="0.05292" units="cm"/>
-      <inkml:brushProperty name="color" value="#FF0000"/>
-    </inkml:brush>
-  </inkml:definitions>
-  <inkml:trace contextRef="#ctx0" brushRef="#br0">2522 6938 523 0,'-4'-2'101'15,"3"-5"35"-15,5 1-160 0,-4 5 1 16,1-1 0-16,38-22 3 16,42-44 17-16,-22 32 0 15,-1 1-1-15,4-10 4 16,-7 1 1-16,10-13 0 16,-5-5 3-16,19-9 5 15,-6 4-2-15,11-8 3 16,-11 12 1-16,12-6 1 15,-13 7-6-15,5 0 1 16,-9 12-4-16,3-1 1 16,-12 8 1-16,3-3 2 15,-15 8-1-15,-7-1 3 16,-10 8 2-16,-7 5 16 16,-15 11 5-16,0 4 15 15,-8 7-1-15,0 1 0 16,-1-1-17-16,0 4-7 0,0-1-17 15,-1 0-11-15,1 1-10 16,0 0-19-16,0 0-17 16,0 0-60-16,0 0-38 15,0 1-40-15,-4 13-43 16</inkml:trace>
-  <inkml:trace contextRef="#ctx0" brushRef="#br0" timeOffset="2026.17">14080 6742 249 0,'-5'-20'142'15,"0"5"-19"-15,-2 3-34 16,4 6-100-16,6 4-9 16,1 0-2-16,-4 2-4 15,1 0 5-15,6 0 8 16,14 0 10-16,44 3 1 16,-34-3 4-16,8-3 3 15,1 5 0-15,12-6 3 16,0-2-1-16,15 1 0 15,-1-2-3-15,14 0-1 16,-10 2-5-16,11 3 7 16,-7 1 3-16,15 3 9 15,-7-3 2-15,17-1 5 16,-9-1-2-16,15-2 0 0,-12-7-9 16,16 0 3-16,-14 0-2 15,14-3-1-15,-18 3-4 16,7 2 0-16,-16 4-3 15,9 5-3-15,-16 1-4 16,8 3 2-16,-12 1 3 16,14-1 3-16,-7-3 0 15,14-1 3-15,-9-3-1 16,9-2-3-16,-11 0-3 16,8 0-1-16,-12 5 0 15,6 2-2-15,-16 5-1 0,5 3 0 16,-12 1-2-16,12 0 3 15,-4-2 2-15,17-2-1 16,-12-3 1-16,13 2 2 16,-11-1-4-16,5 2 1 15,-14 2-2-15,15 4 1 16,-14-1-1-16,6 0-1 16,-9-2 1-16,10-2 1 15,-11-3-1-15,12 1 1 16,-7 0 1-16,6-2 0 15,-9 2-1-15,7 0 1 16,-7 0-1-16,13 2 2 16,-5 0-2-16,8 2 1 15,-10-2-1-15,8 0 1 0,-17-2-1 16,10-1 2-16,-6-5 1 16,14-1 0-16,-11-1-1 15,10-1 1-15,-12-1-3 16,4 1 1-16,-17 0-1 15,3 0 5-15,-8 0 4 16,5 1 3-16,-7 3 1 16,6-2 0-16,-7 2-6 0,2 3-2 15,-14-4-3-15,-1-1 2 16,-7 2 2-16,-4-1 7 16,-6-1 1-16,-1 2 3 15,-5 0-1-15,-3-2 1 16,-2 2-6-16,0 0 3 15,-5-1-1-15,0 1 8 16,0 0 1-16,0 0 15 16,0 0 3-16,0 0 9 15,0 0-5-15,0 0 5 16,0 0-12-16,0 0 1 16,0 0-7-16,0 0 1 15,0 0-7-15,0 0-1 16,0 0-6-16,0 0 0 15,0 0-5-15,0 0 1 0,0-2-2 16,0 1 1-16,0 0-3 16,-2 0 0-16,1 0-4 15,0 1-4-15,0 0-6 16,0 0-51-16,0 0-84 16,0 0-172-16,-2 0-17 15</inkml:trace>
-  <inkml:trace contextRef="#ctx0" brushRef="#br0" timeOffset="2781.62">8528 7308 351 0,'-31'-8'74'16,"2"-2"38"-16,1 0-103 15,11 5 5-15,3 1 2 16,6 3-4-16,3 0-6 15,3 1-4-15,2 0-7 16,0 0-4-16,0 0 1 16,0 0 3-16,1-1 6 15,29-6 5-15,53-24 7 16,-29 2 0-16,14-12 1 16,-1-1-3-16,7-9 1 15,-9 5-5-15,5-1 1 16,-12 9-1-16,0 0-1 15,-12 9-1-15,2-1 0 16,-11 7-1-16,0-1-1 16,-11 3-1-16,-3 4-1 15,-9 5 0-15,-6 3-2 0,-8 6-3 16,-8 6-59-16,-7 6-64 16,-14 8-10-16,-4 9-77 15</inkml:trace>
-  <inkml:trace contextRef="#ctx0" brushRef="#br0" timeOffset="3007.4">8415 7321 347 0,'-5'2'148'0,"4"-5"4"16,6-3-90-16,-5 5-27 15,3-6-16-15,33-30 3 16,43-38-1-16,-13 9 17 15,3-2 1-15,18-13-2 16,-4 5-9-16,6-3-5 16,-20 26-19-16,-1 7-5 15,-16 20-10-15,-3 8-88 16,-8 6-96-16,1 12-4 16</inkml:trace>
-  <inkml:trace contextRef="#ctx0" brushRef="#br0" timeOffset="5942.61">13791 10015 22 0,'49'-6'15'15,"4"-2"7"-15,-7-3-3 16,12-4 4-16,-4 1-1 16,7-1-1-16,-8 0-7 15,3 0-4-15,-14 4-4 0,2 1-1 16,-7 1-3-1,7 0 4-15,-2-1 0 0,13-3 3 16,-2-1 0-16,10-9 5 16,-6 0-2-16,5-10 9 15,-8 0 1-15,4-9 5 16,-12 7 0-16,-1-7 19 16,-11 9 0-16,2-11 10 15,-9 4-1-15,-1-10 0 16,-5-1-20-16,-2-8 3 15,-9 10-10-15,-7-5 1 16,-5 10 9-16,-7-2 12 16,-4 7-11-16,-8-6 2 15,-2 2 1-15,-8-7-16 16,1 5-12-16,-13-5 0 16,3 6-7-16,-7 0-1 15,1 12-2-15,-15-2-7 0,2 10-2 16,-14 3 1-16,2 6-6 15,-11-2 5-15,10 2 5 16,-10 2 2-16,9 1-1 16,-13 1 0-16,7 9 0 15,-9 1-1-15,10 2 0 16,-11 4 1-16,13-3 0 16,-12-3 0-16,12 3 1 0,-6-6 1 15,15-1 2-15,-9-5 5 16,12-1 2-16,-13-5 1 15,6 3-2-15,-7-2 2 16,12 4-7-16,-9 2-2 16,12 2 0-16,-10 3-2 15,5 3-3-15,-10 3 1 16,11 1 0-16,-6 7 0 16,9 2-1-16,-9 4 1 15,10-2-1-15,-8 6 0 16,9-5 0-16,0 4-1 15,11 2 0-15,-2 9-1 16,12-1 0-16,-7 12 1 16,4 1 1-16,0 6 0 15,7-7-1-15,0 4 1 0,11-4 0 16,1 2-1-16,7-6 1 16,-2 9 0-16,3-2 0 15,2 6 0-15,5-4 0 16,5 12 0-16,4-9-2 15,5 4 0-15,4-4-1 16,5 0 1-16,1-12-1 16,8 1 2-16,1-9 1 15,4 1 0-15,2-5 0 16,7 6 1-16,-5-2 1 0,6 3-1 16,-4-4 0-16,7 3 1 15,-2-5-1-15,8-2 0 16,1-2 1-16,8 2-1 15,-2-3 0-15,10 4 0 16,-8-3 0-16,7 2 0 16,-8-3-1-16,8-1 0 15,-11-5 0-15,11 4 1 16,-6-6-1-16,11 4-1 16,-6-1 0-16,7 0 1 15,-7-5 0-15,13 0 3 16,-10-5 0-16,16 0 0 15,-6-4-1-15,9-1-1 0,-11-2 0 16,9-1 1-16,-9-3 0 16,9-3 1-16,-7 0-3 15,9-1 2-15,-10 0 0 16,10-4-2-16,-14 3-1 16,9-2 0-16,-10 0-1 15,7 1-1-15,-12 1 3 16,8-10 2-16,-6-2 2 15,6-7 0-15,-6-4 1 16,11-9 2-16,-14 4-3 0,0-6 1 16,-10 3 0-16,4-6 0 15,-15 7-1-15,4-4 4 16,-10 8 2-16,-2-6 8 16,-11 8 0-16,-2-9 4 15,-9 7 3-15,-4-6 5 16,-5 2 0-16,-4-6 4 15,-6 6-5-15,-4-8-5 16,-3 1-7-16,-9-6-10 16,-2 3-8-16,-9-8 2 15,-2 4 2-15,-5-7-3 16,-1 8 1-16,-10-3-1 16,0 10-6-16,-12-1-1 15,2 10 2-15,-9 0 0 0,10 5 4 16,-9-3 2-16,3 4 0 15,-12 0 0-15,6 5 1 16,-11-2-1-16,10 6 0 16,-7 0 0-16,8 4-2 15,-13 2-1-15,8 5-1 16,-13 2-1-16,11 3 1 16,-7-1 2-16,10 1 2 0,-8 1-1 15,11 0 2-15,-8 2-2 16,16 2 1-16,-4 1 0 15,11 2-1-15,-1-1 3 16,11-2-1-16,-8 2 1 16,10 1-1-16,-3 1 1 15,6 1-3-15,-3 3 1 16,10 0-1-16,4-2 4 16,12-2-1-16,4-1 0 15,8-2-2-15,2 2-26 16,1 0-44-16,-4 5-154 15,0 4-29-15,-5 7-80 16</inkml:trace>
-  <inkml:trace contextRef="#ctx0" brushRef="#br0" timeOffset="7818.52">18083 10038 501 0,'10'-10'148'16,"-21"0"51"-16,8 4-123 15,0 0-30-15,-3-1 0 16,-2-1-16-16,-4-3-17 15,-5 0-12-15,-7-8-1 16,-3 1 0-16,-11-5 0 16,0 0-2-16,-8-5 2 15,0 3-1-15,-7-4-1 16,8 2 2-16,-8-2 0 16,2 4-1-16,-7 3 1 0,1 6 0 15,-10 5-2 1,4 6-2-16,-6 7-1 0,3 5-1 15,-15 7 0-15,5 2 0 16,-8 4 4-16,1 0 1 16,-9 5 0-16,16-3 2 15,-11 2 2-15,8-1-1 16,-10 8 0-16,9-1 0 16,-7 6 0-16,9-4-2 15,-5 9-1-15,20-12 1 16,0 4-1-16,14-7-1 0,-3 12-1 15,14-2 0-15,-3 10 1 16,5 0-1-16,1 11 1 16,11-13 0-16,5-2 0 15,9-8-1-15,4-3 0 16,2-10 0-16,4 5 1 16,2-3-1-16,3 7 3 15,2 1-1-15,3 8 2 16,2-2 0-16,5 7 1 15,3-6-2-15,4 4 1 16,1-9-1-16,6 4 0 16,-2-8-1-16,7-4 0 15,-1-5 2-15,7-2-1 16,1-4 1-16,6 3 0 16,-5 1 0-16,5 2 0 15,-7-1 0-15,10 2 1 0,-3-3-1 16,9 0-1-16,-2-1-4 15,7 1 2-15,-9-1-2 16,5 2 2-16,-8-1 0 16,6 1 1-16,-10-3-1 15,9 2 1-15,-4 1-1 16,11-2 1-16,-6-3-1 0,6 0 1 16,-7-4-3-1,6-3-1-15,-9-1 0 0,8 0 2 16,-7-1-3-16,7 2 7 15,-7-2 1-15,8-2 3 16,-9 0 0-16,12-2 4 16,-4-2-4-16,11-3-1 15,-5-3-4-15,12-8 3 16,-11 0-2-16,4-4-1 16,-12 0 0-16,4 1 2 15,-12 3-2-15,8-1 1 16,-3-1 0-16,10-1-1 15,-10 0 0-15,8-8 0 16,-9 3 0-16,4-7 2 16,-11 0 0-16,6-4 2 0,-7 1 0 15,3-5 2-15,-11 4 0 16,0-5 3-16,-15 3-1 16,-2-10 1-16,-9 0-2 15,0-12-1-15,-5 4-4 16,-6-6 2-16,-4 8 0 15,-7-2 6-15,-6 4 0 0,-11-8 19 16,-3 4-3-16,-14-10-4 16,-6 6-6-16,-12-1 0 15,2 10-16-15,-13-1 1 16,7 11 2-16,-17-1 0 16,10 6 1-16,-17 1-4 15,7 6 0-15,-11 2 1 16,8 8-1-16,-20 3-1 15,7 3-1-15,-12 1 1 16,7 3 1-16,-11-3 0 16,19 0 0-16,-5 1 3 15,13 1-1-15,1 2-1 16,16 4 0-16,-10 2-2 16,16 5 0-16,-4 2-1 15,7 1-3-15,6 6-49 16,15 1-120-16,2 3-68 0,-8-2-66 15</inkml:trace>
-  <inkml:trace contextRef="#ctx0" brushRef="#br0" timeOffset="11302.96">16272 11208 747 0,'-40'-4'174'0,"0"-9"61"15,2 4-219-15,-12 1-16 16,-4 1-4-16,-15-4 0 15,7 4 2-15,-11-1-1 16,3 3-2-16,-19 2-7 16,6 6 4-16,-9-5 0 15,7 2 3-15,-1-4 6 16,18-5 6-16,-6-2-2 16,8 4-1-16,-13 4-3 15,4 10-10-15,-12 12-9 16,1 7-2-16,-8 11-2 15,7 3 1-15,-4 10 9 16,14-8 9-16,-1 4 0 16,16-9 3-16,-2 4 0 15,11-7-2-15,-8 11 0 16,9 0 0-16,-3 15 0 0,10-4 0 16,2 7-1-16,15-7 0 15,3 5-1-15,9-4-1 16,3 12 0-16,4 0 2 15,4 16-1-15,5-2-1 16,9 7-2-16,4-9 1 16,7 4-5-16,6-14-1 15,10 8 0-15,2-10 2 16,9 3-2-16,2-12 1 0,8 4-3 16,-5-12 2-16,9 3-3 15,0-8 5-15,18 7 6 16,-1-8 7-16,21 0-5 15,-4-10 1-15,19-4-2 16,-9-12-2-16,20-9 3 16,-10-3 7-16,21-4-1 15,-13-3-1-15,18-1 1 16,-14-2-1-16,21-5-3 16,-13-1 3-16,14-7-2 15,-16-3-5-15,15 1-3 16,-24 0 0-16,11-7 7 15,-13 2 5-15,13-6-2 16,-25 3 2-16,15-10 2 0,-19 3-7 16,7-9 5-16,-21 6 1 15,3-7 2-15,-25 9-1 16,-3-6 13-16,-22 4 3 16,-3-12 15-16,-12 1 7 15,-1-11 16-15,-11 6-1 16,-8-4 16-16,-10 8-10 15,-12-5-3-15,-7 2-19 16,-11-14-14-16,-5 2-23 0,-5-9-2 16,-5 4 10-16,-14-3 15 15,-5 15-4-15,-22-4-14 16,2 15 7-16,-13-5-11 16,4 7-16-16,-17-3 7 15,16 10 15-15,-16-1-5 16,8 7-3-16,-16 3 3 15,18 8 2-15,-19 2-14 16,-4 9-10-16,-19 5 2 16,17 3 5-16,-4-4 11 15,16 1 12-15,6-6 15 16,24-5-5-16,-13-4-24 16,11 4-20-16,-7 0-14 15,10 0-37-15,-3 3-124 0,18 3-122 16,2 7-15-16</inkml:trace>
-  <inkml:trace contextRef="#ctx0" brushRef="#br0" timeOffset="15592.38">3074 12821 477 0,'-3'-6'109'0,"-8"-14"53"15,-5 5-139-15,1 0-6 16,-3 4 7-16,1 3-9 0,-6 2-21 16,1 10-6-1,-10 5-4-15,1 4-8 0,-9 6 3 16,0 4 11-16,-9 0 7 15,4-3 8-15,-7-3 3 16,6-5 1-16,-2-3 4 16,10-3-2-16,-3 1-3 15,6 0-3-15,-1 3 0 16,8-1-3-16,-5 3 0 16,4 0 2-16,0 1 10 15,-1-2-1-15,-4 2-1 16,5 0 0-16,-2 1-1 15,7-3-9-15,0 2 1 16,5-1 0-16,3 0 0 16,3-1-1-16,-3 5-2 15,4 1-1-15,-3 10 0 0,1 4 0 16,0 9 3-16,2 3 1 16,1 6 0-16,3-6-1 15,-1 5-1-15,2-4-3 16,2 3 1-16,2-3-1 15,-1 8 1-15,3-3 0 16,2 1 0-16,-3-6-1 0,2 5 0 16,-1-13 0-16,0 5 0 15,-2-7 1-15,2 6 0 16,-1-6 0-16,0 9 0 16,0-5-2-16,4 6 0 15,0-4 1-15,2 7-1 16,1-6 0-16,2 4 3 15,-2-3 0-15,-3 9 2 16,-2-3 1-16,0 11 2 16,-1-2-2-16,2 5 0 15,1-8-3-15,4 3-1 16,0-12 0-16,-1 5-1 16,-1-5-1-16,-1 1-1 15,-3-4-1-15,0 3-1 16,2-7 2-16,-2 9 3 15,-3-3 2-15,1 4 0 16,-2-4 2-16,-1-3-1 0,-1-10-3 16,-3 2 3-16,-2-3 0 15,-2 5 0-15,0 0 0 16,-2 5 0-16,3-6-2 16,-3 4-1-16,5-4 0 15,-5 3 0-15,2-3 0 16,-4 7 1-16,3-8 0 15,-3 0 0-15,4-4 0 16,-1 0-2-16,6-8 0 16,-1 4-2-16,1-1 0 0,0 10 1 15,-1-2 0-15,-1 14 4 16,0 1 3-16,1 16-3 16,1-13-4-16,3 1 1 15,2-15-3-15,5-3-2 16,0-12 4-16,2 7 0 15,0-2-1-15,2 8-3 16,-1-4-1-16,4 3 0 16,0-2 0-16,6 6 0 15,1-3 1-15,6 6-3 16,0-7 0-16,4 7 0 0,-1-7 1 16,4 5 5-1,-2-6 2-15,6 5-2 0,-2-5-2 16,6 3-1-16,-4-5-3 15,7 1 0-15,-3-5 3 16,6 2 3-16,-4-5 7 16,10 4-1-16,-9-3-1 15,4 1-1-15,-6-3 0 16,3 0-5-16,-6-1 2 16,4-4 1-16,-1-4 0 15,3-1 2-15,-6-2 0 0,6-2 0 16,-6-1-1-16,5 3-1 15,-8-4-2-15,5 3 0 16,-7-2 0-16,3 2-1 16,-5-4 3-16,4 3 0 15,-3-3 0-15,5-2 0 16,-2 1 1-16,6-2 1 16,-3 0 2-16,9-1 5 15,-1 2 4-15,8-2 12 16,-2 2 5-16,5 1-1 15,-5-2-5-15,4-1-4 16,-6 0-10-16,5 1-8 16,-6-1-2-16,5 0-5 15,-7 1-7-15,-1-1-5 16,-6 3 1-16,2-1 1 16,-7 0 6-16,1-1 7 15,-3 1 3-15,1 0 1 0,-8-2-1 16,1 2 0-16,-6-1 0 15,-3 1 1-15,-3-2 2 16,-1 0 0-16,-3 0 1 16,0 0 1-16,-2 1 1 0,-1-1 1 15,-1 0 1-15,-4-1 2 16,0 0 0-16,0 0 3 16,0 0-2-16,0 0 4 15,0 0-1-15,0 0 7 16,0 0 2-16,0 0 18 15,0 0 4-15,0 0 12 16,0 0-3-16,0 0 6 16,0 0-17-16,0 0-4 15,0 0-13-15,0 0-2 16,0 0-11-16,0 0 1 16,0 0-3-16,0 0 0 15,0 0-3-15,0 0-3 16,0 0-8-16,0 0-16 15,0 0-16-15,0 0-167 16,0 0 1-16,1 1-47 0,14 24-137 16</inkml:trace>
-  <inkml:trace contextRef="#ctx0" brushRef="#br0" timeOffset="18672.47">23252 5091 600 0,'-8'-8'108'15,"-5"-8"71"-15,-15-18-183 16,1 10-3-16,5 9-13 16,-8 6-24-16,-3 7-15 0,-13 5-6 15,1 2 12-15,-12 1 17 16,2-3 27-16,-11 0 15 16,6-1 6-16,-12 3 8 15,5 5-1-15,-6 7 0 16,13 5-4-16,-7 14-3 15,12 3-7-15,0 8-2 16,5 0-3-16,-2 13 0 16,13-3-1-16,-3 15 1 15,8 2-1-15,-1 10 2 16,9-11-2-16,0 9-2 16,9-15 3-16,3 8 1 15,7-5 0-15,3 16 9 16,0-7 5-16,2 16 1 0,2-7 0 15,2 15-1-15,3-10-6 16,5 14-4-16,3-15-7 16,5 18 4-16,3-13 1 15,5 9 12-15,-1-9 6 16,11 16 11-16,-2-18-4 16,11 8-3-16,0-18-14 0,13-1-4 15,-7-20-7-15,13-9 2 16,-3-19 3-16,14-4 3 15,-3-12 0-15,19-6 2 16,-8-7-1-16,17-6 0 16,-8-6-3-16,21-6-1 15,-14-6-3-15,18-11-2 16,-15-3 1-16,23-17 0 16,-18-8 0-16,13-20 1 15,-15 0 1-15,6-18-1 16,-25 11 0-16,-1-14 2 15,-20 10 0-15,-4-15 2 16,-16 8 1-16,-10-11 1 16,-16 11-3-16,-5-14 2 15,-11 10-1-15,-9-10-2 16,-7 2-3-16,-9-15 1 16,-7 12-2-16,-16-11-1 0,-7 11 1 15,-19-13 3-15,-2 14-1 16,-14-9 2-16,2 12 21 15,-17-13 20-15,12 19 5 16,-17-6 1-16,9 16-5 16,-26 1-26-16,4 20-22 15,-23-5-7-15,1 21 0 16,-31 7 2-16,25 14 7 16,-19 9-5-16,7 28-16 0,-41 37-96 15,6 28-138-15,-64 57-3 16</inkml:trace>
-</inkml:ink>
-</file>
-
-<file path=ppt/ink/ink3.xml><?xml version="1.0" encoding="utf-8"?>
-<inkml:ink xmlns:inkml="http://www.w3.org/2003/InkML">
-  <inkml:definitions>
-    <inkml:context xml:id="ctx0">
-      <inkml:inkSource xml:id="inkSrc0">
-        <inkml:traceFormat>
-          <inkml:channel name="X" type="integer" max="29376" units="cm"/>
-          <inkml:channel name="Y" type="integer" max="16524" units="cm"/>
-          <inkml:channel name="F" type="integer" max="4095" units="dev"/>
-          <inkml:channel name="T" type="integer" max="2.14748E9" units="dev"/>
-        </inkml:traceFormat>
-        <inkml:channelProperties>
-          <inkml:channelProperty channel="X" name="resolution" value="1000.20428" units="1/cm"/>
-          <inkml:channelProperty channel="Y" name="resolution" value="1000.24213" units="1/cm"/>
-          <inkml:channelProperty channel="F" name="resolution" value="0" units="1/dev"/>
-          <inkml:channelProperty channel="T" name="resolution" value="1" units="1/dev"/>
-        </inkml:channelProperties>
-      </inkml:inkSource>
-      <inkml:timestamp xml:id="ts0" timeString="2020-06-20T18:10:57.018"/>
-    </inkml:context>
-    <inkml:brush xml:id="br0">
-      <inkml:brushProperty name="width" value="0.05292" units="cm"/>
-      <inkml:brushProperty name="height" value="0.05292" units="cm"/>
-      <inkml:brushProperty name="color" value="#7030A0"/>
-    </inkml:brush>
-  </inkml:definitions>
-  <inkml:trace contextRef="#ctx0" brushRef="#br0">3607 7634 949 0,'-1'-1'190'15,"-1"0"87"-15,1-2-286 16,0 3-3-16,1 0 0 16,-2 0-4-16,2 0 5 15,0 0-12-15,0 0-6 16,0 0-12-16,0-2 3 15,4 1 1-15,27-3 12 0,52-70 7 16,-28 30 11-16,16-11-1 16,-7 2 2-16,15-7 3 15,-7 7-1-15,9-3 3 16,-15 7 0-16,3-2 2 16,-17 13 0-16,-10 3 2 15,-14 11 2-15,-8 8 24 16,-12 9 15-16,-5 3 30 15,-4 5 13-15,-1-2 21 16,1 1-14-16,-1 0-16 16,1 0-28-16,0 0-17 15,1 0-26-15,0 0-26 16,-1 0-29-16,0 1-191 16,-8 22-107-16,-26 60-51 15</inkml:trace>
-  <inkml:trace contextRef="#ctx0" brushRef="#br0" timeOffset="1734.05">16245 6841 143 0,'1'0'176'0,"3"1"-50"15,-5-1-19-15,-1 0-53 16,2 0-53-16,0 0-14 16,-1 0-8-16,1 1-2 15,-1 5 7-15,1 23 7 0,6 39 5 16,2-24 1 0,1-2 0-16,5 8-3 0,0-4-1 15,0 6 1-15,-1-9 1 16,2 5-1-16,-3-8 5 15,2 4 2-15,-2-9 1 16,0 2 3-16,-2-6 5 16,2 2 0-16,-6-8 1 15,-2-4-1-15,-1-4-4 16,-6 1-111-16,-5-6 33 0</inkml:trace>
-  <inkml:trace contextRef="#ctx0" brushRef="#br0" timeOffset="2274.65">16199 6577 1400 0,'2'-7'236'0,"-4"3"139"15,2 4-435-15,-1-2-35 16,0 2 8-16,-1 0 2 15,0 2 19-15,-10 13 14 16,-58 55 33-16,24-21 5 16,1 0 0-16,0 0-22 15,12-8-11-15,4-3-32 0,14-12-9 16,1-4-33-16,7-9 12 16,5-4 17-16,1-7 35 15,0-2 39-15,3-2 40 16,-2 1-52-16,7-8-21 15,32-32-3-15,63-47-23 16,-27 24 2-16,-2 8 66 0,10-8 24 16,-9 11 9-16,3-1 11 15,-9 12 2-15,4 5 7 16,-16 14-5-16,2 5-1 16,-11 9-12-16,-1 3-3 15,-12 5-8-15,-7 0 25 16,-8 1 9-16,-9 1 30 15,-5 0 12-15,-3-1 12 16,-2 0-23-16,0 0-13 16,0 0-27-16,0 0-11 15,0 0-12-15,-1 0-3 16,1 0-1-16,-1 0-6 16,0 0-3-16,1 0-43 15,0 0-93-15,0 1-175 16,0 1-12-16</inkml:trace>
-  <inkml:trace contextRef="#ctx0" brushRef="#br0" timeOffset="3630.58">1439 10285 1140 0,'-27'10'255'16,"11"-9"108"-16,6-5-327 16,5 1-42-16,3 2-2 15,2 1-27-15,0-1-39 0,0 0-17 16,1-1 7-16,29-16 3 16,52-61 25-16,-5 15 30 15,10-8 20-15,16-18-1 16,-4 1-3-16,24-11 4 15,-15 9 2-15,12-12 0 16,-9 8 6-16,5 1 1 16,-16 17-1-16,3-2 2 15,-21 25-2-15,-4 7-8 16,-20 16-15-16,-9 8-94 16,-20 8-75-16,-8 10-73 15,-14 11-88-15</inkml:trace>
-  <inkml:trace contextRef="#ctx0" brushRef="#br0" timeOffset="3906.67">1421 10710 1276 0,'-13'23'285'16,"7"-12"104"-16,7-11-383 0,1-4-59 15,5-4-6-15,20-23-3 16,11-16 6-16,30-28 10 16,15-15 32-16,23-27 1 15,-2 8 6-15,19-16 3 16,-12 16 2-16,13-12 3 16,-11 19 3-16,9 1-19 15,-9 22-47-15,20-8-233 16,-11 17-34-16,3-8-114 15</inkml:trace>
-  <inkml:trace contextRef="#ctx0" brushRef="#br0" timeOffset="6165.59">18607 10379 537 0,'-12'26'320'0,"7"-7"-59"0,7-15-106 15,2-2-121-15,-4-1-69 16,0-2-6-16,0 1-2 16,0 0-15-16,0-1 4 15,1 0 20-15,7 0 9 16,29-5 6-16,44-14 19 16,-17-2 2-16,4 0-2 15,12-5 0-15,-4-1-2 16,15-2 0-16,-10 5-2 0,9-5 0 15,-6 3-1-15,9 0 3 16,-13 2 1-16,7 2 2 16,-14 1 0-16,3 2 2 15,-12 6-2-15,6 0 2 16,-17 2-1-16,0 5 1 16,-9 2-1-16,-6 0-27 15,-13 3-53-15,-3 6-80 16,-12 6-23-16,-17 7-19 15,-10 7-52-15</inkml:trace>
-  <inkml:trace contextRef="#ctx0" brushRef="#br0" timeOffset="6890.85">18780 10960 728 0,'-2'10'215'16,"0"-7"9"-16,3-6-204 16,6-2-62-16,-7 4-16 15,11-3 12-15,28-11 23 0,55-24 10 16,-39 10 9-16,12-9-1 16,-5 4 3-16,12-9 0 15,-7 7 1-15,14-6 0 16,-8 7 0-16,6-1 0 15,-17 7 0-15,0 5 2 16,-19 6-1-16,-8 2 1 16,-14 5 1-16,-7 7 5 15,-8 1 4-15,-3 3 13 16,-3 0 4-16,-1 0 3 16,1 0-8-16,-1 0-63 15,1 0-182-15,0-1 31 16</inkml:trace>
-  <inkml:trace contextRef="#ctx0" brushRef="#br0" timeOffset="9726.78">17072 12580 470 0,'-15'2'328'0,"4"-2"-28"15,3-1-75-15,6 1-116 16,0-1-32-16,2 1-54 16,0 0-16-16,0 0-7 15,0 0-7-15,0 0-8 0,0 0-31 16,0-1-15-1,0 1-16-15,1-1 5 0,13 0 7 16,18-5 30-16,53-15 14 16,-28 3 15-16,14-7-4 15,-2 0 3-15,17-4-1 16,-8 5 0-16,12-5 0 16,-12 2 5-16,11-5-1 15,-15 4 2-15,7-7 4 16,-18 9 2-16,-4-1-1 15,-19 7 1-15,-6 5 0 16,-18 5 2-16,-5 2 4 16,-5 6-3-16,-5 2-11 15,-3 0-18-15,1 0-203 16,-15 0 48-16</inkml:trace>
-  <inkml:trace contextRef="#ctx0" brushRef="#br0" timeOffset="10055.96">16944 12921 500 0,'-4'29'276'0,"4"-30"-49"16,1 2-92-16,6-5-180 0,-6 2-6 16,24-8 11-16,67-34 4 15,-21 3 32-15,25-16-1 16,-1 0 2-16,18-15 1 15,-8 6 1-15,11 3 0 16,-15 10 6-16,8 1-4 16,-20 13-2-16,-4 4-1 15,-21 8 0-15,-8 4-4 16,-21 5 4-16,-7 6 0 16,-11 5 4-16,-3 2 0 15,-8 4 3-15,-1 0 3 16,-3 2 2-16,-2-1-3 15,0-1-12-15,1 0-188 16,24-10 52-16</inkml:trace>
-  <inkml:trace contextRef="#ctx0" brushRef="#br0" timeOffset="15167.96">2135 7722 802 0,'-44'-17'216'16,"-4"2"71"-16,5 4-244 15,-11 5-47-15,3 4-28 0,-11 9-9 16,1 3-18-16,-9 4 28 15,13 2 53 1,-6 2-10-16,10-4 8 0,-1 2-1 16,4 2-26-16,-17 12-27 15,13 1 8-15,1 4 2 16,4 1-1-16,1 10-1 16,18-8 20-16,-3 2-5 15,6-2 0-15,3 4-3 16,8-12-3-16,4 2-12 15,8-3-4-15,2 4-9 16,9-3 1-16,5 5-3 16,6-2 15-16,8 6 2 15,0-3 8-15,10 3 2 16,3-5 6-16,14-2 2 16,-1-4 4-16,10-4 1 15,-3-8-2-15,9 0 0 16,-8-4 0-16,12-2-2 0,-3-2 3 15,9 0-1 1,-5-2 3-16,11-3 0 0,-9-1 3 16,17-2 0-16,-7-4 2 15,11 0 1-15,-12 0-1 16,6 3-2-16,-13 1 0 16,5-1 0-16,-9 2-2 15,10-2 2-15,-8-3 2 16,7 1-1-16,-7-2 1 15,11-4 0-15,-9 1 0 0,9 0-2 16,-13 1 1-16,5 1-1 16,-13 5-1-16,7 1 0 15,-9 5 0-15,11 0 0 16,-8-2 0-16,6 1 1 16,-7-3 1-16,6-1-1 15,-7 0 1-15,8 2-2 16,-6 0 1-16,7 1 0 15,-9 0 0-15,8-4 0 16,-8 2 1-16,4-4-1 16,-5 3-1-16,7 3 0 15,-11 4 0-15,5 0-2 16,-7 4 1-16,6 1 2 16,-10-4-1-16,13 1-1 0,-7-2 2 15,8-1 0-15,-7-1 0 16,9 3 0-16,-10-1 1 15,7 4-1-15,-7 0 0 16,12 3 0-16,-11 2-1 16,6 5 0-16,-8-1 0 15,8 4 1-15,-11-2 0 0,10-2 1 16,-3-2 0-16,14-3 0 16,-7-6 1-16,11-1-1 15,-9-2 0-15,11-3 0 16,-7 1 1-16,14-4-1 15,-9-1 1-15,14-5 0 16,-11-1 0-16,10-5-1 16,-12 4-1-16,10-1 0 15,-11 2-1-15,7 2 0 16,-13 3 0-16,9 0 1 16,-12 0 0-16,14 0 0 15,-13-1 1-15,11 1-1 16,-9-2 1-16,10 0-1 15,-10-3 1-15,14 1-1 16,-12-1 1-16,10-1-1 16,-12-2 1-16,10-2-1 0,-12 0 1 15,13 0 0-15,-14 1 1 16,11 2 0-16,-13 1 2 16,6 0-1-16,-14 2-1 15,9-2 0-15,-10 2-1 16,2-2 0-16,-7 0 0 15,9-7 1-15,-10-1 3 16,8-9 0-16,-4-2 1 0,5-5 0 16,-8 3-1-1,4-4-3-15,-12 3 2 0,2-1 0 16,-13 0 1-16,-1-5 2 16,-6 7 2-16,-5-1 33 15,-7 7 27-15,-5 5 47 16,-6 5 18-16,-5 2 31 15,0 3-24-15,-2 1-11 16,-1 1-45-16,-3-6-21 16,-3 0-33-16,-5-9-14 15,-3-6-17-15,-7-2-1 16,1 0 6-16,-2-2 16 16,0 8 20-16,-3-4 4 15,-1-1-10-15,-7-2-4 16,-2 1-18-16,-7-4-19 15,2 6-9-15,-3-1 1 0,4 3-1 16,-4-1-2-16,7 4 12 16,0-3 10-16,3 4 6 15,-7-4 3-15,5 6 2 16,-8-2-8-16,0 5-7 16,-6-1 0-16,4 5-1 15,-7-1-2-15,9 4 11 16,-4-1 0-16,5 5-5 15,-8-4-4-15,7 3 0 16,-16 0-13-16,1 5-4 0,-9-2 0 16,8 6 6-16,-10 0-1 15,8-2 3-15,-9 0 5 16,8 1 3-16,-9-1-1 16,7 2 2-16,-5 0-2 15,10 1 1-15,-4-2 1 16,4-3-2-16,-11 1 0 15,8-1 1-15,-11 2 0 16,4 1 0-16,-9 5 0 16,9-2 1-16,-11-4-1 15,5 2 2-15,-13 2-1 16,12-3 3-16,-9 2-2 16,5 4 0-16,-9-5-1 15,10 3 1-15,-13 1-2 16,11 3 1-16,-10-2 0 0,15 1-1 15,-10-1 2-15,15-5 2 16,-5-2 4-16,13-1 1 16,-6-6 11-16,14-3 3 15,-10 0-1-15,5-2-5 16,-4 2 0-16,6 3-10 0,-7 1-3 16,12 0-1-16,-4-2 2 15,7 2-1-15,-8-1 2 16,9-3 6-16,-7 1 6 15,5-1-2-15,-4-1-1 16,9 2-1-16,-3 0-4 16,8 2-5-16,-5-1 1 15,5-1-1-15,-6 0-1 16,1 3-4-16,-15 2-22 16,4 6-1-16,-3 4 6 15,3 0-1-15,-7 2 0 16,13 2 22-16,-10-6 1 15,4 5-7-15,-4 2 3 16,7-2 1-16,-8-4-2 16,14 5 3-16,-2-5 0 15,5-4-1-15,-8 0-1 0,7 2 2 16,-10-1-3-16,3-1 3 16,-6 1 1-16,10-2-1 15,-5-2 3-15,9-2-1 16,-11 1-1-16,6-1-2 15,-11 0-1-15,2 5-4 16,-8 0 1-16,8-1 0 16,-9 2-1-16,7 0 3 0,-8-2 2 15,6-3 2-15,-5 2 2 16,6-4-1-16,-3 1 1 16,14-2-2-1,-8-3-3-15,8 0-1 0,-8 1-3 16,6 2-1-16,-9 2 1 15,9 2 2-15,-7 0 0 16,12 2 3-16,-3-4 2 16,9 1 1-16,-1 0 1 15,9 1-2-15,1 0-1 16,6 2-5-16,-4 4-8 16,4 7-14-16,-6 6-37 15,0 14-5-15,-7 16-21 16,4 13-17-16,-5 32-123 15,10 15-122-15,-1 12-10 0</inkml:trace>
-  <inkml:trace contextRef="#ctx0" brushRef="#br0" timeOffset="16492.88">425 8893 1245 0,'-16'16'315'15,"27"-16"93"-15,-10 0-382 16,-2-2-54-16,5-5-20 16,-4 6-15-16,6-11 5 15,15-28 25-15,59-53 16 16,-26 30 14-16,18-11 0 15,-4 2 0-15,9-11 3 0,-3 8-3 16,13-8 2-16,-15 12 0 16,8 4-27-16,-6 13-22 15,-1-1-40-15,-17 16-61 16,-4 12-167-16,-18 10-1 16,-11 17-84-16</inkml:trace>
-  <inkml:trace contextRef="#ctx0" brushRef="#br0" timeOffset="16786.73">1070 8468 175 0,'-51'69'94'0,"3"-8"43"16,11-21-36-16,7-3 12 15,15-17-4-15,9-10-9 16,5-6-51-16,2-3-27 16,1-1-33-16,-2-1-12 15,2 0-1-15,14-7 9 16,23-33 19-16,63-64 15 15,-29 23 1-15,17-24 1 16,-8 5-4-16,4-9 0 16,-12 22-5-16,0 3-2 15,-21 23-3-15,-8 10 0 16,-15 21 0-16,-9 12 4 16,-14 9 0-16,-4 10-4 15,-3 3-3-15,6 5-1 0,5 7-7 16,14 25-200-1,5 11 72-15</inkml:trace>
-  <inkml:trace contextRef="#ctx0" brushRef="#br0" timeOffset="18674.05">2001 12350 1176 0,'-26'6'298'0,"3"-18"88"0,-6 13-341 16,-1 2-77-16,-10 7-19 15,-3 9-29-15,-10 16-36 16,-1-1 25-16,-7 11 11 16,7 3 23-16,-4 5 22 15,9-3 37-15,-9 15-3 16,6-3 0 0,-8 11 0-16,6-4 0 0,-9 7 0 15,15-8 1-15,-3 13-2 16,11-14 2-16,-3 9-1 15,7-9 0-15,1 4-3 16,7-14 1-16,-1 12-1 16,6-8 0-16,-3 5 0 15,1-10 4-15,-2 7-1 16,3-11 0-16,-2 7 0 16,8-5 0-16,-4 20-2 15,7-1 0-15,0 9-1 0,2-5 3 16,2 12-4-16,3-13 0 15,2 8 0 1,2-6 0-16,4 2-2 0,2-10 2 16,2 10 1-16,-2-9 2 15,4 14 0-15,1 1 2 16,1 11 1-16,1-7 0 16,3 18-1-16,-2-12 0 15,3 6-3-15,1-8 2 16,1 10-1-16,0-14 1 0,3 10-1 15,-3-12 3-15,1 3-2 16,1-16 2-16,1 5-4 16,-5-17 4-16,2 4-2 15,-6-9 1-15,-2-2-1 16,-4-13 4-16,1-2-2 16,-3-13 1-16,0 1-1 15,0-11 2-15,0 1-1 16,0-4 1-16,1 0-2 15,1-3 0-15,-1 6-1 16,2-2 0-16,-2 1-2 16,4 4 0-16,-1 2-3 15,4-2 0-15,6 4-3 16,1-2 2-16,6 3-1 16,2-5 3-16,3 4-2 15,-2-5 2-15,7 8-2 16,-3-4 0-16,7 4-3 0,-1 0 2 15,14-1-2-15,-4-2 4 16,9 3-1-16,-4-2 2 16,6 1-1-16,-6 0 1 15,7 5 0-15,-1-3 1 0,15 4-1 16,-3-3 1-16,9 5 1 16,-4-5-1-16,10 1 1 15,-8-2 2-15,14 2-3 16,-10-8 2-16,10 1-2 15,-9-1 1-15,8-6-2 16,-10-4 2-16,15 6-1 16,-11-7 3-16,8 2-1 15,-11-2 2-15,10-2 1 16,-14-5 1-16,9 2-1 16,-13-6 1-16,0-2-1 15,-17 2-3-15,-1-2 0 16,-17-2-1-16,0 1-1 15,-12 4 1-15,-3-2 1 16,-10 2 2-16,-3-5 9 16,-5 3 8-16,-2-2 80 0,-1 1 28 15,0 1 43-15,0 0 6 16,-1-1 12-16,1 1-76 16,-2 0-24-16,1 0-43 15,0 0-21-15,0 0-35 16,1 0-124-16,0 0-171 0,0 0-136 15,0 0-124 1</inkml:trace>
-  <inkml:trace contextRef="#ctx0" brushRef="#br0" timeOffset="33046.85">22765 3998 418 0,'-5'-56'3'0,"-3"-2"100"16,4 13-162-16,1-2 177 16,-1 12-8-16,0 3 16 15,-1 8-9-15,1 5-31 16,2 12-57-16,0 3-35 0,1 5-29 15,0-1-11-15,0 1 1 16,-7 35 6-16,-10 48 20 16,3-10 6-16,2 8 6 15,-1 25 2-15,-1 1 3 16,-3 24 3-16,6-11 0 16,0 5 2-16,1-18 1 15,0 0 3-15,7-21 1 16,0-15-11-16,5-21-39 0,4-13-128 15,7-27 17-15</inkml:trace>
-  <inkml:trace contextRef="#ctx0" brushRef="#br0" timeOffset="33315.69">23278 3310 1022 0,'11'38'154'0,"-10"8"123"15,-13 16-307-15,-5 34 0 16,-1 17 22-16,-7 39 5 16,0-5 3-16,-3 19-1 15,3-25 4-15,0 15 0 0,3-34-1 16,-6-1-3-1,8-24-30-15,-5-1-84 0,1-32-65 16,-1-12-99-16,1-26-69 16</inkml:trace>
-  <inkml:trace contextRef="#ctx0" brushRef="#br0" timeOffset="33673.87">22125 4111 879 0,'-12'19'220'16,"8"1"41"-16,5 13-212 16,-1 14-110-16,7 23 11 15,5 9 41-15,11 17-6 16,8-8 0-16,17 4-2 15,6-16-5-15,14-1-9 16,1-24 4-16,16-13-1 16,2-21 2-16,16-19 2 15,-4-22 7-15,26-26 5 0,2-19 5 16,28-35 2-16,-8-5 6 16,26-18 4-16,-21 9 1 15,5-10 2-15,-29 24 0 16,2-4-28-16,-35 17-61 15,2-9-133-15,-26 22-4 16</inkml:trace>
-  <inkml:trace contextRef="#ctx0" brushRef="#br0" timeOffset="34075.66">22928 2813 896 0,'-11'73'155'16,"-18"30"98"-16,-1 3-277 15,-16 44 16-15,0 6 5 16,-11 23-3-16,10-20 5 16,1 25-1-16,10-28 0 15,3 8 1-15,19-31 2 16,12-2-4-16,7-42-14 0,15-10-44 15,6-35-23-15,10-21-43 16,2-34-3-16,22-41-105 16,7-27 40-16</inkml:trace>
-  <inkml:trace contextRef="#ctx0" brushRef="#br0" timeOffset="34317.85">23447 2686 849 0,'-6'11'125'0,"-3"20"101"15,-2 12-256-15,-2 31-5 16,-1 19 22-16,-3 29-1 16,4-6 7-16,-1 31 3 15,-2-7 8-15,-7 12 2 16,0-14 1-16,-7 13 1 0,2-29 0 15,-5 6-79-15,3-21-77 16,-4 3-78-16,9-26-77 16</inkml:trace>
-  <inkml:trace contextRef="#ctx0" brushRef="#br0" timeOffset="34727.93">22336 3753 578 0,'27'51'138'16,"-15"14"41"-16,2 34-158 0,1 20-35 15,3 31 3-15,9-6 3 16,8-1 3-16,2-38 2 15,12-15-20-15,8-35 2 16,23-26-4-16,9-29 7 16,54-39-3-16,24-44 24 15,77-75 5-15,13-42-158 0,50-63 55 16</inkml:trace>
-</inkml:ink>
-</file>
-
-<file path=ppt/ink/ink4.xml><?xml version="1.0" encoding="utf-8"?>
 <inkml:ink xmlns:inkml="http://www.w3.org/2003/InkML">
   <inkml:definitions>
     <inkml:context xml:id="ctx0">
@@ -506,7 +421,7 @@
 </inkml:ink>
 </file>
 
-<file path=ppt/ink/ink5.xml><?xml version="1.0" encoding="utf-8"?>
+<file path=ppt/ink/ink3.xml><?xml version="1.0" encoding="utf-8"?>
 <inkml:ink xmlns:inkml="http://www.w3.org/2003/InkML">
   <inkml:definitions>
     <inkml:context xml:id="ctx0">
@@ -534,7 +449,7 @@
   </inkml:definitions>
   <inkml:trace contextRef="#ctx0" brushRef="#br0">6364 6348 571 0,'6'73'108'0,"-3"-2"63"0,1 24-176 0,4 72 3 0,0 1-1 16,-3-9 3-16,8 27-8 0,2-27 2 0,4 16 3 0,1-8 1 0,9 5 1 16,1-43 1-16,8-11-16 15,1-42-8-15,13-22-14 16,-1-35-1-16,16-32 13 15,2-32 26-15,21-41 20 16,-4-22 18-16,11-34 8 16,-18 0 2-16,-2-27 43 0,-24 12 1 15,-10-11 48-15,-23 19 3 16,-6-12-8-16,-14 23-52 16,-7-24-16-16,-1 13-51 15,-6-18-9-15,-3 15-6 16,-10-8-13-16,-8 37 4 15,-19 9 14-15,-9 31-3 16,-19 14-11-16,-6 29 9 0,-21 22-52 16,-3 29-33-1,-20 38-28-15,11 24-14 0,1 41-79 16,24 9-26 0,16 28-12-16,36-14-68 0</inkml:trace>
   <inkml:trace contextRef="#ctx0" brushRef="#br0" timeOffset="427.97">6703 5717 709 0,'-39'-1'64'0,"-5"32"92"15,0 13-226-15,-4 45 19 16,6 19 21-16,-1 48 2 15,11 14-32-15,0 59-93 16,10-9 10-16</inkml:trace>
-  <inkml:trace contextRef="#ctx0" brushRef="#br0" timeOffset="1025.66">4910 11213 1253 0,'-20'-5'256'0,"-3"-16"120"16,4-11-382-16,0-20-10 15,3-9-4-15,5-35-3 16,7-7-31-16,3-26-34 15,0-1-2-15,2-17-2 16,-1 27 5-16,-10 4 35 16,-3 27 44-16,-7 12 14 15,-4 28 9-15,-7 11 5 0,2 16-5 16,-4 14-26-16,3 20-15 16,-9 35-19-1,4 17-10-15,2 51-5 0,4 16 18 16,10 33 8-16,18-6 11 15,16 19 0-15,9-35 6 16,21 13-5-16,7-32 4 16,15-8-3-16,-1-27 1 15,12-4 1-15,-5-29 7 0,11-1 8 16,-8-11 5-16,5 1-6 16,-15-3-6-16,-4 15-47 15,-25 0-51-15,-20 28-85 16,-24-1-26-16</inkml:trace>
+  <inkml:trace contextRef="#ctx0" brushRef="#br0" timeOffset="1025.65">4910 11213 1253 0,'-20'-5'256'0,"-3"-16"120"16,4-11-382-16,0-20-10 15,3-9-4-15,5-35-3 16,7-7-31-16,3-26-34 15,0-1-2-15,2-17-2 16,-1 27 5-16,-10 4 35 16,-3 27 44-16,-7 12 14 15,-4 28 9-15,-7 11 5 0,2 16-5 16,-4 14-26-16,3 20-15 16,-9 35-19-1,4 17-10-15,2 51-5 0,4 16 18 16,10 33 8-16,18-6 11 15,16 19 0-15,9-35 6 16,21 13-5-16,7-32 4 16,15-8-3-16,-1-27 1 15,12-4 1-15,-5-29 7 0,11-1 8 16,-8-11 5-16,5 1-6 16,-15-3-6-16,-4 15-47 15,-25 0-51-15,-20 28-85 16,-24-1-26-16</inkml:trace>
   <inkml:trace contextRef="#ctx0" brushRef="#br0" timeOffset="1226.9">4656 12041 973 0,'53'-101'186'15,"-34"8"100"-15,43-30-293 0,11 0 4 16,24-14 1 0,-10 24-25-16,16-2-52 0,-14 25-32 15,4 0-134 1,-23 24-41-16,-2 1-37 0</inkml:trace>
   <inkml:trace contextRef="#ctx0" brushRef="#br0" timeOffset="1413.22">5513 10783 574 0,'-8'6'510'0,"1"-5"-115"0,1-2-30 16,3-1-306-16,2 2-59 16,1 0-60-16,0 0-34 15,0 0 3-15,3 5 9 16,21 26 29-16,51 51 22 16,-33-30 30-16,7 15-14 15,-5-5-30-15,2 11-107 16,-7-9-110-16,0-3-38 15,-13-28-115-15</inkml:trace>
   <inkml:trace contextRef="#ctx0" brushRef="#br0" timeOffset="1583.79">5528 10227 1253 0,'6'-2'234'0,"-26"1"71"16,25 4-547-16,7 9-8 16,23 20-81-16,12 19-26 15,25 30 42-15</inkml:trace>
@@ -1050,7 +965,7 @@
           <a:p>
             <a:fld id="{72345051-2045-45DA-935E-2E3CA1A69ADC}" type="datetimeFigureOut">
               <a:rPr lang="en-US" smtClean="0"/>
-              <a:t>6/20/2020</a:t>
+              <a:t>6/25/2020</a:t>
             </a:fld>
             <a:endParaRPr lang="en-US"/>
           </a:p>
@@ -1260,7 +1175,7 @@
           <a:p>
             <a:fld id="{72345051-2045-45DA-935E-2E3CA1A69ADC}" type="datetimeFigureOut">
               <a:rPr lang="en-US" smtClean="0"/>
-              <a:t>6/20/2020</a:t>
+              <a:t>6/25/2020</a:t>
             </a:fld>
             <a:endParaRPr lang="en-US"/>
           </a:p>
@@ -1480,7 +1395,7 @@
           <a:p>
             <a:fld id="{72345051-2045-45DA-935E-2E3CA1A69ADC}" type="datetimeFigureOut">
               <a:rPr lang="en-US" smtClean="0"/>
-              <a:t>6/20/2020</a:t>
+              <a:t>6/25/2020</a:t>
             </a:fld>
             <a:endParaRPr lang="en-US"/>
           </a:p>
@@ -1715,7 +1630,7 @@
           <a:p>
             <a:fld id="{72345051-2045-45DA-935E-2E3CA1A69ADC}" type="datetimeFigureOut">
               <a:rPr lang="en-US" smtClean="0"/>
-              <a:t>6/20/2020</a:t>
+              <a:t>6/25/2020</a:t>
             </a:fld>
             <a:endParaRPr lang="en-US"/>
           </a:p>
@@ -2638,7 +2553,7 @@
           <a:p>
             <a:fld id="{72345051-2045-45DA-935E-2E3CA1A69ADC}" type="datetimeFigureOut">
               <a:rPr lang="en-US" smtClean="0"/>
-              <a:t>6/20/2020</a:t>
+              <a:t>6/25/2020</a:t>
             </a:fld>
             <a:endParaRPr lang="en-US"/>
           </a:p>
@@ -3254,7 +3169,7 @@
           <a:p>
             <a:fld id="{72345051-2045-45DA-935E-2E3CA1A69ADC}" type="datetimeFigureOut">
               <a:rPr lang="en-US" smtClean="0"/>
-              <a:t>6/20/2020</a:t>
+              <a:t>6/25/2020</a:t>
             </a:fld>
             <a:endParaRPr lang="en-US"/>
           </a:p>
@@ -4315,7 +4230,7 @@
           <a:p>
             <a:fld id="{72345051-2045-45DA-935E-2E3CA1A69ADC}" type="datetimeFigureOut">
               <a:rPr lang="en-US" smtClean="0"/>
-              <a:t>6/20/2020</a:t>
+              <a:t>6/25/2020</a:t>
             </a:fld>
             <a:endParaRPr lang="en-US"/>
           </a:p>
@@ -5111,7 +5026,7 @@
           <a:p>
             <a:fld id="{72345051-2045-45DA-935E-2E3CA1A69ADC}" type="datetimeFigureOut">
               <a:rPr lang="en-US" smtClean="0"/>
-              <a:t>6/20/2020</a:t>
+              <a:t>6/25/2020</a:t>
             </a:fld>
             <a:endParaRPr lang="en-US"/>
           </a:p>
@@ -5572,7 +5487,7 @@
           <a:p>
             <a:fld id="{72345051-2045-45DA-935E-2E3CA1A69ADC}" type="datetimeFigureOut">
               <a:rPr lang="en-US" smtClean="0"/>
-              <a:t>6/20/2020</a:t>
+              <a:t>6/25/2020</a:t>
             </a:fld>
             <a:endParaRPr lang="en-US"/>
           </a:p>
@@ -5901,7 +5816,7 @@
           <a:p>
             <a:fld id="{72345051-2045-45DA-935E-2E3CA1A69ADC}" type="datetimeFigureOut">
               <a:rPr lang="en-US" smtClean="0"/>
-              <a:t>6/20/2020</a:t>
+              <a:t>6/25/2020</a:t>
             </a:fld>
             <a:endParaRPr lang="en-US"/>
           </a:p>
@@ -6541,7 +6456,7 @@
           <a:p>
             <a:fld id="{72345051-2045-45DA-935E-2E3CA1A69ADC}" type="datetimeFigureOut">
               <a:rPr lang="en-US" smtClean="0"/>
-              <a:t>6/20/2020</a:t>
+              <a:t>6/25/2020</a:t>
             </a:fld>
             <a:endParaRPr lang="en-US"/>
           </a:p>
@@ -7128,7 +7043,7 @@
           <a:p>
             <a:fld id="{72345051-2045-45DA-935E-2E3CA1A69ADC}" type="datetimeFigureOut">
               <a:rPr lang="en-US" smtClean="0"/>
-              <a:t>6/20/2020</a:t>
+              <a:t>6/25/2020</a:t>
             </a:fld>
             <a:endParaRPr lang="en-US"/>
           </a:p>
@@ -8667,57 +8582,8 @@
           </a:p>
         </p:txBody>
       </p:sp>
-      <p:sp>
-        <p:nvSpPr>
-          <p:cNvPr id="6" name="TextBox 5">
-            <a:extLst>
-              <a:ext uri="{FF2B5EF4-FFF2-40B4-BE49-F238E27FC236}">
-                <a16:creationId xmlns:a16="http://schemas.microsoft.com/office/drawing/2014/main" id="{511E33AF-8FB5-4419-9BE2-31ECB34737D9}"/>
-              </a:ext>
-            </a:extLst>
-          </p:cNvPr>
-          <p:cNvSpPr txBox="1"/>
-          <p:nvPr/>
-        </p:nvSpPr>
-        <p:spPr>
-          <a:xfrm>
-            <a:off x="8217795" y="0"/>
-            <a:ext cx="3467100" cy="707886"/>
-          </a:xfrm>
-          <a:prstGeom prst="rect">
-            <a:avLst/>
-          </a:prstGeom>
-          <a:noFill/>
-        </p:spPr>
-        <p:txBody>
-          <a:bodyPr wrap="square" rtlCol="0">
-            <a:spAutoFit/>
-          </a:bodyPr>
-          <a:lstStyle/>
-          <a:p>
-            <a:r>
-              <a:rPr lang="en-IN" sz="4000">
-                <a:solidFill>
-                  <a:srgbClr val="FFFF00"/>
-                </a:solidFill>
-                <a:latin typeface="Algerian" panose="04020705040A02060702" pitchFamily="82" charset="0"/>
-              </a:rPr>
-              <a:t>Part #1 </a:t>
-            </a:r>
-            <a:r>
-              <a:rPr lang="en-IN" sz="4000" dirty="0">
-                <a:solidFill>
-                  <a:srgbClr val="FFFF00"/>
-                </a:solidFill>
-                <a:latin typeface="Algerian" panose="04020705040A02060702" pitchFamily="82" charset="0"/>
-              </a:rPr>
-              <a:t>of 3</a:t>
-            </a:r>
-          </a:p>
-        </p:txBody>
-      </p:sp>
-      <mc:AlternateContent xmlns:mc="http://schemas.openxmlformats.org/markup-compatibility/2006">
-        <mc:Choice xmlns:p14="http://schemas.microsoft.com/office/powerpoint/2010/main" Requires="p14">
+      <mc:AlternateContent xmlns:mc="http://schemas.openxmlformats.org/markup-compatibility/2006" xmlns:p14="http://schemas.microsoft.com/office/powerpoint/2010/main">
+        <mc:Choice Requires="p14">
           <p:contentPart p14:bwMode="auto" r:id="rId3">
             <p14:nvContentPartPr>
               <p14:cNvPr id="7" name="Ink 6">
@@ -8736,7 +8602,7 @@
             </p14:xfrm>
           </p:contentPart>
         </mc:Choice>
-        <mc:Fallback>
+        <mc:Fallback xmlns="">
           <p:pic>
             <p:nvPicPr>
               <p:cNvPr id="7" name="Ink 6">
@@ -8767,6 +8633,60 @@
           </p:pic>
         </mc:Fallback>
       </mc:AlternateContent>
+      <p:sp>
+        <p:nvSpPr>
+          <p:cNvPr id="8" name="Rectangle: Rounded Corners 7">
+            <a:extLst>
+              <a:ext uri="{FF2B5EF4-FFF2-40B4-BE49-F238E27FC236}">
+                <a16:creationId xmlns:a16="http://schemas.microsoft.com/office/drawing/2014/main" id="{52E3B5CE-4153-4EEB-82CB-30792EEC18E6}"/>
+              </a:ext>
+            </a:extLst>
+          </p:cNvPr>
+          <p:cNvSpPr/>
+          <p:nvPr/>
+        </p:nvSpPr>
+        <p:spPr>
+          <a:xfrm>
+            <a:off x="2200275" y="342900"/>
+            <a:ext cx="7553325" cy="1524000"/>
+          </a:xfrm>
+          <a:prstGeom prst="roundRect">
+            <a:avLst/>
+          </a:prstGeom>
+        </p:spPr>
+        <p:style>
+          <a:lnRef idx="2">
+            <a:schemeClr val="dk1">
+              <a:shade val="50000"/>
+            </a:schemeClr>
+          </a:lnRef>
+          <a:fillRef idx="1">
+            <a:schemeClr val="dk1"/>
+          </a:fillRef>
+          <a:effectRef idx="0">
+            <a:schemeClr val="dk1"/>
+          </a:effectRef>
+          <a:fontRef idx="minor">
+            <a:schemeClr val="lt1"/>
+          </a:fontRef>
+        </p:style>
+        <p:txBody>
+          <a:bodyPr rtlCol="0" anchor="ctr"/>
+          <a:lstStyle/>
+          <a:p>
+            <a:pPr algn="ctr"/>
+            <a:r>
+              <a:rPr lang="en-IN" sz="6000" dirty="0">
+                <a:solidFill>
+                  <a:srgbClr val="FF0000"/>
+                </a:solidFill>
+                <a:latin typeface="Algerian" panose="04020705040A02060702" pitchFamily="82" charset="0"/>
+              </a:rPr>
+              <a:t>Integration test</a:t>
+            </a:r>
+          </a:p>
+        </p:txBody>
+      </p:sp>
     </p:spTree>
     <p:extLst>
       <p:ext uri="{BB962C8B-B14F-4D97-AF65-F5344CB8AC3E}">
@@ -8964,108 +8884,6 @@
           </a:p>
         </p:txBody>
       </p:sp>
-      <mc:AlternateContent xmlns:mc="http://schemas.openxmlformats.org/markup-compatibility/2006" xmlns:p14="http://schemas.microsoft.com/office/powerpoint/2010/main">
-        <mc:Choice Requires="p14">
-          <p:contentPart p14:bwMode="auto" r:id="rId2">
-            <p14:nvContentPartPr>
-              <p14:cNvPr id="4" name="Ink 3">
-                <a:extLst>
-                  <a:ext uri="{FF2B5EF4-FFF2-40B4-BE49-F238E27FC236}">
-                    <a16:creationId xmlns:a16="http://schemas.microsoft.com/office/drawing/2014/main" id="{40A27427-513B-44A4-AA0B-FF52021D5B65}"/>
-                  </a:ext>
-                </a:extLst>
-              </p14:cNvPr>
-              <p14:cNvContentPartPr/>
-              <p14:nvPr/>
-            </p14:nvContentPartPr>
-            <p14:xfrm>
-              <a:off x="604800" y="1648440"/>
-              <a:ext cx="8179560" cy="4586400"/>
-            </p14:xfrm>
-          </p:contentPart>
-        </mc:Choice>
-        <mc:Fallback xmlns="">
-          <p:pic>
-            <p:nvPicPr>
-              <p:cNvPr id="4" name="Ink 3">
-                <a:extLst>
-                  <a:ext uri="{FF2B5EF4-FFF2-40B4-BE49-F238E27FC236}">
-                    <a16:creationId xmlns:a16="http://schemas.microsoft.com/office/drawing/2014/main" id="{40A27427-513B-44A4-AA0B-FF52021D5B65}"/>
-                  </a:ext>
-                </a:extLst>
-              </p:cNvPr>
-              <p:cNvPicPr/>
-              <p:nvPr/>
-            </p:nvPicPr>
-            <p:blipFill>
-              <a:blip r:embed="rId3"/>
-              <a:stretch>
-                <a:fillRect/>
-              </a:stretch>
-            </p:blipFill>
-            <p:spPr>
-              <a:xfrm>
-                <a:off x="595440" y="1639080"/>
-                <a:ext cx="8198280" cy="4605120"/>
-              </a:xfrm>
-              <a:prstGeom prst="rect">
-                <a:avLst/>
-              </a:prstGeom>
-            </p:spPr>
-          </p:pic>
-        </mc:Fallback>
-      </mc:AlternateContent>
-      <mc:AlternateContent xmlns:mc="http://schemas.openxmlformats.org/markup-compatibility/2006">
-        <mc:Choice xmlns:p14="http://schemas.microsoft.com/office/powerpoint/2010/main" Requires="p14">
-          <p:contentPart p14:bwMode="auto" r:id="rId4">
-            <p14:nvContentPartPr>
-              <p14:cNvPr id="5" name="Ink 4">
-                <a:extLst>
-                  <a:ext uri="{FF2B5EF4-FFF2-40B4-BE49-F238E27FC236}">
-                    <a16:creationId xmlns:a16="http://schemas.microsoft.com/office/drawing/2014/main" id="{60117BB6-DA3B-4C6B-9018-47EA695ECDF0}"/>
-                  </a:ext>
-                </a:extLst>
-              </p14:cNvPr>
-              <p14:cNvContentPartPr/>
-              <p14:nvPr/>
-            </p14:nvContentPartPr>
-            <p14:xfrm>
-              <a:off x="147240" y="966960"/>
-              <a:ext cx="8620200" cy="5413320"/>
-            </p14:xfrm>
-          </p:contentPart>
-        </mc:Choice>
-        <mc:Fallback>
-          <p:pic>
-            <p:nvPicPr>
-              <p:cNvPr id="5" name="Ink 4">
-                <a:extLst>
-                  <a:ext uri="{FF2B5EF4-FFF2-40B4-BE49-F238E27FC236}">
-                    <a16:creationId xmlns:a16="http://schemas.microsoft.com/office/drawing/2014/main" id="{60117BB6-DA3B-4C6B-9018-47EA695ECDF0}"/>
-                  </a:ext>
-                </a:extLst>
-              </p:cNvPr>
-              <p:cNvPicPr/>
-              <p:nvPr/>
-            </p:nvPicPr>
-            <p:blipFill>
-              <a:blip r:embed="rId5"/>
-              <a:stretch>
-                <a:fillRect/>
-              </a:stretch>
-            </p:blipFill>
-            <p:spPr>
-              <a:xfrm>
-                <a:off x="137880" y="957600"/>
-                <a:ext cx="8638920" cy="5432040"/>
-              </a:xfrm>
-              <a:prstGeom prst="rect">
-                <a:avLst/>
-              </a:prstGeom>
-            </p:spPr>
-          </p:pic>
-        </mc:Fallback>
-      </mc:AlternateContent>
     </p:spTree>
     <p:extLst>
       <p:ext uri="{BB962C8B-B14F-4D97-AF65-F5344CB8AC3E}">
@@ -9256,6 +9074,250 @@
     <p:extLst>
       <p:ext uri="{BB962C8B-B14F-4D97-AF65-F5344CB8AC3E}">
         <p14:creationId xmlns:p14="http://schemas.microsoft.com/office/powerpoint/2010/main" val="443518428"/>
+      </p:ext>
+    </p:extLst>
+  </p:cSld>
+  <p:clrMapOvr>
+    <a:masterClrMapping/>
+  </p:clrMapOvr>
+  <mc:AlternateContent xmlns:mc="http://schemas.openxmlformats.org/markup-compatibility/2006" xmlns:p15="http://schemas.microsoft.com/office/powerpoint/2012/main">
+    <mc:Choice Requires="p15">
+      <p:transition xmlns:p14="http://schemas.microsoft.com/office/powerpoint/2010/main" spd="slow" p14:dur="1250">
+        <p15:prstTrans prst="airplane"/>
+      </p:transition>
+    </mc:Choice>
+    <mc:Fallback xmlns="">
+      <p:transition spd="slow">
+        <p:fade/>
+      </p:transition>
+    </mc:Fallback>
+  </mc:AlternateContent>
+</p:sld>
+</file>
+
+<file path=ppt/slides/slide5.xml><?xml version="1.0" encoding="utf-8"?>
+<p:sld xmlns:a="http://schemas.openxmlformats.org/drawingml/2006/main" xmlns:r="http://schemas.openxmlformats.org/officeDocument/2006/relationships" xmlns:p="http://schemas.openxmlformats.org/presentationml/2006/main" showMasterSp="0">
+  <p:cSld>
+    <p:spTree>
+      <p:nvGrpSpPr>
+        <p:cNvPr id="1" name=""/>
+        <p:cNvGrpSpPr/>
+        <p:nvPr/>
+      </p:nvGrpSpPr>
+      <p:grpSpPr>
+        <a:xfrm>
+          <a:off x="0" y="0"/>
+          <a:ext cx="0" cy="0"/>
+          <a:chOff x="0" y="0"/>
+          <a:chExt cx="0" cy="0"/>
+        </a:xfrm>
+      </p:grpSpPr>
+      <p:sp>
+        <p:nvSpPr>
+          <p:cNvPr id="4" name="Rectangle 3">
+            <a:extLst>
+              <a:ext uri="{FF2B5EF4-FFF2-40B4-BE49-F238E27FC236}">
+                <a16:creationId xmlns:a16="http://schemas.microsoft.com/office/drawing/2014/main" id="{8C7F961F-1522-4C37-BE15-5D4F3898AB0B}"/>
+              </a:ext>
+            </a:extLst>
+          </p:cNvPr>
+          <p:cNvSpPr/>
+          <p:nvPr/>
+        </p:nvSpPr>
+        <p:spPr>
+          <a:xfrm>
+            <a:off x="3657600" y="2390775"/>
+            <a:ext cx="2828925" cy="1733550"/>
+          </a:xfrm>
+          <a:prstGeom prst="rect">
+            <a:avLst/>
+          </a:prstGeom>
+        </p:spPr>
+        <p:style>
+          <a:lnRef idx="1">
+            <a:schemeClr val="accent3"/>
+          </a:lnRef>
+          <a:fillRef idx="2">
+            <a:schemeClr val="accent3"/>
+          </a:fillRef>
+          <a:effectRef idx="1">
+            <a:schemeClr val="accent3"/>
+          </a:effectRef>
+          <a:fontRef idx="minor">
+            <a:schemeClr val="dk1"/>
+          </a:fontRef>
+        </p:style>
+        <p:txBody>
+          <a:bodyPr rtlCol="0" anchor="ctr"/>
+          <a:lstStyle/>
+          <a:p>
+            <a:pPr algn="ctr"/>
+            <a:r>
+              <a:rPr lang="en-IN" sz="3200" dirty="0">
+                <a:latin typeface="Algerian" panose="04020705040A02060702" pitchFamily="82" charset="0"/>
+              </a:rPr>
+              <a:t>Controller</a:t>
+            </a:r>
+            <a:endParaRPr lang="en-IN" sz="3200" dirty="0">
+              <a:solidFill>
+                <a:schemeClr val="dk1"/>
+              </a:solidFill>
+              <a:latin typeface="Algerian" panose="04020705040A02060702" pitchFamily="82" charset="0"/>
+            </a:endParaRPr>
+          </a:p>
+        </p:txBody>
+      </p:sp>
+      <p:sp>
+        <p:nvSpPr>
+          <p:cNvPr id="5" name="Rectangle 4">
+            <a:extLst>
+              <a:ext uri="{FF2B5EF4-FFF2-40B4-BE49-F238E27FC236}">
+                <a16:creationId xmlns:a16="http://schemas.microsoft.com/office/drawing/2014/main" id="{6C43C812-4108-4785-B37F-499D4F0E7831}"/>
+              </a:ext>
+            </a:extLst>
+          </p:cNvPr>
+          <p:cNvSpPr/>
+          <p:nvPr/>
+        </p:nvSpPr>
+        <p:spPr>
+          <a:xfrm>
+            <a:off x="7362828" y="2390775"/>
+            <a:ext cx="2266948" cy="1733550"/>
+          </a:xfrm>
+          <a:prstGeom prst="rect">
+            <a:avLst/>
+          </a:prstGeom>
+        </p:spPr>
+        <p:style>
+          <a:lnRef idx="1">
+            <a:schemeClr val="accent3"/>
+          </a:lnRef>
+          <a:fillRef idx="2">
+            <a:schemeClr val="accent3"/>
+          </a:fillRef>
+          <a:effectRef idx="1">
+            <a:schemeClr val="accent3"/>
+          </a:effectRef>
+          <a:fontRef idx="minor">
+            <a:schemeClr val="dk1"/>
+          </a:fontRef>
+        </p:style>
+        <p:txBody>
+          <a:bodyPr rtlCol="0" anchor="ctr"/>
+          <a:lstStyle/>
+          <a:p>
+            <a:pPr algn="ctr"/>
+            <a:r>
+              <a:rPr lang="en-IN" sz="3200" dirty="0">
+                <a:latin typeface="Algerian" panose="04020705040A02060702" pitchFamily="82" charset="0"/>
+              </a:rPr>
+              <a:t>Service</a:t>
+            </a:r>
+          </a:p>
+        </p:txBody>
+      </p:sp>
+      <p:sp>
+        <p:nvSpPr>
+          <p:cNvPr id="6" name="Oval 5">
+            <a:extLst>
+              <a:ext uri="{FF2B5EF4-FFF2-40B4-BE49-F238E27FC236}">
+                <a16:creationId xmlns:a16="http://schemas.microsoft.com/office/drawing/2014/main" id="{47833D1E-926B-4458-B33B-9B2D407883B4}"/>
+              </a:ext>
+            </a:extLst>
+          </p:cNvPr>
+          <p:cNvSpPr/>
+          <p:nvPr/>
+        </p:nvSpPr>
+        <p:spPr>
+          <a:xfrm>
+            <a:off x="9629776" y="733426"/>
+            <a:ext cx="1790700" cy="1333500"/>
+          </a:xfrm>
+          <a:prstGeom prst="ellipse">
+            <a:avLst/>
+          </a:prstGeom>
+        </p:spPr>
+        <p:style>
+          <a:lnRef idx="1">
+            <a:schemeClr val="accent3"/>
+          </a:lnRef>
+          <a:fillRef idx="2">
+            <a:schemeClr val="accent3"/>
+          </a:fillRef>
+          <a:effectRef idx="1">
+            <a:schemeClr val="accent3"/>
+          </a:effectRef>
+          <a:fontRef idx="minor">
+            <a:schemeClr val="dk1"/>
+          </a:fontRef>
+        </p:style>
+        <p:txBody>
+          <a:bodyPr rtlCol="0" anchor="ctr"/>
+          <a:lstStyle/>
+          <a:p>
+            <a:pPr algn="ctr"/>
+            <a:r>
+              <a:rPr lang="en-IN" sz="2000" dirty="0">
+                <a:latin typeface="Algerian" panose="04020705040A02060702" pitchFamily="82" charset="0"/>
+              </a:rPr>
+              <a:t>File System</a:t>
+            </a:r>
+          </a:p>
+        </p:txBody>
+      </p:sp>
+      <p:sp>
+        <p:nvSpPr>
+          <p:cNvPr id="7" name="Cylinder 6">
+            <a:extLst>
+              <a:ext uri="{FF2B5EF4-FFF2-40B4-BE49-F238E27FC236}">
+                <a16:creationId xmlns:a16="http://schemas.microsoft.com/office/drawing/2014/main" id="{04320E93-3644-4780-8D7D-6EA5DBC58309}"/>
+              </a:ext>
+            </a:extLst>
+          </p:cNvPr>
+          <p:cNvSpPr/>
+          <p:nvPr/>
+        </p:nvSpPr>
+        <p:spPr>
+          <a:xfrm>
+            <a:off x="9867900" y="4791075"/>
+            <a:ext cx="1895475" cy="1628775"/>
+          </a:xfrm>
+          <a:prstGeom prst="can">
+            <a:avLst/>
+          </a:prstGeom>
+        </p:spPr>
+        <p:style>
+          <a:lnRef idx="1">
+            <a:schemeClr val="accent3"/>
+          </a:lnRef>
+          <a:fillRef idx="2">
+            <a:schemeClr val="accent3"/>
+          </a:fillRef>
+          <a:effectRef idx="1">
+            <a:schemeClr val="accent3"/>
+          </a:effectRef>
+          <a:fontRef idx="minor">
+            <a:schemeClr val="dk1"/>
+          </a:fontRef>
+        </p:style>
+        <p:txBody>
+          <a:bodyPr rtlCol="0" anchor="ctr"/>
+          <a:lstStyle/>
+          <a:p>
+            <a:pPr algn="ctr"/>
+            <a:r>
+              <a:rPr lang="en-IN" sz="2400" dirty="0">
+                <a:latin typeface="Algerian" panose="04020705040A02060702" pitchFamily="82" charset="0"/>
+              </a:rPr>
+              <a:t>Database</a:t>
+            </a:r>
+          </a:p>
+        </p:txBody>
+      </p:sp>
+    </p:spTree>
+    <p:extLst>
+      <p:ext uri="{BB962C8B-B14F-4D97-AF65-F5344CB8AC3E}">
+        <p14:creationId xmlns:p14="http://schemas.microsoft.com/office/powerpoint/2010/main" val="563785362"/>
       </p:ext>
     </p:extLst>
   </p:cSld>

--- a/File Operations With Spring Boot.pptx
+++ b/File Operations With Spring Boot.pptx
@@ -157,6 +157,41 @@
 </file>
 
 <file path=ppt/ink/ink2.xml><?xml version="1.0" encoding="utf-8"?>
+<inkml:ink xmlns:inkml="http://www.w3.org/2003/InkML">
+  <inkml:definitions>
+    <inkml:context xml:id="ctx0">
+      <inkml:inkSource xml:id="inkSrc0">
+        <inkml:traceFormat>
+          <inkml:channel name="X" type="integer" max="29376" units="cm"/>
+          <inkml:channel name="Y" type="integer" max="16524" units="cm"/>
+          <inkml:channel name="F" type="integer" max="4095" units="dev"/>
+          <inkml:channel name="T" type="integer" max="2.14748E9" units="dev"/>
+        </inkml:traceFormat>
+        <inkml:channelProperties>
+          <inkml:channelProperty channel="X" name="resolution" value="1000.20428" units="1/cm"/>
+          <inkml:channelProperty channel="Y" name="resolution" value="1000.24213" units="1/cm"/>
+          <inkml:channelProperty channel="F" name="resolution" value="0" units="1/dev"/>
+          <inkml:channelProperty channel="T" name="resolution" value="1" units="1/dev"/>
+        </inkml:channelProperties>
+      </inkml:inkSource>
+      <inkml:timestamp xml:id="ts0" timeString="2020-06-25T05:54:50.473"/>
+    </inkml:context>
+    <inkml:brush xml:id="br0">
+      <inkml:brushProperty name="width" value="0.05292" units="cm"/>
+      <inkml:brushProperty name="height" value="0.05292" units="cm"/>
+      <inkml:brushProperty name="color" value="#FF0000"/>
+    </inkml:brush>
+  </inkml:definitions>
+  <inkml:trace contextRef="#ctx0" brushRef="#br0">21026 11487 821 0,'-2'-1'171'0,"2"0"69"16,-1-3-248-16,1 4-21 16,0-1-3-16,1 0-2 15,6 0 9-15,32-7 5 16,53-16 15-16,-12-3-1 16,3-4 6-16,22-12-1 0,-2 1 1 15,24-8-3-15,-8 5 2 16,24-3-1-16,-12 7 0 15,21-1 0-15,-14 7 0 16,20 1 2-16,-14 4 1 16,17-8 1-16,-18 1 3 15,17-7 1-15,-20 4-1 0,8-2-2 16,-23 10 1-16,-1 5-4 16,-29 9-2-16,-12 4-1 15,-26 7 2-15,-11 0-1 16,-21 4 2-16,-4 1 1 15,-9 0 4-15,-2 0-1 16,-5 2-17-16,-2 0-125 16,-1 0-80-16,-2 0-32 15</inkml:trace>
+  <inkml:trace contextRef="#ctx0" brushRef="#br0" timeOffset="563.38">25382 8852 500 0,'17'8'57'16,"30"-15"68"-16,30-1-161 15,23-9 25-15,39-10 4 16,9-2 4-16,43-9-1 16,-1-2-3-16,36-10 0 15,-6 3 6-15,42-16 1 16,-23 1 3-16,32-6 4 15,-30 7-1-15,25 0 3 16,-37 15-1-16,10 0 2 16,-45 15-2-16,5 0 5 0,-50 11-4 15,-10 2-3-15,-35 12 0 16,-6 2 1-16,-26 8-5 16,-1 3-7-16,-16 3-93 0,3 6-41 15,-13-1-26-15</inkml:trace>
+  <inkml:trace contextRef="#ctx0" brushRef="#br0" timeOffset="17526.13">4798 4960 913 0,'-17'5'211'0,"23"-6"75"15,-7 0-282-15,1 1-42 16,0 0-19-16,0-1-2 16,11-1-1-16,27-8 20 15,61-18 17-15,-21 1 15 16,21-10-2-16,0 0 5 15,25-11-1-15,-4-5 3 16,23-12 1-16,-3-2 7 0,30-13-3 16,-9 5 8-16,29-13-1 15,-12 7 3-15,21-6-3 16,-27 12 2-16,10-5 0 16,-37 20-3-16,-11 7-3 15,-39 19 0-15,-12 2-2 16,-33 18-7-16,-4 3 4 15,-16 4 0-15,-2 2-2 16,-5 3-3-16,-1 2-31 16,-5 4-20-16,-2 4-46 15,-8 5-34-15,-16 12-19 16,-19 8-47-16,-41 25 2 16</inkml:trace>
+  <inkml:trace contextRef="#ctx0" brushRef="#br0" timeOffset="18058.41">2921 7039 240 0,'4'4'-9'0,"21"-12"49"16,14-5-81-16,28-10 16 16,13-6 17-16,29-11 4 15,4-5 7-15,29-9-6 16,-10 3 1-16,22-8-1 15,-9 3-4-15,27-19-6 16,-12-1 35-16,40-22 14 16,-15 0 13-16,22-18-2 15,-18 15-3-15,22-14 18 0,-30 17-16 16,17-15-10-16,-17 12 9 16,21-13-1-16,-29 17-45 15,23-12 3-15,-26 14 4 16,16-4-6-16,-35 20 5 15,9-2 0-15,-38 19-2 16,5 5 3-16,-35 19 1 16,-3 2-1-16,-31 15 0 15,-6 4 2-15,-28 7-3 16,-8 4-2-16,-10 5-8 16,-4 1-29-16,-8 1-10 0,4 0-90 15,-38 17 1-15</inkml:trace>
+  <inkml:trace contextRef="#ctx0" brushRef="#br0" timeOffset="18511.21">1896 7495 862 0,'-41'9'181'0,"33"-16"77"16,1-3-293-16,12 2 3 15,18-10-17-15,15-6-3 16,34-19-5-16,21-10 31 15,41-18 4-15,9-6 7 16,42-22-5-16,-6 3 10 16,40-18 2-16,-22 3-5 0,45-25 10 15,-30 13 7-15,43-16-3 16,-28 4 11-16,38-11-2 16,-40 24-5-16,33-8-1 15,-40 9 12-15,18-3-16 16,-36 22 10-16,0 2-7 15,-42 20 0-15,-11 11-6 16,-47 18 2-16,-15 1-47 16,-27 10-29-16,-19 3-23 15,-24 7-105-15,-28-1-4 16</inkml:trace>
+  <inkml:trace contextRef="#ctx0" brushRef="#br0" timeOffset="19059.68">2860 5280 776 0,'15'-9'98'0,"7"-3"99"0,25-11-235 16,24-3-4-16,41-17 21 15,19-1 14-15,50-10 2 16,1 3 0-16,46-4 1 16,-15 10 6-16,39-1-7 15,-25 8 3-15,38-2 1 16,-33 3 1-16,36-1-1 15,-41 4-3-15,25 0-4 16,-40 6-1-16,19 3 0 16,-40 5 3-16,13 0 3 15,-39 10 4-15,-6 1 5 16,-41 7-3-16,-14 5-5 0,-39 4 2 16,-15 3-3-16,-20 2-1 15,-12 0-5-15,-9-1 0 16,-3 3-9-16,-5-2 1 15,1 6-1-15,-1 4 2 16,-1 5 0-16,-3 2 6 16,0 9-3-16,-3 2 3 15,-3 14 0-15,-4 3 6 16,-3 28 6-16,-6 9 4 16,-11 33 3-16,0 13-1 0,-18 51-159 15,-10 6 51-15</inkml:trace>
+</inkml:ink>
+</file>
+
+<file path=ppt/ink/ink3.xml><?xml version="1.0" encoding="utf-8"?>
 <inkml:ink xmlns:inkml="http://www.w3.org/2003/InkML">
   <inkml:definitions>
     <inkml:context xml:id="ctx0">
@@ -421,7 +456,7 @@
 </inkml:ink>
 </file>
 
-<file path=ppt/ink/ink3.xml><?xml version="1.0" encoding="utf-8"?>
+<file path=ppt/ink/ink4.xml><?xml version="1.0" encoding="utf-8"?>
 <inkml:ink xmlns:inkml="http://www.w3.org/2003/InkML">
   <inkml:definitions>
     <inkml:context xml:id="ctx0">
@@ -473,6 +508,114 @@
   <inkml:trace contextRef="#ctx0" brushRef="#br0" timeOffset="16608.53">14240 7550 1022 0,'-7'-7'203'0,"5"4"73"16,2-2-330-16,12-1-26 16,11-1 0-16,26-2 2 15,11-2 27-15,38-5 25 16,7 2 16-16,28-2 2 16,-1 2 6-16,31-1-3 15,-19 2 6-15,23 2-1 16,-21 5 1-16,8 0-1 15,-27 6 2-15,-1 6-5 0,-29 3 2 16,-6 3-4-16,-27 3-1 16,-10 1-6-16,-22-2 0 15,-6-3-1-15,-16-4 8 16,-5-1 17-16,-4-4 21 16,-1-1 38-16,-1-1 12 15,1 0 6-15,-2 0-15 16,1 0-21-16,0 0-39 15,-1 0-21-15,-28 11-9 0,-71 32-4 16,24-7 4 0,-18 14 0-16,0 0 6 0,-11 13-1 15,16-3 2-15,-16 25-4 16,5 0 4-16,-19 28-1 16,7 1 3-16,-11 22-1 15,19-17 3-15,0 14-1 16,24-18 4-16,2 5-1 15,22-23 2-15,0-2 0 16,17-21 0-16,7-7-4 16,15-23 0-16,3-4-13 15,8-9-22-15,4 4-93 16,3-3-61-16,5 17-64 0,6-7-81 16</inkml:trace>
   <inkml:trace contextRef="#ctx0" brushRef="#br0" timeOffset="19391.03">24387 7370 222 0,'40'-22'34'0,"27"-15"28"15,19-6-71-15,37-18 3 16,3-5 5-16,31-19 0 16,-1-1 1-16,41-16 0 15,-10-1 0-15,41-24-1 16,-6 11 0-16,40-18 2 16,-24 5-4-16,36-13 4 15,-34 22-1-15,24-8 16 16,-38 14-1-16,19-3 8 15,-31 19-3-15,32-4 2 16,-37 20-15-16,24-3-4 16,-30 17-1-16,18-2 3 15,-40 12 0-15,2 0-2 0,-42 19 3 16,-11 2-1-16,-43 15-2 16,-15 4 2-16,-27 9-2 15,-11 2-89-15,-18 6 29 16</inkml:trace>
   <inkml:trace contextRef="#ctx0" brushRef="#br0" timeOffset="19775.32">25342 7409 1002 0,'-37'27'193'0,"16"-11"81"16,18-14-325-16,4 3-83 16,-2-1-41-16,1-4-47 15,0 0 15-15,7 0 27 0,32-6 78 16,105-43 47-16,-21-9 53 15,47-31 3-15,3-9 8 16,38-23 7-16,-15 7 8 16,27-17 16-16,-27 14 16 15,32-8-7-15,-21 16-8 16,22-10-7-16,-6 14-17 16,48-13-11-16,-19 17 8 15,27-4 2-15,-22 13 4 16,26-2-146-16,-43 20 48 15</inkml:trace>
+</inkml:ink>
+</file>
+
+<file path=ppt/ink/ink5.xml><?xml version="1.0" encoding="utf-8"?>
+<inkml:ink xmlns:inkml="http://www.w3.org/2003/InkML">
+  <inkml:definitions>
+    <inkml:context xml:id="ctx0">
+      <inkml:inkSource xml:id="inkSrc0">
+        <inkml:traceFormat>
+          <inkml:channel name="X" type="integer" max="29376" units="cm"/>
+          <inkml:channel name="Y" type="integer" max="16524" units="cm"/>
+          <inkml:channel name="F" type="integer" max="4095" units="dev"/>
+          <inkml:channel name="T" type="integer" max="2.14748E9" units="dev"/>
+        </inkml:traceFormat>
+        <inkml:channelProperties>
+          <inkml:channelProperty channel="X" name="resolution" value="1000.20428" units="1/cm"/>
+          <inkml:channelProperty channel="Y" name="resolution" value="1000.24213" units="1/cm"/>
+          <inkml:channelProperty channel="F" name="resolution" value="0" units="1/dev"/>
+          <inkml:channelProperty channel="T" name="resolution" value="1" units="1/dev"/>
+        </inkml:channelProperties>
+      </inkml:inkSource>
+      <inkml:timestamp xml:id="ts0" timeString="2020-06-25T05:55:38.752"/>
+    </inkml:context>
+    <inkml:brush xml:id="br0">
+      <inkml:brushProperty name="width" value="0.05292" units="cm"/>
+      <inkml:brushProperty name="height" value="0.05292" units="cm"/>
+      <inkml:brushProperty name="color" value="#FF0000"/>
+    </inkml:brush>
+  </inkml:definitions>
+  <inkml:trace contextRef="#ctx0" brushRef="#br0">2745 6626 438 0,'8'-15'243'0,"-10"1"-25"0,-4 2-119 15,-3 5-36-15,-4 0-64 16,-4 3-23-16,-1 4-7 16,-3-1 2-16,-2 4 6 15,-3 3 1-15,1 3 10 16,-2 5-3-16,2 3 2 15,-4 4-2-15,4 3 0 16,-3 4 0-16,3 2 4 16,-2 11 0-1,5 3 4-15,2 17 1 0,1 6 7 16,1 16 3-16,3 1 1 0,1 14-7 16,5-9 4-16,5 14-3 15,9-15-5-15,6 2-5 16,8-14 4-16,7 0 0 15,8-18 0-15,12 0 1 16,8-13 6-16,16-1-1 16,5-13-1-16,22-12 5 15,-2-15-1-15,21-12-1 16,-5-14-1-16,17-16-5 16,-15-6-1-16,9-11 9 15,-20 1 21-15,0-9 52 16,-26 5 27-16,-7-10 30 0,-19 5 2 15,-3-11-12-15,-14 6-46 16,-1-6-7-16,-12 11-26 16,-8-15-4-16,-12 8 7 15,-10-4 39-15,-11 7-15 16,-17-11-33-16,-7 20-1 16,-23-1-16-16,-12 9-43 15,-16 3 6-15,8 12 26 16,-21 1-8-16,14 7-1 15,-2 3 2-15,9 7-10 0,-17 9-33 16,14 13-16-16,-15 19-24 16,15 11-34-16,0 15-107 15,24 4-50-15,14 19-46 16,30-6-93-16</inkml:trace>
+  <inkml:trace contextRef="#ctx0" brushRef="#br0" timeOffset="539.54">2963 7822 979 0,'-2'-18'266'0,"-3"11"54"0,4 6-318 16,1 4-114-16,0-3-6 15,0 5 0-15,10 34 0 16,12 60 66-16,-12-20 26 15,-1-2 10-15,-1 20 2 16,-3-5 8-16,5 15-4 16,0-9 4-16,5 20 0 15,0-12-1-15,5 22-1 16,0-8 3-16,3 32 3 16,-1-7 4-16,8 30 1 15,-2-6 1-15,3 18 0 16,0-21 0-16,7 19-4 15,-9-31 0-15,1 4 0 16,-3-25-1-16,-1 5-1 16,-8-28 1-16,0-5 2 15,-3-23 2-15,-5-7 3 16,-4-26 2-16,-3-10 4 0,0-15 4 16,-3-9 2-16,0-9-9 15,0-3-66-15,-2-7-146 16,1 3 16-16</inkml:trace>
+  <inkml:trace contextRef="#ctx0" brushRef="#br0" timeOffset="1015.28">1918 9709 989 0,'-33'-20'187'0,"4"-5"92"15,0 2-299-15,4 3 18 16,6 6 11-16,3 5 14 0,11 4 14 15,1 2-13 1,2 3-18-16,2-2-44 0,0 1-23 16,1 0-6-16,36-10 9 15,77-25 7-15,-10 1 34 16,40-11 6-16,7-3 4 16,37-10-2-16,-12 3 4 15,31-2-2-15,-21 5 1 16,18 1 0-16,-31 7 4 15,0 2-3-15,-42 10 2 0,-14 2 4 16,-43 11 3-16,-19 6 5 16,-26 8 5-16,-13 4-8 15,-12 2-31-15,-6 7-112 16,-7 7-32-16,-21 26-79 16,-9 7-86-16</inkml:trace>
+  <inkml:trace contextRef="#ctx0" brushRef="#br0" timeOffset="1233.76">3138 10968 12 0,'22'7'-5'0</inkml:trace>
+  <inkml:trace contextRef="#ctx0" brushRef="#br0" timeOffset="1632.7">3534 10666 507 0,'1'3'58'0,"-1"1"56"16,-1 7-154-16,-2 15 4 15,1 13 13-15,-4 25 12 16,-2 8 11-16,-7 30 4 16,1 4 7-16,-9 26 3 15,-2-6 3-15,-6 27-3 0,1-13-3 16,-13 19-10-16,-1-19-1 16,-11 14-3-16,0-16 1 15,-13 13 0-15,8-20 2 16,-1 1 4-16,12-26 1 15,1-11 5-15,17-28 5 16,-1-10 4-16,12-21 1 16,2-5 10-16,6-12 3 15,1-7 14-15,7-8-2 0,-1-6 19 16,-3-12-226-16,-2-54 74 16</inkml:trace>
+  <inkml:trace contextRef="#ctx0" brushRef="#br0" timeOffset="2088.48">3724 10897 953 0,'14'20'126'0,"-4"-4"118"16,3 3-293-16,7 19 12 15,6 10 21-15,16 22 12 16,3 5 5-16,12 12-1 0,-1-5 2 16,17 11 0-16,-8-12-2 15,19 8 0-15,-1-7-1 16,17 8-1-16,-4-14-4 15,14 8-3-15,-12-13 0 16,12 6-3-16,-16-7-2 0,7 6 0 16,-16-12 2-16,0 0 0 15,-20-15 3-15,-7-6 4 16,-19-13 6-16,-8-3 5 16,-14-10 8-16,-3-4 12 15,-9-6 6-15,-4-4 11 16,0 0 2-16,-2-3 5 15,1 0-64-15,-1-2-241 16,-1 1 58-16</inkml:trace>
+  <inkml:trace contextRef="#ctx0" brushRef="#br0" timeOffset="2527.01">3796 10540 1334 0,'15'39'141'0,"18"3"175"16,27 23-489-16,58 50-225 16,20 7 88-16</inkml:trace>
+  <inkml:trace contextRef="#ctx0" brushRef="#br0" timeOffset="5663.29">1427 14481 818 0,'-14'5'199'0,"18"-5"53"16,-4 4-254-16,-4 9-42 15,6 15-18-15,0 4-4 0,5 12-3 16,3-1 23 0,12 0-1-16,0-14 12 15,7-5 4-15,-2-11 14 0,5-7 6 16,-2-9 9-16,3-10 11 16,-4-6 5-16,-2-6 1 15,-2-2 1-15,-8-4 11 16,-7 7 40-16,-5-1 58 15,-5 5 12-15,-6-2 14 16,-3 1-7-16,-5-1-30 16,-2 3-61-16,-2 0-18 15,-3 6-24-15,-11 1-71 16,-5 7-56-16,-14 11-6 16,3 6 3-16,-8 10 7 15,12 8 63-15,2 15 38 16,11 0 6-16,1 6-7 0,9-3-1 15,7 0-7-15,13-12 2 16,11-2-1-16,10-6 8 16,11 2 2-16,4-5 10 15,18-4 2-15,4-10 5 16,15-13-9-16,-2-13-1 16,15-17-20-16,-12-12-34 15,7-28-108-15,-7-14-47 16,7-21-46-16</inkml:trace>
+  <inkml:trace contextRef="#ctx0" brushRef="#br0" timeOffset="6584.44">2257 14126 576 0,'20'-31'449'16,"-21"24"-65"-16,1 6-79 15,-1 0-175-15,-1 1-55 16,1 0-76-16,0 0-48 16,1 0-19-16,0 1-9 15,0 14 9-15,2 24 9 16,8 49 37-16,-3-26 12 15,1-8 8-15,2 1-1 16,-1-12 4-16,2-3 1 16,-3-12 2-16,-4-7-2 15,1-11-1-15,-4-6-1 16,1-3 3-16,-2-2 5 16,0 0 5-16,0-1 5 15,0 1 1-15,0-1-4 0,2-13-8 16,1-10-3-1,6-34-5-15,-4 36-3 0,-1 9 0 16,2 2-9-16,0 7-2 16,4 1-11-16,4 2-3 15,10 3-2-15,4 2 8 16,15 6 0-16,1 3 8 0,10 11 0 16,-5 3 2-16,5 7-2 15,-11-2 5-15,-3 3 1 16,-12-8 5-16,0-2-2 15,-9-10-1-15,4-6-2 16,-1-9 3-16,14-15 0 16,1-12 4-16,14-17 5 15,2-9 1-15,8-10 1 16,-9 3 0-16,-4-6 1 16,-16 9 2-16,-6 5 2 15,-12 13 3-15,-7 6 24 16,-3 17 25-16,-4 5 37 15,-2 7 8-15,0 3 1 16,2 2-27-16,-2 0-39 16,1 0-46-16,0 0-23 0,0 2-8 15,-4 6-1-15,-10 19 12 16,-22 39 4-16,20-34 11 16,1 1-5-16,9-14 0 15,6 0-13-15,6-3-1 16,4-5-7-16,5-4 5 15,-2-3 6-15,0-4 16 16,-3-10 10-16,-1-7 11 0,3-29-1 16,6-16-2-1,9-37-18-15,-4-12-16 0,1-28-33 16,-7 15 5-16,-8-17-2 16,-9 19 19-16,0-8 8 15,0 27 47-15,-2 5 30 16,1 33 23-16,0 15 14 15,1 26 4-15,-2 9-17 16,0 10-41-16,1 4-56 16,1 3-40-16,1-2-26 15,0 2-2-15,0 37-4 16,3 60 35-16,2-6 18 16,-1 12 24-16,8 29-1 15,2-8 9-15,4 15 7 16,6-16 7-16,14 8 3 0,4-24 3 15,17-4-75-15,5-27-105 16,23-23-100-16,-6-51-82 16</inkml:trace>
+  <inkml:trace contextRef="#ctx0" brushRef="#br0" timeOffset="7752.82">3950 13304 575 0,'3'16'109'0,"-1"-17"44"16,4 30-160-16,1 16-46 15,2 30 12-15,2 19 25 16,0 40 1-16,-3 7 10 16,-2 44 0-16,-7 1 3 15,-6 40-1-15,-7-16 4 16,-3 26-1-16,-4-33-5 15,2 11 2-15,0-38-1 16,0 0 3-16,1-41 0 16,6-7 6-16,0-37 3 0,1-9 9 15,5-28 4-15,1-12-73 16,4-17-86-16,0-34 5 16</inkml:trace>
+  <inkml:trace contextRef="#ctx0" brushRef="#br0" timeOffset="8301.35">4782 14400 1056 0,'4'-9'240'16,"-8"6"74"-16,5 3-322 15,-8 10-43-15,0 11-5 0,-10 23-4 16,-6 12 15-16,-14 25 11 15,-2 3 16-15,-11 16 3 16,3-11 1-16,0 6 5 16,10-15 4-16,5 0-5 15,14-18-3-15,7-5-10 16,9-18-6-16,6-6-8 16,7-12 0-16,5-8 4 15,4-6 13-15,12-7 5 16,2-6 13-16,12-9 4 15,3-2 4-15,11-4 0 16,-6 2-1-16,2 4-18 16,-13 12-13-16,-7 5-22 15,-17 11-7-15,-9 8-9 16,-13 3 19-16,-12 9 17 0,-6 4 22 16,-11 6 9-16,-5-2 14 15,-13 2 2-15,2-6-8 16,-14-5-177-16,4-16 57 15</inkml:trace>
+  <inkml:trace contextRef="#ctx0" brushRef="#br0" timeOffset="8815.04">5013 14648 688 0,'11'10'102'0,"-7"5"71"16,-3 1-203-16,0 14-6 16,-1 8 19-16,2 12 13 15,-1-5 11-15,2 0 1 16,-1-11-1-16,0-11-2 16,1-9-4-16,0-6 2 15,-2-7 2-15,3-2 11 16,-4 0 9-16,0-1 51 15,0 1 29-15,0 0 36 16,0-1 1-16,0 0 19 0,1-7-38 16,0-8-23-16,-1-1-38 15,-12-39-22-15,-1 38-44 16,-3-3-53-16,-2 4-16 16,-1 5-5-16,4 2 9 15,1 4 15-15,3 8 40 16,3-2 5-16,4 2 0 15,-1 2-11-15,4-3-2 16,0 0-12-16,0 0-1 16,0 1 0-16,-2 13 8 0,2 10 2 15,8 39 11-15,6-28 2 16,5-3 7-16,11 6 2 16,3-3 3-16,10-1-5 15,-1-6-8-15,1-7-31 16,-5-8-33-16,3-15-184 15,-1-15 28-15</inkml:trace>
+  <inkml:trace contextRef="#ctx0" brushRef="#br0" timeOffset="9182.79">5390 14477 721 0,'-4'3'89'0,"9"3"86"0,3 4-217 16,10 7-7-16,7 8 23 15,11 10 17-15,4 2 9 16,7 8 6-16,-2-2 2 16,1 5 3-16,-8-6-1 0,-5 2-3 15,-9-9-4-15,-7 1-3 16,-7-9-4-16,-6-4 7 15,-6-9 23-15,0-6 80 16,-2-6 50-16,-1-2 67 16,4-1 19-16,0 0 6 15,-1-1-73-15,0 0-57 16,-8-15-72-16,-20-44-45 16,21 31-33-16,4-7-19 15,7 1-7-15,16-12-141 16,8-4-98-16,20-5-127 15,4 9-129-15</inkml:trace>
+  <inkml:trace contextRef="#ctx0" brushRef="#br0" timeOffset="9498.74">6054 14492 570 0,'-7'-4'587'16,"4"2"-150"-16,0 2-11 15,3 0-321-15,0 0-77 16,0 0-49-16,0 0-40 16,0 0-59-16,0 0-16 15,0 0-6-15,1 1 25 16,14 8 16-16,12-2 56 16,37 55 21-16,-34-31 14 0,4 3 3 15,-7-3 6 1,2-2 1-16,-9-12 3 0,-3-3 8 15,-10-11 11-15,-2-1 43 16,-7-6 18-16,1 3 39 16,0 0-3-16,0-1-5 15,-5-33-448-15,2-73-24 16,7 31-166-16</inkml:trace>
+  <inkml:trace contextRef="#ctx0" brushRef="#br0" timeOffset="9786.68">6398 14130 7 0,'32'-29'11'15,"0"2"2"-15,8 0 6 16,-6 9 3-16,-4 6 12 16,-11 6 24-16,-3 4 14 0,-9 2-2 15,-3 3-2 1,-1 3-13-16,-3-6-30 0,0 1-16 16,4 8-4-16,5 16-3 15,20 43-1-15,-16-32 0 16,5 6-2-16,-1-4-3 15,6 6-4-15,-2-4 0 16,7 4 0-16,-4-3 4 16,2 9 2-16,-3-5 6 15,-1 7 8-15,-3-7 1 0,-4 2 4 16,-8-13 1-16,-5 0 5 16,-4-12 2-16,-10-6-7 15,-10-10-123-15,-8-24 44 16</inkml:trace>
+  <inkml:trace contextRef="#ctx0" brushRef="#br0" timeOffset="9948.25">6630 13614 1351 0,'6'-3'301'0,"-5"2"98"16,-3 2-430-16,2-1-132 15,0 1-32-15,3 19-225 16,16 58-32-16</inkml:trace>
+  <inkml:trace contextRef="#ctx0" brushRef="#br0" timeOffset="10282.36">7269 13876 1146 0,'-5'-16'367'16,"2"12"62"-16,0 1-325 15,1 2-81-15,1 0-77 16,0-1-55-16,0 2-56 16,0 0 4-16,-1 2 11 15,1 0 48-15,-7 21 23 16,-8 33 53-16,15-33 6 15,3 1 8-15,5 1 5 16,3-2 10-16,8 2 7 16,1-2 6-16,6 0 5 15,0-6 1-15,7-4-3 16,2-8-5-16,15-12-3 16,5-9-3-16,21-20-85 15,3-9-184-15,6-18 33 0</inkml:trace>
+  <inkml:trace contextRef="#ctx0" brushRef="#br0" timeOffset="10470.85">7962 13694 1118 0,'1'-4'373'16,"-5"2"38"-16,2 1-311 15,1 0-66-15,0 1-49 16,-2 0-18-16,1 0-4 16,-13 5-4-16,-2 6 10 0,-40 42-1 15,39-22 8-15,2 12 4 16,4 0 6-16,7 8-1 15,7-4 7-15,11 11-46 16,7-4-49-16,15 4-186 16,4-8-61-16,7-19-92 15</inkml:trace>
+  <inkml:trace contextRef="#ctx0" brushRef="#br0" timeOffset="10782.02">8193 12994 1101 0,'-3'2'146'16,"8"13"130"-16,2 11-331 15,11 31-2-15,5 16 30 16,7 40 18-16,0 14 8 15,2 40 3-15,-4-14 1 16,-4 40-1-16,-2-17 0 16,-1 22-1-16,-3-28-6 0,2 18 5 15,1-33-2-15,-1 18 3 16,1-31 4-16,4 20-26 16,-3-17-81-16,-1 16-173 15,-11-32-1-15</inkml:trace>
+  <inkml:trace contextRef="#ctx0" brushRef="#br0" timeOffset="11301.32">8947 14501 1288 0,'26'-7'322'15,"-24"5"90"-15,-1 3-378 16,-2 1-78-16,1-2-12 16,0 1 3-16,13 38-1 0,17 55 21 15,-11-12 13-15,0 2 10 16,-3 14 0-16,-3-14 4 16,-3 0 1-16,-2-22 2 15,-2-9 0-15,-4-24 3 16,-1-9 15-16,-1-12 14 15,0-6 29-15,0-2 25 0,0-1 44 16,-1 0-11-16,0 0-12 16,0-2-30-16,-4-24-44 15,-12-62-45-15,7 22 0 16,-2-9 0-16,0-16-3 16,6 17 20-16,0-16-3 15,-2 2-3-15,2 1 4 16,-1 18 4-16,0-4 0 15,1 20 3-15,1-5 3 16,0 6-2-16,4-1-3 16,0 10 0-16,2 4-4 15,-1 11-1-15,2 6-5 16,-1 8-1-16,2 5-13 16,0 4-13-16,6 1-77 0,2 4-53 15,12 5-137 1,8 4-61-16,10 12-82 0,2 6-56 15</inkml:trace>
+  <inkml:trace contextRef="#ctx0" brushRef="#br0" timeOffset="11681.31">9059 14691 898 0,'-1'12'224'0,"3"-11"72"16,-2 0-265-16,0-2-17 15,0 1-18-15,0-1-11 16,0-1-1-16,2 1 1 15,4-5 8-15,23-19 3 16,40-42 4-16,-30 33 0 16,-8 6 1-16,-4 5 0 15,-9 11 4-15,-6 3 4 16,-6 7 3-16,-4 1 5 16,-2 0 3-16,0 1-5 0,-1 0-24 15,0 0-95-15,0 0-112 16,0 0-86-16,-2 1-97 15</inkml:trace>
+  <inkml:trace contextRef="#ctx0" brushRef="#br0" timeOffset="11984.51">9509 14110 1163 0,'8'-1'287'16,"-8"2"81"-16,2 0-359 15,-2-1-68-15,0 0-17 16,0 1 0-16,7 37 3 16,9 45 34-16,-5-15 21 15,0-4 11-15,2 8-3 16,-3-8 3-16,5 7-6 16,-1-10 2-16,5 0-1 15,-2-12 5-15,0-3 2 16,-2-15 5-16,1-4 4 15,-5-9 5-15,-1-4 3 16,-4-8 2-16,1-3-5 16,1-6-1-16,12-22-34 15,12-16-269-15,3-31 78 0</inkml:trace>
+  <inkml:trace contextRef="#ctx0" brushRef="#br0" timeOffset="12178.99">9569 14422 834 0,'-23'6'423'0,"9"-5"-42"15,15-2-176-15,-1-1-170 16,0 2-62-16,0 0-18 16,0-1-5-16,1 0 6 15,28-14 27-15,62-44-205 16,-24 11-112-16,9-16-17 15</inkml:trace>
+  <inkml:trace contextRef="#ctx0" brushRef="#br0" timeOffset="12354.52">9143 13983 1215 0,'-24'-4'341'16,"18"0"62"-16,14-4-348 0,14-8-68 16,37-19-76-16,29-19-322 15,35-28 97-15</inkml:trace>
+  <inkml:trace contextRef="#ctx0" brushRef="#br0" timeOffset="13805.91">1053 14320 1214 0,'-18'-27'307'16,"6"17"93"-16,5 8-367 15,3 4-73-15,2-1-79 16,2-1-34-16,0 8 1 16,0 31 6-16,3 62 66 15,1-23 54-15,-4 3 20 0,-1 13-5 16,2-8 1-16,-1 15-4 16,0-8-1-16,3 16-1 15,4-10 7-15,2 15-1 16,3-4 17-16,2 9-8 15,-4-14 4-15,5 10 0 16,-1-16 7-16,1 3-15 16,-2-15 10-16,5 4-1 15,2-15-1-15,4 1-1 16,0-13 1-16,11 0-1 16,2-12-1-16,9 2-1 15,0-10-1-15,15-4 1 16,1-6 2-16,18-5 1 15,3-11 3-15,18-5-1 16,-3-8 0-16,22-6-1 16,-7-3 0-16,16-8-3 15,-11-2 1-15,33-5-2 0,-14-4 2 16,29-5 0-16,-6 5 2 16,34-7 1-16,-20 1-1 15,34-4-1-15,-19 0 0 16,31-3-1-16,-21 3-3 15,27 0 1-15,-30 9 2 16,26 4-2-16,-32 6-3 0,23 5 0 16,-31 1 1-16,26 2 2 15,-26-2-1-15,27-2 3 16,-22-2 1-16,29-4 0 16,-22-1-2-16,21-2 1 15,-26 2 0-15,18-3 0 16,-33 4 0-16,16-2 0 15,-25 2 0-15,15-6 0 16,-33 2 0-16,27-5 4 16,-28 2-3-16,6-3 0 15,-25 6-1-15,12-3 1 16,-36 8-5-16,3-2 0 16,-25 4 2-16,-2-4 1 15,-24 2 0-15,4-5 2 16,-12-1 3-16,11-11 2 0,-7-3 3 15,8-16-2-15,-6-4-1 16,10-18 0-16,-13 7-3 16,-4-4 2-16,-12 17 7 15,-5 5 45-15,-15 12 9 16,1-10 4-16,-2-1-5 16,4-21-8-16,1-5-44 0,5-16-10 15,2 4-4 1,5-24 1-16,-4 8 0 0,4-14 1 15,-4 2 1-15,-1-14-1 16,-7 31 1-16,0-3 21 16,-6 19-2-16,-2 8 37 15,-5 27 10-15,-1 0 14 16,-4 13-13-16,-1 8 6 16,-3 5-37-16,0 3-11 15,0 5-37-15,1 1-105 16,0 5 10-16,-14 6-341 15,-8 6 24-15</inkml:trace>
+  <inkml:trace contextRef="#ctx0" brushRef="#br0" timeOffset="15184.7">2932 17211 1072 0,'-9'-21'335'16,"-4"17"63"-16,0-2-287 15,3 1-87-15,-3 4-23 16,0 2-36-16,-7 12-18 16,-1 2 1-16,-4 8-1 15,0 5 14-15,-5 16 4 16,6 4 15-16,0 22 0 16,6 4 7-16,6 14-4 0,7-8 2 15,11 2-6-15,9-14 6 16,9 7 0-16,6-14 6 15,7-1 1-15,0-15 6 16,5-8-7-16,-9-17-2 16,-1-13-5-16,-7-8 4 15,-5-2 3-15,-7-5 9 16,-5-1 15-16,-3 3 15 0,-3-2 12 16,-1 1 3-1,-1 1-3-15,0 2-16 0,0 3-62 16,0-4-186-16,17-32-116 15,23-38-73-15</inkml:trace>
+  <inkml:trace contextRef="#ctx0" brushRef="#br0" timeOffset="15483.9">3213 17084 1356 0,'10'11'288'0,"-3"-6"106"16,-7-5-414-16,5 3-75 0,-5-3-5 15,0 1 0-15,3 7 17 16,15 30 19-16,13 44 56 16,-12-23-1-16,-2 0 5 15,2 12 1-15,-3-5-1 16,5 5-5-16,-4-7 6 15,3 6 0-15,-3-14 2 16,6 1 3-16,-3-11-6 16,2-7-87-16,-6-12-77 15,2-12-140-15,-8-20-67 0</inkml:trace>
+  <inkml:trace contextRef="#ctx0" brushRef="#br0" timeOffset="15643.48">3574 17365 926 0,'2'-2'253'15,"-2"1"45"-15,0 1-336 16,0 0-145-16,0 0-102 16,0 1-26-16,0 1-93 15</inkml:trace>
+  <inkml:trace contextRef="#ctx0" brushRef="#br0" timeOffset="15918.76">3725 17272 1053 0,'10'-5'318'0,"-24"5"54"16,16 2-293-16,-4-1-98 15,6 4-34-15,-4-5-10 0,0 1-4 16,8 17 16-16,24 55 17 16,-18-32 25-16,6 12 2 15,-3-4 6-15,-1 4 2 16,-1-9 3-16,1 1-1 16,-4-12 0-16,-1-1-40 15,0-8-48-15,-4-2-221 16,0-7 17-16</inkml:trace>
+  <inkml:trace contextRef="#ctx0" brushRef="#br0" timeOffset="16085.29">3640 16893 1112 0,'5'1'162'15,"0"6"4"-15,3 6-353 16,10 13-147-16,6 9-64 16</inkml:trace>
+  <inkml:trace contextRef="#ctx0" brushRef="#br0" timeOffset="17397.15">4132 17162 910 0,'9'11'142'0,"-4"-7"87"15,2 1-271-15,6 11-8 16,4 4 15-16,6 4 17 16,-1 2 16-16,2 0 1 15,-2-6 1-15,2-2-3 16,-6-7-4-16,2-4-5 15,-5-5 1-15,-4-3 0 16,-4-2 5-16,-1 0 14 16,-2-1 17-16,-4 3 48 0,0 0 22 15,-2 0 2 1,1-1-12-16,-3-17-12 0,-4-13-84 16,-17-50-51-1,12 39 30-15,-2 3 38 0,1 6 20 16,0 4 61-16,4 15 35 15,-1 2-29-15,2 2-37 16,1 6-23-16,2 1-25 16,0 3-18-16,3 0-14 15,2 1-28-15,0 1-2 16,-3 9-7-16,-5 24 9 0,-8 47 5 16,9-36 24-16,5 6 0 15,4-9 7-15,9 5-4 16,1-8 6-16,8 5 1 15,0-9 5-15,10 2 2 16,1-6 5-16,8-1-6 16,0-12-5-16,5-4-7 15,-5-13 1-15,4-13 1 16,-5-9 9-16,6-13 8 16,-6-7 11-16,0-9 3 15,-10 7 5-15,-4-7 8 16,-9 12 14-16,-7 4 55 15,-4 11 5-15,-6 0 0 16,2 12-11-16,-4-1-14 16,3 7-56-16,1 0-14 0,1 5-7 15,0 0-13-15,0 0-19 16,0 0-36-16,0 0-1 16,1 1 0-16,7 14 12 15,10 20 17-15,15 40 36 16,-15-28 2-16,0-6 3 15,0-4-3-15,-3-11-2 16,-1-7-5-16,-6-11 1 0,0-5 1 16,-4-6 6-16,-2 0 11 15,-2 2 10-15,0-2 8 16,1-5 3-16,11-32-2 16,7-50-7-16,-6 13-5 15,0-6-9-15,4-3-6 16,-2 16-2-16,2 4-4 15,-1 27 0-15,-2 12-4 16,-6 12 0-16,1 3-9 16,-1 6-1-16,3 2-8 15,0 1 1-15,10 7-7 16,3 2 5-16,10 10-4 16,1 7 6-16,12 9 2 15,-4 5 9-15,10 10 5 16,-4-6 9-16,6 1 1 0,-6-10 3 15,-2-5-1-15,-13-13 0 16,-1-6 1-16,-13-8 4 16,-5-1 9-16,-5-3 10 15,-2-1 21-15,-4-4 16 16,1-19 6-16,-3-9-9 16,3-30-8-16,-3-14-23 15,-1-12-17-15,-2 1-14 16,-1-11-3-16,-6 28 13 15,-1 7 13-15,-2 17 9 0,1 14 18 16,1 19 3-16,-1 2-7 16,3 5-12-16,1 5-13 15,0 2-15-15,0 3-15 16,5 1-17-16,0 0-43 16,1 0-10-16,0 1-4 15,7 22 12-15,23 60 8 16,-8-25 42-16,8 9 3 15,-1-7 5-15,8-3-3 16,0-13 3-16,7-8-1 16,-4-10 11-16,5-6 3 15,-3-9 8-15,4-8 5 16,-6-9 4-16,5-10 1 16,-3-8-5-16,3-19-325 15,-5-16 104-15</inkml:trace>
+  <inkml:trace contextRef="#ctx0" brushRef="#br0" timeOffset="17584.65">5771 16476 1265 0,'-22'10'349'0,"11"-3"73"16,11-8-368-16,1 1-101 15,4-1-41-15,-4-1-7 16,21-11 12-16,73-48 12 15,-16 13 46-15,23-9-165 16,-7 8-147-16,4 3-21 16</inkml:trace>
+  <inkml:trace contextRef="#ctx0" brushRef="#br0" timeOffset="17894.83">5276 17893 909 0,'-9'16'353'16,"4"-6"-10"-16,21-16-204 15,8-21-154-15,12-13-11 16,29-20-2-16,16-14 15 15,21-21 7-15,-6 11 2 0,12-10 3 16,-16 11 3-16,0 10 0 16,-19 18 0-16,-9 11 1 15,-23 17 0-15,-9 7-1 16,-15 3 4-16,9-4-179 16,4-4-160-16,1-8-4 15</inkml:trace>
+  <inkml:trace contextRef="#ctx0" brushRef="#br0" timeOffset="19831.24">6337 8691 866 0,'-5'-1'179'0,"2"0"48"16,1 0-287-16,0 1-17 16,0 0-3-16,2 0 1 15,7 0 35-15,29-1 28 16,36 0 13-16,-29 0-2 16,-2 1 1-16,7-2-1 15,-3 1 0-15,12 0-4 16,-2 0 1-16,14-4 2 15,0 0 0-15,13 1-1 16,-9 0 4-16,9-1-1 16,-15 1 1-16,3 3 2 15,-17-1 1-15,2 0 1 16,-12-1 0-16,0 3 1 16,-8-1 0-16,0 0 0 0,-9 1 1 15,-1 1 1-15,-10 0 3 16,-5-2 5-16,-5 2 3 15,-2 1 2-15,-4-2-21 16,1-2-174-16,0 1 49 16</inkml:trace>
+  <inkml:trace contextRef="#ctx0" brushRef="#br0" timeOffset="20898.12">8504 512 35 0,'9'25'-12'16,"-10"42"12"-16,9 7-21 15</inkml:trace>
+  <inkml:trace contextRef="#ctx0" brushRef="#br0" timeOffset="21526.6">9369 10045 1 0,'3'88'4'16,"-7"5"2"-16,-3-9 0 16,-3 8 0-16,-2-12-9 15,4 5 4-15</inkml:trace>
+  <inkml:trace contextRef="#ctx0" brushRef="#br0" timeOffset="23843.69">8477 445 757 0,'7'-1'113'16,"-1"0"75"-16,-2 3-224 16,-4-3-19-1,0 1 23-15,0 0 3 0,1 0 12 16,1 0 2-16,-1 0 3 15,-1 0-4-15,0 0-2 16,0 1 1-16,0 0 0 0,2 8 1 16,3 11 5-16,5 45 4 15,-11-27 4 1,2 7 0-16,-1 9 0 0,-1 9 2 16,0-3 0-16,3 15 0 15,2-6 2-15,1 8 0 16,3-3-3-16,3 13-2 15,-4-11-2-15,1 15-1 16,-1-8 2-16,2 15 1 16,4-7 3-16,2 15 3 15,1-9-1-15,0 9 2 16,-1-16-2-16,1 10-1 16,-3-17-3-16,0 9 2 15,-1-10-5-15,0 17 3 16,-4-9-3-16,1 18 4 15,-2-12 0-15,3 16 1 0,0-14-1 16,4 11 4-16,-2-14-5 16,4 19 8-16,-3-12-5 15,-3 17 8-15,-3-12-5 16,-2 12-3-16,-3-15-4 16,0 21 6-16,2-22-11 15,0 10 3-15,1-10 11 0,-2 18-7 16,2-22-4-1,1 12 3-15,-4-12 1 0,0 12-5 16,2-15 4-16,-1 11 7 16,0-8-6-16,-1 12 0 15,-2-14-1-15,-1 13-1 16,1-14-4-16,0 10 8 16,-1-13-2-16,3 13 2 15,2-11 1-15,3 9 1 16,0-9-2-16,3 17 2 15,-2-14 0-15,2 11-1 16,-1-10 3-16,2 10-2 16,0-13 1-16,2 16 3 15,1-14-5-15,1 12 1 16,-2-14-1-16,2 15-1 16,-1-16-5-16,0 10 4 0,-5-14-1 15,4 21 0 1,-3-14 4-16,4 14 3 0,-2-7-4 15,5 18 6-15,-1-14 1 16,5 8-5-16,-3-13-3 16,0 9 8-16,-2-11-8 15,-1 13-3-15,-4-13 2 16,1 20 1-16,-1-6 6 16,1 12 0-16,-2-15 2 0,5 16 0 15,1-14-2-15,3 10-7 16,0-21-3-16,6 18 12 15,-7-15 0-15,4 17 1 16,1-15 3-16,1 14-4 16,-5-16-10-16,7 16 0 15,-2-21-1-15,2 7-6 16,-2-15 7-16,5 8 0 16,-4-15 0-16,3 14 0 15,-4-9 3-15,5 16 4 16,-4-8-1-16,5 11 3 15,0-13 0-15,7 8-3 16,-5-18-4-16,8 9 1 16,-6-17-6-16,3 10 0 15,-5-10 0-15,8 12 0 16,-2-12 2-16,9 14 3 16,0-5 1-16,13 11 2 0,-5-12 0 15,7 12-2-15,-9-12 2 16,5 10 1-16,-10-13-2 15,3 13-2-15,-6-15 2 16,10 10-1-16,-9-11-1 16,13 9 0-16,-5-12 1 0,3 13 2 15,-4-13-2-15,7 13 1 16,-8-8-1-16,7 9 2 16,-1-12-6-16,9 16 5 15,-6-12-3-15,12 12 1 16,-8-8 0-16,8 10 6 15,-5-14 1-15,16 10-1 16,-13-15-3-16,13 11 0 16,-7-9-5-16,4 9-3 15,-11-11 2-15,10 14 1 16,-6-7 0-16,7 5 1 16,-9-8 2-16,7 10 1 15,-11-15-2-15,6 11 1 16,-8-8-2-16,9 3-2 15,-11-10 0-15,7 12 0 0,-6-15 3 16,6 9 1-16,-5-6-1 16,15 4 3-16,-10-12-1 15,8 11-1-15,-8-16-1 16,12 8 1-16,-8-6-3 16,16 8 4-16,-3-11-2 15,13 10 5-15,-6-8-3 16,14 10 0-16,-12-11-1 15,15 15 1-15,-13-8-3 16,12 6 1-16,-16-11-3 0,10 7 2 16,-14-12-2-16,13 6 1 15,-10-8 1-15,13 12 8 16,-10-12-1-16,7 2-2 16,-15-14-2-16,8 0 4 15,-22-13-8-15,5 4 1 16,-19-6 4-16,-4 2 1 15,-17-7-1-15,-5-1 10 16,-13-9 0-16,5 3-115 16,-3-5-68-16,-10-8-15 15</inkml:trace>
+  <inkml:trace contextRef="#ctx0" brushRef="#br0" timeOffset="28442.95">8327 409 1288 0,'0'-5'201'0,"-1"-4"128"15,3 5-401-15,5 0 1 16,1 3 24-16,3 4 6 16,-2-5 30-16,-2-1 18 15,-4 4 2-15,-2-6-3 16,-1 4-9-16,0 1-17 15,0-1-11-15,2 1-2 16,10 4 0-16,22 6 4 0,41 20 14 16,-22-13 8-16,2-3 0 15,16 13 3-15,2 0 3 16,17 4 2-16,-5 12-3 16,19 1 4-16,-4-4-2 15,21 11 0-15,-10-5-3 16,26 4-3-16,-8-11-4 15,22 0-1-15,-12-10 1 16,28-1 0-16,-18-3 2 0,25 0 4 16,-13-5 2-16,22 1 0 15,-20-8-1-15,23 4 1 16,-25-5-1-16,21 3 3 16,-22-2 1-16,20 4 2 15,-22-3-1-15,21 7 2 16,-23-7-5-16,22 2 1 15,-21-6 0-15,22-2 0 16,-18-3 8-16,20-1-5 16,-25 0 0-16,21 2-3 15,-22 1 1-15,14-2-10 16,-15 1 5-16,22-4 3 16,-19-3 1-16,23-2 2 15,-19-3-2-15,19-1 0 16,-23 1-5-16,19-2 2 15,-19 1-2-15,17 3 3 0,-20-3-4 16,21 1 2-16,-23 4-1 16,17-1 2-16,-17 2-2 15,22 2 5-15,-18-1-1 16,30 3 2-16,-17 0 1 16,28-2 2-16,-18-1-1 15,26-2-1-15,-18-3 1 16,24-1 1-16,-22-1 0 0,22-4-4 15,-25 4 1-15,23 2 1 16,-17-2-1-16,28-1-1 16,-16 3 3-16,27 3 0 15,-28-3-6-15,25 4 0 16,-32 0-1-16,22 1-1 16,-26-3 3-16,30 3 4 15,-25 2 0-15,29-2 2 16,-25-3-3-16,23-1 0 15,-28 0-2-15,19 2 0 16,-24 1 0-16,21 1 1 16,-23 1 1-16,27-5 6 15,-33 0-5-15,24 0 0 16,-21-1 1-16,24-1 0 16,-27 1-6-16,33-2 9 15,-25 0-4-15,20-3 1 0,-28 3-4 16,17-1 1-16,-32 3-3 15,16-3 1-15,-23 4 1 16,14-4 1-16,-20 0-3 16,22 0 2-16,-21 1 0 15,18-5-2-15,-13 5 3 0,18-2 2 16,-27-3-3-16,13 6 1 16,-27 0-1-16,13-3 3 15,-19 3-3-15,12 1 1 16,-17 1-1-16,19-2 3 15,-9 2 5-15,27-3-3 16,-7 0 12-16,22-1-7 16,-25 1-5-16,6 7-7 15,-32-1 3-15,0 4-12 16,-23-3 8-16,14 2 3 16,-13 0 0-16,16 3 1 15,-8-3-1-15,18 5 1 16,-14 0 0-16,13 7-1 15,-16-4 1-15,16 14 0 16,-11 4 7-16,8 7-4 16,-18-4-2-16,6 13 1 15,-14-4-5-15,8 14-3 0,-7-1 1 16,24 11 5-16,-6-2-2 16,11 15 5-16,-15-9 1 15,9 20 0-15,-26-2 1 16,4 16-5-16,-23-11 0 15,6 18-2-15,-12-11-5 16,10 12-1-16,-10-6-2 16,15 18-2-16,-8-10-1 0,0 18 4 15,-17-13 2-15,7 25 8 16,-19-13-1 0,2 17 0-16,-10-14-2 0,4 26-3 15,-10-20 0-15,8 20 2 16,-5-8-2-16,1 19 4 15,-6-22-1-15,6 26 2 16,-8-22-1-16,4 20 1 16,-3-13-3-16,4 13 1 15,-9-18-2-15,1 24 2 16,-3-25 0-16,6 27 7 16,-5-18-4-16,10 22 0 15,-1-20-1-15,-4 22 0 16,-6-31-7-16,-7 31 5 0,-7-25 1 15,-6 19 0-15,-6-18 1 16,1 19 1 0,3-29-3-16,-7 22 1 0,2-23 0 15,4 17 3-15,-4-17-3 16,3 17 11-16,-3-22-1 16,1 18-8-16,-1-26-2 15,1 13-1-15,-3-19-9 16,3 13-3-16,-1-21 5 0,0 22 2 15,-2-16 0-15,2 9 2 16,-4-15 1-16,3 21 4 16,-1-20 0-16,1 6-1 15,-3-11-2-15,1 14 3 16,0-19-1-16,-2 10 1 16,3-7 3-16,0 17 2 15,-1-18-1-15,0 13 6 16,0-9-3-16,-5 14 1 15,1-17-2-15,7 12 2 16,-5-13-8-16,4 14 2 16,-1-17-4-16,5 10-2 15,-6-14-3-15,3 15 5 16,-2-15 4-16,7 6-3 16,-5-13-2-16,4 14 1 0,-1-15-1 15,3 5-5 1,-4-7 8-16,-1 14 2 0,-1-13 0 15,3 4-1-15,-3-11-1 16,-1 7-1-16,0-12 8 16,3 7-4-16,-5-9-2 15,1 9 3-15,2-15-2 0,-1 10-3 16,-2-14 1-16,-1 8 1 16,-5-8-3-16,3 7 0 15,0-16-3-15,-3 8 6 16,2-14 1-16,3 7 1 15,-5-7-1-15,0 11 2 16,0-11-4-16,-1 4 1 16,-4-9 0-16,2 1 1 15,2-12-2-15,2 5 3 16,-4-7-2-16,1 6 1 16,-4-6-2-16,-2 5 2 15,-3-5-4-15,-2 4 3 16,3-10-2-16,-2 2 2 15,2-6-1-15,1 2 3 16,3-4-2-16,-4 10 3 16,2-3-1-16,-1 7 2 15,0-6-3-15,-2 4 0 0,3-8-2 16,-1 6 0-16,0-8-1 16,-2 3 1-16,0-5-1 15,-7 1 3-15,2-4-2 16,-3 2 2-16,2-1-2 15,0 2 0-15,8-2-1 16,-4 1 2-16,1-4 0 16,-4 3 3-16,2-6-2 15,-9 2 4-15,2 0-3 16,-2 1 1-16,4 0-3 0,-3 1 1 16,6-3-2-16,-3 1 1 15,6-5-2-15,-4 2 2 16,4-4-1-16,-2 0 0 15,6-3-2-15,-3 1 2 16,4-1-2-16,-3 2 2 16,4 1-1-16,0 2 0 15,2 2-1-15,-3 3 0 16,4-2-1-16,-3 4 2 16,-1-1-1-16,0 4 2 15,1-3-1-15,-4 7 1 16,3-2 1-16,-2 3 0 15,1-7-1-15,0 6 3 0,1-5-3 16,0 1 0 0,3-2-1-16,-2 7 1 0,4-5-2 15,-3 6 2-15,2-3 1 16,0 13 8-16,1 0 1 16,-2 5 0-16,3-7-2 15,0 2-2-15,0-10-9 16,-2-3-2-16,2 0 2 15,-2 5 2-15,0-6 0 0,2 2 1 16,2-4-2-16,1 2 0 16,3-5-1-16,-1 9 2 15,3-3-2-15,-2 7 3 16,1-5-1-16,-2-1 1 16,-1-8 0-16,1 2 1 15,-2-5-2-15,-1 6 4 16,3 0-2-16,-5 8 0 15,4-5-2-15,-2 2 4 16,2-5-4-16,1 4 2 16,1-6-1-16,1 1 2 15,0-2-2-15,-2 1 1 16,2-2-2-16,-5-1 3 16,2 2-2-16,-5-5 4 15,1-2-2-15,-2 0 2 0,1-7-3 16,-2 2 2-16,4-1-3 15,-3 4 2-15,-1-4-1 16,-1 3 2-16,-4 0 0 16,-6 4 4-16,-5-6-2 15,-13 2 4-15,-3-1-2 16,-6-6 2-16,2-6-4 16,-1 1 1-16,10-3-3 0,-6-1 2 15,1 0-3-15,-15 1 3 16,-6-1-4-16,-21 1 3 15,1-3-2-15,-4 3 2 16,11-3-3-16,-9-4 1 16,16 0-2-16,-15 0 0 15,3 0 1-15,-24-6 1 16,-1 1 0-16,-26-9 1 16,9 1-1-16,-26-2 1 15,15 1-2-15,-8-4 0 16,16 9-1-16,-27-1 2 15,19-2-3-15,-14 3 1 16,11 8-2-16,-19-12 1 16,20 6 0-16,-33-2 2 15,11-9-1-15,-20-5 2 0,13 8-1 16,-11-12 1-16,25 5-2 16,-23 5 0-16,25 0-2 15,-13 0 1-15,10 4 0 16,-16-5 1-16,20 1-1 15,-34-1 4-15,19 1 0 16,-22-3 0-16,20 6-2 16,-20 0 3-16,20 4-5 15,-26 2 2-15,20 1-1 16,-27-2 2-16,19-2-3 0,-29-2 4 16,27 0-3-16,-26 1 1 15,23-2 0-15,-24 4 0 16,31 0 1-16,-20 1-1 15,22 2-2-15,-22 3 1 16,24 2 1-16,-23 1-4 16,22 1 4-16,-28 3 1 15,26 1-3-15,-7-2 3 16,29 2-2-16,-31 2 1 16,29 2-1-16,-20 4 3 15,13 2-3-15,-29 5 2 16,34 3-2-16,-16-2 0 15,21 1 0-15,-26 9-1 16,25-2-1-16,-13 1 2 16,10 2-1-16,-15-1 2 15,27-8-1-15,-20 5 1 0,16-2-1 16,-11 1-15-16,16 2-8 16,-8 5 2-16,24-10-1 15,-17 3-2-15,26-5 16 16,-6 4 6-16,14-8-1 15,-17 8 2-15,19-3 0 16,-7 5 2-16,12-5-3 0,-11 11 3 16,21-10-1-16,-10 6 0 15,14-9 0-15,-3-5 1 16,16 0-1-16,-2 0 2 16,20-8-2-16,-9 0 2 15,8-7-1-15,-5-8 1 16,13 3-3-16,-4 0 3 15,13 6-1-15,-7 3 0 16,8 5-1-16,-6-3 1 16,1-3 1-16,2-2 4 15,14 0 6-15,5-2 52 16,9 0 11-16,3 1 17 16,6 2-3-16,-6-4-6 15,1 0-52-15,-7-2-14 16,1 2-17-16,0-1 0 0,6 2 0 15,-1 0 4-15,5 2 1 16,-2-2 10-16,-3 0-1 16,-11-2-2-16,-5-3-5 15,-15 2-2-15,-5-1-9 16,-6 2 0-16,8 3 3 16,5 2 2-16,13 2 3 15,9 0 26-15,12 0 0 0,-1-2 1 16,2 2-3-16,-17-5-371 15,-22-1-66-15,-24 4-114 16</inkml:trace>
+  <inkml:trace contextRef="#ctx0" brushRef="#br0" timeOffset="42663.37">18223 8756 534 0,'-2'-1'138'0,"0"0"32"16,-1 0-159-16,1-1-42 16,0 1-6-16,0 1 4 0,-1 0 11 15,1 0 36-15,0 0 34 16,-1 0 12-16,2 0-3 16,0 0-10-16,0 0-28 15,0 0-20-15,0 0-15 16,-1 0-2-16,1 0 3 15,0 0 5-15,0 0 11 16,0 0 8-16,0 0 8 16,0 0 14-16,-1 0-1 15,1 0-4-15,0 0-9 0,1 0-12 16,0 0-16-16,0-1-1 16,1 0 3-16,6 0 2 15,12-3 7-15,39-8 0 16,-36 8 0-16,8 0-1 15,-1 0 0-15,9 1-2 16,-1 3 0-16,7-1-2 16,-4 1 2-16,4 2-4 15,-7-1 2-15,10 1 0 16,-3-1 2-16,7-1-2 16,-5 0 1-16,8 2 3 15,-10 0 2-15,5 0 1 16,-8 4 0-16,-2 3-2 15,-9-2-4-15,1 2-4 16,-10-1 0-16,8 0-1 16,-2-3 5-16,7 1-1 15,-4-3 2-15,3 2-2 0,-5-3 3 16,1-1 1-16,-4 1 4 16,7-2 7-16,3-2 4 15,12 1-1-15,-2 1-2 16,12-2-2-16,-2-2-3 0,7 0-5 15,-9-1 2-15,6-2 2 16,-8 0 2-16,2 0 0 16,-11 2 3-16,4 0 1 15,-6 1 1-15,5-3 0 16,-7 2-3-16,1 0-2 16,-6 2 0-16,1-1-4 15,-14 4-1-15,-2 0 1 16,-8 0 2-16,-4 0 2 15,-3 0-1-15,-1 0 2 16,-2 0-1-16,0 0 2 16,0-1-1-16,0 1 3 15,0-1 1-15,0 0-16 16,-2 0-50-16,1 0-51 16,0 0-13-16,0-2-24 15,-4-5 12-15,-6-7 47 0,-46-34 54 16,31 30 7-16,2 4 27 15,-1-1 44-15,5 0 0 16,-3 0-18-16,3 3 4 16,-1-4-4-16,-3 3-46 15,-5 0 0-15,3 3 14 16,-7-2-4-16,0 4 0 16,1-4 40-16,6 3 33 15,2-3 4-15,8 3 18 0,4 0 45 16,7 3-25-16,1 2-28 15,2 1-6-15,1 1-17 16,1 2-49-16,0-1-21 16,0 1-10-16,0 0-15 15,0 0-4-15,0 1 2 16,1 0 12-16,6 1 4 16,16 8 12-16,41 22-1 15,-35-13-1-15,7 6 0 16,-3 1 4-16,5 5 3 15,-1-3 8-15,4 0 0 16,-6-3 0-16,0-3-2 16,-7-3-1-16,-3-2-2 15,-9-3 1-15,-3-2-1 0,-5-4 1 16,-2-1-1 0,-3 0 2-16,2-3 0 0,-2 2 1 15,2-1-1-15,-3 2 1 16,2-3 0-16,-4-3 1 15,0 0 3-15,0 0 3 16,0 0 5-16,0 0 2 16,0 0 1-16,0 0-2 15,0 0-3-15,0 0-6 16,0 0-3-16,0 0-4 0,0 0-4 16,0 0 0-16,0 0-2 15,0 0 3-15,0 0 2 16,0 0 3-16,0 0 0 15,0 0-2-15,0 0-3 16,0 2-2-16,0-1-1 16,-2 0 3-16,-2 14 5 15,-8 10 6-15,-28 46 2 16,15-33 1-16,-7 7-1 16,6-6-4-16,-2 2-6 15,5-11-3-15,0-1-5 16,7-8 0-16,0-3-1 15,4-6 5-15,4-2 1 16,3-4 6-16,0-3 3 16,3-1 3-16,2 0 2 15,-2-2 0-15,2 0 1 0,0 0 0 16,0 0 1-16,0 0-2 16,0 0 0-16,0 0-3 15,0 0-240-15,0 0-11 16,0 0-81-16</inkml:trace>
+  <inkml:trace contextRef="#ctx0" brushRef="#br0" timeOffset="46270.17">26767 7887 226 0,'-3'2'66'0,"1"-2"-1"16,0-2-68-16,2 1-13 15,0-1-5-15,0 0 2 16,6-11 12-16,-1-12 7 15,45-34 1-15,-28 28 1 16,1 0-1-16,6-6 1 16,-1 0-3-16,9-8 2 15,-4 2-2-15,5-8 0 0,-4 5 1 16,-1-4 3-16,-5 10 3 16,-2-2 8-16,-5 9 3 15,6-8 3-15,-4 5-3 16,7-12-4-16,0 0-7 15,7-13-3-15,-1 5-2 16,6-6 1-16,-5 9-1 0,-1 0 2 16,-5 12 0-16,-2-1 0 15,-5 9 0-15,5-5 3 16,-3 2-1-16,3-8 2 16,-4 4 1-16,4-6 3 15,-8 2 0-15,3-2 3 16,-3 5 2-16,5-7 2 15,-2 2-1-15,9-8 0 16,0-2-6-16,9-7-2 16,-4 5-6-16,1 3-1 15,-7 11-2-15,2 0 3 16,-10 14-2-16,2-4 2 16,-1 3-2-16,2-4 1 15,-6 10-2-15,-3 0 3 16,-6 10 5-16,-3 5 16 15,-5 5 29-15,-3 3 27 0,-1 2-1 16,0-1-2-16,0 1-17 16,0 0-31-16,-1 0-30 15,1 0-18-15,0 0-29 16,0 0-67-16,0 0-22 16,-1 0-57-16,-1 0-41 15</inkml:trace>
+  <inkml:trace contextRef="#ctx0" brushRef="#br0" timeOffset="46377.96">27876 5741 265 0,'-18'-8'190'0,"2"-1"-41"15,8 9-27-15,2-3-265 16,4 3-4-16,2-2-59 16</inkml:trace>
+  <inkml:trace contextRef="#ctx0" brushRef="#br0" timeOffset="46886.61">28619 5680 187 0,'-1'-1'229'0,"0"2"-59"16,-2 0 0-16,2-2-108 0,0 1-33 15,0 0-24-15,-2 1-11 16,-22 22-5-16,-45 57 2 15,31-32 0-15,-4 16 1 16,1-1 5-16,-6 13 2 16,6-13-2-16,2 0 3 15,8-13-1-15,2-2-1 16,13-11 2-16,0 4 6 16,2-1 1-16,0-2 3 15,7-6-1-15,-1-6 8 16,5-11 20-16,2-5 82 15,1-7 15-15,0-2 15 16,0-2-8-16,0 0-22 16,0 1-86-16,1 0-21 0,-2 0-23 15,2-1-22 1,0 1-72-16,0 0-196 0,0 0-13 16,0 0-124-16</inkml:trace>
+  <inkml:trace contextRef="#ctx0" brushRef="#br0" timeOffset="47606.69">26661 11712 1307 0,'-17'-5'178'0,"5"0"160"15,-6-5-404-15,8 3-16 16,5 2 37-16,0-2-4 16,3 0-10-16,-1-15-266 15,1-9 89-15</inkml:trace>
+  <inkml:trace contextRef="#ctx0" brushRef="#br0" timeOffset="48534.81">26863 10625 490 0,'-3'-1'88'0,"0"0"30"16,-1-1-163-16,-3 1-95 15,0 0 16-15,-2 0 78 16,0 0 31-16,3 1 14 16,2 0 92-16,2 0-21 15,0 0-86-15,-1 0-10 16,1 1 0-16,1 2 1 16,0 20 9-16,10 44 3 15,5-33 5-15,5 8 0 16,-1-1 1-16,6 1 2 15,-5-2 3-15,7 2-2 16,-2-7 2-16,8 9 2 16,-2-2 0-16,8 10-1 15,-1 1 4-15,5 14 0 16,-4-6-4-16,3 11 1 0,-4-3 6 16,5 13-4-16,-3-11-1 15,8 14 2-15,-3-10 0 16,10 3-5-16,-4-16 3 15,4 7 0-15,-9-14 0 16,-1 9-1-16,-10-7-1 0,0 11 2 16,-8-8-2-16,2 8 0 15,-3-5 0-15,6 7 1 16,-2-10 1-16,6 8-1 16,-1-10 2-16,5 2-1 15,-4-13 0-15,3-1 0 16,-7-13 0-16,0 3 0 15,-6-8 0-15,-1 3 0 16,-6-5 1-16,1 4-1 16,-4-7 1-16,2 2 0 15,-2-7 0-15,-1 1-1 16,-3-4 1-16,1 0 0 16,-2-3 0-16,-1 2 0 15,-2-2 2-15,1-1 2 16,-2-3-1-16,0-1 3 15,-3-1 1-15,3 0 3 0,-4-2 0 16,2 0 5-16,-4-4-1 16,0 0 0-16,0 0-3 15,0 0-1-15,0 1-4 16,0 0-1-16,0 0-2 16,2 4-3-16,2 3-25 15,0 2-82-15,3 4 16 16</inkml:trace>
+  <inkml:trace contextRef="#ctx0" brushRef="#br0" timeOffset="49001.21">28007 13318 806 0,'1'1'166'0,"-1"-1"75"16,0 1-243-16,0-1-12 15,0 0-8-15,0 0-18 0,0 0-5 16,0 0-7 0,0 0 8-16,1 0 1 0,0 0 17 15,19 5 7-15,35 11 7 16,-33-11 3-16,-2-1 5 15,3-3 0-15,-3 4 2 16,7-4-1-16,1-2 1 16,7 1-1-16,0 0 1 15,6-5-1-15,-1 2 2 16,8-4-2-16,-4 1 3 16,5-3 1-16,-7 2 2 15,-2 0 1-15,-12 3 1 0,-10-1 4 16,-8 3 3-16,-6 0 6 15,-3 1 1-15,-2 1-1 16,1 0-5-16,0 0-11 16,0-1-10-16,0 1-11 15,0 0-9-15,0 0-149 16,0 0-12-16,1 0-47 16</inkml:trace>
+  <inkml:trace contextRef="#ctx0" brushRef="#br0" timeOffset="49523.39">28640 12599 547 0,'8'-3'310'15,"-3"1"-46"-15,-10 2-95 16,5 0-159-16,-2-1-41 0,2 1-21 16,-1 0-1-16,0 1-2 15,-1 8 13-15,-4 25 10 16,-4 41 18-16,4-28 0 16,1-8 3-16,4 6-2 15,0-4 2-15,0 14-1 16,2-5 3-16,1 11 0 15,1-3 2-15,-2 3 1 16,3-14 4-16,0 1 1 16,-2-16 2-16,2-7 2 15,-2-8 0-15,0-5 2 16,-1-6-2-16,1 1 1 16,-2-1-1-16,0-1 4 15,0 1 2-15,0-2 7 16,-2-4 6-16,2 0 15 15,0 0 11-15,0 0 48 0,0 0 14 16,0 0 30-16,0 0-2 16,0 0 2-16,0 0-49 15,0 0-20-15,0 0-37 16,-1 0-18-16,0 0-20 16,1 0-56-16,0 0-327 15,-2 1 87-15</inkml:trace>
+  <inkml:trace contextRef="#ctx0" brushRef="#br0" timeOffset="62016.93">13007 11612 478 0,'-5'-7'271'0,"3"3"-31"16,3 2-97-16,-2 2-124 16,1 0-47-16,0 0-24 0,0 0-18 15,0 0 9-15,0 0 4 16,0 1 22-16,0 0 11 16,-1 15 16-16,-1 8 2 15,1 35 4-15,2-26 0 16,2-3 0-16,0 8-1 15,2 0 1-15,1 2 0 16,-3-2 1-16,2 9 0 16,-2-5 0-16,1 9-1 15,-1-2 1-15,3 8-1 16,-2-7 0-16,3 8-1 16,0-11 1-16,-1 4 1 15,-3-7 2-15,1 0 4 16,-2-6 1-16,-2 1 0 15,0-7-1-15,0-1 0 16,-1-6-3-16,1-3 0 0,0-4 2 16,0-2 1-16,1-6 1 15,0-1 2-15,1-7-10 16,-2-1-16-16,0-2-47 16,0-1-104-16,1-13 1 15</inkml:trace>
+  <inkml:trace contextRef="#ctx0" brushRef="#br0" timeOffset="62434.81">13598 11415 579 0,'7'9'110'0,"1"0"49"15,-3 3-160-15,5 15-29 16,2 4 12-16,3 18 11 16,-3 4 5-16,0 18-1 15,-4-3 0-15,-1 8-3 0,-3-9 1 16,1 10-2-16,-2-11 0 15,0 8-1-15,-1-5 1 16,2 7 1-16,-1-12 2 16,3 4 2-16,1-13 2 15,-2 0 2-15,1-11 0 16,-4 3 2-16,1-11 0 0,-3 0 4 16,0-11 1-1,0-3 3-15,0-8 0 0,-1-6-14 16,1-4-20-16,-10-10-135 15,-6-10 22-15</inkml:trace>
+  <inkml:trace contextRef="#ctx0" brushRef="#br0" timeOffset="62838.15">13273 11378 1148 0,'5'8'216'16,"-3"-5"78"-1,-4 3-353-15,-10 10-8 0,-3 6-1 16,-11 14-1-16,-4 9 41 15,-12 11 6-15,5-2 5 16,-5 12 1-16,3-3 8 16,-3 10 2-16,6-9 2 0,-1 9-2 15,6-7 6-15,-5 7-2 16,8-6 0-16,-5 5 0 16,4-13 4-16,1 2-1 15,5-15 1-15,2-2-1 16,5-11 3-16,2 1 0 15,2-11 2-15,4 0-63 16,5-9-62-16,2-3-142 16,3-7-37-16</inkml:trace>
+  <inkml:trace contextRef="#ctx0" brushRef="#br0" timeOffset="63368.73">13338 11513 1028 0,'6'1'213'15,"-3"-2"84"-15,-2 1-316 16,-1 0-9-16,0 0-2 0,1 1 3 16,3 10 15-16,16 15 8 15,32 34 3-15,-32-32-3 16,-2-5 1-16,6 5-4 16,2-4 0-16,8 4-2 15,6 0 2-15,10 5-4 16,1-2 5-16,5 3 0 15,-4-7 2-15,5 4-1 16,-9-4 5-16,6 3-1 16,-3-1 0-16,2 4 0 15,-9-6-1-15,0 2-1 16,-10-6 3-16,-5-3 0 16,-7-6 3-16,-3 0 1 15,-9-6 3-15,-2-1 6 0,-3-4 5 16,-3 1 52-16,-3-4 21 15,0 0 29-15,1-1 6 16,0 1 3-16,0 0-50 16,0 0-22-16,0-1-58 15,-1-1-329-15,-1 1-86 16,0-3-109-16</inkml:trace>
+  <inkml:trace contextRef="#ctx0" brushRef="#br0" timeOffset="65173.2">23673 11604 367 0,'6'1'180'0,"-3"0"-24"16,-3-1-68-16,0 0-107 15,0 0-9-15,0 0 1 16,0 1 5-16,3 5 5 16,7 16 9-16,22 46 3 15,-15-34 1-15,4 14 3 16,0-3 0-16,0 11-1 16,-3-3-2-16,-4 9 5 15,-2-6-2-15,-4 8 2 16,-3-7 0-16,1 5 2 15,0-10-3-15,0 7 0 0,-2-12-1 16,3 3 1 0,0-9 0-16,1 3 3 15,-1-12 0-15,1 5 4 0,-2-9 1 16,-1-2 3-16,-3-10-3 16,0-2-3-16,-1-8-14 15,2-5-28-15,0-4-27 16,-3 1-79-16,6-8-7 15</inkml:trace>
+  <inkml:trace contextRef="#ctx0" brushRef="#br0" timeOffset="65480.88">24204 11759 400 0,'5'-24'186'0,"-3"10"21"16,-3 12-70-16,1-2-54 15,1 4-14-15,-1-1-4 16,0 1-38-16,0 0-27 16,0 0-25-16,0 0-7 15,0 1 0-15,3 13 2 16,6 19 11-16,12 43 5 16,-11-35 2-16,4 10 1 15,-1-6 1-15,2 9 4 16,-4-4 1-16,3 10 7 0,-3-4 0 15,1 10 5 1,-4-13-2-16,-1 9 3 0,-2-11-14 16,-5 1-136-16,-4-13-59 15,-6-5-37-15</inkml:trace>
+  <inkml:trace contextRef="#ctx0" brushRef="#br0" timeOffset="65818.66">23885 11498 1009 0,'0'-6'196'0,"1"7"75"15,-2 2-314-15,0-3-11 16,0 2 0-16,-3 26 8 15,-4 47 25-15,-3-23 11 16,-2 1 7-16,-4 7 0 16,0-9-2-16,-8-2 2 15,5-7 0-15,-1-2 2 0,1-9 1 16,2-1 3-16,5-4 0 16,2-2 6-1,2-6 1-15,3-1-12 0,1-8-34 16,4-2-44-16,1-6-38 15,4-9-138-15,9-8 4 16</inkml:trace>
+  <inkml:trace contextRef="#ctx0" brushRef="#br0" timeOffset="66298.38">24123 11519 320 0,'5'-6'137'0,"0"2"-16"15,-4 4-67-15,3 6-66 16,-4-6-8-16,0 1 3 16,8 15 7-16,-5 20 4 15,49 35 1-15,-29-26 0 16,1-2 0-16,4 3 0 16,-2-7-1-16,8 0 1 15,-5-11 1-15,0 0 1 16,-2-9 2-16,1 2 0 15,-6-6 1-15,-1 0 3 16,-6-4 1-16,1-1 7 16,-4-1 4-16,4 6 13 15,5 7-55-15,-5 8-83 0,-10-9 18 16</inkml:trace>
+  <inkml:trace contextRef="#ctx0" brushRef="#br0" timeOffset="74280.37">22383 7949 1102 0,'-5'-23'217'0,"-3"-7"103"16,0 1-337-16,-7-1-5 16,1 6-2-16,-2 2 3 15,-1 7 4-15,-6 1-5 16,0 6 3-16,-5 1-2 16,2 3 1-16,-3 3 1 15,6 2 6-15,-1 2 0 0,5 3 1 16,-6 3-2-16,-1 6 2 15,-7 12-1-15,3 5 2 16,-9 15-2-16,4 6 2 16,-6 16 1-16,3 1 3 15,-10 14 3-15,6-2 3 16,-3 18 1-16,6-7-1 16,-2 11-1-16,11-8 0 15,4 13-2-15,10-12 2 16,4 9 0-16,10-9-1 15,5 14 0-15,5-17 1 0,4 11-1 16,2-12-2-16,8 12 0 16,-1-18 0-16,15 9-5 15,2-15-2-15,15 7-4 16,3-14 5-16,8 8 3 16,-2-12 3-16,11 8 2 15,-6-3 4-15,11 8-4 16,-3-10-1-16,12 4-2 15,-7-11 1-15,20 1-4 16,-5-14 1-16,18 3 2 16,-4-12 1-16,15-1 0 15,-11-11 2-15,10-2 0 16,-13-12-3-16,19-4-2 16,-11-5-1-16,14-9-3 0,-11-8 0 15,21-9 5-15,-19-6 0 16,10-14 7-16,-17-1 2 15,8-7 9-15,-24 4 4 16,6-7 7-16,-17 8-2 16,9-8 3-16,-6-1-7 15,15-13-2-15,-10 1-6 16,6-14 1-16,-13 3 5 16,-7 0 40-16,-28 16 56 0,-6 6 55 15,-22 14 2-15,-6-7-4 16,-8 3-41-16,0-16-57 15,-2-4-55-15,-2-14-7 16,-4 5-12-16,-4-10-5 16,-2 12 16-16,-6-13 11 15,-1 5-4-15,-6-6 23 16,-3 11 16-16,-9-13-33 16,0 10-8-16,-10-4 21 15,3 1-32-15,-7-13-11 16,8 12 23-16,-6-5-1 15,2 8-28-15,-12-12 6 16,1 13 8-16,-9-8-8 16,0 6-3-16,-16-5 5 15,13 22 14-15,-10-10-8 0,0 8-1 16,-5-3 5-16,11 7 5 16,-17-6-5-16,9 14 2 15,1-1 1-15,3 9 1 16,-20-2-22-16,16 11 4 15,-11 0-2-15,-6 5-4 16,-26 1-28-16,12 8 25 16,-19 0-3-16,9 2 1 0,-14 8 1 15,27 3 24-15,-7 3-3 16,12 5-2-16,-23 4 4 16,13 2-2-16,-14 7 1 15,10 4-3-15,-11 6-24 16,13 0-2-16,-8 9-7 15,22-4-1-15,-4 5-2 16,17-2 23-16,10 5 1 16,17-1 12-16,-3 8-2 15,14-3 8-15,1 5 0 16,6-10 0-16,2 5-4 16,7-8-31-16,-5 5-153 15,2 4-124-15,-9-2-40 16</inkml:trace>
+  <inkml:trace contextRef="#ctx0" brushRef="#br0" timeOffset="78056.75">5332 8656 426 0,'-21'-4'239'16,"14"2"-17"-16,4 1-61 15,-3 0-132-15,5 0-2 16,0-1-15-16,0 1-29 16,0 1-10-16,-1 0-16 15,2 0-9-15,0 0-3 16,2 0 19-16,9 0 7 15,20-1 16-15,53 1 5 0,-26 1 4 16,19 4 1-16,5-2 2 16,23 7 1-16,-4 0 2 15,15 3 1-15,-8-2-2 16,15 1 0-16,-11-2 0 16,19-3 0-16,-13-2 0 15,18-1 1-15,-11-3 0 16,10-2 0-16,-17 1 0 15,20-3 8-15,-17-1-2 16,0 3-3-16,-17 1-1 0,2 1-1 16,-29 5-9-16,-1 2 3 15,-13 0 3-15,1 2 1 16,-19 1 0-16,-6-1-4 16,-17-1-19-16,-7 3-47 15,-12-4-5-15,-10 5-5 16,-16 2-20-16,-29 9-53 15,-16-2 59-15</inkml:trace>
+  <inkml:trace contextRef="#ctx0" brushRef="#br0" timeOffset="78509.86">5319 9472 770 0,'-7'14'140'16,"6"-10"58"-16,8-2-229 16,20 1-6-16,7-3 5 15,29 0 7-15,9 1 23 0,23-1-1 16,-1-2 1-16,22 1-1 15,-8 1 0-15,20-4-1 16,-12 0 0-16,30-2-1 16,-15-1 0-16,23 0-1 15,-11 4 0-15,25 0 1 16,-24 2 2-16,18 6 0 16,-25 1 3-16,12 0 1 15,-29 4 0-15,7 1 0 16,-28-3 1-16,-1 3 0 15,-25-3 0-15,-2 0 1 16,-25-2 2-16,-5 2 1 16,-14-6 2-16,-5 1 4 15,-11-1 4-15,-5-2 0 16,-3-5 5-16,-2-27-218 16,-3-12 72-16</inkml:trace>
+  <inkml:trace contextRef="#ctx0" brushRef="#br0" timeOffset="79029.64">6952 8095 925 0,'3'2'135'0,"12"0"104"16,12-1-279 0,21 7 2-16,13 1 19 0,26 13 9 15,-1 5 7-15,13 13-7 16,-12 3 0-16,11 12-5 16,-12 3 1-16,12 13-1 15,-8-2 4-15,14 14 3 16,-13-2 2-16,7 14 0 15,-16-7 4-15,2 12-5 16,-16-15-2-16,-6 8-2 16,-19-13 0-16,-8 5-3 0,-17-11 5 15,-8-1 0-15,-6-17 3 16,-5-4 0-16,-6-19 1 16,0 1 1-16,-2-7 4 15,-3 2 1-15,-1-2 3 16,0 0 3-16,-1-5 1 15,-2-2-1-15,2-4 1 16,0-1 0-16,5-3 1 0,-3-1 0 16,3-2 0-16,0 3-1 15,1 1-3-15,-4 10 0 16,2 3-2-16,-3 14-37 16,4 3-81-16,8 16-104 15,10-5-30-15</inkml:trace>
+  <inkml:trace contextRef="#ctx0" brushRef="#br0" timeOffset="84553.17">13039 11589 1096 0,'1'-2'199'15,"0"1"91"-15,0 1-349 16,1 0-15-16,-1 1 8 15,7 18-2-15,6 50 24 16,-18-24 16-16,3-1 12 16,1 4-3-16,5-6 6 0,3 4 1 15,2-3 2-15,4 8-2 16,1-1 4-16,1 12-1 16,-1 1 2-16,1 9 3 15,-2-6 1-15,2 12 0 16,-2-5 4-16,2 11 0 15,-1-3 2-15,5 14 0 16,-3-7 3-16,1 10-1 16,-1-10 4-16,-2 0-4 15,-5-14-1-15,0-2-2 16,0-20 1-16,1-3-6 16,-3-13 4-16,1 0 0 15,2-4-2-15,-3 4-85 16,-4-8-80-16,4 5-69 15,-3-12-88-15</inkml:trace>
+  <inkml:trace contextRef="#ctx0" brushRef="#br0" timeOffset="84958.11">13575 11662 1045 0,'-1'3'218'0,"0"-2"80"16,1 1-322-16,0-2-23 15,0 1 1-15,2 17-2 16,4 21 16-16,13 57 10 15,-5-34 12-15,8 18-1 16,-2-8 2-16,4 18 1 16,-1-6 4-16,2 14-1 15,-2-10 2-15,3 13-2 16,-4-13 2-16,-3 9 1 16,-1-13 1-16,-3 6 2 0,-3-15 3 15,1 1 3-15,0-12-26 16,-1 2-48-1,1-13-30-15,-3-2-78 0,0-12-84 16,-2-14 22-16,-3-20-55 16</inkml:trace>
+  <inkml:trace contextRef="#ctx0" brushRef="#br0" timeOffset="85328.15">13344 11300 1079 0,'-11'5'259'16,"10"-3"76"-16,-3 2-323 15,-8 8-61-15,-17 21-14 16,-6 11 4-16,-7 20 2 15,-6 5 22-15,-2 15 10 16,10-6 15-16,-1 5-3 16,6-13 8-16,1 8-1 15,8-13 2-15,3 2-1 16,7-7 3-16,2 8-1 0,7-12 4 16,4 1 0-16,-1-15 1 15,3-7-10-15,2-14-37 16,-2-6-119-16,2-8-33 15,3-5-7-15,3-9-27 16,9-23 7-16,8-13 108 0</inkml:trace>
+  <inkml:trace contextRef="#ctx0" brushRef="#br0" timeOffset="85675.98">13174 11795 626 0,'7'-16'246'0,"-6"7"7"16,0 1-166-16,0-1-43 15,2 3-36-15,-2 1-10 16,0 2-25-16,-1 3-12 16,0 0-2-16,0 0-3 15,1 1 1-15,22 11 24 16,42 28 10-16,-25-15 2 16,1-1 3-16,8 3-2 15,-3-1 1-15,8 4-2 16,-4-6-1-16,6 7 0 15,-5 1 2-15,4 2 0 0,-9-2 3 16,-4 1 2-16,-10-7 1 16,-3-2 1-16,-12-7 2 15,-3-5 4-15,-3-4 2 16,-6-3 6-16,-4-3 4 16,3 1 4-16,-4-3-2 15,0 0 0-15,0 0-8 16,0 0-228-16,0 0 70 15</inkml:trace>
+  <inkml:trace contextRef="#ctx0" brushRef="#br0" timeOffset="88993.41">13628 2129 468 0,'2'49'95'15,"-12"-26"37"1,-6 4-124-16,-12 23-37 0,-8 10 13 15,-12 22 7-15,2 2 4 16,-9 7 0-16,7-11 2 16,3-4-1-1,14-17-2-15,5-8 3 0,13-15-2 16,6-2-3-16,7-9 0 16,5-2-8-16,5-3-8 0,7-3-9 15,6-6 2-15,12-1 5 16,4-6 7-16,13-7 9 15,0-5 9-15,10-5 2 16,-3-1-3-16,2-2 1 16,-8 6 0-16,-1 3 1 15,-15 3 0-15,0 4 1 16,-8 3-1-16,-3 2 0 16,-3 1-4-16,-1 7-5 15,-5 1-2-15,-5 6-5 16,-6 5-2-16,-10 10 4 15,-6 3 4-15,-13 17 7 16,-7-2 5-16,-15 4 3 16,-1-9 1-16,-3-9 12 15,11-18 30-15,6-10 56 0,14-12-34 16,4-9 0-16,7-4-4 16,8-8-43-16,7-9-59 15,21-18 26-15,10-5-6 16,21-20-15-16,6-1 5 15,16-7-2-15,-9 12 3 16,7 3 0-16,-17 22 8 16,-4 6 3-16,-19 17 4 0,-5 10 0 15,-14 8 1-15,1 5-2 16,-4 10 1-16,4 8 3 16,-1 3 4-16,3 12 5 15,-6 1 4-15,2 13 3 16,-6-2-1-16,-3 17 4 15,-4-1 5-15,-2 7-2 16,-5-12-4-16,-1 1 4 16,-3-20-3-16,1-11 6 15,-1-14 11-15,-1-8-145 16,-5-28 61-16</inkml:trace>
+  <inkml:trace contextRef="#ctx0" brushRef="#br0" timeOffset="89123.08">14316 2476 972 0,'5'-12'173'0,"-5"4"15"0,3 9-325 15,8 2-85-15,-2 5-63 16,4 8-30-16</inkml:trace>
+  <inkml:trace contextRef="#ctx0" brushRef="#br0" timeOffset="89463.15">14515 2661 1115 0,'1'0'137'0,"0"0"112"16,5-1-367-16,10-4-64 15,3-1 12-15,38-3-12 16,-40 14 28-16,1 6 21 16,-7 8 81-16,3 6 12 15,-3 4 26-15,2 8 3 16,1-3 0-16,-1 4 3 16,-2-4 1-16,-1-2 5 0,-1-5 3 15,-3-7 8-15,0-5 5 16,-2-7 16-16,-1-6 3 15,1-5 9-15,-4 2 2 16,1-4-97-16,13-35-60 16,57-84-13-16</inkml:trace>
+  <inkml:trace contextRef="#ctx0" brushRef="#br0" timeOffset="90069.81">14984 2469 355 0,'15'-46'94'16,"2"1"24"-16,3 15-97 0,0 0-21 15,-1 13-4-15,-4 6-7 16,-2 12-6-16,4 9 0 15,-1 6 0-15,8 19 5 16,-2 9 12-16,3 16 3 16,-3-2 0-16,4 14-1 15,-7-11-4-15,3-3-2 16,-2-17 1-16,-3-9 2 16,-4-11 2-16,0-8 6 15,-5-10-4-15,3-8 8 16,4-8 11-16,8-22 7 15,1-6 3-15,5-16 28 16,-6 2 47-16,-4 0 41 16,-15 15 6-16,-3 8 36 15,-5 15-16-15,-2 3-51 16,0 7-52-16,2 5-32 0,0 2-54 16,3 0-30-16,0 0-14 15,0 0-7-15,0 1 13 16,-2 13 4-16,1 13 18 15,2 45 5-15,9-36 8 16,6 5-4-16,3-4 5 16,5 8 3-16,2-6 3 15,7 6 3-15,-1-2 6 0,6 10 3 16,-4-4 0-16,1 17 1 16,-5 0-3-16,1 12 0 15,-6-6-1-15,0 11 2 16,-4-9-2-16,1 9 2 15,-3-5 0-15,-1 8 1 16,-2-19-3-16,-5-10 2 16,-7-23 5-16,-5-12 29 15,-7-19 15-15,-18-12 6 16,-5-7 29-16,-13-22 1 16,-4-14-30-16,-6-31-28 15,16-13-34-15,17-45-48 16,16 0-9-16,20-14-19 15,21 17-41-15,22-5-170 16,3 42 47-16</inkml:trace>
+  <inkml:trace contextRef="#ctx0" brushRef="#br0" timeOffset="91661.82">15937 2881 293 0,'0'-12'301'0,"-4"-9"-76"16,-8-19 40-16,1-8-163 16,-6-25-12-16,2-5-20 15,-5-7 44-15,0 5-41 16,-5-13-5-16,1 12-15 16,-5-11-68-16,2 3-16 15,0-6 13-15,3 17-1 0</inkml:trace>
+  <inkml:trace contextRef="#ctx0" brushRef="#br0" timeOffset="93091.22">15867 2705 71 0,'-5'5'-5'0,"3"-3"5"16,0-1-27-16</inkml:trace>
+  <inkml:trace contextRef="#ctx0" brushRef="#br0" timeOffset="94344.14">15838 2947 612 0,'-11'0'126'0,"-1"-1"54"15,10 1-181-15,1 1-25 16,1-1-3-16,-2-1-4 16,2-1 6-16,0 1 4 15,0 0 14-15,0-1 11 16,7-17 13-16,15-52 11 15,-17 33 7-15,-1-12 10 16,0 2 0-16,2-10 5 16,2 1-11-16,-1-13-5 15,-2 10-1-15,-5-6 1 16,-4 4 1-16,-8-10 10 16,-2 7-1-16,-3-17-6 15,0 6-9-15,-5-18-13 16,1 4-12-16,-2-13 4 0,0 15 22 15,0-2 11-15,5 23 3 16,0 13 11-16,4 22 6 16,2 5-8-16,3 11-10 15,1 6-6-15,1 5-22 16,2 0-26-16,2 4-26 16,1 3-32-16,1-2-6 15,0 0 6-15,0 2 14 16,-3 38 2-16,-8 59 29 0,5-14 11 15,3 5 3-15,3 13 3 16,1-11 5-16,5 9 0 16,1-15 2-16,-1 7-1 15,2-16 1-15,4 7 2 16,-2-13 2-16,1 1-1 16,2-13 1-16,0 1-6 15,5-16-5-15,3-8-12 16,2-17 0-16,9-12 1 15,3-17 5-15,12-17 10 16,1-7 12-16,7-14 2 16,-6 3 2-16,-5 2 6 15,-15 13 2-15,-7 5 15 16,-11 10 7-16,-5 4 3 0,-5 3-8 16,1-4-10-16,-1 2-19 15,2-6-19-15,1 4-11 16,0-2-49-16,-1 6-86 15,2 5-51-15,-1 10 7 16,3 4 3-16,2 6 42 16,5 6 39-16,2-1 66 15</inkml:trace>
+  <inkml:trace contextRef="#ctx0" brushRef="#br0" timeOffset="95509.16">16249 1445 881 0,'-11'-24'164'16,"8"15"87"-16,-1 5-296 15,4 7-14-15,0-3-32 16,0 0 2-16,-1 1-3 16,-1 13 28-16,-4 25 19 15,-4 56 35-15,4-18-3 16,6-3 2-16,-1 15-1 15,3-6 0-15,5 5-5 16,0-10 5-16,4 7 7 16,3-15 1-16,2 2 3 15,2-19 2-15,2-5 1 16,-3-19-4-16,1-4-6 16,-2-13-1-16,4-7 3 15,-2-14 4-15,8-11 5 0,0-14 8 16,10-18 1-16,-3-9 0 15,6-22 1-15,-5 5-4 16,-3-11 5-16,-10 6 1 16,-6-13 4-16,-10 11 3 15,-6-13-3-15,-4 14 26 16,-3 3 21-16,1 24-1 16,1 13 7-16,1 18 12 15,-1 9-26-15,2 8-31 16,2 5-31-16,-2 8-27 0,1 9-16 15,-2 3-10-15,-1 15-5 16,-4 8 28-16,-1 18 13 16,1 7 4-16,0 16-1 15,3-4 15-15,3 1-6 16,6-14 4-16,3 2 3 16,6-12 9-16,2-1-4 15,4-7 3-15,2 0-14 16,3-16-10-16,6-11-6 15,-2-17 2-15,14-19 1 16,-2-14 10-16,2-23-7 16,-4-3 0-16,-2-15 0 15,-11 6 0-15,-4-10 4 16,-8 12 15-16,-2-5 3 16,-4 9-4-16,-3-4-59 15,-3 11-26-15,-6-8 6 0,-3 3 14 16,-2-4 38-16,1 11 86 15,1 6 42-15,4 19-1 16,1 5-13-16,4 15-37 16,1 7-47-16,-1 3-29 15,1-3-13-15,0 1-1 16,1 14-3-16,5 18 13 0,11 49 4 16,-9-30 4-16,2 11-7 15,-1-5 0-15,2 15 6 16,-3-1 5-16,4 18 6 15,-3-5 9-15,4 20 15 16,-4-2 5-16,0 18 12 16,0-13 1-16,4 15-8 15,-5-15-25-15,2 10-60 16,2-24-65-16,-4-4-5 16,-5-24-69-16</inkml:trace>
+  <inkml:trace contextRef="#ctx0" brushRef="#br0" timeOffset="96707.58">17039 1959 80 0,'4'-42'91'16,"0"5"14"-16,0 10-21 15,1 0-2-15,0 6-28 16,3-1-25-16,4 5-36 15,5 1-7-15,2 6-1 16,4 5-3-16,-4 6 3 0,3 11-2 16,-5 5 1-16,2 10-1 15,-5 1 5 1,-3 12 6-16,-4-5 6 0,-8 13 14 16,-8-3 6-16,-12 6 6 15,-7-2 3-15,-10-2 9 16,0-12-10-16,-7-5-1 15,11-15 26-15,4-11 19 16,10-5-16-16,9-13-10 16,13-6-3-16,12-10-38 15,7 0-25-15,13-4-2 16,3 9 9-16,9 5-7 16,-4 10 2-16,6 4 1 15,-6 5 4-15,8 1 0 0,-2 0 8 16,8-5 3-1,-3 0 2-15,1-10-4 0,-10 0 3 16,-5-10 2-16,-13 0 2 16,-3-17 1-16,-7-2 2 15,0-23-74-15,-6 1 1 16,0-16 1-16,-9 12 7 16,-7-11 16-16,-4 15 75 15,-5-7 29-15,-4 11 12 16,-3-7 4-16,2 16 24 15,-4 8 22-15,5 15-37 0,0 10-23 16,8 14-19-16,1 5-58 16,0 8-31-16,0 17-2 15,-2 8 3-15,-1 23-3 16,2 10 18-16,3 19 0 16,5 3 9-16,0 22 8 15,3-5 10-15,7 9 4 16,4-14 4-16,7 0-3 15,7-23-1-15,10 1 0 16,0-14-2-16,8-1-6 16,-1-14-10-16,6-11-35 15,-3-19-6-15,10-22 1 16,-5-22 7-16,14-34 10 16,-2-12 37-16,6-19 5 15,-9 0 0-15,0-21-1 16,-15 17 1-16,-5-3 2 15,-13 17 2-15,-5 6 24 0,-13 29 36 16,-9 5-3-16,-7 15-8 16,-6 2 30-16,-4 11-35 15,-3 3-41-15,1 5 1 16,-3 8-1-16,2 6-37 16,-1 4 5-16,4 9 5 0,-6 11-2 15,-1 3 9-15,-6 15 0 16,4 3 4-16,-2 10-1 15,6-3 3-15,7 2-1 16,8-14-3-16,4-8-36 16,6-14 0-16,3-9 0 15,0-12 5-15,4-6 15 16,4-6 36-16,7-11 6 16,4-12 2-16,8-14-3 15,-5-2-6-15,1-10 0 16,-6 8-5-16,-4 5-2 15,-3 13-2-15,4 6-3 16,-3 10-2-16,6-1-3 16,2 3 0-16,2 2-3 15,-1 3 0-15,1 5-1 0,-5 4 3 16,3 6 2-16,-3 2 2 16,2 7 4-16,-2 1 4 15,1 5 1-15,-6-4-1 16,-1 3 0-16,-5-4-3 15,-3-2-13-15,-5-6-38 16,0-1-84-16,-1-7 4 0</inkml:trace>
+  <inkml:trace contextRef="#ctx0" brushRef="#br0" timeOffset="97779.21">18097 1544 156 0,'-2'-5'23'0,"5"2"20"15,0 1-49-15,-3 1-2 16,0 0 2-16,1 0 0 0,14-4 0 16,18-4 0-16,37-7 4 15,-29 14-5-15,-4 4-1 16,0 5-7-16,-10 3-1 15,-2 4 0-15,-8 2 4 16,-4 7 8-16,-6 0 7 16,-9 11 9-16,-11-1 5 15,-14 10-22-15,-9-3-19 0,-15-1 38 16,2-11 1-16,-5-6 10 16,8-13 21-16,0-4-46 15,10-10-6 1</inkml:trace>
+  <inkml:trace contextRef="#ctx0" brushRef="#br0" timeOffset="98991.4">19002 1307 778 0,'2'-1'148'16,"-11"-2"53"-16,-6 2-241 16,-14 3-6-16,-7 6 0 15,-10 8 3-15,2 3 26 16,-5 4 5-16,11-1 4 15,2 3-1-15,8-2 0 16,0 5-2-16,9-1 3 0,3 3 0 16,7-2 2-16,5-3-14 15,5-7-5-15,6-1-18 16,5-9-1-16,11-6 1 16,2-5 15-16,12-8 8 15,1-7 18-15,8-6 1 16,-8-4 0-16,3-3 1 15,-7 4 0-15,5-4 0 16,-5 4 3-16,-1 0 0 16,-6 5 0-16,-7 7 7 15,-11 7 2-15,-4 1 0 16,-4 7-4-16,-2 5-8 16,0-5-6-16,0 1-4 15,1 0-2-15,0 21 4 16,-1 36 7-16,3-35-2 15,0-2 1-15,3-1-2 0,0-6 1 16,3-1-3-16,2-7 1 16,6-1-2-16,7-6 3 15,18-9 2-15,6-6 4 16,17-9 1-16,5-3 3 16,4-14 0-16,-10 3 0 15,-7-4 3-15,-18 8 2 0,-7-5 6 16,-11 16 2-16,-6 3 9 15,-7 10 10-15,-3-1 30 16,-6 7 4-16,-7-2-3 16,-4 1-8-16,-7 1-12 15,0 1-30-15,-5 4-12 16,2 5-4-16,-7 12-7 16,-2 6-4-16,-4 16-6 15,3 0 0-15,2 8-1 16,8-4 6-16,10 0-6 15,7-15 1-15,9 1-14 16,5-9-5-16,7-6-11 16,3-9 6-16,9-5 2 15,4-11 18-15,15-18 12 16,3-11 12-16,11-21 4 0,-5-6 3 16,-2-9 6-16,-18 5 4 15,-9-8 3-15,-15 15 5 16,-13-1 26-16,-10 5 12 15,-8-7 29-15,-3 12 8 16,-4-7 16-16,5 5-21 16,1 5-11-16,5 16-31 15,2 8-9-15,5 9-26 16,3 11-19-16,3 4-22 16,1 8-33-16,1-3-18 15,-1-1-10-15,1 1 3 0,0 38 0 16,0 57 24-16,1-4 15 15,3 6 12-15,7 16 13 16,5-9 13-16,11-4 5 16,8-27 1-16,9-14-1 15,1-25-2-15,5-17 1 16,-7-19 0-16,2-11 5 16,-11-7 3-16,0-8 5 15,-9 0 0-15,-3-4 1 16,-7 0-4-16,2-2-2 15,-6 6-5-15,0 0 1 16,-3 12-1-16,-1 4 4 0,-6 5-12 16,-1 4-80-16,-1 3-63 15,1-1-147-15,-2 0-54 16</inkml:trace>
+  <inkml:trace contextRef="#ctx0" brushRef="#br0" timeOffset="100198.06">14315 4134 1109 0,'-11'-7'190'0,"8"0"97"16,-6 4-349-16,-7 5-37 0,-5 7-5 15,-12 14 0-15,-4 6 24 16,-5 17 6-16,6 7 43 15,1 12 9-15,12-5 6 16,2 7-2-16,10-8 4 16,7 3-3-16,8-15-2 15,9-1-12-15,7-11 1 16,11-6-4-16,4-18 6 16,14 1 3-16,2-10 14 15,12-4 5-15,1-3 6 16,13 0 0-16,-5-1 3 0,11 1-2 15,-11 4 1-15,3 3 1 16,-15 4 0-16,-6 7-5 16,-18 2-1-16,-8 3-4 15,-12 0-3-15,-9 7 0 16,-10-2 6-16,-8 8 5 16,-5 0 8-16,-6 0 11 15,0-7 54-15,-2-3 13 16,3-12-2-16,-1-4 31 15,2-6-6-15,-4-4-59 16,0-5-12-16,-2-4-8 16,1-2-30-16,2-4-3 0,8 4-1 15,7-6-14-15,9 0-2 16,13-5-16-16,10 0-2 16,13-10 4-16,6 0 11 15,5-3 2-15,-4 5 11 16,-2 3-3-16,-11 9 0 15,-4 6-2-15,-7 9 3 16,-3 3-2-16,-2 6 4 16,5 4-5-16,-2 5-2 15,4 5-2-15,-2 6 1 0,1 4-7 16,-7 2 5-16,-1 5 4 16,-2-1 5-16,-1 10 4 15,-3-6 8-15,-2 6 5 16,-5-7 1-16,-4 1-3 15,-6-13-43-15,-6-4-156 16,-3-13 33-16</inkml:trace>
+  <inkml:trace contextRef="#ctx0" brushRef="#br0" timeOffset="101960.37">15249 4660 449 0,'3'-10'96'0,"0"-7"40"15,1 0-133-15,2-1-8 16,2 1-1-16,3 4-9 16,0 5-3-16,4 2-6 15,0 4 0-15,4 3-8 16,0 3 5-16,1 8-2 15,-2 4 2-15,4 7-1 16,-1 2 9-16,1 7 6 16,0-4 6-16,2 5 6 15,-6-8 9-15,1 0 4 16,-7-7 4-16,-4-7 10 16,-3-7 4-16,-1-2 24 0,-3-3 13 15,-1 0 20-15,0-1-10 16,0 0-11-16,0-4-27 15,5-31-19-15,13-41-25 16,-2 26-2-16,0 10 2 16,2-5-6-16,2 14-1 15,3 2-6-15,-2 9 0 16,3 1-4-16,-2 6 5 16,1 4-2-16,-4 7 3 15,0 7-5-15,-3 6 5 0,4 7-1 16,-3 5 5-16,4 5 4 15,-1 0 8-15,1 0 0 16,1-2 3-16,4-3-1 16,-1-5 0-16,6-3-1 15,-2-10 0-15,6-8-3 16,-2-6 0-16,3-14 1 16,-4-4-1-16,7-10 1 15,-2-3 3-15,5-10 2 16,-3 7 1-16,0-6 1 15,-9 8 2-15,-6 3 7 16,-10 11 12-16,-6-1 39 16,-7 12 12-16,-4 3 38 15,-4 3-2-15,-2 4-7 16,-5 5-50-16,-9 6-20 16,-1 4-41-16,-8 10-9 15,4 5-10-15,-4 6 2 16,13-1 5-16,0 2-3 0,8-6 0 15,2 0-50-15,8-7 1 16,4-2-9-16,6-4 1 16,6-4-2-16,2-3 52 15,7-6 5-15,-1-4 13 16,3-7 7-16,-2 0 4 0,1-7 6 16,-7-1 4-1,-4-1 7-15,-6 5 2 0,-3 2 1 16,-4 4-2-16,0 6 1 15,-1 4-6-15,-1 2-11 16,1 0-9-16,0 0-16 16,0 0-7-16,0 1-10 15,0 5 4-15,8 21 1 16,15 44 13-16,-2-21 2 16,-1 7 8-16,11 20 2 15,5 3 7-15,7 19 5 16,-1-1 1-16,11 18 6 15,-5-11 1-15,-4 7-1 16,-10-20-7-16,-6-5-3 16,-18-29-7-16,-5-12 7 15,-7-20 7-15,-5-5 15 0,0-11 10 16,-3-3 53-16,2-6 19 16,-3-8-32-16,-2-13-71 15,-2-15 32-15,1-7-53 16,-2-25-32-16,7-2 32 15,6-11 64-15,6 2-40 16,5-14 5-16,1 16 7 0,3-31-8 16,0 2-3-16,-2-13 1 15,-7 1-3-15,2-34-3 16,-2 23 2-16,-6-5-1 16,-4 12 0-16,0 5 40 15,-2 38 10-15,-4 7 2 16,2 18 9-16,-1 11 6 15,2 12-40-15,-1 6-14 16,2 11-19-16,2 5-41 16,2 5-22-16,2 4-22 15,0 4 0-15,1-5 1 16,0 5 28-16,-9 35 9 16,-6 48 16-16,14-17 2 15,6 0 14-15,7 16 4 16,1-7 6-16,12 13 3 0,1-12 7 15,13 0-5-15,3-16-2 16,11-10-4-16,-1-18-2 16,12-8-8-16,-9-12 4 15,6-12-1-15,-7-9 6 16,0-12 6-16,-11-8 6 16,4-19 5-16,-5-5 5 15,-2-19 5-15,-8-1 0 16,-5-12 6-16,-9 14 26 15,-10 6 23-15,-9 15-1 0,-5 9 32 16,-2 13 5-16,-5 1-13 16,2 6-29-16,1 7-14 15,1 5-40-15,2 3-35 16,1 8-25-16,1 6-14 16,1 5 3-16,4 7-4 15,5 2 17-15,11 9 3 16,7-5 19-16,16 4 5 15,4-6 10-15,17-5-3 16,-3-14-18-16,16-18-202 16,-11-15 52-16</inkml:trace>
+  <inkml:trace contextRef="#ctx0" brushRef="#br0" timeOffset="105097.56">17860 3636 568 0,'-15'-48'416'0,"-1"9"-85"15,-3-5-11-15,-5-4-325 16,0 1 15-16,5 14 2 15,1 5-14-15,7 13-10 16,5 6-29-16,5 8-19 16,0 1-28-16,1 0-12 15,0 0-11-15,0 1 24 16,1 6 2-16,9 25 25 0,21 56 19 16,-10-32 23-16,7 18 8 15,-3-5 13-15,4 3 9 16,-6-17 5-16,-1-2 3 15,-7-22-2-15,-4-10 27 16,-5-11 5-16,-3-6 4 16,-5-9-4-16,0-28-258 15,1-19 67-15,-6-15-286 16,-2-3 380-16,-4-20 495 16,0 18-431-16,-6 12 251 15,3 11-226-15,-5-3-48 16,1 16 94-16,2-2-5 15,4 1-143-15,7-12-45 16,8 5 10-16,5 1-5 16,6 11 3-16,8 1 38 15,2 13 36-15,14 7-1 0,6-1 3 16,9 9 3-16,-3 10 7 16,1 11-1-16,-12 8 1 15,0 9-4-15,-13 3 3 16,0 15-2-16,-10-1 8 15,-6 13 0-15,-8-1 5 16,-9 16 2-16,-7-7 4 0,-8 11 1 16,0-14 2-16,-9 3-2 15,3-19-1-15,0-2 1 16,6-17 2-16,3-5 3 16,10-12-12-16,4-6-15 15,6-13-7-15,11-13-5 16,7-12-4-16,12-17 8 15,5-13 17-15,8-18 2 16,0-6 4-16,6-12 2 16,-7 9-2-16,0-3 3 15,-10 19 2-15,-4 13 7 16,-13 21 1-16,-5 9 5 16,-5 16 0-16,-2 4 0 15,-2 4-10-15,1 2-16 16,-2-2-9-16,1 1-18 15,-2 8-6-15,1 23-2 16,-3 42 10-16,-2-23 6 0,0-5 14 16,2 9 7-16,2-6 6 15,6 0 4-15,4-12 1 16,6-6 2-16,1-13-1 16,5-10 6-16,2-8 6 15,14-14 6-15,0-13 3 16,13-19 4-16,0-4-2 15,-2-10-1-15,-16 10 12 16,-5 7 104-16,-18 19 20 0,-8 9 38 16,-6 7 11-16,-7-4-54 15,-5-3-137-15,-14-4-78 16,-10 3-64-16,-13 3 4 16,2 4 46-16,3 4 31 15,13 4 57-15,13-3 32 16,15 0-17-16,6 0-36 15,5-2-13-15,11-5-7 16,7-1-12-16,11-7-7 16,5 0 25-16,7-1 7 15,-10 5 3-15,-2 6-1 16,-9 4 3-16,-4 5-8 16,-5 4-6-16,0 5-11 15,-2 1-3-15,2 10-5 0,-1 4 7 16,3 8 5-16,-3 1 10 15,4 4 2-15,-1-5 6 16,4-1 1-16,-3-9 7 16,5 0 1-16,-3-9 3 15,5-4 1-15,-2-9 1 16,5-7 5-16,1-6 1 16,4-5 7-16,-1-4 1 0,-2-7 17 15,-9 1 1-15,-3-12 6 16,-6-3-6-16,-6-4 34 15,-1 6 7-15,-2 2 1 16,-1 18-4-16,0 6-3 16,-1 9-38-16,1 4-31 15,-3 0-13-15,3 2-17 16,-1 0-15-16,1 0-27 16,0 0 2-16,0 2-4 15,8 22 17-15,19 46 13 16,-10-32 33-16,6 8 4 15,2-11 7-15,5-5-2 16,-2-9 2-16,1-10-3 16,-4-10 1-16,3-7 6 15,-2-11 4-15,7-13 6 0,-6-1 4 16,-1-7 30-16,-9 0 2 16,-7-14-3-16,-10 7 1 15,-3-4 16-15,-3 2-25 16,-3 1 5-16,-3 17 2 15,1 9 1-15,2 6-25 16,0 5-18-16,3 5-23 16,2 5-33-16,2 3-15 0,1-4 1 15,1 1 9 1,1 16-2-16,4 10 23 0,16 36 0 16,-3-40-2-1,4 0-8-15,-2-8 12 16,1-4-2-16,-4-8 8 0,5-9 5 15,-2-7 9-15,4-13 2 16,0-4 8-16,3-7 0 16,-5 0 0-16,-1-5 1 15,-5 4 3-15,2-4-2 16,-2 6-2-16,3 7-5 16,-1 5-3-16,4 8-11 15,-2 11-3-15,5 3-7 16,-1 8 0-16,3 7 0 15,-2 4 8-15,3 11 4 16,-6 4 9-16,-2 7 4 0,-2-2 5 16,-4 6 2-16,-5-9 4 15,-1-1 6-15,-3-9 2 16,-2-3 5-16,-1-11 5 16,4-4 3-16,-1-10-3 15,10-10 1-15,1-6-6 16,5-9-1-16,-1-7-2 15,3-9-2-15,-5 4-2 16,1-5-1-16,-3 3-4 16,2 3-4-16,-3 8-1 0,1 6-5 15,-5 9-1-15,2 4-6 16,-3 7-1-16,1 2-5 16,-1 5-1-16,4 7-2 15,1 5 5-15,7 10 3 16,7 5 9-16,13 9 8 15,2-3 6-15,8-2 1 16,-2-11-1-16,-3-12-3 16,-13-9 1-16,-1-12 12 15,-10-11 5-15,1-18 2 16,-2-9 2-16,-1-15-1 16,-5-1-13-16,-2-17-5 15,-9 6-4-15,-3-21-11 16,-6 5-3-16,-7-3 93 0,-6 21 6 15,-2 8 48-15,-1 28-8 16,-1 9 15-16,6 15-102 16,1 4-25-16,3 9-59 15,-3 9-5-15,-1 9-22 16,-4 12-5-16,0 7 14 0,1 17 4 16,4 5 18-1,6 15 7-15,8 1 17 0,8 8 3 16,7-13 8-16,10 0-1 15,5-18-3-15,8-6-7 16,-2-13-1-16,9-5 2 16,-3-11 4-16,7-11 3 15,-2-11 5-15,9-16 6 16,-8-7 0-16,2-10 0 16,-13-1 2-16,-9-6 11 15,-13 4-1-15,-5-9 1 16,-8 7 4-16,-2-6-2 15,0 8-11-15,-1 10 9 16,-2 13 2-16,-1 5-8 16,2 12-11-16,-5 3-16 15,0 5-17-15,-8 10-17 16,-1 5 4-16,-10 17 8 16,3 5 13-16,-4 8 0 0,9-3 11 15,4-2-4-15,11-14-3 16,4-3-6-16,6-10 3 15,6-3-2-15,2-5 7 16,4-4 6-16,0-7 10 16,6-5 6-16,-2-4 5 15,0-5 5-15,-3-2 3 0,-2-4 7 16,-7-1 1 0,-3-5 5-16,-5 3-2 0,-1 0 10 15,-4 6 6-15,0 3 6 16,-3 6-7-16,1 2-9 15,0 4-20-15,1 1-23 16,2 0-15-16,1 2-20 16,0 0-8-16,0 0-23 15,0 0 4-15,0 0 6 16,1 0 18-16,21 4 12 16,50 5 28-16,-20-12 4 15,-1-9 2-15,10-9 2 16,-9-5 1-16,2-10 3 15,-10-3 1-15,4-5 3 16,-12 4-1-16,0-3 3 0,-12 3 1 16,-6-1-1-16,-10 9 30 15,-4 1 9-15,-6 8-12 16,-6 8-8-16,-4 6-9 16,-9 5-44-16,-1 5-15 15,-2 6 0-15,0 4 0 16,-4 9-2-16,9 5 13 15,-3 3-2-15,2 1 10 16,3 7 4-16,2-4 7 0,3-1-61 16,7-3 2-1,2-1-12-15,7-11-8 0,5-5 0 16,4-7 64-16,7-8 4 16,5-6 14-16,10-7 10 15,2-5 1-15,6-5-1 16,-6 5-3-16,0 2-5 15,-13 6-1-15,-2 4-2 16,-11 6-3-16,-1 2-3 16,-5 2 0-16,1 1-7 15,-2 0-1-15,-4-1-3 16,0 0 2-16,1 1 2 16,0 0 7-16,14 16 2 15,36 38 5-15,-32-31 3 16,-4-6 1-16,-2 1-1 15,-3-9 0-15,-2-3 4 16,-2-6 1-16,1-4 3 0,3-9-14 16,15-12-191-16,8-6 60 15</inkml:trace>
+  <inkml:trace contextRef="#ctx0" brushRef="#br0" timeOffset="105178.35">22165 1666 692 0,'5'-38'-125'16,"-4"-3"233"-16,-1-3-312 0,-1-11 28 15</inkml:trace>
+  <inkml:trace contextRef="#ctx0" brushRef="#br0" timeOffset="105503.48">22127 1298 413 0,'-13'-41'160'15,"-1"1"15"-15,5 7-82 0,-2 2-29 16,0 4-7-16,0 3 32 16,0 6-5-16,-2 2-4 15,0-1-2-15,1 2 21 16,2 3-39-16,-3 1-2 15,9 6-20-15,-1 1-38 16,3 3-42-16,1 1-34 16,1 0-9-16,-1 0-6 15,-1 1 20-15,1 31 9 16,-3 49 31-16,2-9 3 0,4 5 6 16,10 17 3-16,6-4 9 15,14 15 1-15,5-11 6 16,12-1 5-16,-1-15 1 15,2-4-6-15,-8-27-3 16,-2-13-2-16,-11-15 1 16,4-9 8-16,0-16 10 15,17-15 13-15,13-11 7 16,30-34-225-16,-3-12 77 16</inkml:trace>
+  <inkml:trace contextRef="#ctx0" brushRef="#br0" timeOffset="112912.32">12565 1357 658 0,'-16'21'177'0,"1"-2"13"16,6-4-161-16,-3 12-81 16,1 9 7-16,-7 20 15 15,2 7 23-15,1 12 0 16,3-3 2-16,-1 7-1 15,4-12 2-15,4 7-3 16,5-7 2-16,9 15-4 16,7-6 1-16,12 11-3 15,4-5 3-15,12 11-1 16,-2-9 4-16,7 17 2 16,-3-11 3-16,5 15-1 15,-11-12 2-15,4 13 0 16,-9-13 0-16,-1 13 1 15,-6-15 0-15,1 11-1 16,-9-13-1-16,-7 7-1 16,-6-18 0-16,-8 3 1 15,-7-19 1-15,-10 6 3 0,-5-11 3 16,-15 17 7-16,-5-6 2 16,-21 5 4-16,1-9-2 15,-16 1 2-15,4-15-4 16,-17 0 1-16,12-10 2 15,-21 0 7-15,16-12 76 0,-2-7 9 16,16-12-2-16,-1-7-6 16,22-10-1-16,-16-5-86 15,9-2-8-15,0-4 33 16,10 0 0-16,-5-4-1 16,15 1-10-16,0-5 21 15,7 3-30-15,3-6-2 16,7 5-6-16,5-1 13 15,7 6-26-15,2-7-9 16,3 4 1-16,2-2-3 16,3 9 0-16,1-2-13 15,2 6-2-15,8 1-13 16,4 2 0-16,9-3-6 16,9 4 9-16,12 1 0 15,4 6 10-15,11 7 1 16,-2 7 9-16,7 12 1 0,-8 2 8 15,8 7 0 1,-11-4 4-16,13 7 0 0,-1-3 4 16,12 7-1-16,-7-5 1 15,10 8-3-15,-13-6-1 16,8 3-2-16,-11-4 0 16,10 7-1-16,-12-3 3 15,10 6-2-15,-12-7 4 16,11 7-1-16,-8-7 3 15,13 6-1-15,-8-3 0 0,8 6-2 16,-11-3 1-16,7 6 0 16,-13-4 1-16,9 3 2 15,-10-7 4-15,8 3-4 16,-9-5 2-16,5 2-2 16,-8-7 0-16,10 7-3 15,-5-8 3-15,14 4-2 16,-4-6 1-16,10 5-2 15,-12-5-1-15,13 2 0 16,-9-8 1-16,17-1-2 16,-8-8 0-16,15 0-3 15,-12-10 0-15,17-1-1 16,-10-3 1-16,17-4 1 0,-9-3 5 16,19 1 2-1,-10-2 1-15,10 0-2 0,-14 2 0 16,14-2 3-16,-14 1-3 15,12-3-1-15,-11 0 1 16,15-1-2-16,-13-1-2 16,17-6 1-16,-15 4 2 15,20-8 1-15,-9-2 4 16,13-4-2-16,-15 1-2 0,17-5-2 16,-16 2-3-16,6-1 1 15,-12 2-2-15,15-3 0 16,-19 4 1-16,12-5 0 15,-12 2 0-15,14-5 0 16,-13 4 1-16,13-3 2 16,-10 3-1-16,17-8-1 15,-15 3 1-15,8-9-1 16,-16 2 1-16,9-5 1 16,-19 9-1-16,10-4-1 15,-12 6 5-15,13-7-3 16,-6 4 2-16,24-9 1 15,-10 0 0-15,22-16-2 16,-11 2-1-16,10-11-6 16,-24 4 2-16,12-9 1 15,-21 15-3-15,8-2 2 16,-14 6 5-16,29-19 10 0,1 1 2 16,19-11-6-16,-6 2 3 15,23-7-16-15,-25 14-4 16,15-11-6-16,-17 8 3 15,15-11-6-15,-23 10 14 16,17-4-4-16,-27 15 5 0,3-11 4 16,-17 5 3-16,17-10-2 15,-16 12 4-15,9-4-5 16,-15 14 2-16,9-8-2 16,-22 13 3-16,-5-6-4 15,-16 11 3-15,-3 1 1 16,-21 19 2-16,-7 3 3 15,-16 11 4-15,-6 4-1 16,-9 9 0-16,-2 0 1 16,-1 2-4-16,-1 1-1 15,-2 2 1-15,0 0 0 16,-1-1-5-16,0 1-5 16,-1 1-6-16,2 0-65 15,-1 0-184-15,0 0-18 16,0 1-112-16</inkml:trace>
 </inkml:ink>
 </file>
 
@@ -8687,6 +8830,57 @@
           </a:p>
         </p:txBody>
       </p:sp>
+      <mc:AlternateContent xmlns:mc="http://schemas.openxmlformats.org/markup-compatibility/2006">
+        <mc:Choice xmlns:p14="http://schemas.microsoft.com/office/powerpoint/2010/main" Requires="p14">
+          <p:contentPart p14:bwMode="auto" r:id="rId5">
+            <p14:nvContentPartPr>
+              <p14:cNvPr id="9" name="Ink 8">
+                <a:extLst>
+                  <a:ext uri="{FF2B5EF4-FFF2-40B4-BE49-F238E27FC236}">
+                    <a16:creationId xmlns:a16="http://schemas.microsoft.com/office/drawing/2014/main" id="{F14FF8EC-8FD6-4C3F-A1AE-78E8AE179319}"/>
+                  </a:ext>
+                </a:extLst>
+              </p14:cNvPr>
+              <p14:cNvContentPartPr/>
+              <p14:nvPr/>
+            </p14:nvContentPartPr>
+            <p14:xfrm>
+              <a:off x="662400" y="1369440"/>
+              <a:ext cx="10018440" cy="2766240"/>
+            </p14:xfrm>
+          </p:contentPart>
+        </mc:Choice>
+        <mc:Fallback>
+          <p:pic>
+            <p:nvPicPr>
+              <p:cNvPr id="9" name="Ink 8">
+                <a:extLst>
+                  <a:ext uri="{FF2B5EF4-FFF2-40B4-BE49-F238E27FC236}">
+                    <a16:creationId xmlns:a16="http://schemas.microsoft.com/office/drawing/2014/main" id="{F14FF8EC-8FD6-4C3F-A1AE-78E8AE179319}"/>
+                  </a:ext>
+                </a:extLst>
+              </p:cNvPr>
+              <p:cNvPicPr/>
+              <p:nvPr/>
+            </p:nvPicPr>
+            <p:blipFill>
+              <a:blip r:embed="rId6"/>
+              <a:stretch>
+                <a:fillRect/>
+              </a:stretch>
+            </p:blipFill>
+            <p:spPr>
+              <a:xfrm>
+                <a:off x="653040" y="1360080"/>
+                <a:ext cx="10037160" cy="2784960"/>
+              </a:xfrm>
+              <a:prstGeom prst="rect">
+                <a:avLst/>
+              </a:prstGeom>
+            </p:spPr>
+          </p:pic>
+        </mc:Fallback>
+      </mc:AlternateContent>
     </p:spTree>
     <p:extLst>
       <p:ext uri="{BB962C8B-B14F-4D97-AF65-F5344CB8AC3E}">
@@ -9314,6 +9508,57 @@
           </a:p>
         </p:txBody>
       </p:sp>
+      <mc:AlternateContent xmlns:mc="http://schemas.openxmlformats.org/markup-compatibility/2006">
+        <mc:Choice xmlns:p14="http://schemas.microsoft.com/office/powerpoint/2010/main" Requires="p14">
+          <p:contentPart p14:bwMode="auto" r:id="rId2">
+            <p14:nvContentPartPr>
+              <p14:cNvPr id="8" name="Ink 7">
+                <a:extLst>
+                  <a:ext uri="{FF2B5EF4-FFF2-40B4-BE49-F238E27FC236}">
+                    <a16:creationId xmlns:a16="http://schemas.microsoft.com/office/drawing/2014/main" id="{1E1024A1-1BF0-476C-A7A3-2AE5226167C8}"/>
+                  </a:ext>
+                </a:extLst>
+              </p14:cNvPr>
+              <p14:cNvContentPartPr/>
+              <p14:nvPr/>
+            </p14:nvContentPartPr>
+            <p14:xfrm>
+              <a:off x="363600" y="136080"/>
+              <a:ext cx="11715840" cy="6649560"/>
+            </p14:xfrm>
+          </p:contentPart>
+        </mc:Choice>
+        <mc:Fallback>
+          <p:pic>
+            <p:nvPicPr>
+              <p:cNvPr id="8" name="Ink 7">
+                <a:extLst>
+                  <a:ext uri="{FF2B5EF4-FFF2-40B4-BE49-F238E27FC236}">
+                    <a16:creationId xmlns:a16="http://schemas.microsoft.com/office/drawing/2014/main" id="{1E1024A1-1BF0-476C-A7A3-2AE5226167C8}"/>
+                  </a:ext>
+                </a:extLst>
+              </p:cNvPr>
+              <p:cNvPicPr/>
+              <p:nvPr/>
+            </p:nvPicPr>
+            <p:blipFill>
+              <a:blip r:embed="rId3"/>
+              <a:stretch>
+                <a:fillRect/>
+              </a:stretch>
+            </p:blipFill>
+            <p:spPr>
+              <a:xfrm>
+                <a:off x="354240" y="126720"/>
+                <a:ext cx="11734560" cy="6668280"/>
+              </a:xfrm>
+              <a:prstGeom prst="rect">
+                <a:avLst/>
+              </a:prstGeom>
+            </p:spPr>
+          </p:pic>
+        </mc:Fallback>
+      </mc:AlternateContent>
     </p:spTree>
     <p:extLst>
       <p:ext uri="{BB962C8B-B14F-4D97-AF65-F5344CB8AC3E}">

--- a/File Operations With Spring Boot.pptx
+++ b/File Operations With Spring Boot.pptx
@@ -10,6 +10,8 @@
     <p:sldId id="258" r:id="rId4"/>
     <p:sldId id="259" r:id="rId5"/>
     <p:sldId id="260" r:id="rId6"/>
+    <p:sldId id="261" r:id="rId7"/>
+    <p:sldId id="262" r:id="rId8"/>
   </p:sldIdLst>
   <p:sldSz cx="12192000" cy="6858000"/>
   <p:notesSz cx="6858000" cy="9144000"/>
@@ -184,7 +186,7 @@
   </inkml:definitions>
   <inkml:trace contextRef="#ctx0" brushRef="#br0">21026 11487 821 0,'-2'-1'171'0,"2"0"69"16,-1-3-248-16,1 4-21 16,0-1-3-16,1 0-2 15,6 0 9-15,32-7 5 16,53-16 15-16,-12-3-1 16,3-4 6-16,22-12-1 0,-2 1 1 15,24-8-3-15,-8 5 2 16,24-3-1-16,-12 7 0 15,21-1 0-15,-14 7 0 16,20 1 2-16,-14 4 1 16,17-8 1-16,-18 1 3 15,17-7 1-15,-20 4-1 0,8-2-2 16,-23 10 1-16,-1 5-4 16,-29 9-2-16,-12 4-1 15,-26 7 2-15,-11 0-1 16,-21 4 2-16,-4 1 1 15,-9 0 4-15,-2 0-1 16,-5 2-17-16,-2 0-125 16,-1 0-80-16,-2 0-32 15</inkml:trace>
   <inkml:trace contextRef="#ctx0" brushRef="#br0" timeOffset="563.38">25382 8852 500 0,'17'8'57'16,"30"-15"68"-16,30-1-161 15,23-9 25-15,39-10 4 16,9-2 4-16,43-9-1 16,-1-2-3-16,36-10 0 15,-6 3 6-15,42-16 1 16,-23 1 3-16,32-6 4 15,-30 7-1-15,25 0 3 16,-37 15-1-16,10 0 2 16,-45 15-2-16,5 0 5 0,-50 11-4 15,-10 2-3-15,-35 12 0 16,-6 2 1-16,-26 8-5 16,-1 3-7-16,-16 3-93 0,3 6-41 15,-13-1-26-15</inkml:trace>
-  <inkml:trace contextRef="#ctx0" brushRef="#br0" timeOffset="17526.13">4798 4960 913 0,'-17'5'211'0,"23"-6"75"15,-7 0-282-15,1 1-42 16,0 0-19-16,0-1-2 16,11-1-1-16,27-8 20 15,61-18 17-15,-21 1 15 16,21-10-2-16,0 0 5 15,25-11-1-15,-4-5 3 16,23-12 1-16,-3-2 7 0,30-13-3 16,-9 5 8-16,29-13-1 15,-12 7 3-15,21-6-3 16,-27 12 2-16,10-5 0 16,-37 20-3-16,-11 7-3 15,-39 19 0-15,-12 2-2 16,-33 18-7-16,-4 3 4 15,-16 4 0-15,-2 2-2 16,-5 3-3-16,-1 2-31 16,-5 4-20-16,-2 4-46 15,-8 5-34-15,-16 12-19 16,-19 8-47-16,-41 25 2 16</inkml:trace>
+  <inkml:trace contextRef="#ctx0" brushRef="#br0" timeOffset="17526.12">4798 4960 913 0,'-17'5'211'0,"23"-6"75"15,-7 0-282-15,1 1-42 16,0 0-19-16,0-1-2 16,11-1-1-16,27-8 20 15,61-18 17-15,-21 1 15 16,21-10-2-16,0 0 5 15,25-11-1-15,-4-5 3 16,23-12 1-16,-3-2 7 0,30-13-3 16,-9 5 8-16,29-13-1 15,-12 7 3-15,21-6-3 16,-27 12 2-16,10-5 0 16,-37 20-3-16,-11 7-3 15,-39 19 0-15,-12 2-2 16,-33 18-7-16,-4 3 4 15,-16 4 0-15,-2 2-2 16,-5 3-3-16,-1 2-31 16,-5 4-20-16,-2 4-46 15,-8 5-34-15,-16 12-19 16,-19 8-47-16,-41 25 2 16</inkml:trace>
   <inkml:trace contextRef="#ctx0" brushRef="#br0" timeOffset="18058.41">2921 7039 240 0,'4'4'-9'0,"21"-12"49"16,14-5-81-16,28-10 16 16,13-6 17-16,29-11 4 15,4-5 7-15,29-9-6 16,-10 3 1-16,22-8-1 15,-9 3-4-15,27-19-6 16,-12-1 35-16,40-22 14 16,-15 0 13-16,22-18-2 15,-18 15-3-15,22-14 18 0,-30 17-16 16,17-15-10-16,-17 12 9 16,21-13-1-16,-29 17-45 15,23-12 3-15,-26 14 4 16,16-4-6-16,-35 20 5 15,9-2 0-15,-38 19-2 16,5 5 3-16,-35 19 1 16,-3 2-1-16,-31 15 0 15,-6 4 2-15,-28 7-3 16,-8 4-2-16,-10 5-8 16,-4 1-29-16,-8 1-10 0,4 0-90 15,-38 17 1-15</inkml:trace>
   <inkml:trace contextRef="#ctx0" brushRef="#br0" timeOffset="18511.21">1896 7495 862 0,'-41'9'181'0,"33"-16"77"16,1-3-293-16,12 2 3 15,18-10-17-15,15-6-3 16,34-19-5-16,21-10 31 15,41-18 4-15,9-6 7 16,42-22-5-16,-6 3 10 16,40-18 2-16,-22 3-5 0,45-25 10 15,-30 13 7-15,43-16-3 16,-28 4 11-16,38-11-2 16,-40 24-5-16,33-8-1 15,-40 9 12-15,18-3-16 16,-36 22 10-16,0 2-7 15,-42 20 0-15,-11 11-6 16,-47 18 2-16,-15 1-47 16,-27 10-29-16,-19 3-23 15,-24 7-105-15,-28-1-4 16</inkml:trace>
   <inkml:trace contextRef="#ctx0" brushRef="#br0" timeOffset="19059.68">2860 5280 776 0,'15'-9'98'0,"7"-3"99"0,25-11-235 16,24-3-4-16,41-17 21 15,19-1 14-15,50-10 2 16,1 3 0-16,46-4 1 16,-15 10 6-16,39-1-7 15,-25 8 3-15,38-2 1 16,-33 3 1-16,36-1-1 15,-41 4-3-15,25 0-4 16,-40 6-1-16,19 3 0 16,-40 5 3-16,13 0 3 15,-39 10 4-15,-6 1 5 16,-41 7-3-16,-14 5-5 0,-39 4 2 16,-15 3-3-16,-20 2-1 15,-12 0-5-15,-9-1 0 16,-3 3-9-16,-5-2 1 15,1 6-1-15,-1 4 2 16,-1 5 0-16,-3 2 6 16,0 9-3-16,-3 2 3 15,-3 14 0-15,-4 3 6 16,-3 28 6-16,-6 9 4 16,-11 33 3-16,0 13-1 0,-18 51-159 15,-10 6 51-15</inkml:trace>
@@ -484,7 +486,7 @@
   </inkml:definitions>
   <inkml:trace contextRef="#ctx0" brushRef="#br0">6364 6348 571 0,'6'73'108'0,"-3"-2"63"0,1 24-176 0,4 72 3 0,0 1-1 16,-3-9 3-16,8 27-8 0,2-27 2 0,4 16 3 0,1-8 1 0,9 5 1 16,1-43 1-16,8-11-16 15,1-42-8-15,13-22-14 16,-1-35-1-16,16-32 13 15,2-32 26-15,21-41 20 16,-4-22 18-16,11-34 8 16,-18 0 2-16,-2-27 43 0,-24 12 1 15,-10-11 48-15,-23 19 3 16,-6-12-8-16,-14 23-52 16,-7-24-16-16,-1 13-51 15,-6-18-9-15,-3 15-6 16,-10-8-13-16,-8 37 4 15,-19 9 14-15,-9 31-3 16,-19 14-11-16,-6 29 9 0,-21 22-52 16,-3 29-33-1,-20 38-28-15,11 24-14 0,1 41-79 16,24 9-26 0,16 28-12-16,36-14-68 0</inkml:trace>
   <inkml:trace contextRef="#ctx0" brushRef="#br0" timeOffset="427.97">6703 5717 709 0,'-39'-1'64'0,"-5"32"92"15,0 13-226-15,-4 45 19 16,6 19 21-16,-1 48 2 15,11 14-32-15,0 59-93 16,10-9 10-16</inkml:trace>
-  <inkml:trace contextRef="#ctx0" brushRef="#br0" timeOffset="1025.65">4910 11213 1253 0,'-20'-5'256'0,"-3"-16"120"16,4-11-382-16,0-20-10 15,3-9-4-15,5-35-3 16,7-7-31-16,3-26-34 15,0-1-2-15,2-17-2 16,-1 27 5-16,-10 4 35 16,-3 27 44-16,-7 12 14 15,-4 28 9-15,-7 11 5 0,2 16-5 16,-4 14-26-16,3 20-15 16,-9 35-19-1,4 17-10-15,2 51-5 0,4 16 18 16,10 33 8-16,18-6 11 15,16 19 0-15,9-35 6 16,21 13-5-16,7-32 4 16,15-8-3-16,-1-27 1 15,12-4 1-15,-5-29 7 0,11-1 8 16,-8-11 5-16,5 1-6 16,-15-3-6-16,-4 15-47 15,-25 0-51-15,-20 28-85 16,-24-1-26-16</inkml:trace>
+  <inkml:trace contextRef="#ctx0" brushRef="#br0" timeOffset="1025.64">4910 11213 1253 0,'-20'-5'256'0,"-3"-16"120"16,4-11-382-16,0-20-10 15,3-9-4-15,5-35-3 16,7-7-31-16,3-26-34 15,0-1-2-15,2-17-2 16,-1 27 5-16,-10 4 35 16,-3 27 44-16,-7 12 14 15,-4 28 9-15,-7 11 5 0,2 16-5 16,-4 14-26-16,3 20-15 16,-9 35-19-1,4 17-10-15,2 51-5 0,4 16 18 16,10 33 8-16,18-6 11 15,16 19 0-15,9-35 6 16,21 13-5-16,7-32 4 16,15-8-3-16,-1-27 1 15,12-4 1-15,-5-29 7 0,11-1 8 16,-8-11 5-16,5 1-6 16,-15-3-6-16,-4 15-47 15,-25 0-51-15,-20 28-85 16,-24-1-26-16</inkml:trace>
   <inkml:trace contextRef="#ctx0" brushRef="#br0" timeOffset="1226.9">4656 12041 973 0,'53'-101'186'15,"-34"8"100"-15,43-30-293 0,11 0 4 16,24-14 1 0,-10 24-25-16,16-2-52 0,-14 25-32 15,4 0-134 1,-23 24-41-16,-2 1-37 0</inkml:trace>
   <inkml:trace contextRef="#ctx0" brushRef="#br0" timeOffset="1413.22">5513 10783 574 0,'-8'6'510'0,"1"-5"-115"0,1-2-30 16,3-1-306-16,2 2-59 16,1 0-60-16,0 0-34 15,0 0 3-15,3 5 9 16,21 26 29-16,51 51 22 16,-33-30 30-16,7 15-14 15,-5-5-30-15,2 11-107 16,-7-9-110-16,0-3-38 15,-13-28-115-15</inkml:trace>
   <inkml:trace contextRef="#ctx0" brushRef="#br0" timeOffset="1583.79">5528 10227 1253 0,'6'-2'234'0,"-26"1"71"16,25 4-547-16,7 9-8 16,23 20-81-16,12 19-26 15,25 30 42-15</inkml:trace>
@@ -547,14 +549,14 @@
   <inkml:trace contextRef="#ctx0" brushRef="#br0" timeOffset="5663.29">1427 14481 818 0,'-14'5'199'0,"18"-5"53"16,-4 4-254-16,-4 9-42 15,6 15-18-15,0 4-4 0,5 12-3 16,3-1 23 0,12 0-1-16,0-14 12 15,7-5 4-15,-2-11 14 0,5-7 6 16,-2-9 9-16,3-10 11 16,-4-6 5-16,-2-6 1 15,-2-2 1-15,-8-4 11 16,-7 7 40-16,-5-1 58 15,-5 5 12-15,-6-2 14 16,-3 1-7-16,-5-1-30 16,-2 3-61-16,-2 0-18 15,-3 6-24-15,-11 1-71 16,-5 7-56-16,-14 11-6 16,3 6 3-16,-8 10 7 15,12 8 63-15,2 15 38 16,11 0 6-16,1 6-7 0,9-3-1 15,7 0-7-15,13-12 2 16,11-2-1-16,10-6 8 16,11 2 2-16,4-5 10 15,18-4 2-15,4-10 5 16,15-13-9-16,-2-13-1 16,15-17-20-16,-12-12-34 15,7-28-108-15,-7-14-47 16,7-21-46-16</inkml:trace>
   <inkml:trace contextRef="#ctx0" brushRef="#br0" timeOffset="6584.44">2257 14126 576 0,'20'-31'449'16,"-21"24"-65"-16,1 6-79 15,-1 0-175-15,-1 1-55 16,1 0-76-16,0 0-48 16,1 0-19-16,0 1-9 15,0 14 9-15,2 24 9 16,8 49 37-16,-3-26 12 15,1-8 8-15,2 1-1 16,-1-12 4-16,2-3 1 16,-3-12 2-16,-4-7-2 15,1-11-1-15,-4-6-1 16,1-3 3-16,-2-2 5 16,0 0 5-16,0-1 5 15,0 1 1-15,0-1-4 0,2-13-8 16,1-10-3-1,6-34-5-15,-4 36-3 0,-1 9 0 16,2 2-9-16,0 7-2 16,4 1-11-16,4 2-3 15,10 3-2-15,4 2 8 16,15 6 0-16,1 3 8 0,10 11 0 16,-5 3 2-16,5 7-2 15,-11-2 5-15,-3 3 1 16,-12-8 5-16,0-2-2 15,-9-10-1-15,4-6-2 16,-1-9 3-16,14-15 0 16,1-12 4-16,14-17 5 15,2-9 1-15,8-10 1 16,-9 3 0-16,-4-6 1 16,-16 9 2-16,-6 5 2 15,-12 13 3-15,-7 6 24 16,-3 17 25-16,-4 5 37 15,-2 7 8-15,0 3 1 16,2 2-27-16,-2 0-39 16,1 0-46-16,0 0-23 0,0 2-8 15,-4 6-1-15,-10 19 12 16,-22 39 4-16,20-34 11 16,1 1-5-16,9-14 0 15,6 0-13-15,6-3-1 16,4-5-7-16,5-4 5 15,-2-3 6-15,0-4 16 16,-3-10 10-16,-1-7 11 0,3-29-1 16,6-16-2-1,9-37-18-15,-4-12-16 0,1-28-33 16,-7 15 5-16,-8-17-2 16,-9 19 19-16,0-8 8 15,0 27 47-15,-2 5 30 16,1 33 23-16,0 15 14 15,1 26 4-15,-2 9-17 16,0 10-41-16,1 4-56 16,1 3-40-16,1-2-26 15,0 2-2-15,0 37-4 16,3 60 35-16,2-6 18 16,-1 12 24-16,8 29-1 15,2-8 9-15,4 15 7 16,6-16 7-16,14 8 3 0,4-24 3 15,17-4-75-15,5-27-105 16,23-23-100-16,-6-51-82 16</inkml:trace>
   <inkml:trace contextRef="#ctx0" brushRef="#br0" timeOffset="7752.82">3950 13304 575 0,'3'16'109'0,"-1"-17"44"16,4 30-160-16,1 16-46 15,2 30 12-15,2 19 25 16,0 40 1-16,-3 7 10 16,-2 44 0-16,-7 1 3 15,-6 40-1-15,-7-16 4 16,-3 26-1-16,-4-33-5 15,2 11 2-15,0-38-1 16,0 0 3-16,1-41 0 16,6-7 6-16,0-37 3 0,1-9 9 15,5-28 4-15,1-12-73 16,4-17-86-16,0-34 5 16</inkml:trace>
-  <inkml:trace contextRef="#ctx0" brushRef="#br0" timeOffset="8301.35">4782 14400 1056 0,'4'-9'240'16,"-8"6"74"-16,5 3-322 15,-8 10-43-15,0 11-5 0,-10 23-4 16,-6 12 15-16,-14 25 11 15,-2 3 16-15,-11 16 3 16,3-11 1-16,0 6 5 16,10-15 4-16,5 0-5 15,14-18-3-15,7-5-10 16,9-18-6-16,6-6-8 16,7-12 0-16,5-8 4 15,4-6 13-15,12-7 5 16,2-6 13-16,12-9 4 15,3-2 4-15,11-4 0 16,-6 2-1-16,2 4-18 16,-13 12-13-16,-7 5-22 15,-17 11-7-15,-9 8-9 16,-13 3 19-16,-12 9 17 0,-6 4 22 16,-11 6 9-16,-5-2 14 15,-13 2 2-15,2-6-8 16,-14-5-177-16,4-16 57 15</inkml:trace>
+  <inkml:trace contextRef="#ctx0" brushRef="#br0" timeOffset="8301.34">4782 14400 1056 0,'4'-9'240'16,"-8"6"74"-16,5 3-322 15,-8 10-43-15,0 11-5 0,-10 23-4 16,-6 12 15-16,-14 25 11 15,-2 3 16-15,-11 16 3 16,3-11 1-16,0 6 5 16,10-15 4-16,5 0-5 15,14-18-3-15,7-5-10 16,9-18-6-16,6-6-8 16,7-12 0-16,5-8 4 15,4-6 13-15,12-7 5 16,2-6 13-16,12-9 4 15,3-2 4-15,11-4 0 16,-6 2-1-16,2 4-18 16,-13 12-13-16,-7 5-22 15,-17 11-7-15,-9 8-9 16,-13 3 19-16,-12 9 17 0,-6 4 22 16,-11 6 9-16,-5-2 14 15,-13 2 2-15,2-6-8 16,-14-5-177-16,4-16 57 15</inkml:trace>
   <inkml:trace contextRef="#ctx0" brushRef="#br0" timeOffset="8815.04">5013 14648 688 0,'11'10'102'0,"-7"5"71"16,-3 1-203-16,0 14-6 16,-1 8 19-16,2 12 13 15,-1-5 11-15,2 0 1 16,-1-11-1-16,0-11-2 16,1-9-4-16,0-6 2 15,-2-7 2-15,3-2 11 16,-4 0 9-16,0-1 51 15,0 1 29-15,0 0 36 16,0-1 1-16,0 0 19 0,1-7-38 16,0-8-23-16,-1-1-38 15,-12-39-22-15,-1 38-44 16,-3-3-53-16,-2 4-16 16,-1 5-5-16,4 2 9 15,1 4 15-15,3 8 40 16,3-2 5-16,4 2 0 15,-1 2-11-15,4-3-2 16,0 0-12-16,0 0-1 16,0 1 0-16,-2 13 8 0,2 10 2 15,8 39 11-15,6-28 2 16,5-3 7-16,11 6 2 16,3-3 3-16,10-1-5 15,-1-6-8-15,1-7-31 16,-5-8-33-16,3-15-184 15,-1-15 28-15</inkml:trace>
   <inkml:trace contextRef="#ctx0" brushRef="#br0" timeOffset="9182.79">5390 14477 721 0,'-4'3'89'0,"9"3"86"0,3 4-217 16,10 7-7-16,7 8 23 15,11 10 17-15,4 2 9 16,7 8 6-16,-2-2 2 16,1 5 3-16,-8-6-1 0,-5 2-3 15,-9-9-4-15,-7 1-3 16,-7-9-4-16,-6-4 7 15,-6-9 23-15,0-6 80 16,-2-6 50-16,-1-2 67 16,4-1 19-16,0 0 6 15,-1-1-73-15,0 0-57 16,-8-15-72-16,-20-44-45 16,21 31-33-16,4-7-19 15,7 1-7-15,16-12-141 16,8-4-98-16,20-5-127 15,4 9-129-15</inkml:trace>
   <inkml:trace contextRef="#ctx0" brushRef="#br0" timeOffset="9498.74">6054 14492 570 0,'-7'-4'587'16,"4"2"-150"-16,0 2-11 15,3 0-321-15,0 0-77 16,0 0-49-16,0 0-40 16,0 0-59-16,0 0-16 15,0 0-6-15,1 1 25 16,14 8 16-16,12-2 56 16,37 55 21-16,-34-31 14 0,4 3 3 15,-7-3 6 1,2-2 1-16,-9-12 3 0,-3-3 8 15,-10-11 11-15,-2-1 43 16,-7-6 18-16,1 3 39 16,0 0-3-16,0-1-5 15,-5-33-448-15,2-73-24 16,7 31-166-16</inkml:trace>
   <inkml:trace contextRef="#ctx0" brushRef="#br0" timeOffset="9786.68">6398 14130 7 0,'32'-29'11'15,"0"2"2"-15,8 0 6 16,-6 9 3-16,-4 6 12 16,-11 6 24-16,-3 4 14 0,-9 2-2 15,-3 3-2 1,-1 3-13-16,-3-6-30 0,0 1-16 16,4 8-4-16,5 16-3 15,20 43-1-15,-16-32 0 16,5 6-2-16,-1-4-3 15,6 6-4-15,-2-4 0 16,7 4 0-16,-4-3 4 16,2 9 2-16,-3-5 6 15,-1 7 8-15,-3-7 1 0,-4 2 4 16,-8-13 1-16,-5 0 5 16,-4-12 2-16,-10-6-7 15,-10-10-123-15,-8-24 44 16</inkml:trace>
   <inkml:trace contextRef="#ctx0" brushRef="#br0" timeOffset="9948.25">6630 13614 1351 0,'6'-3'301'0,"-5"2"98"16,-3 2-430-16,2-1-132 15,0 1-32-15,3 19-225 16,16 58-32-16</inkml:trace>
-  <inkml:trace contextRef="#ctx0" brushRef="#br0" timeOffset="10282.36">7269 13876 1146 0,'-5'-16'367'16,"2"12"62"-16,0 1-325 15,1 2-81-15,1 0-77 16,0-1-55-16,0 2-56 16,0 0 4-16,-1 2 11 15,1 0 48-15,-7 21 23 16,-8 33 53-16,15-33 6 15,3 1 8-15,5 1 5 16,3-2 10-16,8 2 7 16,1-2 6-16,6 0 5 15,0-6 1-15,7-4-3 16,2-8-5-16,15-12-3 16,5-9-3-16,21-20-85 15,3-9-184-15,6-18 33 0</inkml:trace>
-  <inkml:trace contextRef="#ctx0" brushRef="#br0" timeOffset="10470.85">7962 13694 1118 0,'1'-4'373'16,"-5"2"38"-16,2 1-311 15,1 0-66-15,0 1-49 16,-2 0-18-16,1 0-4 16,-13 5-4-16,-2 6 10 0,-40 42-1 15,39-22 8-15,2 12 4 16,4 0 6-16,7 8-1 15,7-4 7-15,11 11-46 16,7-4-49-16,15 4-186 16,4-8-61-16,7-19-92 15</inkml:trace>
+  <inkml:trace contextRef="#ctx0" brushRef="#br0" timeOffset="10282.35">7269 13876 1146 0,'-5'-16'367'16,"2"12"62"-16,0 1-325 15,1 2-81-15,1 0-77 16,0-1-55-16,0 2-56 16,0 0 4-16,-1 2 11 15,1 0 48-15,-7 21 23 16,-8 33 53-16,15-33 6 15,3 1 8-15,5 1 5 16,3-2 10-16,8 2 7 16,1-2 6-16,6 0 5 15,0-6 1-15,7-4-3 16,2-8-5-16,15-12-3 16,5-9-3-16,21-20-85 15,3-9-184-15,6-18 33 0</inkml:trace>
+  <inkml:trace contextRef="#ctx0" brushRef="#br0" timeOffset="10470.84">7962 13694 1118 0,'1'-4'373'16,"-5"2"38"-16,2 1-311 15,1 0-66-15,0 1-49 16,-2 0-18-16,1 0-4 16,-13 5-4-16,-2 6 10 0,-40 42-1 15,39-22 8-15,2 12 4 16,4 0 6-16,7 8-1 15,7-4 7-15,11 11-46 16,7-4-49-16,15 4-186 16,4-8-61-16,7-19-92 15</inkml:trace>
   <inkml:trace contextRef="#ctx0" brushRef="#br0" timeOffset="10782.02">8193 12994 1101 0,'-3'2'146'16,"8"13"130"-16,2 11-331 15,11 31-2-15,5 16 30 16,7 40 18-16,0 14 8 15,2 40 3-15,-4-14 1 16,-4 40-1-16,-2-17 0 16,-1 22-1-16,-3-28-6 0,2 18 5 15,1-33-2-15,-1 18 3 16,1-31 4-16,4 20-26 16,-3-17-81-16,-1 16-173 15,-11-32-1-15</inkml:trace>
   <inkml:trace contextRef="#ctx0" brushRef="#br0" timeOffset="11301.32">8947 14501 1288 0,'26'-7'322'15,"-24"5"90"-15,-1 3-378 16,-2 1-78-16,1-2-12 16,0 1 3-16,13 38-1 0,17 55 21 15,-11-12 13-15,0 2 10 16,-3 14 0-16,-3-14 4 16,-3 0 1-16,-2-22 2 15,-2-9 0-15,-4-24 3 16,-1-9 15-16,-1-12 14 15,0-6 29-15,0-2 25 0,0-1 44 16,-1 0-11-16,0 0-12 16,0-2-30-16,-4-24-44 15,-12-62-45-15,7 22 0 16,-2-9 0-16,0-16-3 16,6 17 20-16,0-16-3 15,-2 2-3-15,2 1 4 16,-1 18 4-16,0-4 0 15,1 20 3-15,1-5 3 16,0 6-2-16,4-1-3 16,0 10 0-16,2 4-4 15,-1 11-1-15,2 6-5 16,-1 8-1-16,2 5-13 16,0 4-13-16,6 1-77 0,2 4-53 15,12 5-137 1,8 4-61-16,10 12-82 0,2 6-56 15</inkml:trace>
   <inkml:trace contextRef="#ctx0" brushRef="#br0" timeOffset="11681.31">9059 14691 898 0,'-1'12'224'0,"3"-11"72"16,-2 0-265-16,0-2-17 15,0 1-18-15,0-1-11 16,0-1-1-16,2 1 1 15,4-5 8-15,23-19 3 16,40-42 4-16,-30 33 0 16,-8 6 1-16,-4 5 0 15,-9 11 4-15,-6 3 4 16,-6 7 3-16,-4 1 5 16,-2 0 3-16,0 1-5 0,-1 0-24 15,0 0-95-15,0 0-112 16,0 0-86-16,-2 1-97 15</inkml:trace>
@@ -567,9 +569,9 @@
   <inkml:trace contextRef="#ctx0" brushRef="#br0" timeOffset="15643.48">3574 17365 926 0,'2'-2'253'15,"-2"1"45"-15,0 1-336 16,0 0-145-16,0 0-102 16,0 1-26-16,0 1-93 15</inkml:trace>
   <inkml:trace contextRef="#ctx0" brushRef="#br0" timeOffset="15918.76">3725 17272 1053 0,'10'-5'318'0,"-24"5"54"16,16 2-293-16,-4-1-98 15,6 4-34-15,-4-5-10 0,0 1-4 16,8 17 16-16,24 55 17 16,-18-32 25-16,6 12 2 15,-3-4 6-15,-1 4 2 16,-1-9 3-16,1 1-1 16,-4-12 0-16,-1-1-40 15,0-8-48-15,-4-2-221 16,0-7 17-16</inkml:trace>
   <inkml:trace contextRef="#ctx0" brushRef="#br0" timeOffset="16085.29">3640 16893 1112 0,'5'1'162'15,"0"6"4"-15,3 6-353 16,10 13-147-16,6 9-64 16</inkml:trace>
-  <inkml:trace contextRef="#ctx0" brushRef="#br0" timeOffset="17397.15">4132 17162 910 0,'9'11'142'0,"-4"-7"87"15,2 1-271-15,6 11-8 16,4 4 15-16,6 4 17 16,-1 2 16-16,2 0 1 15,-2-6 1-15,2-2-3 16,-6-7-4-16,2-4-5 15,-5-5 1-15,-4-3 0 16,-4-2 5-16,-1 0 14 16,-2-1 17-16,-4 3 48 0,0 0 22 15,-2 0 2 1,1-1-12-16,-3-17-12 0,-4-13-84 16,-17-50-51-1,12 39 30-15,-2 3 38 0,1 6 20 16,0 4 61-16,4 15 35 15,-1 2-29-15,2 2-37 16,1 6-23-16,2 1-25 16,0 3-18-16,3 0-14 15,2 1-28-15,0 1-2 16,-3 9-7-16,-5 24 9 0,-8 47 5 16,9-36 24-16,5 6 0 15,4-9 7-15,9 5-4 16,1-8 6-16,8 5 1 15,0-9 5-15,10 2 2 16,1-6 5-16,8-1-6 16,0-12-5-16,5-4-7 15,-5-13 1-15,4-13 1 16,-5-9 9-16,6-13 8 16,-6-7 11-16,0-9 3 15,-10 7 5-15,-4-7 8 16,-9 12 14-16,-7 4 55 15,-4 11 5-15,-6 0 0 16,2 12-11-16,-4-1-14 16,3 7-56-16,1 0-14 0,1 5-7 15,0 0-13-15,0 0-19 16,0 0-36-16,0 0-1 16,1 1 0-16,7 14 12 15,10 20 17-15,15 40 36 16,-15-28 2-16,0-6 3 15,0-4-3-15,-3-11-2 16,-1-7-5-16,-6-11 1 0,0-5 1 16,-4-6 6-16,-2 0 11 15,-2 2 10-15,0-2 8 16,1-5 3-16,11-32-2 16,7-50-7-16,-6 13-5 15,0-6-9-15,4-3-6 16,-2 16-2-16,2 4-4 15,-1 27 0-15,-2 12-4 16,-6 12 0-16,1 3-9 16,-1 6-1-16,3 2-8 15,0 1 1-15,10 7-7 16,3 2 5-16,10 10-4 16,1 7 6-16,12 9 2 15,-4 5 9-15,10 10 5 16,-4-6 9-16,6 1 1 0,-6-10 3 15,-2-5-1-15,-13-13 0 16,-1-6 1-16,-13-8 4 16,-5-1 9-16,-5-3 10 15,-2-1 21-15,-4-4 16 16,1-19 6-16,-3-9-9 16,3-30-8-16,-3-14-23 15,-1-12-17-15,-2 1-14 16,-1-11-3-16,-6 28 13 15,-1 7 13-15,-2 17 9 0,1 14 18 16,1 19 3-16,-1 2-7 16,3 5-12-16,1 5-13 15,0 2-15-15,0 3-15 16,5 1-17-16,0 0-43 16,1 0-10-16,0 1-4 15,7 22 12-15,23 60 8 16,-8-25 42-16,8 9 3 15,-1-7 5-15,8-3-3 16,0-13 3-16,7-8-1 16,-4-10 11-16,5-6 3 15,-3-9 8-15,4-8 5 16,-6-9 4-16,5-10 1 16,-3-8-5-16,3-19-325 15,-5-16 104-15</inkml:trace>
-  <inkml:trace contextRef="#ctx0" brushRef="#br0" timeOffset="17584.65">5771 16476 1265 0,'-22'10'349'0,"11"-3"73"16,11-8-368-16,1 1-101 15,4-1-41-15,-4-1-7 16,21-11 12-16,73-48 12 15,-16 13 46-15,23-9-165 16,-7 8-147-16,4 3-21 16</inkml:trace>
-  <inkml:trace contextRef="#ctx0" brushRef="#br0" timeOffset="17894.83">5276 17893 909 0,'-9'16'353'16,"4"-6"-10"-16,21-16-204 15,8-21-154-15,12-13-11 16,29-20-2-16,16-14 15 15,21-21 7-15,-6 11 2 0,12-10 3 16,-16 11 3-16,0 10 0 16,-19 18 0-16,-9 11 1 15,-23 17 0-15,-9 7-1 16,-15 3 4-16,9-4-179 16,4-4-160-16,1-8-4 15</inkml:trace>
+  <inkml:trace contextRef="#ctx0" brushRef="#br0" timeOffset="17397.14">4132 17162 910 0,'9'11'142'0,"-4"-7"87"15,2 1-271-15,6 11-8 16,4 4 15-16,6 4 17 16,-1 2 16-16,2 0 1 15,-2-6 1-15,2-2-3 16,-6-7-4-16,2-4-5 15,-5-5 1-15,-4-3 0 16,-4-2 5-16,-1 0 14 16,-2-1 17-16,-4 3 48 0,0 0 22 15,-2 0 2 1,1-1-12-16,-3-17-12 0,-4-13-84 16,-17-50-51-1,12 39 30-15,-2 3 38 0,1 6 20 16,0 4 61-16,4 15 35 15,-1 2-29-15,2 2-37 16,1 6-23-16,2 1-25 16,0 3-18-16,3 0-14 15,2 1-28-15,0 1-2 16,-3 9-7-16,-5 24 9 0,-8 47 5 16,9-36 24-16,5 6 0 15,4-9 7-15,9 5-4 16,1-8 6-16,8 5 1 15,0-9 5-15,10 2 2 16,1-6 5-16,8-1-6 16,0-12-5-16,5-4-7 15,-5-13 1-15,4-13 1 16,-5-9 9-16,6-13 8 16,-6-7 11-16,0-9 3 15,-10 7 5-15,-4-7 8 16,-9 12 14-16,-7 4 55 15,-4 11 5-15,-6 0 0 16,2 12-11-16,-4-1-14 16,3 7-56-16,1 0-14 0,1 5-7 15,0 0-13-15,0 0-19 16,0 0-36-16,0 0-1 16,1 1 0-16,7 14 12 15,10 20 17-15,15 40 36 16,-15-28 2-16,0-6 3 15,0-4-3-15,-3-11-2 16,-1-7-5-16,-6-11 1 0,0-5 1 16,-4-6 6-16,-2 0 11 15,-2 2 10-15,0-2 8 16,1-5 3-16,11-32-2 16,7-50-7-16,-6 13-5 15,0-6-9-15,4-3-6 16,-2 16-2-16,2 4-4 15,-1 27 0-15,-2 12-4 16,-6 12 0-16,1 3-9 16,-1 6-1-16,3 2-8 15,0 1 1-15,10 7-7 16,3 2 5-16,10 10-4 16,1 7 6-16,12 9 2 15,-4 5 9-15,10 10 5 16,-4-6 9-16,6 1 1 0,-6-10 3 15,-2-5-1-15,-13-13 0 16,-1-6 1-16,-13-8 4 16,-5-1 9-16,-5-3 10 15,-2-1 21-15,-4-4 16 16,1-19 6-16,-3-9-9 16,3-30-8-16,-3-14-23 15,-1-12-17-15,-2 1-14 16,-1-11-3-16,-6 28 13 15,-1 7 13-15,-2 17 9 0,1 14 18 16,1 19 3-16,-1 2-7 16,3 5-12-16,1 5-13 15,0 2-15-15,0 3-15 16,5 1-17-16,0 0-43 16,1 0-10-16,0 1-4 15,7 22 12-15,23 60 8 16,-8-25 42-16,8 9 3 15,-1-7 5-15,8-3-3 16,0-13 3-16,7-8-1 16,-4-10 11-16,5-6 3 15,-3-9 8-15,4-8 5 16,-6-9 4-16,5-10 1 16,-3-8-5-16,3-19-325 15,-5-16 104-15</inkml:trace>
+  <inkml:trace contextRef="#ctx0" brushRef="#br0" timeOffset="17584.64">5771 16476 1265 0,'-22'10'349'0,"11"-3"73"16,11-8-368-16,1 1-101 15,4-1-41-15,-4-1-7 16,21-11 12-16,73-48 12 15,-16 13 46-15,23-9-165 16,-7 8-147-16,4 3-21 16</inkml:trace>
+  <inkml:trace contextRef="#ctx0" brushRef="#br0" timeOffset="17894.82">5276 17893 909 0,'-9'16'353'16,"4"-6"-10"-16,21-16-204 15,8-21-154-15,12-13-11 16,29-20-2-16,16-14 15 15,21-21 7-15,-6 11 2 0,12-10 3 16,-16 11 3-16,0 10 0 16,-19 18 0-16,-9 11 1 15,-23 17 0-15,-9 7-1 16,-15 3 4-16,9-4-179 16,4-4-160-16,1-8-4 15</inkml:trace>
   <inkml:trace contextRef="#ctx0" brushRef="#br0" timeOffset="19831.24">6337 8691 866 0,'-5'-1'179'0,"2"0"48"16,1 0-287-16,0 1-17 16,0 0-3-16,2 0 1 15,7 0 35-15,29-1 28 16,36 0 13-16,-29 0-2 16,-2 1 1-16,7-2-1 15,-3 1 0-15,12 0-4 16,-2 0 1-16,14-4 2 15,0 0 0-15,13 1-1 16,-9 0 4-16,9-1-1 16,-15 1 1-16,3 3 2 15,-17-1 1-15,2 0 1 16,-12-1 0-16,0 3 1 16,-8-1 0-16,0 0 0 0,-9 1 1 15,-1 1 1-15,-10 0 3 16,-5-2 5-16,-5 2 3 15,-2 1 2-15,-4-2-21 16,1-2-174-16,0 1 49 16</inkml:trace>
   <inkml:trace contextRef="#ctx0" brushRef="#br0" timeOffset="20898.12">8504 512 35 0,'9'25'-12'16,"-10"42"12"-16,9 7-21 15</inkml:trace>
   <inkml:trace contextRef="#ctx0" brushRef="#br0" timeOffset="21526.6">9369 10045 1 0,'3'88'4'16,"-7"5"2"-16,-3-9 0 16,-3 8 0-16,-2-12-9 15,4 5 4-15</inkml:trace>
@@ -579,7 +581,7 @@
   <inkml:trace contextRef="#ctx0" brushRef="#br0" timeOffset="46270.17">26767 7887 226 0,'-3'2'66'0,"1"-2"-1"16,0-2-68-16,2 1-13 15,0-1-5-15,0 0 2 16,6-11 12-16,-1-12 7 15,45-34 1-15,-28 28 1 16,1 0-1-16,6-6 1 16,-1 0-3-16,9-8 2 15,-4 2-2-15,5-8 0 0,-4 5 1 16,-1-4 3-16,-5 10 3 16,-2-2 8-16,-5 9 3 15,6-8 3-15,-4 5-3 16,7-12-4-16,0 0-7 15,7-13-3-15,-1 5-2 16,6-6 1-16,-5 9-1 0,-1 0 2 16,-5 12 0-16,-2-1 0 15,-5 9 0-15,5-5 3 16,-3 2-1-16,3-8 2 16,-4 4 1-16,4-6 3 15,-8 2 0-15,3-2 3 16,-3 5 2-16,5-7 2 15,-2 2-1-15,9-8 0 16,0-2-6-16,9-7-2 16,-4 5-6-16,1 3-1 15,-7 11-2-15,2 0 3 16,-10 14-2-16,2-4 2 16,-1 3-2-16,2-4 1 15,-6 10-2-15,-3 0 3 16,-6 10 5-16,-3 5 16 15,-5 5 29-15,-3 3 27 0,-1 2-1 16,0-1-2-16,0 1-17 16,0 0-31-16,-1 0-30 15,1 0-18-15,0 0-29 16,0 0-67-16,0 0-22 16,-1 0-57-16,-1 0-41 15</inkml:trace>
   <inkml:trace contextRef="#ctx0" brushRef="#br0" timeOffset="46377.96">27876 5741 265 0,'-18'-8'190'0,"2"-1"-41"15,8 9-27-15,2-3-265 16,4 3-4-16,2-2-59 16</inkml:trace>
   <inkml:trace contextRef="#ctx0" brushRef="#br0" timeOffset="46886.61">28619 5680 187 0,'-1'-1'229'0,"0"2"-59"16,-2 0 0-16,2-2-108 0,0 1-33 15,0 0-24-15,-2 1-11 16,-22 22-5-16,-45 57 2 15,31-32 0-15,-4 16 1 16,1-1 5-16,-6 13 2 16,6-13-2-16,2 0 3 15,8-13-1-15,2-2-1 16,13-11 2-16,0 4 6 16,2-1 1-16,0-2 3 15,7-6-1-15,-1-6 8 16,5-11 20-16,2-5 82 15,1-7 15-15,0-2 15 16,0-2-8-16,0 0-22 16,0 1-86-16,1 0-21 0,-2 0-23 15,2-1-22 1,0 1-72-16,0 0-196 0,0 0-13 16,0 0-124-16</inkml:trace>
-  <inkml:trace contextRef="#ctx0" brushRef="#br0" timeOffset="47606.69">26661 11712 1307 0,'-17'-5'178'0,"5"0"160"15,-6-5-404-15,8 3-16 16,5 2 37-16,0-2-4 16,3 0-10-16,-1-15-266 15,1-9 89-15</inkml:trace>
+  <inkml:trace contextRef="#ctx0" brushRef="#br0" timeOffset="47606.68">26661 11712 1307 0,'-17'-5'178'0,"5"0"160"15,-6-5-404-15,8 3-16 16,5 2 37-16,0-2-4 16,3 0-10-16,-1-15-266 15,1-9 89-15</inkml:trace>
   <inkml:trace contextRef="#ctx0" brushRef="#br0" timeOffset="48534.81">26863 10625 490 0,'-3'-1'88'0,"0"0"30"16,-1-1-163-16,-3 1-95 15,0 0 16-15,-2 0 78 16,0 0 31-16,3 1 14 16,2 0 92-16,2 0-21 15,0 0-86-15,-1 0-10 16,1 1 0-16,1 2 1 16,0 20 9-16,10 44 3 15,5-33 5-15,5 8 0 16,-1-1 1-16,6 1 2 15,-5-2 3-15,7 2-2 16,-2-7 2-16,8 9 2 16,-2-2 0-16,8 10-1 15,-1 1 4-15,5 14 0 16,-4-6-4-16,3 11 1 0,-4-3 6 16,5 13-4-16,-3-11-1 15,8 14 2-15,-3-10 0 16,10 3-5-16,-4-16 3 15,4 7 0-15,-9-14 0 16,-1 9-1-16,-10-7-1 0,0 11 2 16,-8-8-2-16,2 8 0 15,-3-5 0-15,6 7 1 16,-2-10 1-16,6 8-1 16,-1-10 2-16,5 2-1 15,-4-13 0-15,3-1 0 16,-7-13 0-16,0 3 0 15,-6-8 0-15,-1 3 0 16,-6-5 1-16,1 4-1 16,-4-7 1-16,2 2 0 15,-2-7 0-15,-1 1-1 16,-3-4 1-16,1 0 0 16,-2-3 0-16,-1 2 0 15,-2-2 2-15,1-1 2 16,-2-3-1-16,0-1 3 15,-3-1 1-15,3 0 3 0,-4-2 0 16,2 0 5-16,-4-4-1 16,0 0 0-16,0 0-3 15,0 0-1-15,0 1-4 16,0 0-1-16,0 0-2 16,2 4-3-16,2 3-25 15,0 2-82-15,3 4 16 16</inkml:trace>
   <inkml:trace contextRef="#ctx0" brushRef="#br0" timeOffset="49001.21">28007 13318 806 0,'1'1'166'0,"-1"-1"75"16,0 1-243-16,0-1-12 15,0 0-8-15,0 0-18 0,0 0-5 16,0 0-7 0,0 0 8-16,1 0 1 0,0 0 17 15,19 5 7-15,35 11 7 16,-33-11 3-16,-2-1 5 15,3-3 0-15,-3 4 2 16,7-4-1-16,1-2 1 16,7 1-1-16,0 0 1 15,6-5-1-15,-1 2 2 16,8-4-2-16,-4 1 3 16,5-3 1-16,-7 2 2 15,-2 0 1-15,-12 3 1 0,-10-1 4 16,-8 3 3-16,-6 0 6 15,-3 1 1-15,-2 1-1 16,1 0-5-16,0 0-11 16,0-1-10-16,0 1-11 15,0 0-9-15,0 0-149 16,0 0-12-16,1 0-47 16</inkml:trace>
   <inkml:trace contextRef="#ctx0" brushRef="#br0" timeOffset="49523.39">28640 12599 547 0,'8'-3'310'15,"-3"1"-46"-15,-10 2-95 16,5 0-159-16,-2-1-41 0,2 1-21 16,-1 0-1-16,0 1-2 15,-1 8 13-15,-4 25 10 16,-4 41 18-16,4-28 0 16,1-8 3-16,4 6-2 15,0-4 2-15,0 14-1 16,2-5 3-16,1 11 0 15,1-3 2-15,-2 3 1 16,3-14 4-16,0 1 1 16,-2-16 2-16,2-7 2 15,-2-8 0-15,0-5 2 16,-1-6-2-16,1 1 1 16,-2-1-1-16,0-1 4 15,0 1 2-15,0-2 7 16,-2-4 6-16,2 0 15 15,0 0 11-15,0 0 48 0,0 0 14 16,0 0 30-16,0 0-2 16,0 0 2-16,0 0-49 15,0 0-20-15,0 0-37 16,-1 0-18-16,0 0-20 16,1 0-56-16,0 0-327 15,-2 1 87-15</inkml:trace>
@@ -599,7 +601,7 @@
   <inkml:trace contextRef="#ctx0" brushRef="#br0" timeOffset="84958.11">13575 11662 1045 0,'-1'3'218'0,"0"-2"80"16,1 1-322-16,0-2-23 15,0 1 1-15,2 17-2 16,4 21 16-16,13 57 10 15,-5-34 12-15,8 18-1 16,-2-8 2-16,4 18 1 16,-1-6 4-16,2 14-1 15,-2-10 2-15,3 13-2 16,-4-13 2-16,-3 9 1 16,-1-13 1-16,-3 6 2 0,-3-15 3 15,1 1 3-15,0-12-26 16,-1 2-48-1,1-13-30-15,-3-2-78 0,0-12-84 16,-2-14 22-16,-3-20-55 16</inkml:trace>
   <inkml:trace contextRef="#ctx0" brushRef="#br0" timeOffset="85328.15">13344 11300 1079 0,'-11'5'259'16,"10"-3"76"-16,-3 2-323 15,-8 8-61-15,-17 21-14 16,-6 11 4-16,-7 20 2 15,-6 5 22-15,-2 15 10 16,10-6 15-16,-1 5-3 16,6-13 8-16,1 8-1 15,8-13 2-15,3 2-1 16,7-7 3-16,2 8-1 0,7-12 4 16,4 1 0-16,-1-15 1 15,3-7-10-15,2-14-37 16,-2-6-119-16,2-8-33 15,3-5-7-15,3-9-27 16,9-23 7-16,8-13 108 0</inkml:trace>
   <inkml:trace contextRef="#ctx0" brushRef="#br0" timeOffset="85675.98">13174 11795 626 0,'7'-16'246'0,"-6"7"7"16,0 1-166-16,0-1-43 15,2 3-36-15,-2 1-10 16,0 2-25-16,-1 3-12 16,0 0-2-16,0 0-3 15,1 1 1-15,22 11 24 16,42 28 10-16,-25-15 2 16,1-1 3-16,8 3-2 15,-3-1 1-15,8 4-2 16,-4-6-1-16,6 7 0 15,-5 1 2-15,4 2 0 0,-9-2 3 16,-4 1 2-16,-10-7 1 16,-3-2 1-16,-12-7 2 15,-3-5 4-15,-3-4 2 16,-6-3 6-16,-4-3 4 16,3 1 4-16,-4-3-2 15,0 0 0-15,0 0-8 16,0 0-228-16,0 0 70 15</inkml:trace>
-  <inkml:trace contextRef="#ctx0" brushRef="#br0" timeOffset="88993.41">13628 2129 468 0,'2'49'95'15,"-12"-26"37"1,-6 4-124-16,-12 23-37 0,-8 10 13 15,-12 22 7-15,2 2 4 16,-9 7 0-16,7-11 2 16,3-4-1-1,14-17-2-15,5-8 3 0,13-15-2 16,6-2-3-16,7-9 0 16,5-2-8-16,5-3-8 0,7-3-9 15,6-6 2-15,12-1 5 16,4-6 7-16,13-7 9 15,0-5 9-15,10-5 2 16,-3-1-3-16,2-2 1 16,-8 6 0-16,-1 3 1 15,-15 3 0-15,0 4 1 16,-8 3-1-16,-3 2 0 16,-3 1-4-16,-1 7-5 15,-5 1-2-15,-5 6-5 16,-6 5-2-16,-10 10 4 15,-6 3 4-15,-13 17 7 16,-7-2 5-16,-15 4 3 16,-1-9 1-16,-3-9 12 15,11-18 30-15,6-10 56 0,14-12-34 16,4-9 0-16,7-4-4 16,8-8-43-16,7-9-59 15,21-18 26-15,10-5-6 16,21-20-15-16,6-1 5 15,16-7-2-15,-9 12 3 16,7 3 0-16,-17 22 8 16,-4 6 3-16,-19 17 4 0,-5 10 0 15,-14 8 1-15,1 5-2 16,-4 10 1-16,4 8 3 16,-1 3 4-16,3 12 5 15,-6 1 4-15,2 13 3 16,-6-2-1-16,-3 17 4 15,-4-1 5-15,-2 7-2 16,-5-12-4-16,-1 1 4 16,-3-20-3-16,1-11 6 15,-1-14 11-15,-1-8-145 16,-5-28 61-16</inkml:trace>
+  <inkml:trace contextRef="#ctx0" brushRef="#br0" timeOffset="88993.4">13628 2129 468 0,'2'49'95'15,"-12"-26"37"1,-6 4-124-16,-12 23-37 0,-8 10 13 15,-12 22 7-15,2 2 4 16,-9 7 0-16,7-11 2 16,3-4-1-1,14-17-2-15,5-8 3 0,13-15-2 16,6-2-3-16,7-9 0 16,5-2-8-16,5-3-8 0,7-3-9 15,6-6 2-15,12-1 5 16,4-6 7-16,13-7 9 15,0-5 9-15,10-5 2 16,-3-1-3-16,2-2 1 16,-8 6 0-16,-1 3 1 15,-15 3 0-15,0 4 1 16,-8 3-1-16,-3 2 0 16,-3 1-4-16,-1 7-5 15,-5 1-2-15,-5 6-5 16,-6 5-2-16,-10 10 4 15,-6 3 4-15,-13 17 7 16,-7-2 5-16,-15 4 3 16,-1-9 1-16,-3-9 12 15,11-18 30-15,6-10 56 0,14-12-34 16,4-9 0-16,7-4-4 16,8-8-43-16,7-9-59 15,21-18 26-15,10-5-6 16,21-20-15-16,6-1 5 15,16-7-2-15,-9 12 3 16,7 3 0-16,-17 22 8 16,-4 6 3-16,-19 17 4 0,-5 10 0 15,-14 8 1-15,1 5-2 16,-4 10 1-16,4 8 3 16,-1 3 4-16,3 12 5 15,-6 1 4-15,2 13 3 16,-6-2-1-16,-3 17 4 15,-4-1 5-15,-2 7-2 16,-5-12-4-16,-1 1 4 16,-3-20-3-16,1-11 6 15,-1-14 11-15,-1-8-145 16,-5-28 61-16</inkml:trace>
   <inkml:trace contextRef="#ctx0" brushRef="#br0" timeOffset="89123.08">14316 2476 972 0,'5'-12'173'0,"-5"4"15"0,3 9-325 15,8 2-85-15,-2 5-63 16,4 8-30-16</inkml:trace>
   <inkml:trace contextRef="#ctx0" brushRef="#br0" timeOffset="89463.15">14515 2661 1115 0,'1'0'137'0,"0"0"112"16,5-1-367-16,10-4-64 15,3-1 12-15,38-3-12 16,-40 14 28-16,1 6 21 16,-7 8 81-16,3 6 12 15,-3 4 26-15,2 8 3 16,1-3 0-16,-1 4 3 16,-2-4 1-16,-1-2 5 0,-1-5 3 15,-3-7 8-15,0-5 5 16,-2-7 16-16,-1-6 3 15,1-5 9-15,-4 2 2 16,1-4-97-16,13-35-60 16,57-84-13-16</inkml:trace>
   <inkml:trace contextRef="#ctx0" brushRef="#br0" timeOffset="90069.81">14984 2469 355 0,'15'-46'94'16,"2"1"24"-16,3 15-97 0,0 0-21 15,-1 13-4-15,-4 6-7 16,-2 12-6-16,4 9 0 15,-1 6 0-15,8 19 5 16,-2 9 12-16,3 16 3 16,-3-2 0-16,4 14-1 15,-7-11-4-15,3-3-2 16,-2-17 1-16,-3-9 2 16,-4-11 2-16,0-8 6 15,-5-10-4-15,3-8 8 16,4-8 11-16,8-22 7 15,1-6 3-15,5-16 28 16,-6 2 47-16,-4 0 41 16,-15 15 6-16,-3 8 36 15,-5 15-16-15,-2 3-51 16,0 7-52-16,2 5-32 0,0 2-54 16,3 0-30-16,0 0-14 15,0 0-7-15,0 1 13 16,-2 13 4-16,1 13 18 15,2 45 5-15,9-36 8 16,6 5-4-16,3-4 5 16,5 8 3-16,2-6 3 15,7 6 3-15,-1-2 6 0,6 10 3 16,-4-4 0-16,1 17 1 16,-5 0-3-16,1 12 0 15,-6-6-1-15,0 11 2 16,-4-9-2-16,1 9 2 15,-3-5 0-15,-1 8 1 16,-2-19-3-16,-5-10 2 16,-7-23 5-16,-5-12 29 15,-7-19 15-15,-18-12 6 16,-5-7 29-16,-13-22 1 16,-4-14-30-16,-6-31-28 15,16-13-34-15,17-45-48 16,16 0-9-16,20-14-19 15,21 17-41-15,22-5-170 16,3 42 47-16</inkml:trace>
@@ -616,6 +618,46 @@
   <inkml:trace contextRef="#ctx0" brushRef="#br0" timeOffset="105178.35">22165 1666 692 0,'5'-38'-125'16,"-4"-3"233"-16,-1-3-312 0,-1-11 28 15</inkml:trace>
   <inkml:trace contextRef="#ctx0" brushRef="#br0" timeOffset="105503.48">22127 1298 413 0,'-13'-41'160'15,"-1"1"15"-15,5 7-82 0,-2 2-29 16,0 4-7-16,0 3 32 16,0 6-5-16,-2 2-4 15,0-1-2-15,1 2 21 16,2 3-39-16,-3 1-2 15,9 6-20-15,-1 1-38 16,3 3-42-16,1 1-34 16,1 0-9-16,-1 0-6 15,-1 1 20-15,1 31 9 16,-3 49 31-16,2-9 3 0,4 5 6 16,10 17 3-16,6-4 9 15,14 15 1-15,5-11 6 16,12-1 5-16,-1-15 1 15,2-4-6-15,-8-27-3 16,-2-13-2-16,-11-15 1 16,4-9 8-16,0-16 10 15,17-15 13-15,13-11 7 16,30-34-225-16,-3-12 77 16</inkml:trace>
   <inkml:trace contextRef="#ctx0" brushRef="#br0" timeOffset="112912.32">12565 1357 658 0,'-16'21'177'0,"1"-2"13"16,6-4-161-16,-3 12-81 16,1 9 7-16,-7 20 15 15,2 7 23-15,1 12 0 16,3-3 2-16,-1 7-1 15,4-12 2-15,4 7-3 16,5-7 2-16,9 15-4 16,7-6 1-16,12 11-3 15,4-5 3-15,12 11-1 16,-2-9 4-16,7 17 2 16,-3-11 3-16,5 15-1 15,-11-12 2-15,4 13 0 16,-9-13 0-16,-1 13 1 15,-6-15 0-15,1 11-1 16,-9-13-1-16,-7 7-1 16,-6-18 0-16,-8 3 1 15,-7-19 1-15,-10 6 3 0,-5-11 3 16,-15 17 7-16,-5-6 2 16,-21 5 4-16,1-9-2 15,-16 1 2-15,4-15-4 16,-17 0 1-16,12-10 2 15,-21 0 7-15,16-12 76 0,-2-7 9 16,16-12-2-16,-1-7-6 16,22-10-1-16,-16-5-86 15,9-2-8-15,0-4 33 16,10 0 0-16,-5-4-1 16,15 1-10-16,0-5 21 15,7 3-30-15,3-6-2 16,7 5-6-16,5-1 13 15,7 6-26-15,2-7-9 16,3 4 1-16,2-2-3 16,3 9 0-16,1-2-13 15,2 6-2-15,8 1-13 16,4 2 0-16,9-3-6 16,9 4 9-16,12 1 0 15,4 6 10-15,11 7 1 16,-2 7 9-16,7 12 1 0,-8 2 8 15,8 7 0 1,-11-4 4-16,13 7 0 0,-1-3 4 16,12 7-1-16,-7-5 1 15,10 8-3-15,-13-6-1 16,8 3-2-16,-11-4 0 16,10 7-1-16,-12-3 3 15,10 6-2-15,-12-7 4 16,11 7-1-16,-8-7 3 15,13 6-1-15,-8-3 0 0,8 6-2 16,-11-3 1-16,7 6 0 16,-13-4 1-16,9 3 2 15,-10-7 4-15,8 3-4 16,-9-5 2-16,5 2-2 16,-8-7 0-16,10 7-3 15,-5-8 3-15,14 4-2 16,-4-6 1-16,10 5-2 15,-12-5-1-15,13 2 0 16,-9-8 1-16,17-1-2 16,-8-8 0-16,15 0-3 15,-12-10 0-15,17-1-1 16,-10-3 1-16,17-4 1 0,-9-3 5 16,19 1 2-1,-10-2 1-15,10 0-2 0,-14 2 0 16,14-2 3-16,-14 1-3 15,12-3-1-15,-11 0 1 16,15-1-2-16,-13-1-2 16,17-6 1-16,-15 4 2 15,20-8 1-15,-9-2 4 16,13-4-2-16,-15 1-2 0,17-5-2 16,-16 2-3-16,6-1 1 15,-12 2-2-15,15-3 0 16,-19 4 1-16,12-5 0 15,-12 2 0-15,14-5 0 16,-13 4 1-16,13-3 2 16,-10 3-1-16,17-8-1 15,-15 3 1-15,8-9-1 16,-16 2 1-16,9-5 1 16,-19 9-1-16,10-4-1 15,-12 6 5-15,13-7-3 16,-6 4 2-16,24-9 1 15,-10 0 0-15,22-16-2 16,-11 2-1-16,10-11-6 16,-24 4 2-16,12-9 1 15,-21 15-3-15,8-2 2 16,-14 6 5-16,29-19 10 0,1 1 2 16,19-11-6-16,-6 2 3 15,23-7-16-15,-25 14-4 16,15-11-6-16,-17 8 3 15,15-11-6-15,-23 10 14 16,17-4-4-16,-27 15 5 0,3-11 4 16,-17 5 3-16,17-10-2 15,-16 12 4-15,9-4-5 16,-15 14 2-16,9-8-2 16,-22 13 3-16,-5-6-4 15,-16 11 3-15,-3 1 1 16,-21 19 2-16,-7 3 3 15,-16 11 4-15,-6 4-1 16,-9 9 0-16,-2 0 1 16,-1 2-4-16,-1 1-1 15,-2 2 1-15,0 0 0 16,-1-1-5-16,0 1-5 16,-1 1-6-16,2 0-65 15,-1 0-184-15,0 0-18 16,0 1-112-16</inkml:trace>
+</inkml:ink>
+</file>
+
+<file path=ppt/ink/ink6.xml><?xml version="1.0" encoding="utf-8"?>
+<inkml:ink xmlns:inkml="http://www.w3.org/2003/InkML">
+  <inkml:definitions>
+    <inkml:context xml:id="ctx0">
+      <inkml:inkSource xml:id="inkSrc0">
+        <inkml:traceFormat>
+          <inkml:channel name="X" type="integer" max="29376" units="cm"/>
+          <inkml:channel name="Y" type="integer" max="16524" units="cm"/>
+          <inkml:channel name="F" type="integer" max="4095" units="dev"/>
+          <inkml:channel name="T" type="integer" max="2.14748E9" units="dev"/>
+        </inkml:traceFormat>
+        <inkml:channelProperties>
+          <inkml:channelProperty channel="X" name="resolution" value="1000.20428" units="1/cm"/>
+          <inkml:channelProperty channel="Y" name="resolution" value="1000.24213" units="1/cm"/>
+          <inkml:channelProperty channel="F" name="resolution" value="0" units="1/dev"/>
+          <inkml:channelProperty channel="T" name="resolution" value="1" units="1/dev"/>
+        </inkml:channelProperties>
+      </inkml:inkSource>
+      <inkml:timestamp xml:id="ts0" timeString="2020-06-20T18:10:09.787"/>
+    </inkml:context>
+    <inkml:brush xml:id="br0">
+      <inkml:brushProperty name="width" value="0.05292" units="cm"/>
+      <inkml:brushProperty name="height" value="0.05292" units="cm"/>
+      <inkml:brushProperty name="color" value="#FF0000"/>
+    </inkml:brush>
+    <inkml:brush xml:id="br1">
+      <inkml:brushProperty name="width" value="0.05292" units="cm"/>
+      <inkml:brushProperty name="height" value="0.05292" units="cm"/>
+      <inkml:brushProperty name="color" value="#7030A0"/>
+    </inkml:brush>
+  </inkml:definitions>
+  <inkml:trace contextRef="#ctx0" brushRef="#br0">26666 14090 113 0,'18'116'80'16,"-14"-111"-24"-16,-3 1-2 0,1 2-69 15,3 6 3-15,2 1 7 16,4 8 7-16,2-3 1 16,1 6 1-16,0 0 0 15,1 6-1-15,-4-1-2 16,1 8 0-16,-4-5 0 15,-2 8-1-15,-1-4 0 16,-1 3 0-16,-1-4-1 16,2 2 1-16,-3-10 0 0,0-3 2 15,1-4-1 1,-1-1 2-16,0-7 0 0,1 2-1 16,0 2-6-16,-2 3-32 15,0-4-25-15,1 2-6 16</inkml:trace>
+  <inkml:trace contextRef="#ctx0" brushRef="#br1" timeOffset="11809.49">26548 14428 181 0,'34'37'43'0,"-37"-37"16"15,3 1-54-15,-1 1-6 16,0-2-1-16,1 0-1 16,0 0 0-16,0 0 0 15,0 0 2-15,0 0 0 16,0 2 2-16,0-1 2 15,0 7 1-15,0 14 0 16,-6 33 0-16,1-30-2 16,0-4-2-16,-1 0-1 0,0-4 1 15,-2 4 1 1,1-3 0-16,-1 4 0 0,0-2 0 16,-1 2 0-16,2-4-2 15,0 4 1-15,1-1-1 16,2-3 1-16,3-3-1 15,1-2 0-15,1-5 0 16,1 0-1-16,0 0-5 16,2 2-52-16,-1-2 15 15</inkml:trace>
+  <inkml:trace contextRef="#ctx0" brushRef="#br1" timeOffset="37764.37">25710 2865 175 0,'49'-27'59'0,"-2"7"19"16,31-18-48-16,13-4-5 15,31-10 1-15,3 3-10 16,33-10 9-16,-17 8 6 16,20-8 19-16,-18 10 1 0,16-10 3 15,-25 6-13-15,18-6-6 16,-24 10-18-16,3-3-3 16,-28 17-5-16,-9 4-2 15,-32 14-7-15,-16 7-91 16,-22 9-57-16,-16 9-18 15</inkml:trace>
+  <inkml:trace contextRef="#ctx0" brushRef="#br1" timeOffset="38198.61">26071 3329 709 0,'6'4'126'16,"14"-6"75"-16,13-6-215 15,29-11-1-15,21-3 7 16,43-10 4-16,3-8 2 16,31-16 5-16,-7 1 1 15,24-11 10-15,-26 4-3 0,25-11 12 16,-28 15-1-16,4-9 0 15,-23 10-6-15,5-2-2 16,-39 16-5-16,0 2-2 16,-25 15-1-16,-15 5 0 15,-25 11 1-15,-5 3 0 16,-15 3 1-16,-4 4 4 16,-4 1-3-16,-3-1 3 15,0 0-2-15,0 0 1 16,0 0-4-16,0 0 1 15,-1 0-4-15,1 0-3 16,0 0-3-16,0 0-10 16,0 0-16-16,0 0-126 15,-2 1-96-15,-13 11-20 16</inkml:trace>
+  <inkml:trace contextRef="#ctx0" brushRef="#br1" timeOffset="40087.43">23814 11338 758 0,'-11'21'285'16,"4"-6"18"-16,3-16-212 15,0 0-30-15,5 2-45 16,-2-1-8-16,1 0-4 15,0-1-8-15,0 0 0 16,1-2-12-16,16-6-3 0,23-31-1 16,89-69 5-16,-22 33-3 15,7 3 9 1,28-23 1-16,-5 13 2 0,22-13 1 16,-17 9 3-16,20-2 0 15,-29 19 0-15,5-1-1 16,-29 19-1-16,-3 2 2 15,-31 12 0-15,-9 8 1 16,-26 13 0-16,-9 7-2 16,-16 7-16-16,-4 3-113 15,-7 3-30-15,-9 14-49 16,-15 12-63-16,-33 33-10 16</inkml:trace>
+  <inkml:trace contextRef="#ctx0" brushRef="#br1" timeOffset="40547.44">24047 11932 928 0,'-5'14'251'16,"6"-15"47"-16,1-1-271 15,20-9-40-15,14-8-14 16,36-24-1-16,23-9 15 0,46-26 8 15,2-3 2-15,22-9 0 16,-14 13 3-16,8-12-6 16,-25 18 5-16,13-8 1 15,-20 11 0-15,7 5-1 16,-24 18 2-16,-4 3-2 16,-30 18-2-16,-11 7 0 15,-25 8-2-15,-9 2 2 16,-14 8 1-16,-7-4 4 15,-8 2 5-15,1 1 0 16,-3-2 1-16,-2 2 3 16,2 0-2-16,-1 0-3 15,0 0 2-15,0 0 1 16,0 0-1-16,0 0 3 16,1 0 0-16,-1 0 0 15,-1 0-2-15,1 0-5 0,0 0-5 16,0 0-47-16,0 0-44 15,0 0-94-15,1 0-84 16,1 1-30-16,3 13-67 16</inkml:trace>
 </inkml:ink>
 </file>
 
@@ -1108,7 +1150,7 @@
           <a:p>
             <a:fld id="{72345051-2045-45DA-935E-2E3CA1A69ADC}" type="datetimeFigureOut">
               <a:rPr lang="en-US" smtClean="0"/>
-              <a:t>6/25/2020</a:t>
+              <a:t>6/30/2020</a:t>
             </a:fld>
             <a:endParaRPr lang="en-US"/>
           </a:p>
@@ -1318,7 +1360,7 @@
           <a:p>
             <a:fld id="{72345051-2045-45DA-935E-2E3CA1A69ADC}" type="datetimeFigureOut">
               <a:rPr lang="en-US" smtClean="0"/>
-              <a:t>6/25/2020</a:t>
+              <a:t>6/30/2020</a:t>
             </a:fld>
             <a:endParaRPr lang="en-US"/>
           </a:p>
@@ -1538,7 +1580,7 @@
           <a:p>
             <a:fld id="{72345051-2045-45DA-935E-2E3CA1A69ADC}" type="datetimeFigureOut">
               <a:rPr lang="en-US" smtClean="0"/>
-              <a:t>6/25/2020</a:t>
+              <a:t>6/30/2020</a:t>
             </a:fld>
             <a:endParaRPr lang="en-US"/>
           </a:p>
@@ -1773,7 +1815,7 @@
           <a:p>
             <a:fld id="{72345051-2045-45DA-935E-2E3CA1A69ADC}" type="datetimeFigureOut">
               <a:rPr lang="en-US" smtClean="0"/>
-              <a:t>6/25/2020</a:t>
+              <a:t>6/30/2020</a:t>
             </a:fld>
             <a:endParaRPr lang="en-US"/>
           </a:p>
@@ -2696,7 +2738,7 @@
           <a:p>
             <a:fld id="{72345051-2045-45DA-935E-2E3CA1A69ADC}" type="datetimeFigureOut">
               <a:rPr lang="en-US" smtClean="0"/>
-              <a:t>6/25/2020</a:t>
+              <a:t>6/30/2020</a:t>
             </a:fld>
             <a:endParaRPr lang="en-US"/>
           </a:p>
@@ -3312,7 +3354,7 @@
           <a:p>
             <a:fld id="{72345051-2045-45DA-935E-2E3CA1A69ADC}" type="datetimeFigureOut">
               <a:rPr lang="en-US" smtClean="0"/>
-              <a:t>6/25/2020</a:t>
+              <a:t>6/30/2020</a:t>
             </a:fld>
             <a:endParaRPr lang="en-US"/>
           </a:p>
@@ -4373,7 +4415,7 @@
           <a:p>
             <a:fld id="{72345051-2045-45DA-935E-2E3CA1A69ADC}" type="datetimeFigureOut">
               <a:rPr lang="en-US" smtClean="0"/>
-              <a:t>6/25/2020</a:t>
+              <a:t>6/30/2020</a:t>
             </a:fld>
             <a:endParaRPr lang="en-US"/>
           </a:p>
@@ -5169,7 +5211,7 @@
           <a:p>
             <a:fld id="{72345051-2045-45DA-935E-2E3CA1A69ADC}" type="datetimeFigureOut">
               <a:rPr lang="en-US" smtClean="0"/>
-              <a:t>6/25/2020</a:t>
+              <a:t>6/30/2020</a:t>
             </a:fld>
             <a:endParaRPr lang="en-US"/>
           </a:p>
@@ -5630,7 +5672,7 @@
           <a:p>
             <a:fld id="{72345051-2045-45DA-935E-2E3CA1A69ADC}" type="datetimeFigureOut">
               <a:rPr lang="en-US" smtClean="0"/>
-              <a:t>6/25/2020</a:t>
+              <a:t>6/30/2020</a:t>
             </a:fld>
             <a:endParaRPr lang="en-US"/>
           </a:p>
@@ -5959,7 +6001,7 @@
           <a:p>
             <a:fld id="{72345051-2045-45DA-935E-2E3CA1A69ADC}" type="datetimeFigureOut">
               <a:rPr lang="en-US" smtClean="0"/>
-              <a:t>6/25/2020</a:t>
+              <a:t>6/30/2020</a:t>
             </a:fld>
             <a:endParaRPr lang="en-US"/>
           </a:p>
@@ -6599,7 +6641,7 @@
           <a:p>
             <a:fld id="{72345051-2045-45DA-935E-2E3CA1A69ADC}" type="datetimeFigureOut">
               <a:rPr lang="en-US" smtClean="0"/>
-              <a:t>6/25/2020</a:t>
+              <a:t>6/30/2020</a:t>
             </a:fld>
             <a:endParaRPr lang="en-US"/>
           </a:p>
@@ -7186,7 +7228,7 @@
           <a:p>
             <a:fld id="{72345051-2045-45DA-935E-2E3CA1A69ADC}" type="datetimeFigureOut">
               <a:rPr lang="en-US" smtClean="0"/>
-              <a:t>6/25/2020</a:t>
+              <a:t>6/30/2020</a:t>
             </a:fld>
             <a:endParaRPr lang="en-US"/>
           </a:p>
@@ -8830,8 +8872,8 @@
           </a:p>
         </p:txBody>
       </p:sp>
-      <mc:AlternateContent xmlns:mc="http://schemas.openxmlformats.org/markup-compatibility/2006">
-        <mc:Choice xmlns:p14="http://schemas.microsoft.com/office/powerpoint/2010/main" Requires="p14">
+      <mc:AlternateContent xmlns:mc="http://schemas.openxmlformats.org/markup-compatibility/2006" xmlns:p14="http://schemas.microsoft.com/office/powerpoint/2010/main">
+        <mc:Choice Requires="p14">
           <p:contentPart p14:bwMode="auto" r:id="rId5">
             <p14:nvContentPartPr>
               <p14:cNvPr id="9" name="Ink 8">
@@ -8850,7 +8892,7 @@
             </p14:xfrm>
           </p:contentPart>
         </mc:Choice>
-        <mc:Fallback>
+        <mc:Fallback xmlns="">
           <p:pic>
             <p:nvPicPr>
               <p:cNvPr id="9" name="Ink 8">
@@ -9508,8 +9550,8 @@
           </a:p>
         </p:txBody>
       </p:sp>
-      <mc:AlternateContent xmlns:mc="http://schemas.openxmlformats.org/markup-compatibility/2006">
-        <mc:Choice xmlns:p14="http://schemas.microsoft.com/office/powerpoint/2010/main" Requires="p14">
+      <mc:AlternateContent xmlns:mc="http://schemas.openxmlformats.org/markup-compatibility/2006" xmlns:p14="http://schemas.microsoft.com/office/powerpoint/2010/main">
+        <mc:Choice Requires="p14">
           <p:contentPart p14:bwMode="auto" r:id="rId2">
             <p14:nvContentPartPr>
               <p14:cNvPr id="8" name="Ink 7">
@@ -9528,7 +9570,7 @@
             </p14:xfrm>
           </p:contentPart>
         </mc:Choice>
-        <mc:Fallback>
+        <mc:Fallback xmlns="">
           <p:pic>
             <p:nvPicPr>
               <p:cNvPr id="8" name="Ink 7">
@@ -9563,6 +9605,1693 @@
     <p:extLst>
       <p:ext uri="{BB962C8B-B14F-4D97-AF65-F5344CB8AC3E}">
         <p14:creationId xmlns:p14="http://schemas.microsoft.com/office/powerpoint/2010/main" val="563785362"/>
+      </p:ext>
+    </p:extLst>
+  </p:cSld>
+  <p:clrMapOvr>
+    <a:masterClrMapping/>
+  </p:clrMapOvr>
+  <mc:AlternateContent xmlns:mc="http://schemas.openxmlformats.org/markup-compatibility/2006" xmlns:p15="http://schemas.microsoft.com/office/powerpoint/2012/main">
+    <mc:Choice Requires="p15">
+      <p:transition xmlns:p14="http://schemas.microsoft.com/office/powerpoint/2010/main" spd="slow" p14:dur="1250">
+        <p15:prstTrans prst="airplane"/>
+      </p:transition>
+    </mc:Choice>
+    <mc:Fallback xmlns="">
+      <p:transition spd="slow">
+        <p:fade/>
+      </p:transition>
+    </mc:Fallback>
+  </mc:AlternateContent>
+</p:sld>
+</file>
+
+<file path=ppt/slides/slide6.xml><?xml version="1.0" encoding="utf-8"?>
+<p:sld xmlns:a="http://schemas.openxmlformats.org/drawingml/2006/main" xmlns:r="http://schemas.openxmlformats.org/officeDocument/2006/relationships" xmlns:p="http://schemas.openxmlformats.org/presentationml/2006/main">
+  <p:cSld>
+    <p:bg>
+      <p:bgPr>
+        <a:solidFill>
+          <a:schemeClr val="bg1"/>
+        </a:solidFill>
+        <a:effectLst/>
+      </p:bgPr>
+    </p:bg>
+    <p:spTree>
+      <p:nvGrpSpPr>
+        <p:cNvPr id="1" name=""/>
+        <p:cNvGrpSpPr/>
+        <p:nvPr/>
+      </p:nvGrpSpPr>
+      <p:grpSpPr>
+        <a:xfrm>
+          <a:off x="0" y="0"/>
+          <a:ext cx="0" cy="0"/>
+          <a:chOff x="0" y="0"/>
+          <a:chExt cx="0" cy="0"/>
+        </a:xfrm>
+      </p:grpSpPr>
+      <p:sp useBgFill="1">
+        <p:nvSpPr>
+          <p:cNvPr id="16" name="Rectangle 15">
+            <a:extLst>
+              <a:ext uri="{FF2B5EF4-FFF2-40B4-BE49-F238E27FC236}">
+                <a16:creationId xmlns:a16="http://schemas.microsoft.com/office/drawing/2014/main" id="{AD35AE2F-5E3A-49D9-8DE1-8A333BA4088E}"/>
+              </a:ext>
+              <a:ext uri="{C183D7F6-B498-43B3-948B-1728B52AA6E4}">
+                <adec:decorative xmlns:adec="http://schemas.microsoft.com/office/drawing/2017/decorative" val="1"/>
+              </a:ext>
+            </a:extLst>
+          </p:cNvPr>
+          <p:cNvSpPr>
+            <a:spLocks noGrp="1" noRot="1" noChangeAspect="1" noMove="1" noResize="1" noEditPoints="1" noAdjustHandles="1" noChangeArrowheads="1" noChangeShapeType="1" noTextEdit="1"/>
+          </p:cNvSpPr>
+          <p:nvPr>
+            <p:extLst>
+              <p:ext uri="{386F3935-93C4-4BCD-93E2-E3B085C9AB24}">
+                <p16:designElem xmlns:p16="http://schemas.microsoft.com/office/powerpoint/2015/main" val="1"/>
+              </p:ext>
+            </p:extLst>
+          </p:nvPr>
+        </p:nvSpPr>
+        <p:spPr>
+          <a:xfrm>
+            <a:off x="0" y="0"/>
+            <a:ext cx="12188952" cy="6858000"/>
+          </a:xfrm>
+          <a:prstGeom prst="rect">
+            <a:avLst/>
+          </a:prstGeom>
+          <a:ln>
+            <a:noFill/>
+          </a:ln>
+        </p:spPr>
+        <p:style>
+          <a:lnRef idx="2">
+            <a:schemeClr val="accent1">
+              <a:shade val="50000"/>
+            </a:schemeClr>
+          </a:lnRef>
+          <a:fillRef idx="1">
+            <a:schemeClr val="accent1"/>
+          </a:fillRef>
+          <a:effectRef idx="0">
+            <a:schemeClr val="accent1"/>
+          </a:effectRef>
+          <a:fontRef idx="minor">
+            <a:schemeClr val="lt1"/>
+          </a:fontRef>
+        </p:style>
+        <p:txBody>
+          <a:bodyPr rtlCol="0" anchor="ctr"/>
+          <a:lstStyle/>
+          <a:p>
+            <a:pPr marL="0" marR="0" lvl="0" indent="0" algn="ctr" defTabSz="914400" rtl="0" eaLnBrk="1" fontAlgn="auto" latinLnBrk="0" hangingPunct="1">
+              <a:lnSpc>
+                <a:spcPct val="100000"/>
+              </a:lnSpc>
+              <a:spcBef>
+                <a:spcPts val="0"/>
+              </a:spcBef>
+              <a:spcAft>
+                <a:spcPts val="0"/>
+              </a:spcAft>
+              <a:buClrTx/>
+              <a:buSzTx/>
+              <a:buFontTx/>
+              <a:buNone/>
+              <a:tabLst/>
+              <a:defRPr/>
+            </a:pPr>
+            <a:endParaRPr kumimoji="0" lang="en-US" sz="1800" b="0" i="0" u="none" strike="noStrike" kern="1200" cap="none" spc="0" normalizeH="0" baseline="0" noProof="0">
+              <a:ln>
+                <a:noFill/>
+              </a:ln>
+              <a:solidFill>
+                <a:prstClr val="white"/>
+              </a:solidFill>
+              <a:effectLst/>
+              <a:uLnTx/>
+              <a:uFillTx/>
+              <a:latin typeface="The Hand"/>
+              <a:ea typeface="+mn-ea"/>
+              <a:cs typeface="+mn-cs"/>
+            </a:endParaRPr>
+          </a:p>
+        </p:txBody>
+      </p:sp>
+      <p:pic>
+        <p:nvPicPr>
+          <p:cNvPr id="4" name="Picture 3">
+            <a:extLst>
+              <a:ext uri="{FF2B5EF4-FFF2-40B4-BE49-F238E27FC236}">
+                <a16:creationId xmlns:a16="http://schemas.microsoft.com/office/drawing/2014/main" id="{E8176F3F-5444-4D2A-B453-A9D7C4DBAE91}"/>
+              </a:ext>
+            </a:extLst>
+          </p:cNvPr>
+          <p:cNvPicPr>
+            <a:picLocks noChangeAspect="1"/>
+          </p:cNvPicPr>
+          <p:nvPr/>
+        </p:nvPicPr>
+        <p:blipFill rotWithShape="1">
+          <a:blip r:embed="rId2">
+            <a:alphaModFix amt="50000"/>
+          </a:blip>
+          <a:srcRect r="-1" b="15708"/>
+          <a:stretch/>
+        </p:blipFill>
+        <p:spPr>
+          <a:xfrm>
+            <a:off x="22" y="10"/>
+            <a:ext cx="12188930" cy="6857990"/>
+          </a:xfrm>
+          <a:prstGeom prst="rect">
+            <a:avLst/>
+          </a:prstGeom>
+        </p:spPr>
+      </p:pic>
+      <p:sp>
+        <p:nvSpPr>
+          <p:cNvPr id="2" name="Title 1">
+            <a:extLst>
+              <a:ext uri="{FF2B5EF4-FFF2-40B4-BE49-F238E27FC236}">
+                <a16:creationId xmlns:a16="http://schemas.microsoft.com/office/drawing/2014/main" id="{2BCBFC71-9D19-4D9E-89D5-F165140808B1}"/>
+              </a:ext>
+            </a:extLst>
+          </p:cNvPr>
+          <p:cNvSpPr>
+            <a:spLocks noGrp="1"/>
+          </p:cNvSpPr>
+          <p:nvPr>
+            <p:ph type="ctrTitle"/>
+          </p:nvPr>
+        </p:nvSpPr>
+        <p:spPr>
+          <a:xfrm>
+            <a:off x="1524000" y="1122363"/>
+            <a:ext cx="9144000" cy="3063240"/>
+          </a:xfrm>
+        </p:spPr>
+        <p:txBody>
+          <a:bodyPr>
+            <a:normAutofit/>
+          </a:bodyPr>
+          <a:lstStyle/>
+          <a:p>
+            <a:pPr algn="ctr">
+              <a:lnSpc>
+                <a:spcPct val="90000"/>
+              </a:lnSpc>
+            </a:pPr>
+            <a:r>
+              <a:rPr lang="en-IN" sz="7400" dirty="0"/>
+              <a:t>File Operations With</a:t>
+            </a:r>
+            <a:br>
+              <a:rPr lang="en-IN" sz="7400" dirty="0"/>
+            </a:br>
+            <a:r>
+              <a:rPr lang="en-IN" sz="7400" dirty="0"/>
+              <a:t>Spring Boot</a:t>
+            </a:r>
+          </a:p>
+        </p:txBody>
+      </p:sp>
+      <p:sp>
+        <p:nvSpPr>
+          <p:cNvPr id="18" name="Rectangle 6">
+            <a:extLst>
+              <a:ext uri="{FF2B5EF4-FFF2-40B4-BE49-F238E27FC236}">
+                <a16:creationId xmlns:a16="http://schemas.microsoft.com/office/drawing/2014/main" id="{04D8AD8F-EF7F-481F-B99A-B8513897050A}"/>
+              </a:ext>
+              <a:ext uri="{C183D7F6-B498-43B3-948B-1728B52AA6E4}">
+                <adec:decorative xmlns:adec="http://schemas.microsoft.com/office/drawing/2017/decorative" val="1"/>
+              </a:ext>
+            </a:extLst>
+          </p:cNvPr>
+          <p:cNvSpPr>
+            <a:spLocks noGrp="1" noRot="1" noChangeAspect="1" noMove="1" noResize="1" noEditPoints="1" noAdjustHandles="1" noChangeArrowheads="1" noChangeShapeType="1" noTextEdit="1"/>
+          </p:cNvSpPr>
+          <p:nvPr>
+            <p:extLst>
+              <p:ext uri="{386F3935-93C4-4BCD-93E2-E3B085C9AB24}">
+                <p16:designElem xmlns:p16="http://schemas.microsoft.com/office/powerpoint/2015/main" val="1"/>
+              </p:ext>
+            </p:extLst>
+          </p:nvPr>
+        </p:nvSpPr>
+        <p:spPr>
+          <a:xfrm>
+            <a:off x="3974206" y="4419423"/>
+            <a:ext cx="4243589" cy="27432"/>
+          </a:xfrm>
+          <a:custGeom>
+            <a:avLst/>
+            <a:gdLst>
+              <a:gd name="connsiteX0" fmla="*/ 0 w 4243589"/>
+              <a:gd name="connsiteY0" fmla="*/ 0 h 27432"/>
+              <a:gd name="connsiteX1" fmla="*/ 563791 w 4243589"/>
+              <a:gd name="connsiteY1" fmla="*/ 0 h 27432"/>
+              <a:gd name="connsiteX2" fmla="*/ 1042710 w 4243589"/>
+              <a:gd name="connsiteY2" fmla="*/ 0 h 27432"/>
+              <a:gd name="connsiteX3" fmla="*/ 1564066 w 4243589"/>
+              <a:gd name="connsiteY3" fmla="*/ 0 h 27432"/>
+              <a:gd name="connsiteX4" fmla="*/ 2212729 w 4243589"/>
+              <a:gd name="connsiteY4" fmla="*/ 0 h 27432"/>
+              <a:gd name="connsiteX5" fmla="*/ 2776520 w 4243589"/>
+              <a:gd name="connsiteY5" fmla="*/ 0 h 27432"/>
+              <a:gd name="connsiteX6" fmla="*/ 3297875 w 4243589"/>
+              <a:gd name="connsiteY6" fmla="*/ 0 h 27432"/>
+              <a:gd name="connsiteX7" fmla="*/ 4243589 w 4243589"/>
+              <a:gd name="connsiteY7" fmla="*/ 0 h 27432"/>
+              <a:gd name="connsiteX8" fmla="*/ 4243589 w 4243589"/>
+              <a:gd name="connsiteY8" fmla="*/ 27432 h 27432"/>
+              <a:gd name="connsiteX9" fmla="*/ 3637362 w 4243589"/>
+              <a:gd name="connsiteY9" fmla="*/ 27432 h 27432"/>
+              <a:gd name="connsiteX10" fmla="*/ 3116007 w 4243589"/>
+              <a:gd name="connsiteY10" fmla="*/ 27432 h 27432"/>
+              <a:gd name="connsiteX11" fmla="*/ 2424908 w 4243589"/>
+              <a:gd name="connsiteY11" fmla="*/ 27432 h 27432"/>
+              <a:gd name="connsiteX12" fmla="*/ 1861117 w 4243589"/>
+              <a:gd name="connsiteY12" fmla="*/ 27432 h 27432"/>
+              <a:gd name="connsiteX13" fmla="*/ 1382198 w 4243589"/>
+              <a:gd name="connsiteY13" fmla="*/ 27432 h 27432"/>
+              <a:gd name="connsiteX14" fmla="*/ 733535 w 4243589"/>
+              <a:gd name="connsiteY14" fmla="*/ 27432 h 27432"/>
+              <a:gd name="connsiteX15" fmla="*/ 0 w 4243589"/>
+              <a:gd name="connsiteY15" fmla="*/ 27432 h 27432"/>
+              <a:gd name="connsiteX16" fmla="*/ 0 w 4243589"/>
+              <a:gd name="connsiteY16" fmla="*/ 0 h 27432"/>
+            </a:gdLst>
+            <a:ahLst/>
+            <a:cxnLst>
+              <a:cxn ang="0">
+                <a:pos x="connsiteX0" y="connsiteY0"/>
+              </a:cxn>
+              <a:cxn ang="0">
+                <a:pos x="connsiteX1" y="connsiteY1"/>
+              </a:cxn>
+              <a:cxn ang="0">
+                <a:pos x="connsiteX2" y="connsiteY2"/>
+              </a:cxn>
+              <a:cxn ang="0">
+                <a:pos x="connsiteX3" y="connsiteY3"/>
+              </a:cxn>
+              <a:cxn ang="0">
+                <a:pos x="connsiteX4" y="connsiteY4"/>
+              </a:cxn>
+              <a:cxn ang="0">
+                <a:pos x="connsiteX5" y="connsiteY5"/>
+              </a:cxn>
+              <a:cxn ang="0">
+                <a:pos x="connsiteX6" y="connsiteY6"/>
+              </a:cxn>
+              <a:cxn ang="0">
+                <a:pos x="connsiteX7" y="connsiteY7"/>
+              </a:cxn>
+              <a:cxn ang="0">
+                <a:pos x="connsiteX8" y="connsiteY8"/>
+              </a:cxn>
+              <a:cxn ang="0">
+                <a:pos x="connsiteX9" y="connsiteY9"/>
+              </a:cxn>
+              <a:cxn ang="0">
+                <a:pos x="connsiteX10" y="connsiteY10"/>
+              </a:cxn>
+              <a:cxn ang="0">
+                <a:pos x="connsiteX11" y="connsiteY11"/>
+              </a:cxn>
+              <a:cxn ang="0">
+                <a:pos x="connsiteX12" y="connsiteY12"/>
+              </a:cxn>
+              <a:cxn ang="0">
+                <a:pos x="connsiteX13" y="connsiteY13"/>
+              </a:cxn>
+              <a:cxn ang="0">
+                <a:pos x="connsiteX14" y="connsiteY14"/>
+              </a:cxn>
+              <a:cxn ang="0">
+                <a:pos x="connsiteX15" y="connsiteY15"/>
+              </a:cxn>
+              <a:cxn ang="0">
+                <a:pos x="connsiteX16" y="connsiteY16"/>
+              </a:cxn>
+            </a:cxnLst>
+            <a:rect l="l" t="t" r="r" b="b"/>
+            <a:pathLst>
+              <a:path w="4243589" h="27432" fill="none" extrusionOk="0">
+                <a:moveTo>
+                  <a:pt x="0" y="0"/>
+                </a:moveTo>
+                <a:cubicBezTo>
+                  <a:pt x="157351" y="-15653"/>
+                  <a:pt x="378877" y="-5828"/>
+                  <a:pt x="563791" y="0"/>
+                </a:cubicBezTo>
+                <a:cubicBezTo>
+                  <a:pt x="748705" y="5828"/>
+                  <a:pt x="905659" y="-5525"/>
+                  <a:pt x="1042710" y="0"/>
+                </a:cubicBezTo>
+                <a:cubicBezTo>
+                  <a:pt x="1179761" y="5525"/>
+                  <a:pt x="1356845" y="-21288"/>
+                  <a:pt x="1564066" y="0"/>
+                </a:cubicBezTo>
+                <a:cubicBezTo>
+                  <a:pt x="1771287" y="21288"/>
+                  <a:pt x="1912099" y="25135"/>
+                  <a:pt x="2212729" y="0"/>
+                </a:cubicBezTo>
+                <a:cubicBezTo>
+                  <a:pt x="2513359" y="-25135"/>
+                  <a:pt x="2514918" y="-27119"/>
+                  <a:pt x="2776520" y="0"/>
+                </a:cubicBezTo>
+                <a:cubicBezTo>
+                  <a:pt x="3038122" y="27119"/>
+                  <a:pt x="3178771" y="18116"/>
+                  <a:pt x="3297875" y="0"/>
+                </a:cubicBezTo>
+                <a:cubicBezTo>
+                  <a:pt x="3416980" y="-18116"/>
+                  <a:pt x="4012240" y="-40869"/>
+                  <a:pt x="4243589" y="0"/>
+                </a:cubicBezTo>
+                <a:cubicBezTo>
+                  <a:pt x="4242616" y="8304"/>
+                  <a:pt x="4243111" y="21512"/>
+                  <a:pt x="4243589" y="27432"/>
+                </a:cubicBezTo>
+                <a:cubicBezTo>
+                  <a:pt x="4112949" y="6289"/>
+                  <a:pt x="3928037" y="10975"/>
+                  <a:pt x="3637362" y="27432"/>
+                </a:cubicBezTo>
+                <a:cubicBezTo>
+                  <a:pt x="3346687" y="43889"/>
+                  <a:pt x="3254446" y="35813"/>
+                  <a:pt x="3116007" y="27432"/>
+                </a:cubicBezTo>
+                <a:cubicBezTo>
+                  <a:pt x="2977569" y="19051"/>
+                  <a:pt x="2620228" y="38017"/>
+                  <a:pt x="2424908" y="27432"/>
+                </a:cubicBezTo>
+                <a:cubicBezTo>
+                  <a:pt x="2229588" y="16847"/>
+                  <a:pt x="2088287" y="5290"/>
+                  <a:pt x="1861117" y="27432"/>
+                </a:cubicBezTo>
+                <a:cubicBezTo>
+                  <a:pt x="1633947" y="49574"/>
+                  <a:pt x="1502447" y="8273"/>
+                  <a:pt x="1382198" y="27432"/>
+                </a:cubicBezTo>
+                <a:cubicBezTo>
+                  <a:pt x="1261949" y="46591"/>
+                  <a:pt x="1045440" y="37497"/>
+                  <a:pt x="733535" y="27432"/>
+                </a:cubicBezTo>
+                <a:cubicBezTo>
+                  <a:pt x="421630" y="17367"/>
+                  <a:pt x="341257" y="-9215"/>
+                  <a:pt x="0" y="27432"/>
+                </a:cubicBezTo>
+                <a:cubicBezTo>
+                  <a:pt x="-1048" y="14992"/>
+                  <a:pt x="-1120" y="7447"/>
+                  <a:pt x="0" y="0"/>
+                </a:cubicBezTo>
+                <a:close/>
+              </a:path>
+              <a:path w="4243589" h="27432" stroke="0" extrusionOk="0">
+                <a:moveTo>
+                  <a:pt x="0" y="0"/>
+                </a:moveTo>
+                <a:cubicBezTo>
+                  <a:pt x="128164" y="17204"/>
+                  <a:pt x="312653" y="1129"/>
+                  <a:pt x="563791" y="0"/>
+                </a:cubicBezTo>
+                <a:cubicBezTo>
+                  <a:pt x="814929" y="-1129"/>
+                  <a:pt x="837271" y="8503"/>
+                  <a:pt x="1042710" y="0"/>
+                </a:cubicBezTo>
+                <a:cubicBezTo>
+                  <a:pt x="1248149" y="-8503"/>
+                  <a:pt x="1588432" y="-28862"/>
+                  <a:pt x="1733809" y="0"/>
+                </a:cubicBezTo>
+                <a:cubicBezTo>
+                  <a:pt x="1879186" y="28862"/>
+                  <a:pt x="2052815" y="5974"/>
+                  <a:pt x="2297600" y="0"/>
+                </a:cubicBezTo>
+                <a:cubicBezTo>
+                  <a:pt x="2542385" y="-5974"/>
+                  <a:pt x="2699960" y="-23550"/>
+                  <a:pt x="2861391" y="0"/>
+                </a:cubicBezTo>
+                <a:cubicBezTo>
+                  <a:pt x="3022822" y="23550"/>
+                  <a:pt x="3390411" y="25272"/>
+                  <a:pt x="3552490" y="0"/>
+                </a:cubicBezTo>
+                <a:cubicBezTo>
+                  <a:pt x="3714569" y="-25272"/>
+                  <a:pt x="3950585" y="-31327"/>
+                  <a:pt x="4243589" y="0"/>
+                </a:cubicBezTo>
+                <a:cubicBezTo>
+                  <a:pt x="4244074" y="9333"/>
+                  <a:pt x="4244867" y="19699"/>
+                  <a:pt x="4243589" y="27432"/>
+                </a:cubicBezTo>
+                <a:cubicBezTo>
+                  <a:pt x="4130424" y="7904"/>
+                  <a:pt x="3932803" y="51393"/>
+                  <a:pt x="3722234" y="27432"/>
+                </a:cubicBezTo>
+                <a:cubicBezTo>
+                  <a:pt x="3511665" y="3471"/>
+                  <a:pt x="3269903" y="55138"/>
+                  <a:pt x="3116007" y="27432"/>
+                </a:cubicBezTo>
+                <a:cubicBezTo>
+                  <a:pt x="2962111" y="-274"/>
+                  <a:pt x="2744280" y="32368"/>
+                  <a:pt x="2509780" y="27432"/>
+                </a:cubicBezTo>
+                <a:cubicBezTo>
+                  <a:pt x="2275280" y="22496"/>
+                  <a:pt x="2066059" y="52808"/>
+                  <a:pt x="1945989" y="27432"/>
+                </a:cubicBezTo>
+                <a:cubicBezTo>
+                  <a:pt x="1825919" y="2056"/>
+                  <a:pt x="1407329" y="21760"/>
+                  <a:pt x="1254890" y="27432"/>
+                </a:cubicBezTo>
+                <a:cubicBezTo>
+                  <a:pt x="1102451" y="33104"/>
+                  <a:pt x="837950" y="40817"/>
+                  <a:pt x="563791" y="27432"/>
+                </a:cubicBezTo>
+                <a:cubicBezTo>
+                  <a:pt x="289632" y="14047"/>
+                  <a:pt x="132768" y="16249"/>
+                  <a:pt x="0" y="27432"/>
+                </a:cubicBezTo>
+                <a:cubicBezTo>
+                  <a:pt x="211" y="18145"/>
+                  <a:pt x="120" y="6480"/>
+                  <a:pt x="0" y="0"/>
+                </a:cubicBezTo>
+                <a:close/>
+              </a:path>
+            </a:pathLst>
+          </a:custGeom>
+          <a:solidFill>
+            <a:schemeClr val="tx1"/>
+          </a:solidFill>
+          <a:ln w="38100" cap="rnd">
+            <a:solidFill>
+              <a:schemeClr val="tx1"/>
+            </a:solidFill>
+            <a:round/>
+            <a:extLst>
+              <a:ext uri="{C807C97D-BFC1-408E-A445-0C87EB9F89A2}">
+                <ask:lineSketchStyleProps xmlns:ask="http://schemas.microsoft.com/office/drawing/2018/sketchyshapes" sd="1219033472">
+                  <a:prstGeom prst="rect">
+                    <a:avLst/>
+                  </a:prstGeom>
+                  <ask:type>
+                    <ask:lineSketchFreehand/>
+                  </ask:type>
+                </ask:lineSketchStyleProps>
+              </a:ext>
+            </a:extLst>
+          </a:ln>
+        </p:spPr>
+        <p:style>
+          <a:lnRef idx="2">
+            <a:schemeClr val="accent1">
+              <a:shade val="50000"/>
+            </a:schemeClr>
+          </a:lnRef>
+          <a:fillRef idx="1">
+            <a:schemeClr val="accent1"/>
+          </a:fillRef>
+          <a:effectRef idx="0">
+            <a:schemeClr val="accent1"/>
+          </a:effectRef>
+          <a:fontRef idx="minor">
+            <a:schemeClr val="lt1"/>
+          </a:fontRef>
+        </p:style>
+        <p:txBody>
+          <a:bodyPr rtlCol="0" anchor="ctr"/>
+          <a:lstStyle/>
+          <a:p>
+            <a:pPr marL="0" marR="0" lvl="0" indent="0" algn="ctr" defTabSz="914400" rtl="0" eaLnBrk="1" fontAlgn="auto" latinLnBrk="0" hangingPunct="1">
+              <a:lnSpc>
+                <a:spcPct val="100000"/>
+              </a:lnSpc>
+              <a:spcBef>
+                <a:spcPts val="0"/>
+              </a:spcBef>
+              <a:spcAft>
+                <a:spcPts val="0"/>
+              </a:spcAft>
+              <a:buClrTx/>
+              <a:buSzTx/>
+              <a:buFontTx/>
+              <a:buNone/>
+              <a:tabLst/>
+              <a:defRPr/>
+            </a:pPr>
+            <a:endParaRPr kumimoji="0" lang="en-US" sz="1800" b="0" i="0" u="none" strike="noStrike" kern="1200" cap="none" spc="0" normalizeH="0" baseline="0" noProof="0">
+              <a:ln>
+                <a:noFill/>
+              </a:ln>
+              <a:solidFill>
+                <a:prstClr val="white"/>
+              </a:solidFill>
+              <a:effectLst/>
+              <a:uLnTx/>
+              <a:uFillTx/>
+              <a:latin typeface="The Hand"/>
+              <a:ea typeface="+mn-ea"/>
+              <a:cs typeface="+mn-cs"/>
+            </a:endParaRPr>
+          </a:p>
+        </p:txBody>
+      </p:sp>
+      <p:sp>
+        <p:nvSpPr>
+          <p:cNvPr id="20" name="Rectangle 6">
+            <a:extLst>
+              <a:ext uri="{FF2B5EF4-FFF2-40B4-BE49-F238E27FC236}">
+                <a16:creationId xmlns:a16="http://schemas.microsoft.com/office/drawing/2014/main" id="{79EB4626-023C-436D-9F57-9EB46080909D}"/>
+              </a:ext>
+              <a:ext uri="{C183D7F6-B498-43B3-948B-1728B52AA6E4}">
+                <adec:decorative xmlns:adec="http://schemas.microsoft.com/office/drawing/2017/decorative" val="1"/>
+              </a:ext>
+            </a:extLst>
+          </p:cNvPr>
+          <p:cNvSpPr>
+            <a:spLocks noGrp="1" noRot="1" noChangeAspect="1" noMove="1" noResize="1" noEditPoints="1" noAdjustHandles="1" noChangeArrowheads="1" noChangeShapeType="1" noTextEdit="1"/>
+          </p:cNvSpPr>
+          <p:nvPr>
+            <p:extLst>
+              <p:ext uri="{386F3935-93C4-4BCD-93E2-E3B085C9AB24}">
+                <p16:designElem xmlns:p16="http://schemas.microsoft.com/office/powerpoint/2015/main" val="1"/>
+              </p:ext>
+            </p:extLst>
+          </p:nvPr>
+        </p:nvSpPr>
+        <p:spPr>
+          <a:xfrm flipV="1">
+            <a:off x="838200" y="720953"/>
+            <a:ext cx="10515600" cy="5416094"/>
+          </a:xfrm>
+          <a:custGeom>
+            <a:avLst/>
+            <a:gdLst>
+              <a:gd name="connsiteX0" fmla="*/ 0 w 10515600"/>
+              <a:gd name="connsiteY0" fmla="*/ 902700 h 5416094"/>
+              <a:gd name="connsiteX1" fmla="*/ 902700 w 10515600"/>
+              <a:gd name="connsiteY1" fmla="*/ 0 h 5416094"/>
+              <a:gd name="connsiteX2" fmla="*/ 1746919 w 10515600"/>
+              <a:gd name="connsiteY2" fmla="*/ 0 h 5416094"/>
+              <a:gd name="connsiteX3" fmla="*/ 2329833 w 10515600"/>
+              <a:gd name="connsiteY3" fmla="*/ 0 h 5416094"/>
+              <a:gd name="connsiteX4" fmla="*/ 2825644 w 10515600"/>
+              <a:gd name="connsiteY4" fmla="*/ 0 h 5416094"/>
+              <a:gd name="connsiteX5" fmla="*/ 3582762 w 10515600"/>
+              <a:gd name="connsiteY5" fmla="*/ 0 h 5416094"/>
+              <a:gd name="connsiteX6" fmla="*/ 4165675 w 10515600"/>
+              <a:gd name="connsiteY6" fmla="*/ 0 h 5416094"/>
+              <a:gd name="connsiteX7" fmla="*/ 5009894 w 10515600"/>
+              <a:gd name="connsiteY7" fmla="*/ 0 h 5416094"/>
+              <a:gd name="connsiteX8" fmla="*/ 5505706 w 10515600"/>
+              <a:gd name="connsiteY8" fmla="*/ 0 h 5416094"/>
+              <a:gd name="connsiteX9" fmla="*/ 6349925 w 10515600"/>
+              <a:gd name="connsiteY9" fmla="*/ 0 h 5416094"/>
+              <a:gd name="connsiteX10" fmla="*/ 6758634 w 10515600"/>
+              <a:gd name="connsiteY10" fmla="*/ 0 h 5416094"/>
+              <a:gd name="connsiteX11" fmla="*/ 7428650 w 10515600"/>
+              <a:gd name="connsiteY11" fmla="*/ 0 h 5416094"/>
+              <a:gd name="connsiteX12" fmla="*/ 8098665 w 10515600"/>
+              <a:gd name="connsiteY12" fmla="*/ 0 h 5416094"/>
+              <a:gd name="connsiteX13" fmla="*/ 8681579 w 10515600"/>
+              <a:gd name="connsiteY13" fmla="*/ 0 h 5416094"/>
+              <a:gd name="connsiteX14" fmla="*/ 9612900 w 10515600"/>
+              <a:gd name="connsiteY14" fmla="*/ 0 h 5416094"/>
+              <a:gd name="connsiteX15" fmla="*/ 10515600 w 10515600"/>
+              <a:gd name="connsiteY15" fmla="*/ 902700 h 5416094"/>
+              <a:gd name="connsiteX16" fmla="*/ 10515600 w 10515600"/>
+              <a:gd name="connsiteY16" fmla="*/ 1504482 h 5416094"/>
+              <a:gd name="connsiteX17" fmla="*/ 10515600 w 10515600"/>
+              <a:gd name="connsiteY17" fmla="*/ 2178479 h 5416094"/>
+              <a:gd name="connsiteX18" fmla="*/ 10515600 w 10515600"/>
+              <a:gd name="connsiteY18" fmla="*/ 2780261 h 5416094"/>
+              <a:gd name="connsiteX19" fmla="*/ 10515600 w 10515600"/>
+              <a:gd name="connsiteY19" fmla="*/ 3273722 h 5416094"/>
+              <a:gd name="connsiteX20" fmla="*/ 10515600 w 10515600"/>
+              <a:gd name="connsiteY20" fmla="*/ 3803291 h 5416094"/>
+              <a:gd name="connsiteX21" fmla="*/ 10515600 w 10515600"/>
+              <a:gd name="connsiteY21" fmla="*/ 4513394 h 5416094"/>
+              <a:gd name="connsiteX22" fmla="*/ 9612900 w 10515600"/>
+              <a:gd name="connsiteY22" fmla="*/ 5416094 h 5416094"/>
+              <a:gd name="connsiteX23" fmla="*/ 9117089 w 10515600"/>
+              <a:gd name="connsiteY23" fmla="*/ 5416094 h 5416094"/>
+              <a:gd name="connsiteX24" fmla="*/ 8708379 w 10515600"/>
+              <a:gd name="connsiteY24" fmla="*/ 5416094 h 5416094"/>
+              <a:gd name="connsiteX25" fmla="*/ 8299670 w 10515600"/>
+              <a:gd name="connsiteY25" fmla="*/ 5416094 h 5416094"/>
+              <a:gd name="connsiteX26" fmla="*/ 7629654 w 10515600"/>
+              <a:gd name="connsiteY26" fmla="*/ 5416094 h 5416094"/>
+              <a:gd name="connsiteX27" fmla="*/ 7133843 w 10515600"/>
+              <a:gd name="connsiteY27" fmla="*/ 5416094 h 5416094"/>
+              <a:gd name="connsiteX28" fmla="*/ 6376726 w 10515600"/>
+              <a:gd name="connsiteY28" fmla="*/ 5416094 h 5416094"/>
+              <a:gd name="connsiteX29" fmla="*/ 5880914 w 10515600"/>
+              <a:gd name="connsiteY29" fmla="*/ 5416094 h 5416094"/>
+              <a:gd name="connsiteX30" fmla="*/ 5123797 w 10515600"/>
+              <a:gd name="connsiteY30" fmla="*/ 5416094 h 5416094"/>
+              <a:gd name="connsiteX31" fmla="*/ 4715088 w 10515600"/>
+              <a:gd name="connsiteY31" fmla="*/ 5416094 h 5416094"/>
+              <a:gd name="connsiteX32" fmla="*/ 3957970 w 10515600"/>
+              <a:gd name="connsiteY32" fmla="*/ 5416094 h 5416094"/>
+              <a:gd name="connsiteX33" fmla="*/ 3462159 w 10515600"/>
+              <a:gd name="connsiteY33" fmla="*/ 5416094 h 5416094"/>
+              <a:gd name="connsiteX34" fmla="*/ 3053449 w 10515600"/>
+              <a:gd name="connsiteY34" fmla="*/ 5416094 h 5416094"/>
+              <a:gd name="connsiteX35" fmla="*/ 2557638 w 10515600"/>
+              <a:gd name="connsiteY35" fmla="*/ 5416094 h 5416094"/>
+              <a:gd name="connsiteX36" fmla="*/ 1800521 w 10515600"/>
+              <a:gd name="connsiteY36" fmla="*/ 5416094 h 5416094"/>
+              <a:gd name="connsiteX37" fmla="*/ 902700 w 10515600"/>
+              <a:gd name="connsiteY37" fmla="*/ 5416094 h 5416094"/>
+              <a:gd name="connsiteX38" fmla="*/ 0 w 10515600"/>
+              <a:gd name="connsiteY38" fmla="*/ 4513394 h 5416094"/>
+              <a:gd name="connsiteX39" fmla="*/ 0 w 10515600"/>
+              <a:gd name="connsiteY39" fmla="*/ 3911612 h 5416094"/>
+              <a:gd name="connsiteX40" fmla="*/ 0 w 10515600"/>
+              <a:gd name="connsiteY40" fmla="*/ 3309829 h 5416094"/>
+              <a:gd name="connsiteX41" fmla="*/ 0 w 10515600"/>
+              <a:gd name="connsiteY41" fmla="*/ 2780261 h 5416094"/>
+              <a:gd name="connsiteX42" fmla="*/ 0 w 10515600"/>
+              <a:gd name="connsiteY42" fmla="*/ 2106265 h 5416094"/>
+              <a:gd name="connsiteX43" fmla="*/ 0 w 10515600"/>
+              <a:gd name="connsiteY43" fmla="*/ 1504482 h 5416094"/>
+              <a:gd name="connsiteX44" fmla="*/ 0 w 10515600"/>
+              <a:gd name="connsiteY44" fmla="*/ 902700 h 5416094"/>
+            </a:gdLst>
+            <a:ahLst/>
+            <a:cxnLst>
+              <a:cxn ang="0">
+                <a:pos x="connsiteX0" y="connsiteY0"/>
+              </a:cxn>
+              <a:cxn ang="0">
+                <a:pos x="connsiteX1" y="connsiteY1"/>
+              </a:cxn>
+              <a:cxn ang="0">
+                <a:pos x="connsiteX2" y="connsiteY2"/>
+              </a:cxn>
+              <a:cxn ang="0">
+                <a:pos x="connsiteX3" y="connsiteY3"/>
+              </a:cxn>
+              <a:cxn ang="0">
+                <a:pos x="connsiteX4" y="connsiteY4"/>
+              </a:cxn>
+              <a:cxn ang="0">
+                <a:pos x="connsiteX5" y="connsiteY5"/>
+              </a:cxn>
+              <a:cxn ang="0">
+                <a:pos x="connsiteX6" y="connsiteY6"/>
+              </a:cxn>
+              <a:cxn ang="0">
+                <a:pos x="connsiteX7" y="connsiteY7"/>
+              </a:cxn>
+              <a:cxn ang="0">
+                <a:pos x="connsiteX8" y="connsiteY8"/>
+              </a:cxn>
+              <a:cxn ang="0">
+                <a:pos x="connsiteX9" y="connsiteY9"/>
+              </a:cxn>
+              <a:cxn ang="0">
+                <a:pos x="connsiteX10" y="connsiteY10"/>
+              </a:cxn>
+              <a:cxn ang="0">
+                <a:pos x="connsiteX11" y="connsiteY11"/>
+              </a:cxn>
+              <a:cxn ang="0">
+                <a:pos x="connsiteX12" y="connsiteY12"/>
+              </a:cxn>
+              <a:cxn ang="0">
+                <a:pos x="connsiteX13" y="connsiteY13"/>
+              </a:cxn>
+              <a:cxn ang="0">
+                <a:pos x="connsiteX14" y="connsiteY14"/>
+              </a:cxn>
+              <a:cxn ang="0">
+                <a:pos x="connsiteX15" y="connsiteY15"/>
+              </a:cxn>
+              <a:cxn ang="0">
+                <a:pos x="connsiteX16" y="connsiteY16"/>
+              </a:cxn>
+              <a:cxn ang="0">
+                <a:pos x="connsiteX17" y="connsiteY17"/>
+              </a:cxn>
+              <a:cxn ang="0">
+                <a:pos x="connsiteX18" y="connsiteY18"/>
+              </a:cxn>
+              <a:cxn ang="0">
+                <a:pos x="connsiteX19" y="connsiteY19"/>
+              </a:cxn>
+              <a:cxn ang="0">
+                <a:pos x="connsiteX20" y="connsiteY20"/>
+              </a:cxn>
+              <a:cxn ang="0">
+                <a:pos x="connsiteX21" y="connsiteY21"/>
+              </a:cxn>
+              <a:cxn ang="0">
+                <a:pos x="connsiteX22" y="connsiteY22"/>
+              </a:cxn>
+              <a:cxn ang="0">
+                <a:pos x="connsiteX23" y="connsiteY23"/>
+              </a:cxn>
+              <a:cxn ang="0">
+                <a:pos x="connsiteX24" y="connsiteY24"/>
+              </a:cxn>
+              <a:cxn ang="0">
+                <a:pos x="connsiteX25" y="connsiteY25"/>
+              </a:cxn>
+              <a:cxn ang="0">
+                <a:pos x="connsiteX26" y="connsiteY26"/>
+              </a:cxn>
+              <a:cxn ang="0">
+                <a:pos x="connsiteX27" y="connsiteY27"/>
+              </a:cxn>
+              <a:cxn ang="0">
+                <a:pos x="connsiteX28" y="connsiteY28"/>
+              </a:cxn>
+              <a:cxn ang="0">
+                <a:pos x="connsiteX29" y="connsiteY29"/>
+              </a:cxn>
+              <a:cxn ang="0">
+                <a:pos x="connsiteX30" y="connsiteY30"/>
+              </a:cxn>
+              <a:cxn ang="0">
+                <a:pos x="connsiteX31" y="connsiteY31"/>
+              </a:cxn>
+              <a:cxn ang="0">
+                <a:pos x="connsiteX32" y="connsiteY32"/>
+              </a:cxn>
+              <a:cxn ang="0">
+                <a:pos x="connsiteX33" y="connsiteY33"/>
+              </a:cxn>
+              <a:cxn ang="0">
+                <a:pos x="connsiteX34" y="connsiteY34"/>
+              </a:cxn>
+              <a:cxn ang="0">
+                <a:pos x="connsiteX35" y="connsiteY35"/>
+              </a:cxn>
+              <a:cxn ang="0">
+                <a:pos x="connsiteX36" y="connsiteY36"/>
+              </a:cxn>
+              <a:cxn ang="0">
+                <a:pos x="connsiteX37" y="connsiteY37"/>
+              </a:cxn>
+              <a:cxn ang="0">
+                <a:pos x="connsiteX38" y="connsiteY38"/>
+              </a:cxn>
+              <a:cxn ang="0">
+                <a:pos x="connsiteX39" y="connsiteY39"/>
+              </a:cxn>
+              <a:cxn ang="0">
+                <a:pos x="connsiteX40" y="connsiteY40"/>
+              </a:cxn>
+              <a:cxn ang="0">
+                <a:pos x="connsiteX41" y="connsiteY41"/>
+              </a:cxn>
+              <a:cxn ang="0">
+                <a:pos x="connsiteX42" y="connsiteY42"/>
+              </a:cxn>
+              <a:cxn ang="0">
+                <a:pos x="connsiteX43" y="connsiteY43"/>
+              </a:cxn>
+              <a:cxn ang="0">
+                <a:pos x="connsiteX44" y="connsiteY44"/>
+              </a:cxn>
+            </a:cxnLst>
+            <a:rect l="l" t="t" r="r" b="b"/>
+            <a:pathLst>
+              <a:path w="10515600" h="5416094" extrusionOk="0">
+                <a:moveTo>
+                  <a:pt x="0" y="902700"/>
+                </a:moveTo>
+                <a:cubicBezTo>
+                  <a:pt x="-57306" y="368805"/>
+                  <a:pt x="305054" y="37193"/>
+                  <a:pt x="902700" y="0"/>
+                </a:cubicBezTo>
+                <a:cubicBezTo>
+                  <a:pt x="1280419" y="-35006"/>
+                  <a:pt x="1407743" y="-35339"/>
+                  <a:pt x="1746919" y="0"/>
+                </a:cubicBezTo>
+                <a:cubicBezTo>
+                  <a:pt x="2086095" y="35339"/>
+                  <a:pt x="2146539" y="-12333"/>
+                  <a:pt x="2329833" y="0"/>
+                </a:cubicBezTo>
+                <a:cubicBezTo>
+                  <a:pt x="2513127" y="12333"/>
+                  <a:pt x="2706706" y="12952"/>
+                  <a:pt x="2825644" y="0"/>
+                </a:cubicBezTo>
+                <a:cubicBezTo>
+                  <a:pt x="2944582" y="-12952"/>
+                  <a:pt x="3420817" y="-27100"/>
+                  <a:pt x="3582762" y="0"/>
+                </a:cubicBezTo>
+                <a:cubicBezTo>
+                  <a:pt x="3744707" y="27100"/>
+                  <a:pt x="4023584" y="-9167"/>
+                  <a:pt x="4165675" y="0"/>
+                </a:cubicBezTo>
+                <a:cubicBezTo>
+                  <a:pt x="4307766" y="9167"/>
+                  <a:pt x="4770188" y="27031"/>
+                  <a:pt x="5009894" y="0"/>
+                </a:cubicBezTo>
+                <a:cubicBezTo>
+                  <a:pt x="5249600" y="-27031"/>
+                  <a:pt x="5349881" y="-194"/>
+                  <a:pt x="5505706" y="0"/>
+                </a:cubicBezTo>
+                <a:cubicBezTo>
+                  <a:pt x="5661531" y="194"/>
+                  <a:pt x="6129254" y="-29363"/>
+                  <a:pt x="6349925" y="0"/>
+                </a:cubicBezTo>
+                <a:cubicBezTo>
+                  <a:pt x="6570596" y="29363"/>
+                  <a:pt x="6581199" y="-14617"/>
+                  <a:pt x="6758634" y="0"/>
+                </a:cubicBezTo>
+                <a:cubicBezTo>
+                  <a:pt x="6936069" y="14617"/>
+                  <a:pt x="7246491" y="25675"/>
+                  <a:pt x="7428650" y="0"/>
+                </a:cubicBezTo>
+                <a:cubicBezTo>
+                  <a:pt x="7610809" y="-25675"/>
+                  <a:pt x="7825190" y="-17078"/>
+                  <a:pt x="8098665" y="0"/>
+                </a:cubicBezTo>
+                <a:cubicBezTo>
+                  <a:pt x="8372141" y="17078"/>
+                  <a:pt x="8559625" y="-21568"/>
+                  <a:pt x="8681579" y="0"/>
+                </a:cubicBezTo>
+                <a:cubicBezTo>
+                  <a:pt x="8803533" y="21568"/>
+                  <a:pt x="9307226" y="-46066"/>
+                  <a:pt x="9612900" y="0"/>
+                </a:cubicBezTo>
+                <a:cubicBezTo>
+                  <a:pt x="10119954" y="-10560"/>
+                  <a:pt x="10418674" y="366684"/>
+                  <a:pt x="10515600" y="902700"/>
+                </a:cubicBezTo>
+                <a:cubicBezTo>
+                  <a:pt x="10494548" y="1140809"/>
+                  <a:pt x="10524881" y="1252168"/>
+                  <a:pt x="10515600" y="1504482"/>
+                </a:cubicBezTo>
+                <a:cubicBezTo>
+                  <a:pt x="10506319" y="1756796"/>
+                  <a:pt x="10494309" y="1995078"/>
+                  <a:pt x="10515600" y="2178479"/>
+                </a:cubicBezTo>
+                <a:cubicBezTo>
+                  <a:pt x="10536891" y="2361880"/>
+                  <a:pt x="10522845" y="2487483"/>
+                  <a:pt x="10515600" y="2780261"/>
+                </a:cubicBezTo>
+                <a:cubicBezTo>
+                  <a:pt x="10508355" y="3073039"/>
+                  <a:pt x="10533694" y="3138252"/>
+                  <a:pt x="10515600" y="3273722"/>
+                </a:cubicBezTo>
+                <a:cubicBezTo>
+                  <a:pt x="10497506" y="3409192"/>
+                  <a:pt x="10514952" y="3569910"/>
+                  <a:pt x="10515600" y="3803291"/>
+                </a:cubicBezTo>
+                <a:cubicBezTo>
+                  <a:pt x="10516248" y="4036672"/>
+                  <a:pt x="10499126" y="4317688"/>
+                  <a:pt x="10515600" y="4513394"/>
+                </a:cubicBezTo>
+                <a:cubicBezTo>
+                  <a:pt x="10585499" y="4997151"/>
+                  <a:pt x="10115437" y="5453981"/>
+                  <a:pt x="9612900" y="5416094"/>
+                </a:cubicBezTo>
+                <a:cubicBezTo>
+                  <a:pt x="9473271" y="5418358"/>
+                  <a:pt x="9316384" y="5423764"/>
+                  <a:pt x="9117089" y="5416094"/>
+                </a:cubicBezTo>
+                <a:cubicBezTo>
+                  <a:pt x="8917794" y="5408424"/>
+                  <a:pt x="8902141" y="5433256"/>
+                  <a:pt x="8708379" y="5416094"/>
+                </a:cubicBezTo>
+                <a:cubicBezTo>
+                  <a:pt x="8514617" y="5398933"/>
+                  <a:pt x="8454700" y="5422387"/>
+                  <a:pt x="8299670" y="5416094"/>
+                </a:cubicBezTo>
+                <a:cubicBezTo>
+                  <a:pt x="8144640" y="5409801"/>
+                  <a:pt x="7907022" y="5398388"/>
+                  <a:pt x="7629654" y="5416094"/>
+                </a:cubicBezTo>
+                <a:cubicBezTo>
+                  <a:pt x="7352286" y="5433800"/>
+                  <a:pt x="7244777" y="5409877"/>
+                  <a:pt x="7133843" y="5416094"/>
+                </a:cubicBezTo>
+                <a:cubicBezTo>
+                  <a:pt x="7022909" y="5422311"/>
+                  <a:pt x="6748865" y="5379753"/>
+                  <a:pt x="6376726" y="5416094"/>
+                </a:cubicBezTo>
+                <a:cubicBezTo>
+                  <a:pt x="6004587" y="5452435"/>
+                  <a:pt x="5991442" y="5438860"/>
+                  <a:pt x="5880914" y="5416094"/>
+                </a:cubicBezTo>
+                <a:cubicBezTo>
+                  <a:pt x="5770386" y="5393328"/>
+                  <a:pt x="5294303" y="5440618"/>
+                  <a:pt x="5123797" y="5416094"/>
+                </a:cubicBezTo>
+                <a:cubicBezTo>
+                  <a:pt x="4953291" y="5391570"/>
+                  <a:pt x="4828705" y="5430421"/>
+                  <a:pt x="4715088" y="5416094"/>
+                </a:cubicBezTo>
+                <a:cubicBezTo>
+                  <a:pt x="4601471" y="5401767"/>
+                  <a:pt x="4227806" y="5381491"/>
+                  <a:pt x="3957970" y="5416094"/>
+                </a:cubicBezTo>
+                <a:cubicBezTo>
+                  <a:pt x="3688134" y="5450697"/>
+                  <a:pt x="3670638" y="5425309"/>
+                  <a:pt x="3462159" y="5416094"/>
+                </a:cubicBezTo>
+                <a:cubicBezTo>
+                  <a:pt x="3253680" y="5406879"/>
+                  <a:pt x="3167443" y="5432031"/>
+                  <a:pt x="3053449" y="5416094"/>
+                </a:cubicBezTo>
+                <a:cubicBezTo>
+                  <a:pt x="2939455" y="5400158"/>
+                  <a:pt x="2701485" y="5433995"/>
+                  <a:pt x="2557638" y="5416094"/>
+                </a:cubicBezTo>
+                <a:cubicBezTo>
+                  <a:pt x="2413791" y="5398193"/>
+                  <a:pt x="2168647" y="5424510"/>
+                  <a:pt x="1800521" y="5416094"/>
+                </a:cubicBezTo>
+                <a:cubicBezTo>
+                  <a:pt x="1432395" y="5407678"/>
+                  <a:pt x="1261364" y="5454497"/>
+                  <a:pt x="902700" y="5416094"/>
+                </a:cubicBezTo>
+                <a:cubicBezTo>
+                  <a:pt x="519468" y="5419760"/>
+                  <a:pt x="63003" y="5077223"/>
+                  <a:pt x="0" y="4513394"/>
+                </a:cubicBezTo>
+                <a:cubicBezTo>
+                  <a:pt x="-20265" y="4243495"/>
+                  <a:pt x="27650" y="4053844"/>
+                  <a:pt x="0" y="3911612"/>
+                </a:cubicBezTo>
+                <a:cubicBezTo>
+                  <a:pt x="-27650" y="3769380"/>
+                  <a:pt x="24988" y="3469350"/>
+                  <a:pt x="0" y="3309829"/>
+                </a:cubicBezTo>
+                <a:cubicBezTo>
+                  <a:pt x="-24988" y="3150308"/>
+                  <a:pt x="-16973" y="2933511"/>
+                  <a:pt x="0" y="2780261"/>
+                </a:cubicBezTo>
+                <a:cubicBezTo>
+                  <a:pt x="16973" y="2627011"/>
+                  <a:pt x="-11552" y="2315258"/>
+                  <a:pt x="0" y="2106265"/>
+                </a:cubicBezTo>
+                <a:cubicBezTo>
+                  <a:pt x="11552" y="1897272"/>
+                  <a:pt x="-9167" y="1726905"/>
+                  <a:pt x="0" y="1504482"/>
+                </a:cubicBezTo>
+                <a:cubicBezTo>
+                  <a:pt x="9167" y="1282059"/>
+                  <a:pt x="10972" y="1160784"/>
+                  <a:pt x="0" y="902700"/>
+                </a:cubicBezTo>
+                <a:close/>
+              </a:path>
+            </a:pathLst>
+          </a:custGeom>
+          <a:noFill/>
+          <a:ln w="60325" cap="rnd">
+            <a:solidFill>
+              <a:schemeClr val="tx1"/>
+            </a:solidFill>
+            <a:round/>
+            <a:extLst>
+              <a:ext uri="{C807C97D-BFC1-408E-A445-0C87EB9F89A2}">
+                <ask:lineSketchStyleProps xmlns:ask="http://schemas.microsoft.com/office/drawing/2018/sketchyshapes" sd="1219033472">
+                  <a:prstGeom prst="roundRect">
+                    <a:avLst/>
+                  </a:prstGeom>
+                  <ask:type>
+                    <ask:lineSketchFreehand/>
+                  </ask:type>
+                </ask:lineSketchStyleProps>
+              </a:ext>
+            </a:extLst>
+          </a:ln>
+        </p:spPr>
+        <p:style>
+          <a:lnRef idx="2">
+            <a:schemeClr val="accent1">
+              <a:shade val="50000"/>
+            </a:schemeClr>
+          </a:lnRef>
+          <a:fillRef idx="1">
+            <a:schemeClr val="accent1"/>
+          </a:fillRef>
+          <a:effectRef idx="0">
+            <a:schemeClr val="accent1"/>
+          </a:effectRef>
+          <a:fontRef idx="minor">
+            <a:schemeClr val="lt1"/>
+          </a:fontRef>
+        </p:style>
+        <p:txBody>
+          <a:bodyPr rtlCol="0" anchor="ctr"/>
+          <a:lstStyle/>
+          <a:p>
+            <a:pPr marL="0" marR="0" lvl="0" indent="0" algn="ctr" defTabSz="914400" rtl="0" eaLnBrk="1" fontAlgn="auto" latinLnBrk="0" hangingPunct="1">
+              <a:lnSpc>
+                <a:spcPct val="100000"/>
+              </a:lnSpc>
+              <a:spcBef>
+                <a:spcPts val="0"/>
+              </a:spcBef>
+              <a:spcAft>
+                <a:spcPts val="0"/>
+              </a:spcAft>
+              <a:buClrTx/>
+              <a:buSzTx/>
+              <a:buFontTx/>
+              <a:buNone/>
+              <a:tabLst/>
+              <a:defRPr/>
+            </a:pPr>
+            <a:endParaRPr kumimoji="0" lang="en-US" sz="1800" b="0" i="0" u="none" strike="noStrike" kern="1200" cap="none" spc="0" normalizeH="0" baseline="0" noProof="0">
+              <a:ln>
+                <a:noFill/>
+              </a:ln>
+              <a:solidFill>
+                <a:prstClr val="white"/>
+              </a:solidFill>
+              <a:effectLst/>
+              <a:uLnTx/>
+              <a:uFillTx/>
+              <a:latin typeface="The Hand"/>
+              <a:ea typeface="+mn-ea"/>
+              <a:cs typeface="+mn-cs"/>
+            </a:endParaRPr>
+          </a:p>
+        </p:txBody>
+      </p:sp>
+      <p:sp>
+        <p:nvSpPr>
+          <p:cNvPr id="5" name="TextBox 4">
+            <a:extLst>
+              <a:ext uri="{FF2B5EF4-FFF2-40B4-BE49-F238E27FC236}">
+                <a16:creationId xmlns:a16="http://schemas.microsoft.com/office/drawing/2014/main" id="{606575C4-A330-4B95-99DF-CB2A2B5DA131}"/>
+              </a:ext>
+            </a:extLst>
+          </p:cNvPr>
+          <p:cNvSpPr txBox="1"/>
+          <p:nvPr/>
+        </p:nvSpPr>
+        <p:spPr>
+          <a:xfrm>
+            <a:off x="2657476" y="4714595"/>
+            <a:ext cx="7096124" cy="646331"/>
+          </a:xfrm>
+          <a:prstGeom prst="rect">
+            <a:avLst/>
+          </a:prstGeom>
+          <a:solidFill>
+            <a:schemeClr val="bg1"/>
+          </a:solidFill>
+        </p:spPr>
+        <p:txBody>
+          <a:bodyPr wrap="square" rtlCol="0">
+            <a:spAutoFit/>
+          </a:bodyPr>
+          <a:lstStyle/>
+          <a:p>
+            <a:pPr marL="0" marR="0" lvl="0" indent="0" algn="l" defTabSz="914400" rtl="0" eaLnBrk="1" fontAlgn="auto" latinLnBrk="0" hangingPunct="1">
+              <a:lnSpc>
+                <a:spcPct val="100000"/>
+              </a:lnSpc>
+              <a:spcBef>
+                <a:spcPts val="0"/>
+              </a:spcBef>
+              <a:spcAft>
+                <a:spcPts val="0"/>
+              </a:spcAft>
+              <a:buClrTx/>
+              <a:buSzTx/>
+              <a:buFontTx/>
+              <a:buNone/>
+              <a:tabLst/>
+              <a:defRPr/>
+            </a:pPr>
+            <a:r>
+              <a:rPr kumimoji="0" lang="en-IN" sz="3600" b="0" i="0" u="none" strike="noStrike" kern="1200" cap="none" spc="0" normalizeH="0" baseline="0" noProof="0" dirty="0">
+                <a:ln>
+                  <a:noFill/>
+                </a:ln>
+                <a:solidFill>
+                  <a:prstClr val="white"/>
+                </a:solidFill>
+                <a:effectLst/>
+                <a:uLnTx/>
+                <a:uFillTx/>
+                <a:latin typeface="Algerian" panose="04020705040A02060702" pitchFamily="82" charset="0"/>
+                <a:ea typeface="+mn-ea"/>
+                <a:cs typeface="+mn-cs"/>
+              </a:rPr>
+              <a:t>Upload | DOWNLOAD | RENDER</a:t>
+            </a:r>
+          </a:p>
+        </p:txBody>
+      </p:sp>
+      <p:sp>
+        <p:nvSpPr>
+          <p:cNvPr id="3" name="Rectangle 2">
+            <a:extLst>
+              <a:ext uri="{FF2B5EF4-FFF2-40B4-BE49-F238E27FC236}">
+                <a16:creationId xmlns:a16="http://schemas.microsoft.com/office/drawing/2014/main" id="{295F4498-C0DE-417D-AC28-BE5605B23AFD}"/>
+              </a:ext>
+            </a:extLst>
+          </p:cNvPr>
+          <p:cNvSpPr/>
+          <p:nvPr/>
+        </p:nvSpPr>
+        <p:spPr>
+          <a:xfrm>
+            <a:off x="4274308" y="5397834"/>
+            <a:ext cx="3643384" cy="461665"/>
+          </a:xfrm>
+          <a:prstGeom prst="rect">
+            <a:avLst/>
+          </a:prstGeom>
+        </p:spPr>
+        <p:txBody>
+          <a:bodyPr wrap="square" anchor="ctr">
+            <a:spAutoFit/>
+          </a:bodyPr>
+          <a:lstStyle/>
+          <a:p>
+            <a:pPr marL="0" marR="0" lvl="0" indent="0" algn="ctr" defTabSz="914400" rtl="0" eaLnBrk="1" fontAlgn="auto" latinLnBrk="0" hangingPunct="1">
+              <a:lnSpc>
+                <a:spcPct val="100000"/>
+              </a:lnSpc>
+              <a:spcBef>
+                <a:spcPts val="0"/>
+              </a:spcBef>
+              <a:spcAft>
+                <a:spcPts val="0"/>
+              </a:spcAft>
+              <a:buClrTx/>
+              <a:buSzTx/>
+              <a:buFontTx/>
+              <a:buNone/>
+              <a:tabLst/>
+              <a:defRPr/>
+            </a:pPr>
+            <a:r>
+              <a:rPr kumimoji="0" lang="en-IN" sz="2400" b="1" i="0" u="none" strike="noStrike" kern="1200" cap="none" spc="0" normalizeH="0" baseline="0" noProof="0" dirty="0">
+                <a:ln>
+                  <a:noFill/>
+                </a:ln>
+                <a:solidFill>
+                  <a:srgbClr val="92D050"/>
+                </a:solidFill>
+                <a:effectLst/>
+                <a:uLnTx/>
+                <a:uFillTx/>
+                <a:latin typeface="Colonna MT" panose="04020805060202030203" pitchFamily="82" charset="0"/>
+                <a:ea typeface="+mn-ea"/>
+                <a:cs typeface="+mn-cs"/>
+              </a:rPr>
+              <a:t>#RandomButAwesome_GL</a:t>
+            </a:r>
+            <a:endParaRPr kumimoji="0" lang="en-IN" sz="2400" b="0" i="0" u="none" strike="noStrike" kern="1200" cap="none" spc="0" normalizeH="0" baseline="0" noProof="0" dirty="0">
+              <a:ln>
+                <a:noFill/>
+              </a:ln>
+              <a:solidFill>
+                <a:prstClr val="white"/>
+              </a:solidFill>
+              <a:effectLst/>
+              <a:uLnTx/>
+              <a:uFillTx/>
+              <a:latin typeface="The Hand"/>
+              <a:ea typeface="+mn-ea"/>
+              <a:cs typeface="+mn-cs"/>
+            </a:endParaRPr>
+          </a:p>
+        </p:txBody>
+      </p:sp>
+      <mc:AlternateContent xmlns:mc="http://schemas.openxmlformats.org/markup-compatibility/2006" xmlns:p14="http://schemas.microsoft.com/office/powerpoint/2010/main">
+        <mc:Choice Requires="p14">
+          <p:contentPart p14:bwMode="auto" r:id="rId3">
+            <p14:nvContentPartPr>
+              <p14:cNvPr id="7" name="Ink 6">
+                <a:extLst>
+                  <a:ext uri="{FF2B5EF4-FFF2-40B4-BE49-F238E27FC236}">
+                    <a16:creationId xmlns:a16="http://schemas.microsoft.com/office/drawing/2014/main" id="{59E9597F-7ED4-4FCE-B06C-C2DD2F8EB5E1}"/>
+                  </a:ext>
+                </a:extLst>
+              </p14:cNvPr>
+              <p14:cNvContentPartPr/>
+              <p14:nvPr/>
+            </p14:nvContentPartPr>
+            <p14:xfrm>
+              <a:off x="8563680" y="739080"/>
+              <a:ext cx="1623960" cy="4622400"/>
+            </p14:xfrm>
+          </p:contentPart>
+        </mc:Choice>
+        <mc:Fallback xmlns="">
+          <p:pic>
+            <p:nvPicPr>
+              <p:cNvPr id="7" name="Ink 6">
+                <a:extLst>
+                  <a:ext uri="{FF2B5EF4-FFF2-40B4-BE49-F238E27FC236}">
+                    <a16:creationId xmlns:a16="http://schemas.microsoft.com/office/drawing/2014/main" id="{59E9597F-7ED4-4FCE-B06C-C2DD2F8EB5E1}"/>
+                  </a:ext>
+                </a:extLst>
+              </p:cNvPr>
+              <p:cNvPicPr/>
+              <p:nvPr/>
+            </p:nvPicPr>
+            <p:blipFill>
+              <a:blip r:embed="rId4"/>
+              <a:stretch>
+                <a:fillRect/>
+              </a:stretch>
+            </p:blipFill>
+            <p:spPr>
+              <a:xfrm>
+                <a:off x="8554320" y="729720"/>
+                <a:ext cx="1642680" cy="4641120"/>
+              </a:xfrm>
+              <a:prstGeom prst="rect">
+                <a:avLst/>
+              </a:prstGeom>
+            </p:spPr>
+          </p:pic>
+        </mc:Fallback>
+      </mc:AlternateContent>
+      <p:sp>
+        <p:nvSpPr>
+          <p:cNvPr id="8" name="Rectangle: Rounded Corners 7">
+            <a:extLst>
+              <a:ext uri="{FF2B5EF4-FFF2-40B4-BE49-F238E27FC236}">
+                <a16:creationId xmlns:a16="http://schemas.microsoft.com/office/drawing/2014/main" id="{52E3B5CE-4153-4EEB-82CB-30792EEC18E6}"/>
+              </a:ext>
+            </a:extLst>
+          </p:cNvPr>
+          <p:cNvSpPr/>
+          <p:nvPr/>
+        </p:nvSpPr>
+        <p:spPr>
+          <a:xfrm>
+            <a:off x="142875" y="246059"/>
+            <a:ext cx="3831331" cy="1582742"/>
+          </a:xfrm>
+          <a:prstGeom prst="roundRect">
+            <a:avLst/>
+          </a:prstGeom>
+        </p:spPr>
+        <p:style>
+          <a:lnRef idx="2">
+            <a:schemeClr val="dk1">
+              <a:shade val="50000"/>
+            </a:schemeClr>
+          </a:lnRef>
+          <a:fillRef idx="1">
+            <a:schemeClr val="dk1"/>
+          </a:fillRef>
+          <a:effectRef idx="0">
+            <a:schemeClr val="dk1"/>
+          </a:effectRef>
+          <a:fontRef idx="minor">
+            <a:schemeClr val="lt1"/>
+          </a:fontRef>
+        </p:style>
+        <p:txBody>
+          <a:bodyPr rtlCol="0" anchor="ctr"/>
+          <a:lstStyle/>
+          <a:p>
+            <a:pPr marL="0" marR="0" lvl="0" indent="0" algn="ctr" defTabSz="914400" rtl="0" eaLnBrk="1" fontAlgn="auto" latinLnBrk="0" hangingPunct="1">
+              <a:lnSpc>
+                <a:spcPct val="100000"/>
+              </a:lnSpc>
+              <a:spcBef>
+                <a:spcPts val="0"/>
+              </a:spcBef>
+              <a:spcAft>
+                <a:spcPts val="0"/>
+              </a:spcAft>
+              <a:buClrTx/>
+              <a:buSzTx/>
+              <a:buFontTx/>
+              <a:buNone/>
+              <a:tabLst/>
+              <a:defRPr/>
+            </a:pPr>
+            <a:r>
+              <a:rPr kumimoji="0" lang="en-IN" sz="6000" b="0" i="0" u="none" strike="noStrike" kern="1200" cap="none" spc="0" normalizeH="0" baseline="0" noProof="0" dirty="0">
+                <a:ln>
+                  <a:noFill/>
+                </a:ln>
+                <a:solidFill>
+                  <a:srgbClr val="FF0000"/>
+                </a:solidFill>
+                <a:effectLst/>
+                <a:uLnTx/>
+                <a:uFillTx/>
+                <a:latin typeface="Algerian" panose="04020705040A02060702" pitchFamily="82" charset="0"/>
+                <a:ea typeface="+mn-ea"/>
+                <a:cs typeface="+mn-cs"/>
+              </a:rPr>
+              <a:t>Client Service</a:t>
+            </a:r>
+          </a:p>
+        </p:txBody>
+      </p:sp>
+      <p:sp>
+        <p:nvSpPr>
+          <p:cNvPr id="6" name="Arrow: Right 5">
+            <a:extLst>
+              <a:ext uri="{FF2B5EF4-FFF2-40B4-BE49-F238E27FC236}">
+                <a16:creationId xmlns:a16="http://schemas.microsoft.com/office/drawing/2014/main" id="{775C1D8D-2309-4281-B327-240718A96DFB}"/>
+              </a:ext>
+            </a:extLst>
+          </p:cNvPr>
+          <p:cNvSpPr/>
+          <p:nvPr/>
+        </p:nvSpPr>
+        <p:spPr>
+          <a:xfrm>
+            <a:off x="3964682" y="945910"/>
+            <a:ext cx="2255144" cy="487133"/>
+          </a:xfrm>
+          <a:prstGeom prst="rightArrow">
+            <a:avLst/>
+          </a:prstGeom>
+          <a:solidFill>
+            <a:schemeClr val="bg1"/>
+          </a:solidFill>
+        </p:spPr>
+        <p:style>
+          <a:lnRef idx="1">
+            <a:schemeClr val="accent3"/>
+          </a:lnRef>
+          <a:fillRef idx="3">
+            <a:schemeClr val="accent3"/>
+          </a:fillRef>
+          <a:effectRef idx="2">
+            <a:schemeClr val="accent3"/>
+          </a:effectRef>
+          <a:fontRef idx="minor">
+            <a:schemeClr val="lt1"/>
+          </a:fontRef>
+        </p:style>
+        <p:txBody>
+          <a:bodyPr rtlCol="0" anchor="ctr"/>
+          <a:lstStyle/>
+          <a:p>
+            <a:pPr algn="ctr"/>
+            <a:endParaRPr lang="en-IN" dirty="0"/>
+          </a:p>
+        </p:txBody>
+      </p:sp>
+      <p:sp>
+        <p:nvSpPr>
+          <p:cNvPr id="10" name="Arrow: U-Turn 9">
+            <a:extLst>
+              <a:ext uri="{FF2B5EF4-FFF2-40B4-BE49-F238E27FC236}">
+                <a16:creationId xmlns:a16="http://schemas.microsoft.com/office/drawing/2014/main" id="{DD9F0E72-D130-4170-81A9-AC1832EF4E2C}"/>
+              </a:ext>
+            </a:extLst>
+          </p:cNvPr>
+          <p:cNvSpPr/>
+          <p:nvPr/>
+        </p:nvSpPr>
+        <p:spPr>
+          <a:xfrm>
+            <a:off x="8563680" y="188621"/>
+            <a:ext cx="2562216" cy="845515"/>
+          </a:xfrm>
+          <a:prstGeom prst="uturnArrow">
+            <a:avLst/>
+          </a:prstGeom>
+          <a:solidFill>
+            <a:schemeClr val="bg1"/>
+          </a:solidFill>
+        </p:spPr>
+        <p:style>
+          <a:lnRef idx="0">
+            <a:schemeClr val="accent3"/>
+          </a:lnRef>
+          <a:fillRef idx="3">
+            <a:schemeClr val="accent3"/>
+          </a:fillRef>
+          <a:effectRef idx="3">
+            <a:schemeClr val="accent3"/>
+          </a:effectRef>
+          <a:fontRef idx="minor">
+            <a:schemeClr val="lt1"/>
+          </a:fontRef>
+        </p:style>
+        <p:txBody>
+          <a:bodyPr rtlCol="0" anchor="ctr"/>
+          <a:lstStyle/>
+          <a:p>
+            <a:pPr algn="ctr"/>
+            <a:endParaRPr lang="en-IN" dirty="0">
+              <a:solidFill>
+                <a:schemeClr val="tx1"/>
+              </a:solidFill>
+            </a:endParaRPr>
+          </a:p>
+        </p:txBody>
+      </p:sp>
+      <p:sp>
+        <p:nvSpPr>
+          <p:cNvPr id="12" name="Rectangle: Rounded Corners 11">
+            <a:extLst>
+              <a:ext uri="{FF2B5EF4-FFF2-40B4-BE49-F238E27FC236}">
+                <a16:creationId xmlns:a16="http://schemas.microsoft.com/office/drawing/2014/main" id="{954A02F2-5FAE-4EE9-852B-CF7A690B2C85}"/>
+              </a:ext>
+            </a:extLst>
+          </p:cNvPr>
+          <p:cNvSpPr/>
+          <p:nvPr/>
+        </p:nvSpPr>
+        <p:spPr>
+          <a:xfrm>
+            <a:off x="6210301" y="720953"/>
+            <a:ext cx="3429000" cy="838746"/>
+          </a:xfrm>
+          <a:prstGeom prst="roundRect">
+            <a:avLst/>
+          </a:prstGeom>
+        </p:spPr>
+        <p:style>
+          <a:lnRef idx="2">
+            <a:schemeClr val="dk1">
+              <a:shade val="50000"/>
+            </a:schemeClr>
+          </a:lnRef>
+          <a:fillRef idx="1">
+            <a:schemeClr val="dk1"/>
+          </a:fillRef>
+          <a:effectRef idx="0">
+            <a:schemeClr val="dk1"/>
+          </a:effectRef>
+          <a:fontRef idx="minor">
+            <a:schemeClr val="lt1"/>
+          </a:fontRef>
+        </p:style>
+        <p:txBody>
+          <a:bodyPr rtlCol="0" anchor="ctr"/>
+          <a:lstStyle/>
+          <a:p>
+            <a:pPr marL="0" marR="0" lvl="0" indent="0" algn="ctr" defTabSz="914400" rtl="0" eaLnBrk="1" fontAlgn="auto" latinLnBrk="0" hangingPunct="1">
+              <a:lnSpc>
+                <a:spcPct val="100000"/>
+              </a:lnSpc>
+              <a:spcBef>
+                <a:spcPts val="0"/>
+              </a:spcBef>
+              <a:spcAft>
+                <a:spcPts val="0"/>
+              </a:spcAft>
+              <a:buClrTx/>
+              <a:buSzTx/>
+              <a:buFontTx/>
+              <a:buNone/>
+              <a:tabLst/>
+              <a:defRPr/>
+            </a:pPr>
+            <a:r>
+              <a:rPr kumimoji="0" lang="en-IN" sz="2000" b="0" i="0" u="none" strike="noStrike" kern="1200" cap="none" spc="0" normalizeH="0" baseline="0" noProof="0" dirty="0">
+                <a:ln>
+                  <a:noFill/>
+                </a:ln>
+                <a:solidFill>
+                  <a:srgbClr val="FF0000"/>
+                </a:solidFill>
+                <a:effectLst/>
+                <a:uLnTx/>
+                <a:uFillTx/>
+                <a:latin typeface="Algerian" panose="04020705040A02060702" pitchFamily="82" charset="0"/>
+                <a:ea typeface="+mn-ea"/>
+                <a:cs typeface="+mn-cs"/>
+              </a:rPr>
+              <a:t>Calling</a:t>
+            </a:r>
+          </a:p>
+          <a:p>
+            <a:pPr marL="0" marR="0" lvl="0" indent="0" algn="ctr" defTabSz="914400" rtl="0" eaLnBrk="1" fontAlgn="auto" latinLnBrk="0" hangingPunct="1">
+              <a:lnSpc>
+                <a:spcPct val="100000"/>
+              </a:lnSpc>
+              <a:spcBef>
+                <a:spcPts val="0"/>
+              </a:spcBef>
+              <a:spcAft>
+                <a:spcPts val="0"/>
+              </a:spcAft>
+              <a:buClrTx/>
+              <a:buSzTx/>
+              <a:buFontTx/>
+              <a:buNone/>
+              <a:tabLst/>
+              <a:defRPr/>
+            </a:pPr>
+            <a:r>
+              <a:rPr lang="en-IN" sz="2000" dirty="0">
+                <a:solidFill>
+                  <a:srgbClr val="FF0000"/>
+                </a:solidFill>
+                <a:latin typeface="Algerian" panose="04020705040A02060702" pitchFamily="82" charset="0"/>
+              </a:rPr>
+              <a:t>programmatically</a:t>
+            </a:r>
+            <a:endParaRPr kumimoji="0" lang="en-IN" sz="2000" b="0" i="0" u="none" strike="noStrike" kern="1200" cap="none" spc="0" normalizeH="0" baseline="0" noProof="0" dirty="0">
+              <a:ln>
+                <a:noFill/>
+              </a:ln>
+              <a:solidFill>
+                <a:srgbClr val="FF0000"/>
+              </a:solidFill>
+              <a:effectLst/>
+              <a:uLnTx/>
+              <a:uFillTx/>
+              <a:latin typeface="Algerian" panose="04020705040A02060702" pitchFamily="82" charset="0"/>
+              <a:ea typeface="+mn-ea"/>
+              <a:cs typeface="+mn-cs"/>
+            </a:endParaRPr>
+          </a:p>
+        </p:txBody>
+      </p:sp>
+    </p:spTree>
+    <p:extLst>
+      <p:ext uri="{BB962C8B-B14F-4D97-AF65-F5344CB8AC3E}">
+        <p14:creationId xmlns:p14="http://schemas.microsoft.com/office/powerpoint/2010/main" val="1700750808"/>
+      </p:ext>
+    </p:extLst>
+  </p:cSld>
+  <p:clrMapOvr>
+    <a:overrideClrMapping bg1="dk1" tx1="lt1" bg2="dk2" tx2="lt2" accent1="accent1" accent2="accent2" accent3="accent3" accent4="accent4" accent5="accent5" accent6="accent6" hlink="hlink" folHlink="folHlink"/>
+  </p:clrMapOvr>
+  <mc:AlternateContent xmlns:mc="http://schemas.openxmlformats.org/markup-compatibility/2006" xmlns:p15="http://schemas.microsoft.com/office/powerpoint/2012/main">
+    <mc:Choice Requires="p15">
+      <p:transition xmlns:p14="http://schemas.microsoft.com/office/powerpoint/2010/main" spd="slow" p14:dur="1250">
+        <p15:prstTrans prst="airplane"/>
+      </p:transition>
+    </mc:Choice>
+    <mc:Fallback xmlns="">
+      <p:transition spd="slow">
+        <p:fade/>
+      </p:transition>
+    </mc:Fallback>
+  </mc:AlternateContent>
+</p:sld>
+</file>
+
+<file path=ppt/slides/slide7.xml><?xml version="1.0" encoding="utf-8"?>
+<p:sld xmlns:a="http://schemas.openxmlformats.org/drawingml/2006/main" xmlns:r="http://schemas.openxmlformats.org/officeDocument/2006/relationships" xmlns:p="http://schemas.openxmlformats.org/presentationml/2006/main" showMasterSp="0">
+  <p:cSld>
+    <p:spTree>
+      <p:nvGrpSpPr>
+        <p:cNvPr id="1" name=""/>
+        <p:cNvGrpSpPr/>
+        <p:nvPr/>
+      </p:nvGrpSpPr>
+      <p:grpSpPr>
+        <a:xfrm>
+          <a:off x="0" y="0"/>
+          <a:ext cx="0" cy="0"/>
+          <a:chOff x="0" y="0"/>
+          <a:chExt cx="0" cy="0"/>
+        </a:xfrm>
+      </p:grpSpPr>
+    </p:spTree>
+    <p:extLst>
+      <p:ext uri="{BB962C8B-B14F-4D97-AF65-F5344CB8AC3E}">
+        <p14:creationId xmlns:p14="http://schemas.microsoft.com/office/powerpoint/2010/main" val="2044611315"/>
       </p:ext>
     </p:extLst>
   </p:cSld>
